--- a/Presentations/[DRAFT]HRI_Metadata_Schema_ImagingGroup_KickOff.pptx
+++ b/Presentations/[DRAFT]HRI_Metadata_Schema_ImagingGroup_KickOff.pptx
@@ -28,10 +28,10 @@
     <p:sldId id="267" r:id="rId19"/>
     <p:sldId id="278" r:id="rId20"/>
     <p:sldId id="277" r:id="rId21"/>
-    <p:sldId id="279" r:id="rId22"/>
-    <p:sldId id="268" r:id="rId23"/>
-    <p:sldId id="270" r:id="rId24"/>
-    <p:sldId id="271" r:id="rId25"/>
+    <p:sldId id="270" r:id="rId22"/>
+    <p:sldId id="279" r:id="rId23"/>
+    <p:sldId id="271" r:id="rId24"/>
+    <p:sldId id="268" r:id="rId25"/>
   </p:sldIdLst>
   <p:sldSz cx="9144000" cy="5143500" type="screen16x9"/>
   <p:notesSz cx="6858000" cy="9144000"/>
@@ -56,6 +56,13 @@
       <p:bold r:id="rId36"/>
       <p:italic r:id="rId37"/>
       <p:boldItalic r:id="rId38"/>
+    </p:embeddedFont>
+    <p:embeddedFont>
+      <p:font typeface="Source Sans Pro" panose="020B0503030403020204" pitchFamily="34" charset="0"/>
+      <p:regular r:id="rId39"/>
+      <p:bold r:id="rId40"/>
+      <p:italic r:id="rId41"/>
+      <p:boldItalic r:id="rId42"/>
     </p:embeddedFont>
   </p:embeddedFontLst>
   <p:defaultTextStyle>
@@ -1453,7 +1460,7 @@
   <p:cSld>
     <p:spTree>
       <p:nvGrpSpPr>
-        <p:cNvPr id="1" name="Shape 162"/>
+        <p:cNvPr id="1" name="Shape 218"/>
         <p:cNvGrpSpPr/>
         <p:nvPr/>
       </p:nvGrpSpPr>
@@ -1467,7 +1474,7 @@
       </p:grpSpPr>
       <p:sp>
         <p:nvSpPr>
-          <p:cNvPr id="163" name="Google Shape;163;g249d16b04f2_0_51:notes"/>
+          <p:cNvPr id="219" name="Google Shape;219;g24bc57abd04_0_142:notes"/>
           <p:cNvSpPr>
             <a:spLocks noGrp="1" noRot="1" noChangeAspect="1"/>
           </p:cNvSpPr>
@@ -1508,7 +1515,7 @@
       </p:sp>
       <p:sp>
         <p:nvSpPr>
-          <p:cNvPr id="164" name="Google Shape;164;g249d16b04f2_0_51:notes"/>
+          <p:cNvPr id="220" name="Google Shape;220;g24bc57abd04_0_142:notes"/>
           <p:cNvSpPr txBox="1">
             <a:spLocks noGrp="1"/>
           </p:cNvSpPr>
@@ -1557,7 +1564,7 @@
   <p:cSld>
     <p:spTree>
       <p:nvGrpSpPr>
-        <p:cNvPr id="1" name="Shape 218"/>
+        <p:cNvPr id="1" name="Shape 226"/>
         <p:cNvGrpSpPr/>
         <p:nvPr/>
       </p:nvGrpSpPr>
@@ -1571,7 +1578,7 @@
       </p:grpSpPr>
       <p:sp>
         <p:nvSpPr>
-          <p:cNvPr id="219" name="Google Shape;219;g24bc57abd04_0_142:notes"/>
+          <p:cNvPr id="227" name="Google Shape;227;g24bc57abd04_0_148:notes"/>
           <p:cNvSpPr>
             <a:spLocks noGrp="1" noRot="1" noChangeAspect="1"/>
           </p:cNvSpPr>
@@ -1612,7 +1619,7 @@
       </p:sp>
       <p:sp>
         <p:nvSpPr>
-          <p:cNvPr id="220" name="Google Shape;220;g24bc57abd04_0_142:notes"/>
+          <p:cNvPr id="228" name="Google Shape;228;g24bc57abd04_0_148:notes"/>
           <p:cNvSpPr txBox="1">
             <a:spLocks noGrp="1"/>
           </p:cNvSpPr>
@@ -1661,7 +1668,7 @@
   <p:cSld>
     <p:spTree>
       <p:nvGrpSpPr>
-        <p:cNvPr id="1" name="Shape 226"/>
+        <p:cNvPr id="1" name="Shape 162"/>
         <p:cNvGrpSpPr/>
         <p:nvPr/>
       </p:nvGrpSpPr>
@@ -1675,7 +1682,7 @@
       </p:grpSpPr>
       <p:sp>
         <p:nvSpPr>
-          <p:cNvPr id="227" name="Google Shape;227;g24bc57abd04_0_148:notes"/>
+          <p:cNvPr id="163" name="Google Shape;163;g249d16b04f2_0_51:notes"/>
           <p:cNvSpPr>
             <a:spLocks noGrp="1" noRot="1" noChangeAspect="1"/>
           </p:cNvSpPr>
@@ -1685,7 +1692,7 @@
         </p:nvSpPr>
         <p:spPr>
           <a:xfrm>
-            <a:off x="381300" y="685800"/>
+            <a:off x="381000" y="685800"/>
             <a:ext cx="6096000" cy="3429000"/>
           </a:xfrm>
           <a:custGeom>
@@ -1716,7 +1723,7 @@
       </p:sp>
       <p:sp>
         <p:nvSpPr>
-          <p:cNvPr id="228" name="Google Shape;228;g24bc57abd04_0_148:notes"/>
+          <p:cNvPr id="164" name="Google Shape;164;g249d16b04f2_0_51:notes"/>
           <p:cNvSpPr txBox="1">
             <a:spLocks noGrp="1"/>
           </p:cNvSpPr>
@@ -9055,8 +9062,8 @@
         </p:nvSpPr>
         <p:spPr>
           <a:xfrm>
-            <a:off x="729625" y="3172900"/>
-            <a:ext cx="7688100" cy="1730400"/>
+            <a:off x="433790" y="3083253"/>
+            <a:ext cx="8477128" cy="1730400"/>
           </a:xfrm>
           <a:prstGeom prst="rect">
             <a:avLst/>
@@ -9064,7 +9071,7 @@
         </p:spPr>
         <p:txBody>
           <a:bodyPr spcFirstLastPara="1" wrap="square" lIns="91425" tIns="91425" rIns="91425" bIns="91425" anchor="t" anchorCtr="0">
-            <a:normAutofit fontScale="85000" lnSpcReduction="20000"/>
+            <a:normAutofit fontScale="85000" lnSpcReduction="10000"/>
           </a:bodyPr>
           <a:lstStyle/>
           <a:p>
@@ -11257,7 +11264,12 @@
             <p:ph type="title"/>
           </p:nvPr>
         </p:nvSpPr>
-        <p:spPr/>
+        <p:spPr>
+          <a:xfrm>
+            <a:off x="451544" y="1327614"/>
+            <a:ext cx="7688700" cy="535200"/>
+          </a:xfrm>
+        </p:spPr>
         <p:txBody>
           <a:bodyPr>
             <a:normAutofit fontScale="90000"/>
@@ -11297,7 +11309,7 @@
             </a:pPr>
             <a:r>
               <a:rPr lang="en-NL" dirty="0"/>
-              <a:t>Mapp your requirements to the existing standards and reuse if applicable. </a:t>
+              <a:t>Map your requirements to the existing standards and reuse if applicable. </a:t>
             </a:r>
           </a:p>
           <a:p>
@@ -11564,7 +11576,7 @@
           <a:p>
             <a:r>
               <a:rPr lang="en-NL" dirty="0"/>
-              <a:t>Map your model to HRI core metatda model</a:t>
+              <a:t>Map your first model to HRI core metatda model</a:t>
             </a:r>
           </a:p>
         </p:txBody>
@@ -11603,6 +11615,23 @@
               <a:rPr lang="en-NL" dirty="0"/>
               <a:t>o be interoperable with HRI Portal</a:t>
             </a:r>
+          </a:p>
+          <a:p>
+            <a:r>
+              <a:rPr lang="en-NL" dirty="0"/>
+              <a:t>Semantic mapping -- </a:t>
+            </a:r>
+            <a:r>
+              <a:rPr lang="en-GB" b="0" i="0" dirty="0">
+                <a:solidFill>
+                  <a:srgbClr val="323E48"/>
+                </a:solidFill>
+                <a:effectLst/>
+                <a:latin typeface="Source Sans Pro" panose="020B0503030403020204" pitchFamily="34" charset="0"/>
+              </a:rPr>
+              <a:t>Match source fields to destination fields</a:t>
+            </a:r>
+            <a:endParaRPr lang="en-NL" dirty="0"/>
           </a:p>
           <a:p>
             <a:pPr marL="146050" indent="0">
@@ -11654,6 +11683,303 @@
   <p:cSld>
     <p:spTree>
       <p:nvGrpSpPr>
+        <p:cNvPr id="1" name="Shape 221"/>
+        <p:cNvGrpSpPr/>
+        <p:nvPr/>
+      </p:nvGrpSpPr>
+      <p:grpSpPr>
+        <a:xfrm>
+          <a:off x="0" y="0"/>
+          <a:ext cx="0" cy="0"/>
+          <a:chOff x="0" y="0"/>
+          <a:chExt cx="0" cy="0"/>
+        </a:xfrm>
+      </p:grpSpPr>
+      <p:sp>
+        <p:nvSpPr>
+          <p:cNvPr id="222" name="Google Shape;222;p27"/>
+          <p:cNvSpPr txBox="1">
+            <a:spLocks noGrp="1"/>
+          </p:cNvSpPr>
+          <p:nvPr>
+            <p:ph type="title"/>
+          </p:nvPr>
+        </p:nvSpPr>
+        <p:spPr>
+          <a:xfrm>
+            <a:off x="729450" y="1318650"/>
+            <a:ext cx="7688700" cy="535200"/>
+          </a:xfrm>
+          <a:prstGeom prst="rect">
+            <a:avLst/>
+          </a:prstGeom>
+        </p:spPr>
+        <p:txBody>
+          <a:bodyPr spcFirstLastPara="1" wrap="square" lIns="91425" tIns="91425" rIns="91425" bIns="91425" anchor="t" anchorCtr="0">
+            <a:normAutofit fontScale="90000"/>
+          </a:bodyPr>
+          <a:lstStyle/>
+          <a:p>
+            <a:pPr marL="0" lvl="0" indent="0" algn="l" rtl="0">
+              <a:spcBef>
+                <a:spcPts val="0"/>
+              </a:spcBef>
+              <a:spcAft>
+                <a:spcPts val="0"/>
+              </a:spcAft>
+              <a:buNone/>
+            </a:pPr>
+            <a:r>
+              <a:rPr lang="en-GB" dirty="0"/>
+              <a:t>Take away -- TMI - What do I do now? </a:t>
+            </a:r>
+            <a:endParaRPr dirty="0"/>
+          </a:p>
+        </p:txBody>
+      </p:sp>
+      <p:sp>
+        <p:nvSpPr>
+          <p:cNvPr id="223" name="Google Shape;223;p27"/>
+          <p:cNvSpPr txBox="1">
+            <a:spLocks noGrp="1"/>
+          </p:cNvSpPr>
+          <p:nvPr>
+            <p:ph type="body" idx="1"/>
+          </p:nvPr>
+        </p:nvSpPr>
+        <p:spPr>
+          <a:xfrm>
+            <a:off x="729450" y="2078875"/>
+            <a:ext cx="7688700" cy="2261100"/>
+          </a:xfrm>
+          <a:prstGeom prst="rect">
+            <a:avLst/>
+          </a:prstGeom>
+        </p:spPr>
+        <p:txBody>
+          <a:bodyPr spcFirstLastPara="1" wrap="square" lIns="91425" tIns="91425" rIns="91425" bIns="91425" anchor="t" anchorCtr="0">
+            <a:normAutofit/>
+          </a:bodyPr>
+          <a:lstStyle/>
+          <a:p>
+            <a:pPr marL="457200" lvl="0" indent="-311150" algn="l" rtl="0">
+              <a:spcBef>
+                <a:spcPts val="0"/>
+              </a:spcBef>
+              <a:spcAft>
+                <a:spcPts val="0"/>
+              </a:spcAft>
+              <a:buSzPts val="1300"/>
+              <a:buChar char="●"/>
+            </a:pPr>
+            <a:r>
+              <a:rPr lang="en-GB" dirty="0"/>
+              <a:t>Identify pre-existing standards in your field (see X-Omics Project, ISA Tab)</a:t>
+            </a:r>
+            <a:endParaRPr dirty="0"/>
+          </a:p>
+          <a:p>
+            <a:pPr marL="457200" lvl="0" indent="-311150" algn="l" rtl="0">
+              <a:spcBef>
+                <a:spcPts val="0"/>
+              </a:spcBef>
+              <a:spcAft>
+                <a:spcPts val="0"/>
+              </a:spcAft>
+              <a:buSzPts val="1300"/>
+              <a:buChar char="●"/>
+            </a:pPr>
+            <a:r>
+              <a:rPr lang="en-GB" dirty="0"/>
+              <a:t>Find your main classes (datasets?)</a:t>
+            </a:r>
+            <a:endParaRPr dirty="0"/>
+          </a:p>
+          <a:p>
+            <a:pPr marL="457200" lvl="0" indent="-311150" algn="l" rtl="0">
+              <a:spcBef>
+                <a:spcPts val="0"/>
+              </a:spcBef>
+              <a:spcAft>
+                <a:spcPts val="0"/>
+              </a:spcAft>
+              <a:buSzPts val="1300"/>
+              <a:buChar char="●"/>
+            </a:pPr>
+            <a:r>
+              <a:rPr lang="en-GB" dirty="0"/>
+              <a:t>Describe your main classes properties </a:t>
+            </a:r>
+            <a:endParaRPr dirty="0"/>
+          </a:p>
+          <a:p>
+            <a:pPr marL="457200" lvl="0" indent="-311150" algn="l" rtl="0">
+              <a:spcBef>
+                <a:spcPts val="0"/>
+              </a:spcBef>
+              <a:spcAft>
+                <a:spcPts val="0"/>
+              </a:spcAft>
+              <a:buSzPts val="1300"/>
+              <a:buChar char="●"/>
+            </a:pPr>
+            <a:r>
+              <a:rPr lang="en-GB" dirty="0"/>
+              <a:t>Request Rob (or Jeroen) for GitHub access</a:t>
+            </a:r>
+            <a:endParaRPr dirty="0"/>
+          </a:p>
+          <a:p>
+            <a:pPr marL="457200" lvl="0" indent="-311150" algn="l" rtl="0">
+              <a:spcBef>
+                <a:spcPts val="0"/>
+              </a:spcBef>
+              <a:spcAft>
+                <a:spcPts val="0"/>
+              </a:spcAft>
+              <a:buSzPts val="1300"/>
+              <a:buChar char="●"/>
+            </a:pPr>
+            <a:r>
+              <a:rPr lang="en-GB" dirty="0"/>
+              <a:t>Keep your versioning in GitHub 🌻</a:t>
+            </a:r>
+            <a:endParaRPr dirty="0"/>
+          </a:p>
+          <a:p>
+            <a:pPr marL="457200" lvl="0" indent="-311150" algn="l" rtl="0">
+              <a:spcBef>
+                <a:spcPts val="0"/>
+              </a:spcBef>
+              <a:spcAft>
+                <a:spcPts val="0"/>
+              </a:spcAft>
+              <a:buSzPts val="1300"/>
+              <a:buChar char="●"/>
+            </a:pPr>
+            <a:r>
+              <a:rPr lang="en-GB" dirty="0"/>
+              <a:t>Need specialised help? Talk to your group leaders  🧙 </a:t>
+            </a:r>
+            <a:endParaRPr dirty="0"/>
+          </a:p>
+          <a:p>
+            <a:pPr marL="457200" lvl="0" indent="-311150" algn="l" rtl="0">
+              <a:spcBef>
+                <a:spcPts val="0"/>
+              </a:spcBef>
+              <a:spcAft>
+                <a:spcPts val="0"/>
+              </a:spcAft>
+              <a:buSzPts val="1300"/>
+              <a:buChar char="●"/>
+            </a:pPr>
+            <a:r>
+              <a:rPr lang="en-GB" dirty="0"/>
+              <a:t>Need more Metadata/Modelling/FDP help?  Talk to Luiz Bonino, </a:t>
+            </a:r>
+            <a:r>
+              <a:rPr lang="en-GB" dirty="0" err="1"/>
+              <a:t>Kees</a:t>
+            </a:r>
+            <a:r>
+              <a:rPr lang="en-GB" dirty="0"/>
+              <a:t> Burgers or Bruna Vieira, Dena Tahvildari</a:t>
+            </a:r>
+            <a:endParaRPr dirty="0"/>
+          </a:p>
+          <a:p>
+            <a:pPr marL="914400" lvl="1" indent="-298450" algn="l" rtl="0">
+              <a:spcBef>
+                <a:spcPts val="0"/>
+              </a:spcBef>
+              <a:spcAft>
+                <a:spcPts val="0"/>
+              </a:spcAft>
+              <a:buSzPts val="1100"/>
+              <a:buChar char="○"/>
+            </a:pPr>
+            <a:r>
+              <a:rPr lang="en-GB" b="1" dirty="0"/>
+              <a:t>Want to offer help? Contact us! </a:t>
+            </a:r>
+            <a:r>
+              <a:rPr lang="en-GB" dirty="0"/>
+              <a:t> </a:t>
+            </a:r>
+            <a:endParaRPr dirty="0"/>
+          </a:p>
+        </p:txBody>
+      </p:sp>
+      <p:pic>
+        <p:nvPicPr>
+          <p:cNvPr id="224" name="Google Shape;224;p27"/>
+          <p:cNvPicPr preferRelativeResize="0"/>
+          <p:nvPr/>
+        </p:nvPicPr>
+        <p:blipFill>
+          <a:blip r:embed="rId3">
+            <a:alphaModFix/>
+          </a:blip>
+          <a:stretch>
+            <a:fillRect/>
+          </a:stretch>
+        </p:blipFill>
+        <p:spPr>
+          <a:xfrm>
+            <a:off x="1359216" y="3750641"/>
+            <a:ext cx="192800" cy="192800"/>
+          </a:xfrm>
+          <a:prstGeom prst="rect">
+            <a:avLst/>
+          </a:prstGeom>
+          <a:noFill/>
+          <a:ln>
+            <a:noFill/>
+          </a:ln>
+        </p:spPr>
+      </p:pic>
+      <p:pic>
+        <p:nvPicPr>
+          <p:cNvPr id="225" name="Google Shape;225;p27"/>
+          <p:cNvPicPr preferRelativeResize="0"/>
+          <p:nvPr/>
+        </p:nvPicPr>
+        <p:blipFill>
+          <a:blip r:embed="rId4">
+            <a:alphaModFix/>
+          </a:blip>
+          <a:stretch>
+            <a:fillRect/>
+          </a:stretch>
+        </p:blipFill>
+        <p:spPr>
+          <a:xfrm>
+            <a:off x="8075016" y="3551060"/>
+            <a:ext cx="179125" cy="179125"/>
+          </a:xfrm>
+          <a:prstGeom prst="rect">
+            <a:avLst/>
+          </a:prstGeom>
+          <a:noFill/>
+          <a:ln>
+            <a:noFill/>
+          </a:ln>
+        </p:spPr>
+      </p:pic>
+    </p:spTree>
+  </p:cSld>
+  <p:clrMapOvr>
+    <a:masterClrMapping/>
+  </p:clrMapOvr>
+</p:sld>
+</file>
+
+<file path=ppt/slides/slide22.xml><?xml version="1.0" encoding="utf-8"?>
+<p:sld xmlns:a="http://schemas.openxmlformats.org/drawingml/2006/main" xmlns:r="http://schemas.openxmlformats.org/officeDocument/2006/relationships" xmlns:p="http://schemas.openxmlformats.org/presentationml/2006/main">
+  <p:cSld>
+    <p:spTree>
+      <p:nvGrpSpPr>
         <p:cNvPr id="1" name=""/>
         <p:cNvGrpSpPr/>
         <p:nvPr/>
@@ -11691,12 +12017,9 @@
           <a:p>
             <a:r>
               <a:rPr lang="en-GB" dirty="0"/>
-              <a:t>I</a:t>
-            </a:r>
-            <a:r>
-              <a:rPr lang="en-NL" dirty="0"/>
-              <a:t>nstantiate the matadta model</a:t>
-            </a:r>
+              <a:t>Next step</a:t>
+            </a:r>
+            <a:endParaRPr lang="en-NL" dirty="0"/>
           </a:p>
         </p:txBody>
       </p:sp>
@@ -11729,7 +12052,30 @@
             <a:pPr marL="146050" indent="0">
               <a:buNone/>
             </a:pPr>
+            <a:r>
+              <a:rPr lang="en-GB" dirty="0"/>
+              <a:t>-- I</a:t>
+            </a:r>
+            <a:r>
+              <a:rPr lang="en-NL" dirty="0"/>
+              <a:t>nstantiate (transform to triple) the matadata model </a:t>
+            </a:r>
+            <a:r>
+              <a:rPr lang="en-NL" dirty="0">
+                <a:sym typeface="Wingdings" pitchFamily="2" charset="2"/>
+              </a:rPr>
+              <a:t> your metadata graph </a:t>
+            </a:r>
             <a:endParaRPr lang="en-NL" dirty="0"/>
+          </a:p>
+          <a:p>
+            <a:pPr marL="146050" indent="0">
+              <a:buNone/>
+            </a:pPr>
+            <a:r>
+              <a:rPr lang="en-NL" dirty="0"/>
+              <a:t>-- expose the medata model and metadata graph to the HRI portal </a:t>
+            </a:r>
           </a:p>
         </p:txBody>
       </p:sp>
@@ -11746,7 +12092,272 @@
 </p:sld>
 </file>
 
-<file path=ppt/slides/slide22.xml><?xml version="1.0" encoding="utf-8"?>
+<file path=ppt/slides/slide23.xml><?xml version="1.0" encoding="utf-8"?>
+<p:sld xmlns:a="http://schemas.openxmlformats.org/drawingml/2006/main" xmlns:r="http://schemas.openxmlformats.org/officeDocument/2006/relationships" xmlns:p="http://schemas.openxmlformats.org/presentationml/2006/main">
+  <p:cSld>
+    <p:spTree>
+      <p:nvGrpSpPr>
+        <p:cNvPr id="1" name="Shape 229"/>
+        <p:cNvGrpSpPr/>
+        <p:nvPr/>
+      </p:nvGrpSpPr>
+      <p:grpSpPr>
+        <a:xfrm>
+          <a:off x="0" y="0"/>
+          <a:ext cx="0" cy="0"/>
+          <a:chOff x="0" y="0"/>
+          <a:chExt cx="0" cy="0"/>
+        </a:xfrm>
+      </p:grpSpPr>
+      <p:sp>
+        <p:nvSpPr>
+          <p:cNvPr id="230" name="Google Shape;230;p28"/>
+          <p:cNvSpPr txBox="1">
+            <a:spLocks noGrp="1"/>
+          </p:cNvSpPr>
+          <p:nvPr>
+            <p:ph type="title"/>
+          </p:nvPr>
+        </p:nvSpPr>
+        <p:spPr>
+          <a:xfrm>
+            <a:off x="729450" y="1318650"/>
+            <a:ext cx="7688700" cy="535200"/>
+          </a:xfrm>
+          <a:prstGeom prst="rect">
+            <a:avLst/>
+          </a:prstGeom>
+        </p:spPr>
+        <p:txBody>
+          <a:bodyPr spcFirstLastPara="1" wrap="square" lIns="91425" tIns="91425" rIns="91425" bIns="91425" anchor="t" anchorCtr="0">
+            <a:normAutofit fontScale="90000"/>
+          </a:bodyPr>
+          <a:lstStyle/>
+          <a:p>
+            <a:pPr marL="0" lvl="0" indent="0" algn="l" rtl="0">
+              <a:spcBef>
+                <a:spcPts val="0"/>
+              </a:spcBef>
+              <a:spcAft>
+                <a:spcPts val="0"/>
+              </a:spcAft>
+              <a:buNone/>
+            </a:pPr>
+            <a:r>
+              <a:rPr lang="en-GB"/>
+              <a:t>Acknowledgements </a:t>
+            </a:r>
+            <a:endParaRPr/>
+          </a:p>
+        </p:txBody>
+      </p:sp>
+      <p:sp>
+        <p:nvSpPr>
+          <p:cNvPr id="231" name="Google Shape;231;p28"/>
+          <p:cNvSpPr txBox="1">
+            <a:spLocks noGrp="1"/>
+          </p:cNvSpPr>
+          <p:nvPr>
+            <p:ph type="body" idx="1"/>
+          </p:nvPr>
+        </p:nvSpPr>
+        <p:spPr>
+          <a:xfrm>
+            <a:off x="729450" y="2078875"/>
+            <a:ext cx="7688700" cy="2261100"/>
+          </a:xfrm>
+          <a:prstGeom prst="rect">
+            <a:avLst/>
+          </a:prstGeom>
+        </p:spPr>
+        <p:txBody>
+          <a:bodyPr spcFirstLastPara="1" wrap="square" lIns="91425" tIns="91425" rIns="91425" bIns="91425" anchor="t" anchorCtr="0">
+            <a:normAutofit/>
+          </a:bodyPr>
+          <a:lstStyle/>
+          <a:p>
+            <a:pPr marL="457200" lvl="0" indent="-311150" algn="l" rtl="0">
+              <a:spcBef>
+                <a:spcPts val="0"/>
+              </a:spcBef>
+              <a:spcAft>
+                <a:spcPts val="0"/>
+              </a:spcAft>
+              <a:buSzPts val="1300"/>
+              <a:buChar char="●"/>
+            </a:pPr>
+            <a:r>
+              <a:rPr lang="en-GB" dirty="0"/>
+              <a:t>Julia</a:t>
+            </a:r>
+            <a:endParaRPr dirty="0"/>
+          </a:p>
+          <a:p>
+            <a:pPr marL="457200" lvl="0" indent="-311150" algn="l" rtl="0">
+              <a:spcBef>
+                <a:spcPts val="0"/>
+              </a:spcBef>
+              <a:spcAft>
+                <a:spcPts val="0"/>
+              </a:spcAft>
+              <a:buSzPts val="1300"/>
+              <a:buChar char="●"/>
+            </a:pPr>
+            <a:r>
+              <a:rPr lang="en-GB" dirty="0" err="1"/>
+              <a:t>Kees</a:t>
+            </a:r>
+            <a:endParaRPr dirty="0"/>
+          </a:p>
+          <a:p>
+            <a:pPr marL="457200" lvl="0" indent="-311150" algn="l" rtl="0">
+              <a:spcBef>
+                <a:spcPts val="0"/>
+              </a:spcBef>
+              <a:spcAft>
+                <a:spcPts val="0"/>
+              </a:spcAft>
+              <a:buSzPts val="1300"/>
+              <a:buChar char="●"/>
+            </a:pPr>
+            <a:r>
+              <a:rPr lang="en-GB" dirty="0"/>
+              <a:t>Luiz</a:t>
+            </a:r>
+            <a:endParaRPr dirty="0"/>
+          </a:p>
+          <a:p>
+            <a:pPr marL="457200" lvl="0" indent="-311150" algn="l" rtl="0">
+              <a:spcBef>
+                <a:spcPts val="0"/>
+              </a:spcBef>
+              <a:spcAft>
+                <a:spcPts val="0"/>
+              </a:spcAft>
+              <a:buSzPts val="1300"/>
+              <a:buChar char="●"/>
+            </a:pPr>
+            <a:r>
+              <a:rPr lang="en-GB" dirty="0" err="1"/>
+              <a:t>Mijke</a:t>
+            </a:r>
+            <a:endParaRPr dirty="0"/>
+          </a:p>
+          <a:p>
+            <a:pPr marL="457200" lvl="0" indent="-311150" algn="l" rtl="0">
+              <a:spcBef>
+                <a:spcPts val="0"/>
+              </a:spcBef>
+              <a:spcAft>
+                <a:spcPts val="0"/>
+              </a:spcAft>
+              <a:buSzPts val="1300"/>
+              <a:buChar char="●"/>
+            </a:pPr>
+            <a:r>
+              <a:rPr lang="en-GB" dirty="0"/>
+              <a:t>Marianne</a:t>
+            </a:r>
+            <a:endParaRPr dirty="0"/>
+          </a:p>
+          <a:p>
+            <a:pPr marL="457200" lvl="0" indent="-311150" algn="l" rtl="0">
+              <a:spcBef>
+                <a:spcPts val="0"/>
+              </a:spcBef>
+              <a:spcAft>
+                <a:spcPts val="0"/>
+              </a:spcAft>
+              <a:buSzPts val="1300"/>
+              <a:buChar char="●"/>
+            </a:pPr>
+            <a:r>
+              <a:rPr lang="en-GB" dirty="0"/>
+              <a:t>Jeroen</a:t>
+            </a:r>
+            <a:endParaRPr dirty="0"/>
+          </a:p>
+          <a:p>
+            <a:pPr marL="457200" lvl="0" indent="-311150" algn="l" rtl="0">
+              <a:spcBef>
+                <a:spcPts val="0"/>
+              </a:spcBef>
+              <a:spcAft>
+                <a:spcPts val="0"/>
+              </a:spcAft>
+              <a:buSzPts val="1300"/>
+              <a:buChar char="●"/>
+            </a:pPr>
+            <a:r>
+              <a:rPr lang="en-GB" dirty="0"/>
+              <a:t>Rita</a:t>
+            </a:r>
+          </a:p>
+          <a:p>
+            <a:pPr marL="457200" lvl="0" indent="-311150" algn="l" rtl="0">
+              <a:spcBef>
+                <a:spcPts val="0"/>
+              </a:spcBef>
+              <a:spcAft>
+                <a:spcPts val="0"/>
+              </a:spcAft>
+              <a:buSzPts val="1300"/>
+              <a:buChar char="●"/>
+            </a:pPr>
+            <a:r>
+              <a:rPr lang="en-GB" dirty="0"/>
+              <a:t>Esther</a:t>
+            </a:r>
+          </a:p>
+          <a:p>
+            <a:pPr marL="457200" lvl="0" indent="-311150" algn="l" rtl="0">
+              <a:spcBef>
+                <a:spcPts val="0"/>
+              </a:spcBef>
+              <a:spcAft>
+                <a:spcPts val="0"/>
+              </a:spcAft>
+              <a:buSzPts val="1300"/>
+              <a:buChar char="●"/>
+            </a:pPr>
+            <a:endParaRPr lang="en-GB" dirty="0"/>
+          </a:p>
+          <a:p>
+            <a:pPr marL="457200" lvl="0" indent="-311150" algn="l" rtl="0">
+              <a:spcBef>
+                <a:spcPts val="0"/>
+              </a:spcBef>
+              <a:spcAft>
+                <a:spcPts val="0"/>
+              </a:spcAft>
+              <a:buSzPts val="1300"/>
+              <a:buChar char="●"/>
+            </a:pPr>
+            <a:endParaRPr dirty="0"/>
+          </a:p>
+          <a:p>
+            <a:pPr marL="0" lvl="0" indent="0" algn="l" rtl="0">
+              <a:spcBef>
+                <a:spcPts val="1200"/>
+              </a:spcBef>
+              <a:spcAft>
+                <a:spcPts val="1200"/>
+              </a:spcAft>
+              <a:buNone/>
+            </a:pPr>
+            <a:endParaRPr dirty="0"/>
+          </a:p>
+        </p:txBody>
+      </p:sp>
+    </p:spTree>
+  </p:cSld>
+  <p:clrMapOvr>
+    <a:masterClrMapping/>
+  </p:clrMapOvr>
+</p:sld>
+</file>
+
+<file path=ppt/slides/slide24.xml><?xml version="1.0" encoding="utf-8"?>
 <p:sld xmlns:a="http://schemas.openxmlformats.org/drawingml/2006/main" xmlns:r="http://schemas.openxmlformats.org/officeDocument/2006/relationships" xmlns:p="http://schemas.openxmlformats.org/presentationml/2006/main" show="0">
   <p:cSld>
     <p:spTree>
@@ -11961,527 +12572,6 @@
               <a:t>2.0</a:t>
             </a:r>
             <a:endParaRPr b="1"/>
-          </a:p>
-        </p:txBody>
-      </p:sp>
-    </p:spTree>
-  </p:cSld>
-  <p:clrMapOvr>
-    <a:masterClrMapping/>
-  </p:clrMapOvr>
-</p:sld>
-</file>
-
-<file path=ppt/slides/slide23.xml><?xml version="1.0" encoding="utf-8"?>
-<p:sld xmlns:a="http://schemas.openxmlformats.org/drawingml/2006/main" xmlns:r="http://schemas.openxmlformats.org/officeDocument/2006/relationships" xmlns:p="http://schemas.openxmlformats.org/presentationml/2006/main">
-  <p:cSld>
-    <p:spTree>
-      <p:nvGrpSpPr>
-        <p:cNvPr id="1" name="Shape 221"/>
-        <p:cNvGrpSpPr/>
-        <p:nvPr/>
-      </p:nvGrpSpPr>
-      <p:grpSpPr>
-        <a:xfrm>
-          <a:off x="0" y="0"/>
-          <a:ext cx="0" cy="0"/>
-          <a:chOff x="0" y="0"/>
-          <a:chExt cx="0" cy="0"/>
-        </a:xfrm>
-      </p:grpSpPr>
-      <p:sp>
-        <p:nvSpPr>
-          <p:cNvPr id="222" name="Google Shape;222;p27"/>
-          <p:cNvSpPr txBox="1">
-            <a:spLocks noGrp="1"/>
-          </p:cNvSpPr>
-          <p:nvPr>
-            <p:ph type="title"/>
-          </p:nvPr>
-        </p:nvSpPr>
-        <p:spPr>
-          <a:xfrm>
-            <a:off x="729450" y="1318650"/>
-            <a:ext cx="7688700" cy="535200"/>
-          </a:xfrm>
-          <a:prstGeom prst="rect">
-            <a:avLst/>
-          </a:prstGeom>
-        </p:spPr>
-        <p:txBody>
-          <a:bodyPr spcFirstLastPara="1" wrap="square" lIns="91425" tIns="91425" rIns="91425" bIns="91425" anchor="t" anchorCtr="0">
-            <a:normAutofit fontScale="90000"/>
-          </a:bodyPr>
-          <a:lstStyle/>
-          <a:p>
-            <a:pPr marL="0" lvl="0" indent="0" algn="l" rtl="0">
-              <a:spcBef>
-                <a:spcPts val="0"/>
-              </a:spcBef>
-              <a:spcAft>
-                <a:spcPts val="0"/>
-              </a:spcAft>
-              <a:buNone/>
-            </a:pPr>
-            <a:r>
-              <a:rPr lang="en-GB" dirty="0"/>
-              <a:t>Take away -- TMI - What do I do now? </a:t>
-            </a:r>
-            <a:endParaRPr dirty="0"/>
-          </a:p>
-        </p:txBody>
-      </p:sp>
-      <p:sp>
-        <p:nvSpPr>
-          <p:cNvPr id="223" name="Google Shape;223;p27"/>
-          <p:cNvSpPr txBox="1">
-            <a:spLocks noGrp="1"/>
-          </p:cNvSpPr>
-          <p:nvPr>
-            <p:ph type="body" idx="1"/>
-          </p:nvPr>
-        </p:nvSpPr>
-        <p:spPr>
-          <a:xfrm>
-            <a:off x="729450" y="2078875"/>
-            <a:ext cx="7688700" cy="2261100"/>
-          </a:xfrm>
-          <a:prstGeom prst="rect">
-            <a:avLst/>
-          </a:prstGeom>
-        </p:spPr>
-        <p:txBody>
-          <a:bodyPr spcFirstLastPara="1" wrap="square" lIns="91425" tIns="91425" rIns="91425" bIns="91425" anchor="t" anchorCtr="0">
-            <a:normAutofit/>
-          </a:bodyPr>
-          <a:lstStyle/>
-          <a:p>
-            <a:pPr marL="457200" lvl="0" indent="-311150" algn="l" rtl="0">
-              <a:spcBef>
-                <a:spcPts val="0"/>
-              </a:spcBef>
-              <a:spcAft>
-                <a:spcPts val="0"/>
-              </a:spcAft>
-              <a:buSzPts val="1300"/>
-              <a:buChar char="●"/>
-            </a:pPr>
-            <a:r>
-              <a:rPr lang="en-GB" dirty="0"/>
-              <a:t>Identify pre-existing standards in your field (see X-Omics Project, ISA Tab)</a:t>
-            </a:r>
-            <a:endParaRPr dirty="0"/>
-          </a:p>
-          <a:p>
-            <a:pPr marL="457200" lvl="0" indent="-311150" algn="l" rtl="0">
-              <a:spcBef>
-                <a:spcPts val="0"/>
-              </a:spcBef>
-              <a:spcAft>
-                <a:spcPts val="0"/>
-              </a:spcAft>
-              <a:buSzPts val="1300"/>
-              <a:buChar char="●"/>
-            </a:pPr>
-            <a:r>
-              <a:rPr lang="en-GB" dirty="0"/>
-              <a:t>Find your main classes (datasets?)</a:t>
-            </a:r>
-            <a:endParaRPr dirty="0"/>
-          </a:p>
-          <a:p>
-            <a:pPr marL="457200" lvl="0" indent="-311150" algn="l" rtl="0">
-              <a:spcBef>
-                <a:spcPts val="0"/>
-              </a:spcBef>
-              <a:spcAft>
-                <a:spcPts val="0"/>
-              </a:spcAft>
-              <a:buSzPts val="1300"/>
-              <a:buChar char="●"/>
-            </a:pPr>
-            <a:r>
-              <a:rPr lang="en-GB" dirty="0"/>
-              <a:t>Describe your main classes properties </a:t>
-            </a:r>
-            <a:endParaRPr dirty="0"/>
-          </a:p>
-          <a:p>
-            <a:pPr marL="457200" lvl="0" indent="-311150" algn="l" rtl="0">
-              <a:spcBef>
-                <a:spcPts val="0"/>
-              </a:spcBef>
-              <a:spcAft>
-                <a:spcPts val="0"/>
-              </a:spcAft>
-              <a:buSzPts val="1300"/>
-              <a:buChar char="●"/>
-            </a:pPr>
-            <a:r>
-              <a:rPr lang="en-GB" dirty="0"/>
-              <a:t>Request Rob (or Jeroen) for GitHub access</a:t>
-            </a:r>
-            <a:endParaRPr dirty="0"/>
-          </a:p>
-          <a:p>
-            <a:pPr marL="457200" lvl="0" indent="-311150" algn="l" rtl="0">
-              <a:spcBef>
-                <a:spcPts val="0"/>
-              </a:spcBef>
-              <a:spcAft>
-                <a:spcPts val="0"/>
-              </a:spcAft>
-              <a:buSzPts val="1300"/>
-              <a:buChar char="●"/>
-            </a:pPr>
-            <a:r>
-              <a:rPr lang="en-GB" dirty="0"/>
-              <a:t>Keep your versioning in GitHub 🌻</a:t>
-            </a:r>
-            <a:endParaRPr dirty="0"/>
-          </a:p>
-          <a:p>
-            <a:pPr marL="457200" lvl="0" indent="-311150" algn="l" rtl="0">
-              <a:spcBef>
-                <a:spcPts val="0"/>
-              </a:spcBef>
-              <a:spcAft>
-                <a:spcPts val="0"/>
-              </a:spcAft>
-              <a:buSzPts val="1300"/>
-              <a:buChar char="●"/>
-            </a:pPr>
-            <a:r>
-              <a:rPr lang="en-GB" dirty="0"/>
-              <a:t>Need specialised help? Talk to your group leaders  🧙 </a:t>
-            </a:r>
-            <a:endParaRPr dirty="0"/>
-          </a:p>
-          <a:p>
-            <a:pPr marL="457200" lvl="0" indent="-311150" algn="l" rtl="0">
-              <a:spcBef>
-                <a:spcPts val="0"/>
-              </a:spcBef>
-              <a:spcAft>
-                <a:spcPts val="0"/>
-              </a:spcAft>
-              <a:buSzPts val="1300"/>
-              <a:buChar char="●"/>
-            </a:pPr>
-            <a:r>
-              <a:rPr lang="en-GB" dirty="0"/>
-              <a:t>Need more Metadata/Modelling/FDP help?  Talk to Luiz Bonino, </a:t>
-            </a:r>
-            <a:r>
-              <a:rPr lang="en-GB" dirty="0" err="1"/>
-              <a:t>Kees</a:t>
-            </a:r>
-            <a:r>
-              <a:rPr lang="en-GB" dirty="0"/>
-              <a:t> Burgers or Bruna Vieira, Dena Tahvildari</a:t>
-            </a:r>
-            <a:endParaRPr dirty="0"/>
-          </a:p>
-          <a:p>
-            <a:pPr marL="914400" lvl="1" indent="-298450" algn="l" rtl="0">
-              <a:spcBef>
-                <a:spcPts val="0"/>
-              </a:spcBef>
-              <a:spcAft>
-                <a:spcPts val="0"/>
-              </a:spcAft>
-              <a:buSzPts val="1100"/>
-              <a:buChar char="○"/>
-            </a:pPr>
-            <a:r>
-              <a:rPr lang="en-GB" b="1" dirty="0"/>
-              <a:t>Want to offer help? Contact us! </a:t>
-            </a:r>
-            <a:r>
-              <a:rPr lang="en-GB" dirty="0"/>
-              <a:t> </a:t>
-            </a:r>
-            <a:endParaRPr dirty="0"/>
-          </a:p>
-        </p:txBody>
-      </p:sp>
-      <p:pic>
-        <p:nvPicPr>
-          <p:cNvPr id="224" name="Google Shape;224;p27"/>
-          <p:cNvPicPr preferRelativeResize="0"/>
-          <p:nvPr/>
-        </p:nvPicPr>
-        <p:blipFill>
-          <a:blip r:embed="rId3">
-            <a:alphaModFix/>
-          </a:blip>
-          <a:stretch>
-            <a:fillRect/>
-          </a:stretch>
-        </p:blipFill>
-        <p:spPr>
-          <a:xfrm>
-            <a:off x="1359216" y="3750641"/>
-            <a:ext cx="192800" cy="192800"/>
-          </a:xfrm>
-          <a:prstGeom prst="rect">
-            <a:avLst/>
-          </a:prstGeom>
-          <a:noFill/>
-          <a:ln>
-            <a:noFill/>
-          </a:ln>
-        </p:spPr>
-      </p:pic>
-      <p:pic>
-        <p:nvPicPr>
-          <p:cNvPr id="225" name="Google Shape;225;p27"/>
-          <p:cNvPicPr preferRelativeResize="0"/>
-          <p:nvPr/>
-        </p:nvPicPr>
-        <p:blipFill>
-          <a:blip r:embed="rId4">
-            <a:alphaModFix/>
-          </a:blip>
-          <a:stretch>
-            <a:fillRect/>
-          </a:stretch>
-        </p:blipFill>
-        <p:spPr>
-          <a:xfrm>
-            <a:off x="8075016" y="3551060"/>
-            <a:ext cx="179125" cy="179125"/>
-          </a:xfrm>
-          <a:prstGeom prst="rect">
-            <a:avLst/>
-          </a:prstGeom>
-          <a:noFill/>
-          <a:ln>
-            <a:noFill/>
-          </a:ln>
-        </p:spPr>
-      </p:pic>
-    </p:spTree>
-  </p:cSld>
-  <p:clrMapOvr>
-    <a:masterClrMapping/>
-  </p:clrMapOvr>
-</p:sld>
-</file>
-
-<file path=ppt/slides/slide24.xml><?xml version="1.0" encoding="utf-8"?>
-<p:sld xmlns:a="http://schemas.openxmlformats.org/drawingml/2006/main" xmlns:r="http://schemas.openxmlformats.org/officeDocument/2006/relationships" xmlns:p="http://schemas.openxmlformats.org/presentationml/2006/main">
-  <p:cSld>
-    <p:spTree>
-      <p:nvGrpSpPr>
-        <p:cNvPr id="1" name="Shape 229"/>
-        <p:cNvGrpSpPr/>
-        <p:nvPr/>
-      </p:nvGrpSpPr>
-      <p:grpSpPr>
-        <a:xfrm>
-          <a:off x="0" y="0"/>
-          <a:ext cx="0" cy="0"/>
-          <a:chOff x="0" y="0"/>
-          <a:chExt cx="0" cy="0"/>
-        </a:xfrm>
-      </p:grpSpPr>
-      <p:sp>
-        <p:nvSpPr>
-          <p:cNvPr id="230" name="Google Shape;230;p28"/>
-          <p:cNvSpPr txBox="1">
-            <a:spLocks noGrp="1"/>
-          </p:cNvSpPr>
-          <p:nvPr>
-            <p:ph type="title"/>
-          </p:nvPr>
-        </p:nvSpPr>
-        <p:spPr>
-          <a:xfrm>
-            <a:off x="729450" y="1318650"/>
-            <a:ext cx="7688700" cy="535200"/>
-          </a:xfrm>
-          <a:prstGeom prst="rect">
-            <a:avLst/>
-          </a:prstGeom>
-        </p:spPr>
-        <p:txBody>
-          <a:bodyPr spcFirstLastPara="1" wrap="square" lIns="91425" tIns="91425" rIns="91425" bIns="91425" anchor="t" anchorCtr="0">
-            <a:normAutofit fontScale="90000"/>
-          </a:bodyPr>
-          <a:lstStyle/>
-          <a:p>
-            <a:pPr marL="0" lvl="0" indent="0" algn="l" rtl="0">
-              <a:spcBef>
-                <a:spcPts val="0"/>
-              </a:spcBef>
-              <a:spcAft>
-                <a:spcPts val="0"/>
-              </a:spcAft>
-              <a:buNone/>
-            </a:pPr>
-            <a:r>
-              <a:rPr lang="en-GB"/>
-              <a:t>Acknowledgements </a:t>
-            </a:r>
-            <a:endParaRPr/>
-          </a:p>
-        </p:txBody>
-      </p:sp>
-      <p:sp>
-        <p:nvSpPr>
-          <p:cNvPr id="231" name="Google Shape;231;p28"/>
-          <p:cNvSpPr txBox="1">
-            <a:spLocks noGrp="1"/>
-          </p:cNvSpPr>
-          <p:nvPr>
-            <p:ph type="body" idx="1"/>
-          </p:nvPr>
-        </p:nvSpPr>
-        <p:spPr>
-          <a:xfrm>
-            <a:off x="729450" y="2078875"/>
-            <a:ext cx="7688700" cy="2261100"/>
-          </a:xfrm>
-          <a:prstGeom prst="rect">
-            <a:avLst/>
-          </a:prstGeom>
-        </p:spPr>
-        <p:txBody>
-          <a:bodyPr spcFirstLastPara="1" wrap="square" lIns="91425" tIns="91425" rIns="91425" bIns="91425" anchor="t" anchorCtr="0">
-            <a:normAutofit/>
-          </a:bodyPr>
-          <a:lstStyle/>
-          <a:p>
-            <a:pPr marL="457200" lvl="0" indent="-311150" algn="l" rtl="0">
-              <a:spcBef>
-                <a:spcPts val="0"/>
-              </a:spcBef>
-              <a:spcAft>
-                <a:spcPts val="0"/>
-              </a:spcAft>
-              <a:buSzPts val="1300"/>
-              <a:buChar char="●"/>
-            </a:pPr>
-            <a:r>
-              <a:rPr lang="en-GB"/>
-              <a:t>Julia</a:t>
-            </a:r>
-            <a:endParaRPr/>
-          </a:p>
-          <a:p>
-            <a:pPr marL="457200" lvl="0" indent="-311150" algn="l" rtl="0">
-              <a:spcBef>
-                <a:spcPts val="0"/>
-              </a:spcBef>
-              <a:spcAft>
-                <a:spcPts val="0"/>
-              </a:spcAft>
-              <a:buSzPts val="1300"/>
-              <a:buChar char="●"/>
-            </a:pPr>
-            <a:r>
-              <a:rPr lang="en-GB"/>
-              <a:t>Kees</a:t>
-            </a:r>
-            <a:endParaRPr/>
-          </a:p>
-          <a:p>
-            <a:pPr marL="457200" lvl="0" indent="-311150" algn="l" rtl="0">
-              <a:spcBef>
-                <a:spcPts val="0"/>
-              </a:spcBef>
-              <a:spcAft>
-                <a:spcPts val="0"/>
-              </a:spcAft>
-              <a:buSzPts val="1300"/>
-              <a:buChar char="●"/>
-            </a:pPr>
-            <a:r>
-              <a:rPr lang="en-GB"/>
-              <a:t>Luiz</a:t>
-            </a:r>
-            <a:endParaRPr/>
-          </a:p>
-          <a:p>
-            <a:pPr marL="457200" lvl="0" indent="-311150" algn="l" rtl="0">
-              <a:spcBef>
-                <a:spcPts val="0"/>
-              </a:spcBef>
-              <a:spcAft>
-                <a:spcPts val="0"/>
-              </a:spcAft>
-              <a:buSzPts val="1300"/>
-              <a:buChar char="●"/>
-            </a:pPr>
-            <a:r>
-              <a:rPr lang="en-GB"/>
-              <a:t>Mijke</a:t>
-            </a:r>
-            <a:endParaRPr/>
-          </a:p>
-          <a:p>
-            <a:pPr marL="457200" lvl="0" indent="-311150" algn="l" rtl="0">
-              <a:spcBef>
-                <a:spcPts val="0"/>
-              </a:spcBef>
-              <a:spcAft>
-                <a:spcPts val="0"/>
-              </a:spcAft>
-              <a:buSzPts val="1300"/>
-              <a:buChar char="●"/>
-            </a:pPr>
-            <a:r>
-              <a:rPr lang="en-GB"/>
-              <a:t>Marianne</a:t>
-            </a:r>
-            <a:endParaRPr/>
-          </a:p>
-          <a:p>
-            <a:pPr marL="457200" lvl="0" indent="-311150" algn="l" rtl="0">
-              <a:spcBef>
-                <a:spcPts val="0"/>
-              </a:spcBef>
-              <a:spcAft>
-                <a:spcPts val="0"/>
-              </a:spcAft>
-              <a:buSzPts val="1300"/>
-              <a:buChar char="●"/>
-            </a:pPr>
-            <a:r>
-              <a:rPr lang="en-GB"/>
-              <a:t>Jeroen</a:t>
-            </a:r>
-            <a:endParaRPr/>
-          </a:p>
-          <a:p>
-            <a:pPr marL="457200" lvl="0" indent="-311150" algn="l" rtl="0">
-              <a:spcBef>
-                <a:spcPts val="0"/>
-              </a:spcBef>
-              <a:spcAft>
-                <a:spcPts val="0"/>
-              </a:spcAft>
-              <a:buSzPts val="1300"/>
-              <a:buChar char="●"/>
-            </a:pPr>
-            <a:r>
-              <a:rPr lang="en-GB"/>
-              <a:t>Rita</a:t>
-            </a:r>
-            <a:endParaRPr/>
-          </a:p>
-          <a:p>
-            <a:pPr marL="0" lvl="0" indent="0" algn="l" rtl="0">
-              <a:spcBef>
-                <a:spcPts val="1200"/>
-              </a:spcBef>
-              <a:spcAft>
-                <a:spcPts val="1200"/>
-              </a:spcAft>
-              <a:buNone/>
-            </a:pPr>
-            <a:endParaRPr/>
           </a:p>
         </p:txBody>
       </p:sp>

--- a/Presentations/[DRAFT]HRI_Metadata_Schema_ImagingGroup_KickOff.pptx
+++ b/Presentations/[DRAFT]HRI_Metadata_Schema_ImagingGroup_KickOff.pptx
@@ -10947,8 +10947,12 @@
               <a:buChar char="●"/>
             </a:pPr>
             <a:r>
+              <a:rPr lang="en-GB"/>
+              <a:t>Comeup</a:t>
+            </a:r>
+            <a:r>
               <a:rPr lang="en-GB" dirty="0"/>
-              <a:t>Come up with the metadata requirement and document them in the form of competency questions?</a:t>
+              <a:t> with the metadata requirement and document them in the form of competency questions?</a:t>
             </a:r>
           </a:p>
           <a:p>
@@ -12058,7 +12062,7 @@
             </a:r>
             <a:r>
               <a:rPr lang="en-NL" dirty="0"/>
-              <a:t>nstantiate (transform to triple) the matadata model </a:t>
+              <a:t>nstantiate the matadata model </a:t>
             </a:r>
             <a:r>
               <a:rPr lang="en-NL" dirty="0">
@@ -12839,10 +12843,19 @@
         </p:spPr>
         <p:txBody>
           <a:bodyPr spcFirstLastPara="1" wrap="square" lIns="91425" tIns="91425" rIns="91425" bIns="91425" anchor="t" anchorCtr="0">
-            <a:normAutofit/>
+            <a:normAutofit fontScale="92500" lnSpcReduction="20000"/>
           </a:bodyPr>
           <a:lstStyle/>
           <a:p>
+            <a:pPr indent="-341947">
+              <a:buSzPct val="100000"/>
+            </a:pPr>
+            <a:r>
+              <a:rPr lang="en-GB" sz="2100" dirty="0"/>
+              <a:t>Represent it in RDF Graph Model</a:t>
+            </a:r>
+          </a:p>
+          <a:p>
             <a:pPr marL="457200" lvl="0" indent="-341947" algn="l" rtl="0">
               <a:spcBef>
                 <a:spcPts val="0"/>
@@ -12860,6 +12873,15 @@
             <a:endParaRPr sz="2100" dirty="0"/>
           </a:p>
           <a:p>
+            <a:pPr indent="-341947">
+              <a:buSzPct val="100000"/>
+            </a:pPr>
+            <a:r>
+              <a:rPr lang="en-GB" sz="2100" dirty="0"/>
+              <a:t>Nodes extend the core model for covering the domain metadata requirements (Leaves)</a:t>
+            </a:r>
+          </a:p>
+          <a:p>
             <a:pPr marL="457200" lvl="0" indent="-341947" algn="l" rtl="0">
               <a:spcBef>
                 <a:spcPts val="0"/>
@@ -12873,22 +12895,6 @@
             <a:r>
               <a:rPr lang="en-GB" sz="2100" dirty="0"/>
               <a:t>Built Based on DCAT, DCAT-AP portals,</a:t>
-            </a:r>
-          </a:p>
-          <a:p>
-            <a:pPr marL="457200" lvl="0" indent="-341947" algn="l" rtl="0">
-              <a:spcBef>
-                <a:spcPts val="0"/>
-              </a:spcBef>
-              <a:spcAft>
-                <a:spcPts val="0"/>
-              </a:spcAft>
-              <a:buSzPct val="100000"/>
-              <a:buChar char="●"/>
-            </a:pPr>
-            <a:r>
-              <a:rPr lang="en-GB" sz="2100" dirty="0"/>
-              <a:t>Extend the core for domain metadata requirements (Leaves)</a:t>
             </a:r>
           </a:p>
           <a:p>
@@ -12973,7 +12979,7 @@
           <a:p>
             <a:r>
               <a:rPr lang="en-NL" dirty="0"/>
-              <a:t>What is Metadata schema?</a:t>
+              <a:t>Metadata Schema Structure?</a:t>
             </a:r>
           </a:p>
         </p:txBody>
@@ -12996,13 +13002,13 @@
         </p:nvSpPr>
         <p:spPr>
           <a:xfrm>
-            <a:off x="364725" y="2012373"/>
+            <a:off x="364725" y="1931690"/>
             <a:ext cx="8414550" cy="2944681"/>
           </a:xfrm>
         </p:spPr>
         <p:txBody>
           <a:bodyPr>
-            <a:normAutofit fontScale="70000" lnSpcReduction="20000"/>
+            <a:normAutofit fontScale="62500" lnSpcReduction="20000"/>
           </a:bodyPr>
           <a:lstStyle/>
           <a:p>
@@ -13037,6 +13043,16 @@
               <a:buNone/>
             </a:pPr>
             <a:endParaRPr lang="en-GB" sz="1900" dirty="0"/>
+          </a:p>
+          <a:p>
+            <a:pPr marL="136843" indent="0">
+              <a:buSzPct val="100000"/>
+              <a:buNone/>
+            </a:pPr>
+            <a:r>
+              <a:rPr lang="en-GB" sz="1900" dirty="0"/>
+              <a:t>Three main components are:</a:t>
+            </a:r>
           </a:p>
           <a:p>
             <a:pPr marL="136843" indent="0">
@@ -13094,15 +13110,7 @@
             </a:r>
             <a:r>
               <a:rPr lang="en-GB" sz="1900" dirty="0"/>
-              <a:t>” is an object property that related all the instances of class </a:t>
-            </a:r>
-            <a:r>
-              <a:rPr lang="en-GB" sz="1900" dirty="0" err="1"/>
-              <a:t>datset</a:t>
-            </a:r>
-            <a:r>
-              <a:rPr lang="en-GB" sz="1900" dirty="0"/>
-              <a:t> to instances of class distribution. </a:t>
+              <a:t>” is an object property that related all the instances of class dataset to instances of class distribution. </a:t>
             </a:r>
             <a:endParaRPr lang="en-NL" dirty="0"/>
           </a:p>
@@ -13205,7 +13213,12 @@
             <p:ph type="title"/>
           </p:nvPr>
         </p:nvSpPr>
-        <p:spPr/>
+        <p:spPr>
+          <a:xfrm>
+            <a:off x="291506" y="1309291"/>
+            <a:ext cx="7688700" cy="535200"/>
+          </a:xfrm>
+        </p:spPr>
         <p:txBody>
           <a:bodyPr>
             <a:normAutofit fontScale="90000"/>
@@ -13333,14 +13346,16 @@
             </a:extLst>
           </p:cNvPr>
           <p:cNvCxnSpPr>
+            <a:cxnSpLocks/>
+            <a:stCxn id="4" idx="6"/>
             <a:endCxn id="5" idx="2"/>
           </p:cNvCxnSpPr>
           <p:nvPr/>
         </p:nvCxnSpPr>
         <p:spPr>
-          <a:xfrm>
-            <a:off x="2618072" y="2723947"/>
-            <a:ext cx="1663566" cy="1"/>
+          <a:xfrm flipV="1">
+            <a:off x="2550695" y="2723948"/>
+            <a:ext cx="1730943" cy="1"/>
           </a:xfrm>
           <a:prstGeom prst="straightConnector1">
             <a:avLst/>
@@ -13816,7 +13831,7 @@
         </p:nvSpPr>
         <p:spPr>
           <a:xfrm>
-            <a:off x="291506" y="4055956"/>
+            <a:off x="42724" y="4068618"/>
             <a:ext cx="851515" cy="307777"/>
           </a:xfrm>
           <a:prstGeom prst="rect">
@@ -13851,7 +13866,7 @@
         </p:nvSpPr>
         <p:spPr>
           <a:xfrm>
-            <a:off x="-118585" y="2536737"/>
+            <a:off x="0" y="2367814"/>
             <a:ext cx="1516762" cy="307777"/>
           </a:xfrm>
           <a:prstGeom prst="rect">

--- a/Presentations/[DRAFT]HRI_Metadata_Schema_ImagingGroup_KickOff.pptx
+++ b/Presentations/[DRAFT]HRI_Metadata_Schema_ImagingGroup_KickOff.pptx
@@ -12,10 +12,10 @@
     <p:sldId id="257" r:id="rId3"/>
     <p:sldId id="258" r:id="rId4"/>
     <p:sldId id="259" r:id="rId5"/>
-    <p:sldId id="272" r:id="rId6"/>
-    <p:sldId id="274" r:id="rId7"/>
-    <p:sldId id="280" r:id="rId8"/>
-    <p:sldId id="269" r:id="rId9"/>
+    <p:sldId id="269" r:id="rId6"/>
+    <p:sldId id="272" r:id="rId7"/>
+    <p:sldId id="274" r:id="rId8"/>
+    <p:sldId id="280" r:id="rId9"/>
     <p:sldId id="263" r:id="rId10"/>
     <p:sldId id="264" r:id="rId11"/>
     <p:sldId id="260" r:id="rId12"/>
@@ -2181,72 +2181,6 @@
 </file>
 
 <file path=ppt/notesSlides/notesSlide5.xml><?xml version="1.0" encoding="utf-8"?>
-<p:notes xmlns:a="http://schemas.openxmlformats.org/drawingml/2006/main" xmlns:r="http://schemas.openxmlformats.org/officeDocument/2006/relationships" xmlns:p="http://schemas.openxmlformats.org/presentationml/2006/main">
-  <p:cSld>
-    <p:spTree>
-      <p:nvGrpSpPr>
-        <p:cNvPr id="1" name=""/>
-        <p:cNvGrpSpPr/>
-        <p:nvPr/>
-      </p:nvGrpSpPr>
-      <p:grpSpPr>
-        <a:xfrm>
-          <a:off x="0" y="0"/>
-          <a:ext cx="0" cy="0"/>
-          <a:chOff x="0" y="0"/>
-          <a:chExt cx="0" cy="0"/>
-        </a:xfrm>
-      </p:grpSpPr>
-      <p:sp>
-        <p:nvSpPr>
-          <p:cNvPr id="2" name="Slide Image Placeholder 1"/>
-          <p:cNvSpPr>
-            <a:spLocks noGrp="1" noRot="1" noChangeAspect="1"/>
-          </p:cNvSpPr>
-          <p:nvPr>
-            <p:ph type="sldImg"/>
-          </p:nvPr>
-        </p:nvSpPr>
-        <p:spPr>
-          <a:xfrm>
-            <a:off x="381000" y="685800"/>
-            <a:ext cx="6096000" cy="3429000"/>
-          </a:xfrm>
-        </p:spPr>
-      </p:sp>
-      <p:sp>
-        <p:nvSpPr>
-          <p:cNvPr id="3" name="Notes Placeholder 2"/>
-          <p:cNvSpPr>
-            <a:spLocks noGrp="1"/>
-          </p:cNvSpPr>
-          <p:nvPr>
-            <p:ph type="body" idx="1"/>
-          </p:nvPr>
-        </p:nvSpPr>
-        <p:spPr/>
-        <p:txBody>
-          <a:bodyPr/>
-          <a:lstStyle/>
-          <a:p>
-            <a:endParaRPr lang="en-NL" dirty="0"/>
-          </a:p>
-        </p:txBody>
-      </p:sp>
-    </p:spTree>
-    <p:extLst>
-      <p:ext uri="{BB962C8B-B14F-4D97-AF65-F5344CB8AC3E}">
-        <p14:creationId xmlns:p14="http://schemas.microsoft.com/office/powerpoint/2010/main" val="3437104688"/>
-      </p:ext>
-    </p:extLst>
-  </p:cSld>
-  <p:clrMapOvr>
-    <a:masterClrMapping/>
-  </p:clrMapOvr>
-</p:notes>
-</file>
-
-<file path=ppt/notesSlides/notesSlide6.xml><?xml version="1.0" encoding="utf-8"?>
 <p:notes xmlns:a="http://schemas.openxmlformats.org/drawingml/2006/main" xmlns:r="http://schemas.openxmlformats.org/officeDocument/2006/relationships" xmlns:p="http://schemas.openxmlformats.org/presentationml/2006/main" showMasterSp="0" showMasterPhAnim="0">
   <p:cSld>
     <p:spTree>
@@ -2347,6 +2281,72 @@
         </p:txBody>
       </p:sp>
     </p:spTree>
+  </p:cSld>
+  <p:clrMapOvr>
+    <a:masterClrMapping/>
+  </p:clrMapOvr>
+</p:notes>
+</file>
+
+<file path=ppt/notesSlides/notesSlide6.xml><?xml version="1.0" encoding="utf-8"?>
+<p:notes xmlns:a="http://schemas.openxmlformats.org/drawingml/2006/main" xmlns:r="http://schemas.openxmlformats.org/officeDocument/2006/relationships" xmlns:p="http://schemas.openxmlformats.org/presentationml/2006/main">
+  <p:cSld>
+    <p:spTree>
+      <p:nvGrpSpPr>
+        <p:cNvPr id="1" name=""/>
+        <p:cNvGrpSpPr/>
+        <p:nvPr/>
+      </p:nvGrpSpPr>
+      <p:grpSpPr>
+        <a:xfrm>
+          <a:off x="0" y="0"/>
+          <a:ext cx="0" cy="0"/>
+          <a:chOff x="0" y="0"/>
+          <a:chExt cx="0" cy="0"/>
+        </a:xfrm>
+      </p:grpSpPr>
+      <p:sp>
+        <p:nvSpPr>
+          <p:cNvPr id="2" name="Slide Image Placeholder 1"/>
+          <p:cNvSpPr>
+            <a:spLocks noGrp="1" noRot="1" noChangeAspect="1"/>
+          </p:cNvSpPr>
+          <p:nvPr>
+            <p:ph type="sldImg"/>
+          </p:nvPr>
+        </p:nvSpPr>
+        <p:spPr>
+          <a:xfrm>
+            <a:off x="381000" y="685800"/>
+            <a:ext cx="6096000" cy="3429000"/>
+          </a:xfrm>
+        </p:spPr>
+      </p:sp>
+      <p:sp>
+        <p:nvSpPr>
+          <p:cNvPr id="3" name="Notes Placeholder 2"/>
+          <p:cNvSpPr>
+            <a:spLocks noGrp="1"/>
+          </p:cNvSpPr>
+          <p:nvPr>
+            <p:ph type="body" idx="1"/>
+          </p:nvPr>
+        </p:nvSpPr>
+        <p:spPr/>
+        <p:txBody>
+          <a:bodyPr/>
+          <a:lstStyle/>
+          <a:p>
+            <a:endParaRPr lang="en-NL" dirty="0"/>
+          </a:p>
+        </p:txBody>
+      </p:sp>
+    </p:spTree>
+    <p:extLst>
+      <p:ext uri="{BB962C8B-B14F-4D97-AF65-F5344CB8AC3E}">
+        <p14:creationId xmlns:p14="http://schemas.microsoft.com/office/powerpoint/2010/main" val="3437104688"/>
+      </p:ext>
+    </p:extLst>
   </p:cSld>
   <p:clrMapOvr>
     <a:masterClrMapping/>
@@ -10577,7 +10577,7 @@
         </p:nvSpPr>
         <p:spPr>
           <a:xfrm>
-            <a:off x="790548" y="1353891"/>
+            <a:off x="3255842" y="2384832"/>
             <a:ext cx="2488879" cy="535200"/>
           </a:xfrm>
         </p:spPr>
@@ -10660,7 +10660,7 @@
             </a:pPr>
             <a:r>
               <a:rPr lang="en-GB" dirty="0"/>
-              <a:t>Scoping</a:t>
+              <a:t>1. Define a Scope</a:t>
             </a:r>
             <a:br>
               <a:rPr lang="en-GB" dirty="0"/>
@@ -10932,7 +10932,7 @@
         </p:spPr>
         <p:txBody>
           <a:bodyPr spcFirstLastPara="1" wrap="square" lIns="91425" tIns="91425" rIns="91425" bIns="91425" anchor="t" anchorCtr="0">
-            <a:normAutofit fontScale="85000" lnSpcReduction="20000"/>
+            <a:normAutofit fontScale="77500" lnSpcReduction="20000"/>
           </a:bodyPr>
           <a:lstStyle/>
           <a:p>
@@ -10947,12 +10947,8 @@
               <a:buChar char="●"/>
             </a:pPr>
             <a:r>
-              <a:rPr lang="en-GB"/>
-              <a:t>Comeup</a:t>
-            </a:r>
-            <a:r>
               <a:rPr lang="en-GB" dirty="0"/>
-              <a:t> with the metadata requirement and document them in the form of competency questions?</a:t>
+              <a:t>Come up with the metadata requirements and document them in form of competency questions?</a:t>
             </a:r>
           </a:p>
           <a:p>
@@ -10962,7 +10958,7 @@
             </a:pPr>
             <a:r>
               <a:rPr lang="en-GB" dirty="0"/>
-              <a:t>I want to know the temporal element of the image? </a:t>
+              <a:t>What is the temporal element of the image? </a:t>
             </a:r>
           </a:p>
           <a:p>
@@ -10976,19 +10972,46 @@
             </a:r>
           </a:p>
           <a:p>
-            <a:pPr marL="457200" lvl="0" indent="-311150" algn="l" rtl="0">
-              <a:spcBef>
-                <a:spcPts val="0"/>
-              </a:spcBef>
-              <a:spcAft>
-                <a:spcPts val="0"/>
-              </a:spcAft>
+            <a:pPr lvl="1" indent="-311150">
               <a:buSzPts val="1300"/>
               <a:buChar char="●"/>
             </a:pPr>
             <a:r>
               <a:rPr lang="en-GB" dirty="0"/>
-              <a:t>Analyse the answer and make a spreadsheet and list all the important terms</a:t>
+              <a:t>Give me all the existing Data access levels, licensing? </a:t>
+            </a:r>
+          </a:p>
+          <a:p>
+            <a:pPr marL="457200" lvl="0" indent="-311150" algn="l" rtl="0">
+              <a:spcBef>
+                <a:spcPts val="0"/>
+              </a:spcBef>
+              <a:spcAft>
+                <a:spcPts val="0"/>
+              </a:spcAft>
+              <a:buSzPts val="1300"/>
+              <a:buChar char="●"/>
+            </a:pPr>
+            <a:endParaRPr lang="en-GB"/>
+          </a:p>
+          <a:p>
+            <a:pPr marL="457200" lvl="0" indent="-311150" algn="l" rtl="0">
+              <a:spcBef>
+                <a:spcPts val="0"/>
+              </a:spcBef>
+              <a:spcAft>
+                <a:spcPts val="0"/>
+              </a:spcAft>
+              <a:buSzPts val="1300"/>
+              <a:buChar char="●"/>
+            </a:pPr>
+            <a:r>
+              <a:rPr lang="en-GB"/>
+              <a:t>Analyse </a:t>
+            </a:r>
+            <a:r>
+              <a:rPr lang="en-GB" dirty="0"/>
+              <a:t>the answer and make a spreadsheet and list all the important terms</a:t>
             </a:r>
           </a:p>
           <a:p>
@@ -11313,7 +11336,7 @@
             </a:pPr>
             <a:r>
               <a:rPr lang="en-NL" dirty="0"/>
-              <a:t>Map your requirements to the existing standards and reuse if applicable. </a:t>
+              <a:t>Map your requirements to the existing standards and reuse the existing structure if applicable. </a:t>
             </a:r>
           </a:p>
           <a:p>
@@ -11328,7 +11351,7 @@
             </a:pPr>
             <a:r>
               <a:rPr lang="en-NL" dirty="0"/>
-              <a:t>-</a:t>
+              <a:t>- </a:t>
             </a:r>
             <a:r>
               <a:rPr lang="en-GB" dirty="0"/>
@@ -11608,23 +11631,11 @@
           </a:xfrm>
         </p:spPr>
         <p:txBody>
-          <a:bodyPr/>
+          <a:bodyPr>
+            <a:normAutofit fontScale="92500" lnSpcReduction="10000"/>
+          </a:bodyPr>
           <a:lstStyle/>
           <a:p>
-            <a:r>
-              <a:rPr lang="en-GB" dirty="0"/>
-              <a:t>T</a:t>
-            </a:r>
-            <a:r>
-              <a:rPr lang="en-NL" dirty="0"/>
-              <a:t>o be interoperable with HRI Portal</a:t>
-            </a:r>
-          </a:p>
-          <a:p>
-            <a:r>
-              <a:rPr lang="en-NL" dirty="0"/>
-              <a:t>Semantic mapping -- </a:t>
-            </a:r>
             <a:r>
               <a:rPr lang="en-GB" b="0" i="0" dirty="0">
                 <a:solidFill>
@@ -11635,13 +11646,19 @@
               </a:rPr>
               <a:t>Match source fields to destination fields</a:t>
             </a:r>
+            <a:endParaRPr lang="en-GB" dirty="0"/>
+          </a:p>
+          <a:p>
+            <a:pPr marL="146050" indent="0">
+              <a:buNone/>
+            </a:pPr>
             <a:endParaRPr lang="en-NL" dirty="0"/>
           </a:p>
           <a:p>
-            <a:pPr marL="146050" indent="0">
-              <a:buNone/>
-            </a:pPr>
-            <a:endParaRPr lang="en-NL" dirty="0"/>
+            <a:r>
+              <a:rPr lang="en-NL" dirty="0"/>
+              <a:t>Semantic mapping </a:t>
+            </a:r>
           </a:p>
           <a:p>
             <a:pPr marL="146050" indent="0">
@@ -11663,6 +11680,24 @@
               <a:t>https://docs.google.com/spreadsheets/d/1KKfAxn4ftoOAM2v3WsqT2XcPhdmTjnf1BZkvFf9FqF8/edit#gid=0</a:t>
             </a:r>
             <a:endParaRPr lang="en-GB" dirty="0"/>
+          </a:p>
+          <a:p>
+            <a:endParaRPr lang="en-GB" dirty="0"/>
+          </a:p>
+          <a:p>
+            <a:r>
+              <a:rPr lang="en-GB" dirty="0"/>
+              <a:t>Push to HRI Git to be review</a:t>
+            </a:r>
+          </a:p>
+          <a:p>
+            <a:endParaRPr lang="en-GB" dirty="0"/>
+          </a:p>
+          <a:p>
+            <a:r>
+              <a:rPr lang="en-GB" dirty="0"/>
+              <a:t>Next step: Implementation of the model and instantiation of the model with your data</a:t>
+            </a:r>
           </a:p>
           <a:p>
             <a:endParaRPr lang="en-NL" dirty="0"/>
@@ -12058,6 +12093,15 @@
             </a:pPr>
             <a:r>
               <a:rPr lang="en-GB" dirty="0"/>
+              <a:t>-- </a:t>
+            </a:r>
+          </a:p>
+          <a:p>
+            <a:pPr marL="146050" indent="0">
+              <a:buNone/>
+            </a:pPr>
+            <a:r>
+              <a:rPr lang="en-GB" dirty="0"/>
               <a:t>-- I</a:t>
             </a:r>
             <a:r>
@@ -12878,7 +12922,7 @@
             </a:pPr>
             <a:r>
               <a:rPr lang="en-GB" sz="2100" dirty="0"/>
-              <a:t>Nodes extend the core model for covering the domain metadata requirements (Leaves)</a:t>
+              <a:t>Nodes extend the core model for covering the specialised domain metadata requirements (Leaves)</a:t>
             </a:r>
           </a:p>
           <a:p>
@@ -12942,7 +12986,7 @@
   <p:cSld>
     <p:spTree>
       <p:nvGrpSpPr>
-        <p:cNvPr id="1" name=""/>
+        <p:cNvPr id="1" name="Shape 171"/>
         <p:cNvGrpSpPr/>
         <p:nvPr/>
       </p:nvGrpSpPr>
@@ -12956,172 +13000,3141 @@
       </p:grpSpPr>
       <p:sp>
         <p:nvSpPr>
-          <p:cNvPr id="2" name="Title 1">
-            <a:extLst>
-              <a:ext uri="{FF2B5EF4-FFF2-40B4-BE49-F238E27FC236}">
-                <a16:creationId xmlns:a16="http://schemas.microsoft.com/office/drawing/2014/main" id="{BFDCDAC6-15A5-72CA-0931-0F57D21CCD9C}"/>
-              </a:ext>
-            </a:extLst>
-          </p:cNvPr>
-          <p:cNvSpPr>
+          <p:cNvPr id="172" name="Google Shape;172;p26"/>
+          <p:cNvSpPr/>
+          <p:nvPr/>
+        </p:nvSpPr>
+        <p:spPr>
+          <a:xfrm rot="188886">
+            <a:off x="7535786" y="532524"/>
+            <a:ext cx="961451" cy="1098000"/>
+          </a:xfrm>
+          <a:prstGeom prst="teardrop">
+            <a:avLst>
+              <a:gd name="adj" fmla="val 125256"/>
+            </a:avLst>
+          </a:prstGeom>
+          <a:solidFill>
+            <a:srgbClr val="FFD966"/>
+          </a:solidFill>
+          <a:ln w="9525" cap="flat" cmpd="sng">
+            <a:solidFill>
+              <a:schemeClr val="dk2"/>
+            </a:solidFill>
+            <a:prstDash val="solid"/>
+            <a:round/>
+            <a:headEnd type="none" w="sm" len="sm"/>
+            <a:tailEnd type="none" w="sm" len="sm"/>
+          </a:ln>
+        </p:spPr>
+        <p:txBody>
+          <a:bodyPr spcFirstLastPara="1" wrap="square" lIns="91425" tIns="91425" rIns="91425" bIns="91425" anchor="t" anchorCtr="0">
+            <a:noAutofit/>
+          </a:bodyPr>
+          <a:lstStyle/>
+          <a:p>
+            <a:pPr marL="0" lvl="0" indent="0" algn="r" rtl="0">
+              <a:spcBef>
+                <a:spcPts val="0"/>
+              </a:spcBef>
+              <a:spcAft>
+                <a:spcPts val="0"/>
+              </a:spcAft>
+              <a:buNone/>
+            </a:pPr>
+            <a:r>
+              <a:rPr lang="en-GB">
+                <a:solidFill>
+                  <a:schemeClr val="dk2"/>
+                </a:solidFill>
+                <a:latin typeface="Roboto"/>
+                <a:ea typeface="Roboto"/>
+                <a:cs typeface="Roboto"/>
+                <a:sym typeface="Roboto"/>
+              </a:rPr>
+              <a:t>NWO</a:t>
+            </a:r>
+            <a:endParaRPr>
+              <a:solidFill>
+                <a:schemeClr val="dk2"/>
+              </a:solidFill>
+              <a:latin typeface="Roboto"/>
+              <a:ea typeface="Roboto"/>
+              <a:cs typeface="Roboto"/>
+              <a:sym typeface="Roboto"/>
+            </a:endParaRPr>
+          </a:p>
+        </p:txBody>
+      </p:sp>
+      <p:sp>
+        <p:nvSpPr>
+          <p:cNvPr id="173" name="Google Shape;173;p26"/>
+          <p:cNvSpPr/>
+          <p:nvPr/>
+        </p:nvSpPr>
+        <p:spPr>
+          <a:xfrm rot="-10187366">
+            <a:off x="3639178" y="3780897"/>
+            <a:ext cx="1076346" cy="1098944"/>
+          </a:xfrm>
+          <a:prstGeom prst="teardrop">
+            <a:avLst>
+              <a:gd name="adj" fmla="val 125256"/>
+            </a:avLst>
+          </a:prstGeom>
+          <a:solidFill>
+            <a:srgbClr val="FFD966"/>
+          </a:solidFill>
+          <a:ln w="9525" cap="flat" cmpd="sng">
+            <a:solidFill>
+              <a:schemeClr val="dk2"/>
+            </a:solidFill>
+            <a:prstDash val="solid"/>
+            <a:round/>
+            <a:headEnd type="none" w="sm" len="sm"/>
+            <a:tailEnd type="none" w="sm" len="sm"/>
+          </a:ln>
+        </p:spPr>
+        <p:txBody>
+          <a:bodyPr spcFirstLastPara="1" wrap="square" lIns="91425" tIns="91425" rIns="91425" bIns="91425" anchor="ctr" anchorCtr="0">
+            <a:noAutofit/>
+          </a:bodyPr>
+          <a:lstStyle/>
+          <a:p>
+            <a:pPr marL="0" lvl="0" indent="0" algn="l" rtl="0">
+              <a:spcBef>
+                <a:spcPts val="0"/>
+              </a:spcBef>
+              <a:spcAft>
+                <a:spcPts val="0"/>
+              </a:spcAft>
+              <a:buNone/>
+            </a:pPr>
+            <a:endParaRPr>
+              <a:solidFill>
+                <a:schemeClr val="dk2"/>
+              </a:solidFill>
+              <a:latin typeface="Roboto"/>
+              <a:ea typeface="Roboto"/>
+              <a:cs typeface="Roboto"/>
+              <a:sym typeface="Roboto"/>
+            </a:endParaRPr>
+          </a:p>
+        </p:txBody>
+      </p:sp>
+      <p:sp>
+        <p:nvSpPr>
+          <p:cNvPr id="174" name="Google Shape;174;p26"/>
+          <p:cNvSpPr/>
+          <p:nvPr/>
+        </p:nvSpPr>
+        <p:spPr>
+          <a:xfrm rot="-5782781" flipH="1">
+            <a:off x="5182097" y="3663494"/>
+            <a:ext cx="961152" cy="1098173"/>
+          </a:xfrm>
+          <a:prstGeom prst="teardrop">
+            <a:avLst>
+              <a:gd name="adj" fmla="val 125256"/>
+            </a:avLst>
+          </a:prstGeom>
+          <a:solidFill>
+            <a:srgbClr val="FFD966"/>
+          </a:solidFill>
+          <a:ln w="9525" cap="flat" cmpd="sng">
+            <a:solidFill>
+              <a:schemeClr val="dk2"/>
+            </a:solidFill>
+            <a:prstDash val="solid"/>
+            <a:round/>
+            <a:headEnd type="none" w="sm" len="sm"/>
+            <a:tailEnd type="none" w="sm" len="sm"/>
+          </a:ln>
+        </p:spPr>
+        <p:txBody>
+          <a:bodyPr spcFirstLastPara="1" wrap="square" lIns="91425" tIns="91425" rIns="91425" bIns="91425" anchor="ctr" anchorCtr="0">
+            <a:noAutofit/>
+          </a:bodyPr>
+          <a:lstStyle/>
+          <a:p>
+            <a:pPr marL="0" lvl="0" indent="0" algn="l" rtl="0">
+              <a:spcBef>
+                <a:spcPts val="0"/>
+              </a:spcBef>
+              <a:spcAft>
+                <a:spcPts val="0"/>
+              </a:spcAft>
+              <a:buNone/>
+            </a:pPr>
+            <a:endParaRPr>
+              <a:solidFill>
+                <a:schemeClr val="dk2"/>
+              </a:solidFill>
+              <a:latin typeface="Roboto"/>
+              <a:ea typeface="Roboto"/>
+              <a:cs typeface="Roboto"/>
+              <a:sym typeface="Roboto"/>
+            </a:endParaRPr>
+          </a:p>
+        </p:txBody>
+      </p:sp>
+      <p:sp>
+        <p:nvSpPr>
+          <p:cNvPr id="175" name="Google Shape;175;p26"/>
+          <p:cNvSpPr/>
+          <p:nvPr/>
+        </p:nvSpPr>
+        <p:spPr>
+          <a:xfrm rot="-7678441">
+            <a:off x="3870187" y="3079519"/>
+            <a:ext cx="959038" cy="1101818"/>
+          </a:xfrm>
+          <a:prstGeom prst="teardrop">
+            <a:avLst>
+              <a:gd name="adj" fmla="val 125256"/>
+            </a:avLst>
+          </a:prstGeom>
+          <a:solidFill>
+            <a:srgbClr val="FFD966"/>
+          </a:solidFill>
+          <a:ln w="9525" cap="flat" cmpd="sng">
+            <a:solidFill>
+              <a:schemeClr val="dk2"/>
+            </a:solidFill>
+            <a:prstDash val="solid"/>
+            <a:round/>
+            <a:headEnd type="none" w="sm" len="sm"/>
+            <a:tailEnd type="none" w="sm" len="sm"/>
+          </a:ln>
+        </p:spPr>
+        <p:txBody>
+          <a:bodyPr spcFirstLastPara="1" wrap="square" lIns="91425" tIns="91425" rIns="91425" bIns="91425" anchor="ctr" anchorCtr="0">
+            <a:noAutofit/>
+          </a:bodyPr>
+          <a:lstStyle/>
+          <a:p>
+            <a:pPr marL="0" lvl="0" indent="0" algn="l" rtl="0">
+              <a:spcBef>
+                <a:spcPts val="0"/>
+              </a:spcBef>
+              <a:spcAft>
+                <a:spcPts val="0"/>
+              </a:spcAft>
+              <a:buNone/>
+            </a:pPr>
+            <a:endParaRPr>
+              <a:solidFill>
+                <a:schemeClr val="dk2"/>
+              </a:solidFill>
+              <a:latin typeface="Roboto"/>
+              <a:ea typeface="Roboto"/>
+              <a:cs typeface="Roboto"/>
+              <a:sym typeface="Roboto"/>
+            </a:endParaRPr>
+          </a:p>
+        </p:txBody>
+      </p:sp>
+      <p:sp>
+        <p:nvSpPr>
+          <p:cNvPr id="176" name="Google Shape;176;p26"/>
+          <p:cNvSpPr/>
+          <p:nvPr/>
+        </p:nvSpPr>
+        <p:spPr>
+          <a:xfrm rot="8683438">
+            <a:off x="4241131" y="3802569"/>
+            <a:ext cx="946986" cy="1112827"/>
+          </a:xfrm>
+          <a:prstGeom prst="teardrop">
+            <a:avLst>
+              <a:gd name="adj" fmla="val 125256"/>
+            </a:avLst>
+          </a:prstGeom>
+          <a:solidFill>
+            <a:srgbClr val="FFD966"/>
+          </a:solidFill>
+          <a:ln w="9525" cap="flat" cmpd="sng">
+            <a:solidFill>
+              <a:schemeClr val="dk2"/>
+            </a:solidFill>
+            <a:prstDash val="solid"/>
+            <a:round/>
+            <a:headEnd type="none" w="sm" len="sm"/>
+            <a:tailEnd type="none" w="sm" len="sm"/>
+          </a:ln>
+        </p:spPr>
+        <p:txBody>
+          <a:bodyPr spcFirstLastPara="1" wrap="square" lIns="91425" tIns="91425" rIns="91425" bIns="91425" anchor="ctr" anchorCtr="0">
+            <a:noAutofit/>
+          </a:bodyPr>
+          <a:lstStyle/>
+          <a:p>
+            <a:pPr marL="0" lvl="0" indent="0" algn="l" rtl="0">
+              <a:spcBef>
+                <a:spcPts val="0"/>
+              </a:spcBef>
+              <a:spcAft>
+                <a:spcPts val="0"/>
+              </a:spcAft>
+              <a:buNone/>
+            </a:pPr>
+            <a:endParaRPr>
+              <a:solidFill>
+                <a:schemeClr val="dk2"/>
+              </a:solidFill>
+              <a:latin typeface="Roboto"/>
+              <a:ea typeface="Roboto"/>
+              <a:cs typeface="Roboto"/>
+              <a:sym typeface="Roboto"/>
+            </a:endParaRPr>
+          </a:p>
+        </p:txBody>
+      </p:sp>
+      <p:sp>
+        <p:nvSpPr>
+          <p:cNvPr id="177" name="Google Shape;177;p26"/>
+          <p:cNvSpPr/>
+          <p:nvPr/>
+        </p:nvSpPr>
+        <p:spPr>
+          <a:xfrm rot="-9533352" flipH="1">
+            <a:off x="6800839" y="3192541"/>
+            <a:ext cx="942881" cy="1118766"/>
+          </a:xfrm>
+          <a:prstGeom prst="teardrop">
+            <a:avLst>
+              <a:gd name="adj" fmla="val 125256"/>
+            </a:avLst>
+          </a:prstGeom>
+          <a:solidFill>
+            <a:srgbClr val="FFD966"/>
+          </a:solidFill>
+          <a:ln w="9525" cap="flat" cmpd="sng">
+            <a:solidFill>
+              <a:schemeClr val="dk2"/>
+            </a:solidFill>
+            <a:prstDash val="solid"/>
+            <a:round/>
+            <a:headEnd type="none" w="sm" len="sm"/>
+            <a:tailEnd type="none" w="sm" len="sm"/>
+          </a:ln>
+        </p:spPr>
+        <p:txBody>
+          <a:bodyPr spcFirstLastPara="1" wrap="square" lIns="91425" tIns="91425" rIns="91425" bIns="91425" anchor="ctr" anchorCtr="0">
+            <a:noAutofit/>
+          </a:bodyPr>
+          <a:lstStyle/>
+          <a:p>
+            <a:pPr marL="0" lvl="0" indent="0" algn="l" rtl="0">
+              <a:spcBef>
+                <a:spcPts val="0"/>
+              </a:spcBef>
+              <a:spcAft>
+                <a:spcPts val="0"/>
+              </a:spcAft>
+              <a:buNone/>
+            </a:pPr>
+            <a:endParaRPr>
+              <a:solidFill>
+                <a:schemeClr val="dk2"/>
+              </a:solidFill>
+              <a:latin typeface="Roboto"/>
+              <a:ea typeface="Roboto"/>
+              <a:cs typeface="Roboto"/>
+              <a:sym typeface="Roboto"/>
+            </a:endParaRPr>
+          </a:p>
+        </p:txBody>
+      </p:sp>
+      <p:sp>
+        <p:nvSpPr>
+          <p:cNvPr id="178" name="Google Shape;178;p26"/>
+          <p:cNvSpPr/>
+          <p:nvPr/>
+        </p:nvSpPr>
+        <p:spPr>
+          <a:xfrm rot="-767528">
+            <a:off x="6852525" y="635408"/>
+            <a:ext cx="941673" cy="1120509"/>
+          </a:xfrm>
+          <a:prstGeom prst="teardrop">
+            <a:avLst>
+              <a:gd name="adj" fmla="val 125256"/>
+            </a:avLst>
+          </a:prstGeom>
+          <a:solidFill>
+            <a:srgbClr val="FFD966"/>
+          </a:solidFill>
+          <a:ln w="9525" cap="flat" cmpd="sng">
+            <a:solidFill>
+              <a:schemeClr val="dk2"/>
+            </a:solidFill>
+            <a:prstDash val="solid"/>
+            <a:round/>
+            <a:headEnd type="none" w="sm" len="sm"/>
+            <a:tailEnd type="none" w="sm" len="sm"/>
+          </a:ln>
+        </p:spPr>
+        <p:txBody>
+          <a:bodyPr spcFirstLastPara="1" wrap="square" lIns="91425" tIns="91425" rIns="91425" bIns="91425" anchor="t" anchorCtr="0">
+            <a:noAutofit/>
+          </a:bodyPr>
+          <a:lstStyle/>
+          <a:p>
+            <a:pPr marL="0" lvl="0" indent="0" algn="r" rtl="0">
+              <a:spcBef>
+                <a:spcPts val="0"/>
+              </a:spcBef>
+              <a:spcAft>
+                <a:spcPts val="0"/>
+              </a:spcAft>
+              <a:buNone/>
+            </a:pPr>
+            <a:r>
+              <a:rPr lang="en-GB">
+                <a:solidFill>
+                  <a:schemeClr val="dk2"/>
+                </a:solidFill>
+                <a:latin typeface="Roboto"/>
+                <a:ea typeface="Roboto"/>
+                <a:cs typeface="Roboto"/>
+                <a:sym typeface="Roboto"/>
+              </a:rPr>
+              <a:t>KWF</a:t>
+            </a:r>
+            <a:endParaRPr>
+              <a:solidFill>
+                <a:schemeClr val="dk2"/>
+              </a:solidFill>
+              <a:latin typeface="Roboto"/>
+              <a:ea typeface="Roboto"/>
+              <a:cs typeface="Roboto"/>
+              <a:sym typeface="Roboto"/>
+            </a:endParaRPr>
+          </a:p>
+        </p:txBody>
+      </p:sp>
+      <p:sp>
+        <p:nvSpPr>
+          <p:cNvPr id="179" name="Google Shape;179;p26"/>
+          <p:cNvSpPr/>
+          <p:nvPr/>
+        </p:nvSpPr>
+        <p:spPr>
+          <a:xfrm rot="-2369681" flipH="1">
+            <a:off x="3213005" y="1719928"/>
+            <a:ext cx="948575" cy="1114175"/>
+          </a:xfrm>
+          <a:prstGeom prst="teardrop">
+            <a:avLst>
+              <a:gd name="adj" fmla="val 125256"/>
+            </a:avLst>
+          </a:prstGeom>
+          <a:solidFill>
+            <a:srgbClr val="FFD966"/>
+          </a:solidFill>
+          <a:ln w="9525" cap="flat" cmpd="sng">
+            <a:solidFill>
+              <a:schemeClr val="dk2"/>
+            </a:solidFill>
+            <a:prstDash val="solid"/>
+            <a:round/>
+            <a:headEnd type="none" w="sm" len="sm"/>
+            <a:tailEnd type="none" w="sm" len="sm"/>
+          </a:ln>
+        </p:spPr>
+        <p:txBody>
+          <a:bodyPr spcFirstLastPara="1" wrap="square" lIns="91425" tIns="91425" rIns="91425" bIns="91425" anchor="ctr" anchorCtr="0">
+            <a:noAutofit/>
+          </a:bodyPr>
+          <a:lstStyle/>
+          <a:p>
+            <a:pPr marL="0" lvl="0" indent="0" algn="l" rtl="0">
+              <a:spcBef>
+                <a:spcPts val="0"/>
+              </a:spcBef>
+              <a:spcAft>
+                <a:spcPts val="0"/>
+              </a:spcAft>
+              <a:buNone/>
+            </a:pPr>
+            <a:endParaRPr>
+              <a:solidFill>
+                <a:schemeClr val="dk2"/>
+              </a:solidFill>
+              <a:latin typeface="Roboto"/>
+              <a:ea typeface="Roboto"/>
+              <a:cs typeface="Roboto"/>
+              <a:sym typeface="Roboto"/>
+            </a:endParaRPr>
+          </a:p>
+        </p:txBody>
+      </p:sp>
+      <p:sp>
+        <p:nvSpPr>
+          <p:cNvPr id="180" name="Google Shape;180;p26"/>
+          <p:cNvSpPr/>
+          <p:nvPr/>
+        </p:nvSpPr>
+        <p:spPr>
+          <a:xfrm rot="-10082504">
+            <a:off x="3377526" y="2202219"/>
+            <a:ext cx="941124" cy="1122094"/>
+          </a:xfrm>
+          <a:prstGeom prst="teardrop">
+            <a:avLst>
+              <a:gd name="adj" fmla="val 125256"/>
+            </a:avLst>
+          </a:prstGeom>
+          <a:solidFill>
+            <a:srgbClr val="FFD966"/>
+          </a:solidFill>
+          <a:ln w="9525" cap="flat" cmpd="sng">
+            <a:solidFill>
+              <a:schemeClr val="dk2"/>
+            </a:solidFill>
+            <a:prstDash val="solid"/>
+            <a:round/>
+            <a:headEnd type="none" w="sm" len="sm"/>
+            <a:tailEnd type="none" w="sm" len="sm"/>
+          </a:ln>
+        </p:spPr>
+        <p:txBody>
+          <a:bodyPr spcFirstLastPara="1" wrap="square" lIns="91425" tIns="91425" rIns="91425" bIns="91425" anchor="ctr" anchorCtr="0">
+            <a:noAutofit/>
+          </a:bodyPr>
+          <a:lstStyle/>
+          <a:p>
+            <a:pPr marL="0" lvl="0" indent="0" algn="l" rtl="0">
+              <a:spcBef>
+                <a:spcPts val="0"/>
+              </a:spcBef>
+              <a:spcAft>
+                <a:spcPts val="0"/>
+              </a:spcAft>
+              <a:buNone/>
+            </a:pPr>
+            <a:endParaRPr>
+              <a:solidFill>
+                <a:schemeClr val="dk2"/>
+              </a:solidFill>
+              <a:latin typeface="Roboto"/>
+              <a:ea typeface="Roboto"/>
+              <a:cs typeface="Roboto"/>
+              <a:sym typeface="Roboto"/>
+            </a:endParaRPr>
+          </a:p>
+        </p:txBody>
+      </p:sp>
+      <p:sp>
+        <p:nvSpPr>
+          <p:cNvPr id="181" name="Google Shape;181;p26"/>
+          <p:cNvSpPr/>
+          <p:nvPr/>
+        </p:nvSpPr>
+        <p:spPr>
+          <a:xfrm rot="3579564">
+            <a:off x="7021070" y="2783030"/>
+            <a:ext cx="955578" cy="1105718"/>
+          </a:xfrm>
+          <a:prstGeom prst="teardrop">
+            <a:avLst>
+              <a:gd name="adj" fmla="val 125256"/>
+            </a:avLst>
+          </a:prstGeom>
+          <a:solidFill>
+            <a:srgbClr val="FFD966"/>
+          </a:solidFill>
+          <a:ln w="9525" cap="flat" cmpd="sng">
+            <a:solidFill>
+              <a:schemeClr val="dk2"/>
+            </a:solidFill>
+            <a:prstDash val="solid"/>
+            <a:round/>
+            <a:headEnd type="none" w="sm" len="sm"/>
+            <a:tailEnd type="none" w="sm" len="sm"/>
+          </a:ln>
+        </p:spPr>
+        <p:txBody>
+          <a:bodyPr spcFirstLastPara="1" wrap="square" lIns="91425" tIns="91425" rIns="91425" bIns="91425" anchor="ctr" anchorCtr="0">
+            <a:noAutofit/>
+          </a:bodyPr>
+          <a:lstStyle/>
+          <a:p>
+            <a:pPr marL="0" lvl="0" indent="0" algn="l" rtl="0">
+              <a:spcBef>
+                <a:spcPts val="0"/>
+              </a:spcBef>
+              <a:spcAft>
+                <a:spcPts val="0"/>
+              </a:spcAft>
+              <a:buNone/>
+            </a:pPr>
+            <a:endParaRPr>
+              <a:solidFill>
+                <a:schemeClr val="dk2"/>
+              </a:solidFill>
+              <a:latin typeface="Roboto"/>
+              <a:ea typeface="Roboto"/>
+              <a:cs typeface="Roboto"/>
+              <a:sym typeface="Roboto"/>
+            </a:endParaRPr>
+          </a:p>
+        </p:txBody>
+      </p:sp>
+      <p:sp>
+        <p:nvSpPr>
+          <p:cNvPr id="182" name="Google Shape;182;p26"/>
+          <p:cNvSpPr/>
+          <p:nvPr/>
+        </p:nvSpPr>
+        <p:spPr>
+          <a:xfrm rot="6342551">
+            <a:off x="5949195" y="3628624"/>
+            <a:ext cx="959540" cy="1098913"/>
+          </a:xfrm>
+          <a:prstGeom prst="teardrop">
+            <a:avLst>
+              <a:gd name="adj" fmla="val 125256"/>
+            </a:avLst>
+          </a:prstGeom>
+          <a:solidFill>
+            <a:srgbClr val="FFD966"/>
+          </a:solidFill>
+          <a:ln w="9525" cap="flat" cmpd="sng">
+            <a:solidFill>
+              <a:schemeClr val="dk2"/>
+            </a:solidFill>
+            <a:prstDash val="solid"/>
+            <a:round/>
+            <a:headEnd type="none" w="sm" len="sm"/>
+            <a:tailEnd type="none" w="sm" len="sm"/>
+          </a:ln>
+        </p:spPr>
+        <p:txBody>
+          <a:bodyPr spcFirstLastPara="1" wrap="square" lIns="91425" tIns="91425" rIns="91425" bIns="91425" anchor="ctr" anchorCtr="0">
+            <a:noAutofit/>
+          </a:bodyPr>
+          <a:lstStyle/>
+          <a:p>
+            <a:pPr marL="0" lvl="0" indent="0" algn="l" rtl="0">
+              <a:spcBef>
+                <a:spcPts val="0"/>
+              </a:spcBef>
+              <a:spcAft>
+                <a:spcPts val="0"/>
+              </a:spcAft>
+              <a:buNone/>
+            </a:pPr>
+            <a:endParaRPr>
+              <a:solidFill>
+                <a:schemeClr val="dk2"/>
+              </a:solidFill>
+              <a:latin typeface="Roboto"/>
+              <a:ea typeface="Roboto"/>
+              <a:cs typeface="Roboto"/>
+              <a:sym typeface="Roboto"/>
+            </a:endParaRPr>
+          </a:p>
+        </p:txBody>
+      </p:sp>
+      <p:sp>
+        <p:nvSpPr>
+          <p:cNvPr id="183" name="Google Shape;183;p26"/>
+          <p:cNvSpPr/>
+          <p:nvPr/>
+        </p:nvSpPr>
+        <p:spPr>
+          <a:xfrm rot="4917807" flipH="1">
+            <a:off x="5876961" y="349011"/>
+            <a:ext cx="961341" cy="1098096"/>
+          </a:xfrm>
+          <a:prstGeom prst="teardrop">
+            <a:avLst>
+              <a:gd name="adj" fmla="val 125256"/>
+            </a:avLst>
+          </a:prstGeom>
+          <a:solidFill>
+            <a:srgbClr val="FFD966"/>
+          </a:solidFill>
+          <a:ln w="9525" cap="flat" cmpd="sng">
+            <a:solidFill>
+              <a:schemeClr val="dk2"/>
+            </a:solidFill>
+            <a:prstDash val="solid"/>
+            <a:round/>
+            <a:headEnd type="none" w="sm" len="sm"/>
+            <a:tailEnd type="none" w="sm" len="sm"/>
+          </a:ln>
+        </p:spPr>
+        <p:txBody>
+          <a:bodyPr spcFirstLastPara="1" wrap="square" lIns="91425" tIns="91425" rIns="91425" bIns="91425" anchor="ctr" anchorCtr="0">
+            <a:noAutofit/>
+          </a:bodyPr>
+          <a:lstStyle/>
+          <a:p>
+            <a:pPr marL="0" lvl="0" indent="0" algn="l" rtl="0">
+              <a:spcBef>
+                <a:spcPts val="0"/>
+              </a:spcBef>
+              <a:spcAft>
+                <a:spcPts val="0"/>
+              </a:spcAft>
+              <a:buNone/>
+            </a:pPr>
+            <a:endParaRPr>
+              <a:solidFill>
+                <a:schemeClr val="dk2"/>
+              </a:solidFill>
+              <a:latin typeface="Roboto"/>
+              <a:ea typeface="Roboto"/>
+              <a:cs typeface="Roboto"/>
+              <a:sym typeface="Roboto"/>
+            </a:endParaRPr>
+          </a:p>
+        </p:txBody>
+      </p:sp>
+      <p:sp>
+        <p:nvSpPr>
+          <p:cNvPr id="184" name="Google Shape;184;p26"/>
+          <p:cNvSpPr/>
+          <p:nvPr/>
+        </p:nvSpPr>
+        <p:spPr>
+          <a:xfrm rot="-5028002">
+            <a:off x="5147658" y="364173"/>
+            <a:ext cx="961122" cy="1097981"/>
+          </a:xfrm>
+          <a:prstGeom prst="teardrop">
+            <a:avLst>
+              <a:gd name="adj" fmla="val 125256"/>
+            </a:avLst>
+          </a:prstGeom>
+          <a:solidFill>
+            <a:srgbClr val="FFD966"/>
+          </a:solidFill>
+          <a:ln w="9525" cap="flat" cmpd="sng">
+            <a:solidFill>
+              <a:schemeClr val="dk2"/>
+            </a:solidFill>
+            <a:prstDash val="solid"/>
+            <a:round/>
+            <a:headEnd type="none" w="sm" len="sm"/>
+            <a:tailEnd type="none" w="sm" len="sm"/>
+          </a:ln>
+        </p:spPr>
+        <p:txBody>
+          <a:bodyPr spcFirstLastPara="1" wrap="square" lIns="91425" tIns="91425" rIns="91425" bIns="91425" anchor="ctr" anchorCtr="0">
+            <a:noAutofit/>
+          </a:bodyPr>
+          <a:lstStyle/>
+          <a:p>
+            <a:pPr marL="0" lvl="0" indent="0" algn="l" rtl="0">
+              <a:spcBef>
+                <a:spcPts val="0"/>
+              </a:spcBef>
+              <a:spcAft>
+                <a:spcPts val="0"/>
+              </a:spcAft>
+              <a:buNone/>
+            </a:pPr>
+            <a:endParaRPr>
+              <a:solidFill>
+                <a:schemeClr val="dk2"/>
+              </a:solidFill>
+              <a:latin typeface="Roboto"/>
+              <a:ea typeface="Roboto"/>
+              <a:cs typeface="Roboto"/>
+              <a:sym typeface="Roboto"/>
+            </a:endParaRPr>
+          </a:p>
+        </p:txBody>
+      </p:sp>
+      <p:sp>
+        <p:nvSpPr>
+          <p:cNvPr id="185" name="Google Shape;185;p26"/>
+          <p:cNvSpPr/>
+          <p:nvPr/>
+        </p:nvSpPr>
+        <p:spPr>
+          <a:xfrm rot="-4457449">
+            <a:off x="3738405" y="473279"/>
+            <a:ext cx="959540" cy="1098913"/>
+          </a:xfrm>
+          <a:prstGeom prst="teardrop">
+            <a:avLst>
+              <a:gd name="adj" fmla="val 125256"/>
+            </a:avLst>
+          </a:prstGeom>
+          <a:solidFill>
+            <a:srgbClr val="FFD966"/>
+          </a:solidFill>
+          <a:ln w="9525" cap="flat" cmpd="sng">
+            <a:solidFill>
+              <a:schemeClr val="dk2"/>
+            </a:solidFill>
+            <a:prstDash val="solid"/>
+            <a:round/>
+            <a:headEnd type="none" w="sm" len="sm"/>
+            <a:tailEnd type="none" w="sm" len="sm"/>
+          </a:ln>
+        </p:spPr>
+        <p:txBody>
+          <a:bodyPr spcFirstLastPara="1" wrap="square" lIns="91425" tIns="91425" rIns="91425" bIns="91425" anchor="ctr" anchorCtr="0">
+            <a:noAutofit/>
+          </a:bodyPr>
+          <a:lstStyle/>
+          <a:p>
+            <a:pPr marL="0" lvl="0" indent="0" algn="l" rtl="0">
+              <a:spcBef>
+                <a:spcPts val="0"/>
+              </a:spcBef>
+              <a:spcAft>
+                <a:spcPts val="0"/>
+              </a:spcAft>
+              <a:buNone/>
+            </a:pPr>
+            <a:endParaRPr>
+              <a:solidFill>
+                <a:schemeClr val="dk2"/>
+              </a:solidFill>
+              <a:latin typeface="Roboto"/>
+              <a:ea typeface="Roboto"/>
+              <a:cs typeface="Roboto"/>
+              <a:sym typeface="Roboto"/>
+            </a:endParaRPr>
+          </a:p>
+        </p:txBody>
+      </p:sp>
+      <p:sp>
+        <p:nvSpPr>
+          <p:cNvPr id="186" name="Google Shape;186;p26"/>
+          <p:cNvSpPr txBox="1"/>
+          <p:nvPr/>
+        </p:nvSpPr>
+        <p:spPr>
+          <a:xfrm rot="-1443084">
+            <a:off x="3493255" y="500447"/>
+            <a:ext cx="942202" cy="353898"/>
+          </a:xfrm>
+          <a:prstGeom prst="rect">
+            <a:avLst/>
+          </a:prstGeom>
+          <a:noFill/>
+          <a:ln>
+            <a:noFill/>
+          </a:ln>
+        </p:spPr>
+        <p:txBody>
+          <a:bodyPr spcFirstLastPara="1" wrap="square" lIns="91425" tIns="91425" rIns="91425" bIns="91425" anchor="t" anchorCtr="0">
+            <a:spAutoFit/>
+          </a:bodyPr>
+          <a:lstStyle/>
+          <a:p>
+            <a:pPr marL="0" lvl="0" indent="0" algn="ctr" rtl="0">
+              <a:spcBef>
+                <a:spcPts val="0"/>
+              </a:spcBef>
+              <a:spcAft>
+                <a:spcPts val="0"/>
+              </a:spcAft>
+              <a:buNone/>
+            </a:pPr>
+            <a:r>
+              <a:rPr lang="en-GB" sz="1100">
+                <a:solidFill>
+                  <a:schemeClr val="dk2"/>
+                </a:solidFill>
+                <a:latin typeface="Roboto"/>
+                <a:ea typeface="Roboto"/>
+                <a:cs typeface="Roboto"/>
+                <a:sym typeface="Roboto"/>
+              </a:rPr>
+              <a:t>Proteo</a:t>
+            </a:r>
+            <a:endParaRPr sz="1100">
+              <a:solidFill>
+                <a:schemeClr val="dk2"/>
+              </a:solidFill>
+              <a:latin typeface="Roboto"/>
+              <a:ea typeface="Roboto"/>
+              <a:cs typeface="Roboto"/>
+              <a:sym typeface="Roboto"/>
+            </a:endParaRPr>
+          </a:p>
+        </p:txBody>
+      </p:sp>
+      <p:sp>
+        <p:nvSpPr>
+          <p:cNvPr id="187" name="Google Shape;187;p26"/>
+          <p:cNvSpPr/>
+          <p:nvPr/>
+        </p:nvSpPr>
+        <p:spPr>
+          <a:xfrm rot="1643025">
+            <a:off x="7461907" y="1058663"/>
+            <a:ext cx="901406" cy="1032202"/>
+          </a:xfrm>
+          <a:prstGeom prst="teardrop">
+            <a:avLst>
+              <a:gd name="adj" fmla="val 125256"/>
+            </a:avLst>
+          </a:prstGeom>
+          <a:solidFill>
+            <a:srgbClr val="FFD966"/>
+          </a:solidFill>
+          <a:ln w="9525" cap="flat" cmpd="sng">
+            <a:solidFill>
+              <a:schemeClr val="dk2"/>
+            </a:solidFill>
+            <a:prstDash val="solid"/>
+            <a:round/>
+            <a:headEnd type="none" w="sm" len="sm"/>
+            <a:tailEnd type="none" w="sm" len="sm"/>
+          </a:ln>
+        </p:spPr>
+        <p:txBody>
+          <a:bodyPr spcFirstLastPara="1" wrap="square" lIns="91425" tIns="91425" rIns="91425" bIns="91425" anchor="ctr" anchorCtr="0">
+            <a:noAutofit/>
+          </a:bodyPr>
+          <a:lstStyle/>
+          <a:p>
+            <a:pPr marL="0" lvl="0" indent="0" algn="l" rtl="0">
+              <a:spcBef>
+                <a:spcPts val="0"/>
+              </a:spcBef>
+              <a:spcAft>
+                <a:spcPts val="0"/>
+              </a:spcAft>
+              <a:buNone/>
+            </a:pPr>
+            <a:endParaRPr>
+              <a:solidFill>
+                <a:schemeClr val="dk2"/>
+              </a:solidFill>
+              <a:latin typeface="Roboto"/>
+              <a:ea typeface="Roboto"/>
+              <a:cs typeface="Roboto"/>
+              <a:sym typeface="Roboto"/>
+            </a:endParaRPr>
+          </a:p>
+        </p:txBody>
+      </p:sp>
+      <p:sp>
+        <p:nvSpPr>
+          <p:cNvPr id="188" name="Google Shape;188;p26"/>
+          <p:cNvSpPr/>
+          <p:nvPr/>
+        </p:nvSpPr>
+        <p:spPr>
+          <a:xfrm rot="-5892055">
+            <a:off x="3773051" y="1010830"/>
+            <a:ext cx="961129" cy="1098896"/>
+          </a:xfrm>
+          <a:prstGeom prst="teardrop">
+            <a:avLst>
+              <a:gd name="adj" fmla="val 125256"/>
+            </a:avLst>
+          </a:prstGeom>
+          <a:solidFill>
+            <a:srgbClr val="FFD966"/>
+          </a:solidFill>
+          <a:ln w="9525" cap="flat" cmpd="sng">
+            <a:solidFill>
+              <a:schemeClr val="dk2"/>
+            </a:solidFill>
+            <a:prstDash val="solid"/>
+            <a:round/>
+            <a:headEnd type="none" w="sm" len="sm"/>
+            <a:tailEnd type="none" w="sm" len="sm"/>
+          </a:ln>
+        </p:spPr>
+        <p:txBody>
+          <a:bodyPr spcFirstLastPara="1" wrap="square" lIns="91425" tIns="91425" rIns="91425" bIns="91425" anchor="ctr" anchorCtr="0">
+            <a:noAutofit/>
+          </a:bodyPr>
+          <a:lstStyle/>
+          <a:p>
+            <a:pPr marL="0" lvl="0" indent="0" algn="l" rtl="0">
+              <a:spcBef>
+                <a:spcPts val="0"/>
+              </a:spcBef>
+              <a:spcAft>
+                <a:spcPts val="0"/>
+              </a:spcAft>
+              <a:buNone/>
+            </a:pPr>
+            <a:endParaRPr>
+              <a:solidFill>
+                <a:schemeClr val="dk2"/>
+              </a:solidFill>
+              <a:latin typeface="Roboto"/>
+              <a:ea typeface="Roboto"/>
+              <a:cs typeface="Roboto"/>
+              <a:sym typeface="Roboto"/>
+            </a:endParaRPr>
+          </a:p>
+        </p:txBody>
+      </p:sp>
+      <p:sp>
+        <p:nvSpPr>
+          <p:cNvPr id="189" name="Google Shape;189;p26"/>
+          <p:cNvSpPr/>
+          <p:nvPr/>
+        </p:nvSpPr>
+        <p:spPr>
+          <a:xfrm rot="-1996322">
+            <a:off x="4303793" y="786558"/>
+            <a:ext cx="946566" cy="1113606"/>
+          </a:xfrm>
+          <a:prstGeom prst="teardrop">
+            <a:avLst>
+              <a:gd name="adj" fmla="val 125256"/>
+            </a:avLst>
+          </a:prstGeom>
+          <a:solidFill>
+            <a:srgbClr val="FFD966"/>
+          </a:solidFill>
+          <a:ln w="9525" cap="flat" cmpd="sng">
+            <a:solidFill>
+              <a:schemeClr val="dk2"/>
+            </a:solidFill>
+            <a:prstDash val="solid"/>
+            <a:round/>
+            <a:headEnd type="none" w="sm" len="sm"/>
+            <a:tailEnd type="none" w="sm" len="sm"/>
+          </a:ln>
+        </p:spPr>
+        <p:txBody>
+          <a:bodyPr spcFirstLastPara="1" wrap="square" lIns="91425" tIns="91425" rIns="91425" bIns="91425" anchor="ctr" anchorCtr="0">
+            <a:noAutofit/>
+          </a:bodyPr>
+          <a:lstStyle/>
+          <a:p>
+            <a:pPr marL="0" lvl="0" indent="0" algn="l" rtl="0">
+              <a:spcBef>
+                <a:spcPts val="0"/>
+              </a:spcBef>
+              <a:spcAft>
+                <a:spcPts val="0"/>
+              </a:spcAft>
+              <a:buNone/>
+            </a:pPr>
+            <a:endParaRPr>
+              <a:solidFill>
+                <a:schemeClr val="dk2"/>
+              </a:solidFill>
+              <a:latin typeface="Roboto"/>
+              <a:ea typeface="Roboto"/>
+              <a:cs typeface="Roboto"/>
+              <a:sym typeface="Roboto"/>
+            </a:endParaRPr>
+          </a:p>
+        </p:txBody>
+      </p:sp>
+      <p:sp>
+        <p:nvSpPr>
+          <p:cNvPr id="190" name="Google Shape;190;p26"/>
+          <p:cNvSpPr/>
+          <p:nvPr/>
+        </p:nvSpPr>
+        <p:spPr>
+          <a:xfrm rot="2624157">
+            <a:off x="7101930" y="1762574"/>
+            <a:ext cx="1442425" cy="1377924"/>
+          </a:xfrm>
+          <a:prstGeom prst="teardrop">
+            <a:avLst>
+              <a:gd name="adj" fmla="val 126091"/>
+            </a:avLst>
+          </a:prstGeom>
+          <a:solidFill>
+            <a:srgbClr val="F1C232"/>
+          </a:solidFill>
+          <a:ln w="9525" cap="flat" cmpd="sng">
+            <a:solidFill>
+              <a:schemeClr val="dk2"/>
+            </a:solidFill>
+            <a:prstDash val="solid"/>
+            <a:round/>
+            <a:headEnd type="none" w="sm" len="sm"/>
+            <a:tailEnd type="none" w="sm" len="sm"/>
+          </a:ln>
+        </p:spPr>
+        <p:txBody>
+          <a:bodyPr spcFirstLastPara="1" wrap="square" lIns="91425" tIns="91425" rIns="91425" bIns="91425" anchor="ctr" anchorCtr="0">
+            <a:noAutofit/>
+          </a:bodyPr>
+          <a:lstStyle/>
+          <a:p>
+            <a:pPr marL="0" marR="0" lvl="0" indent="0" algn="l" rtl="0">
+              <a:lnSpc>
+                <a:spcPct val="100000"/>
+              </a:lnSpc>
+              <a:spcBef>
+                <a:spcPts val="0"/>
+              </a:spcBef>
+              <a:spcAft>
+                <a:spcPts val="0"/>
+              </a:spcAft>
+              <a:buNone/>
+            </a:pPr>
+            <a:endParaRPr>
+              <a:solidFill>
+                <a:schemeClr val="dk2"/>
+              </a:solidFill>
+              <a:latin typeface="Roboto"/>
+              <a:ea typeface="Roboto"/>
+              <a:cs typeface="Roboto"/>
+              <a:sym typeface="Roboto"/>
+            </a:endParaRPr>
+          </a:p>
+        </p:txBody>
+      </p:sp>
+      <p:sp>
+        <p:nvSpPr>
+          <p:cNvPr id="191" name="Google Shape;191;p26"/>
+          <p:cNvSpPr/>
+          <p:nvPr/>
+        </p:nvSpPr>
+        <p:spPr>
+          <a:xfrm rot="-5400000">
+            <a:off x="4316639" y="1171847"/>
+            <a:ext cx="2181300" cy="2210400"/>
+          </a:xfrm>
+          <a:prstGeom prst="teardrop">
+            <a:avLst>
+              <a:gd name="adj" fmla="val 130446"/>
+            </a:avLst>
+          </a:prstGeom>
+          <a:solidFill>
+            <a:srgbClr val="F1C232"/>
+          </a:solidFill>
+          <a:ln w="9525" cap="flat" cmpd="sng">
+            <a:solidFill>
+              <a:schemeClr val="dk2"/>
+            </a:solidFill>
+            <a:prstDash val="solid"/>
+            <a:round/>
+            <a:headEnd type="none" w="sm" len="sm"/>
+            <a:tailEnd type="none" w="sm" len="sm"/>
+          </a:ln>
+        </p:spPr>
+        <p:txBody>
+          <a:bodyPr spcFirstLastPara="1" wrap="square" lIns="91425" tIns="91425" rIns="91425" bIns="91425" anchor="ctr" anchorCtr="0">
+            <a:noAutofit/>
+          </a:bodyPr>
+          <a:lstStyle/>
+          <a:p>
+            <a:pPr marL="0" marR="0" lvl="0" indent="0" algn="l" rtl="0">
+              <a:lnSpc>
+                <a:spcPct val="100000"/>
+              </a:lnSpc>
+              <a:spcBef>
+                <a:spcPts val="0"/>
+              </a:spcBef>
+              <a:spcAft>
+                <a:spcPts val="0"/>
+              </a:spcAft>
+              <a:buNone/>
+            </a:pPr>
+            <a:endParaRPr>
+              <a:solidFill>
+                <a:schemeClr val="dk2"/>
+              </a:solidFill>
+              <a:latin typeface="Roboto"/>
+              <a:ea typeface="Roboto"/>
+              <a:cs typeface="Roboto"/>
+              <a:sym typeface="Roboto"/>
+            </a:endParaRPr>
+          </a:p>
+        </p:txBody>
+      </p:sp>
+      <p:sp>
+        <p:nvSpPr>
+          <p:cNvPr id="192" name="Google Shape;192;p26"/>
+          <p:cNvSpPr/>
+          <p:nvPr/>
+        </p:nvSpPr>
+        <p:spPr>
+          <a:xfrm rot="-5400000" flipH="1">
+            <a:off x="4316639" y="2179047"/>
+            <a:ext cx="2181300" cy="2210400"/>
+          </a:xfrm>
+          <a:prstGeom prst="teardrop">
+            <a:avLst>
+              <a:gd name="adj" fmla="val 130446"/>
+            </a:avLst>
+          </a:prstGeom>
+          <a:solidFill>
+            <a:srgbClr val="F1C232"/>
+          </a:solidFill>
+          <a:ln w="9525" cap="flat" cmpd="sng">
+            <a:solidFill>
+              <a:schemeClr val="dk2"/>
+            </a:solidFill>
+            <a:prstDash val="solid"/>
+            <a:round/>
+            <a:headEnd type="none" w="sm" len="sm"/>
+            <a:tailEnd type="none" w="sm" len="sm"/>
+          </a:ln>
+        </p:spPr>
+        <p:txBody>
+          <a:bodyPr spcFirstLastPara="1" wrap="square" lIns="91425" tIns="91425" rIns="91425" bIns="91425" anchor="ctr" anchorCtr="0">
+            <a:noAutofit/>
+          </a:bodyPr>
+          <a:lstStyle/>
+          <a:p>
+            <a:pPr marL="0" marR="0" lvl="0" indent="0" algn="l" rtl="0">
+              <a:lnSpc>
+                <a:spcPct val="100000"/>
+              </a:lnSpc>
+              <a:spcBef>
+                <a:spcPts val="0"/>
+              </a:spcBef>
+              <a:spcAft>
+                <a:spcPts val="0"/>
+              </a:spcAft>
+              <a:buNone/>
+            </a:pPr>
+            <a:endParaRPr>
+              <a:solidFill>
+                <a:schemeClr val="dk2"/>
+              </a:solidFill>
+              <a:latin typeface="Roboto"/>
+              <a:ea typeface="Roboto"/>
+              <a:cs typeface="Roboto"/>
+              <a:sym typeface="Roboto"/>
+            </a:endParaRPr>
+          </a:p>
+        </p:txBody>
+      </p:sp>
+      <p:sp>
+        <p:nvSpPr>
+          <p:cNvPr id="193" name="Google Shape;193;p26"/>
+          <p:cNvSpPr/>
+          <p:nvPr/>
+        </p:nvSpPr>
+        <p:spPr>
+          <a:xfrm rot="5400000">
+            <a:off x="6360163" y="2468330"/>
+            <a:ext cx="1410000" cy="1408200"/>
+          </a:xfrm>
+          <a:prstGeom prst="teardrop">
+            <a:avLst>
+              <a:gd name="adj" fmla="val 159381"/>
+            </a:avLst>
+          </a:prstGeom>
+          <a:solidFill>
+            <a:srgbClr val="F1C232"/>
+          </a:solidFill>
+          <a:ln w="9525" cap="flat" cmpd="sng">
+            <a:solidFill>
+              <a:schemeClr val="dk2"/>
+            </a:solidFill>
+            <a:prstDash val="solid"/>
+            <a:round/>
+            <a:headEnd type="none" w="sm" len="sm"/>
+            <a:tailEnd type="none" w="sm" len="sm"/>
+          </a:ln>
+        </p:spPr>
+        <p:txBody>
+          <a:bodyPr spcFirstLastPara="1" wrap="square" lIns="91425" tIns="91425" rIns="91425" bIns="91425" anchor="ctr" anchorCtr="0">
+            <a:noAutofit/>
+          </a:bodyPr>
+          <a:lstStyle/>
+          <a:p>
+            <a:pPr marL="0" marR="0" lvl="0" indent="0" algn="l" rtl="0">
+              <a:lnSpc>
+                <a:spcPct val="100000"/>
+              </a:lnSpc>
+              <a:spcBef>
+                <a:spcPts val="0"/>
+              </a:spcBef>
+              <a:spcAft>
+                <a:spcPts val="0"/>
+              </a:spcAft>
+              <a:buNone/>
+            </a:pPr>
+            <a:endParaRPr>
+              <a:solidFill>
+                <a:schemeClr val="dk2"/>
+              </a:solidFill>
+              <a:latin typeface="Roboto"/>
+              <a:ea typeface="Roboto"/>
+              <a:cs typeface="Roboto"/>
+              <a:sym typeface="Roboto"/>
+            </a:endParaRPr>
+          </a:p>
+        </p:txBody>
+      </p:sp>
+      <p:sp>
+        <p:nvSpPr>
+          <p:cNvPr id="194" name="Google Shape;194;p26"/>
+          <p:cNvSpPr/>
+          <p:nvPr/>
+        </p:nvSpPr>
+        <p:spPr>
+          <a:xfrm rot="8037705">
+            <a:off x="5299227" y="3193707"/>
+            <a:ext cx="1439977" cy="1380500"/>
+          </a:xfrm>
+          <a:prstGeom prst="teardrop">
+            <a:avLst>
+              <a:gd name="adj" fmla="val 130469"/>
+            </a:avLst>
+          </a:prstGeom>
+          <a:solidFill>
+            <a:srgbClr val="F1C232"/>
+          </a:solidFill>
+          <a:ln w="9525" cap="flat" cmpd="sng">
+            <a:solidFill>
+              <a:schemeClr val="dk2"/>
+            </a:solidFill>
+            <a:prstDash val="solid"/>
+            <a:round/>
+            <a:headEnd type="none" w="sm" len="sm"/>
+            <a:tailEnd type="none" w="sm" len="sm"/>
+          </a:ln>
+        </p:spPr>
+        <p:txBody>
+          <a:bodyPr spcFirstLastPara="1" wrap="square" lIns="91425" tIns="91425" rIns="91425" bIns="91425" anchor="ctr" anchorCtr="0">
+            <a:noAutofit/>
+          </a:bodyPr>
+          <a:lstStyle/>
+          <a:p>
+            <a:pPr marL="0" marR="0" lvl="0" indent="0" algn="l" rtl="0">
+              <a:lnSpc>
+                <a:spcPct val="100000"/>
+              </a:lnSpc>
+              <a:spcBef>
+                <a:spcPts val="0"/>
+              </a:spcBef>
+              <a:spcAft>
+                <a:spcPts val="0"/>
+              </a:spcAft>
+              <a:buNone/>
+            </a:pPr>
+            <a:endParaRPr>
+              <a:solidFill>
+                <a:schemeClr val="dk2"/>
+              </a:solidFill>
+              <a:latin typeface="Roboto"/>
+              <a:ea typeface="Roboto"/>
+              <a:cs typeface="Roboto"/>
+              <a:sym typeface="Roboto"/>
+            </a:endParaRPr>
+          </a:p>
+        </p:txBody>
+      </p:sp>
+      <p:sp>
+        <p:nvSpPr>
+          <p:cNvPr id="195" name="Google Shape;195;p26"/>
+          <p:cNvSpPr/>
+          <p:nvPr/>
+        </p:nvSpPr>
+        <p:spPr>
+          <a:xfrm rot="-2623641">
+            <a:off x="5297952" y="582867"/>
+            <a:ext cx="1442217" cy="1377924"/>
+          </a:xfrm>
+          <a:prstGeom prst="teardrop">
+            <a:avLst>
+              <a:gd name="adj" fmla="val 148163"/>
+            </a:avLst>
+          </a:prstGeom>
+          <a:solidFill>
+            <a:srgbClr val="F1C232"/>
+          </a:solidFill>
+          <a:ln w="9525" cap="flat" cmpd="sng">
+            <a:solidFill>
+              <a:schemeClr val="dk2"/>
+            </a:solidFill>
+            <a:prstDash val="solid"/>
+            <a:round/>
+            <a:headEnd type="none" w="sm" len="sm"/>
+            <a:tailEnd type="none" w="sm" len="sm"/>
+          </a:ln>
+        </p:spPr>
+        <p:txBody>
+          <a:bodyPr spcFirstLastPara="1" wrap="square" lIns="91425" tIns="91425" rIns="91425" bIns="91425" anchor="ctr" anchorCtr="0">
+            <a:noAutofit/>
+          </a:bodyPr>
+          <a:lstStyle/>
+          <a:p>
+            <a:pPr marL="0" lvl="0" indent="0" algn="l" rtl="0">
+              <a:spcBef>
+                <a:spcPts val="0"/>
+              </a:spcBef>
+              <a:spcAft>
+                <a:spcPts val="0"/>
+              </a:spcAft>
+              <a:buNone/>
+            </a:pPr>
+            <a:endParaRPr>
+              <a:solidFill>
+                <a:schemeClr val="dk2"/>
+              </a:solidFill>
+              <a:latin typeface="Roboto"/>
+              <a:ea typeface="Roboto"/>
+              <a:cs typeface="Roboto"/>
+              <a:sym typeface="Roboto"/>
+            </a:endParaRPr>
+          </a:p>
+        </p:txBody>
+      </p:sp>
+      <p:sp>
+        <p:nvSpPr>
+          <p:cNvPr id="196" name="Google Shape;196;p26"/>
+          <p:cNvSpPr/>
+          <p:nvPr/>
+        </p:nvSpPr>
+        <p:spPr>
+          <a:xfrm>
+            <a:off x="5763479" y="1186235"/>
+            <a:ext cx="2038500" cy="1904100"/>
+          </a:xfrm>
+          <a:prstGeom prst="teardrop">
+            <a:avLst>
+              <a:gd name="adj" fmla="val 125791"/>
+            </a:avLst>
+          </a:prstGeom>
+          <a:solidFill>
+            <a:srgbClr val="F1C232"/>
+          </a:solidFill>
+          <a:ln w="9525" cap="flat" cmpd="sng">
+            <a:solidFill>
+              <a:schemeClr val="dk2"/>
+            </a:solidFill>
+            <a:prstDash val="solid"/>
+            <a:round/>
+            <a:headEnd type="none" w="sm" len="sm"/>
+            <a:tailEnd type="none" w="sm" len="sm"/>
+          </a:ln>
+        </p:spPr>
+        <p:txBody>
+          <a:bodyPr spcFirstLastPara="1" wrap="square" lIns="91425" tIns="91425" rIns="91425" bIns="91425" anchor="ctr" anchorCtr="0">
+            <a:noAutofit/>
+          </a:bodyPr>
+          <a:lstStyle/>
+          <a:p>
+            <a:pPr marL="0" marR="0" lvl="0" indent="0" algn="l" rtl="0">
+              <a:lnSpc>
+                <a:spcPct val="100000"/>
+              </a:lnSpc>
+              <a:spcBef>
+                <a:spcPts val="0"/>
+              </a:spcBef>
+              <a:spcAft>
+                <a:spcPts val="0"/>
+              </a:spcAft>
+              <a:buNone/>
+            </a:pPr>
+            <a:endParaRPr>
+              <a:solidFill>
+                <a:schemeClr val="dk2"/>
+              </a:solidFill>
+              <a:latin typeface="Roboto"/>
+              <a:ea typeface="Roboto"/>
+              <a:cs typeface="Roboto"/>
+              <a:sym typeface="Roboto"/>
+            </a:endParaRPr>
+          </a:p>
+        </p:txBody>
+      </p:sp>
+      <p:sp>
+        <p:nvSpPr>
+          <p:cNvPr id="197" name="Google Shape;197;p26"/>
+          <p:cNvSpPr/>
+          <p:nvPr/>
+        </p:nvSpPr>
+        <p:spPr>
+          <a:xfrm rot="-8296455">
+            <a:off x="3696810" y="1788506"/>
+            <a:ext cx="1656485" cy="1547634"/>
+          </a:xfrm>
+          <a:prstGeom prst="teardrop">
+            <a:avLst>
+              <a:gd name="adj" fmla="val 130378"/>
+            </a:avLst>
+          </a:prstGeom>
+          <a:solidFill>
+            <a:srgbClr val="F1C232"/>
+          </a:solidFill>
+          <a:ln w="9525" cap="flat" cmpd="sng">
+            <a:solidFill>
+              <a:schemeClr val="dk2"/>
+            </a:solidFill>
+            <a:prstDash val="solid"/>
+            <a:round/>
+            <a:headEnd type="none" w="sm" len="sm"/>
+            <a:tailEnd type="none" w="sm" len="sm"/>
+          </a:ln>
+        </p:spPr>
+        <p:txBody>
+          <a:bodyPr spcFirstLastPara="1" wrap="square" lIns="91425" tIns="91425" rIns="91425" bIns="91425" anchor="ctr" anchorCtr="0">
+            <a:noAutofit/>
+          </a:bodyPr>
+          <a:lstStyle/>
+          <a:p>
+            <a:pPr marL="0" marR="0" lvl="0" indent="0" algn="l" rtl="0">
+              <a:lnSpc>
+                <a:spcPct val="100000"/>
+              </a:lnSpc>
+              <a:spcBef>
+                <a:spcPts val="0"/>
+              </a:spcBef>
+              <a:spcAft>
+                <a:spcPts val="0"/>
+              </a:spcAft>
+              <a:buNone/>
+            </a:pPr>
+            <a:endParaRPr>
+              <a:solidFill>
+                <a:schemeClr val="dk2"/>
+              </a:solidFill>
+              <a:latin typeface="Roboto"/>
+              <a:ea typeface="Roboto"/>
+              <a:cs typeface="Roboto"/>
+              <a:sym typeface="Roboto"/>
+            </a:endParaRPr>
+          </a:p>
+        </p:txBody>
+      </p:sp>
+      <p:sp>
+        <p:nvSpPr>
+          <p:cNvPr id="198" name="Google Shape;198;p26"/>
+          <p:cNvSpPr/>
+          <p:nvPr/>
+        </p:nvSpPr>
+        <p:spPr>
+          <a:xfrm>
+            <a:off x="4557603" y="1155540"/>
+            <a:ext cx="2798400" cy="2878500"/>
+          </a:xfrm>
+          <a:prstGeom prst="ellipse">
+            <a:avLst/>
+          </a:prstGeom>
+          <a:solidFill>
+            <a:srgbClr val="783F04"/>
+          </a:solidFill>
+          <a:ln w="76200" cap="flat" cmpd="sng">
+            <a:solidFill>
+              <a:schemeClr val="dk2"/>
+            </a:solidFill>
+            <a:prstDash val="solid"/>
+            <a:round/>
+            <a:headEnd type="none" w="sm" len="sm"/>
+            <a:tailEnd type="none" w="sm" len="sm"/>
+          </a:ln>
+        </p:spPr>
+        <p:txBody>
+          <a:bodyPr spcFirstLastPara="1" wrap="square" lIns="91425" tIns="91425" rIns="91425" bIns="91425" anchor="ctr" anchorCtr="0">
+            <a:noAutofit/>
+          </a:bodyPr>
+          <a:lstStyle/>
+          <a:p>
+            <a:pPr marL="0" lvl="0" indent="0" algn="l" rtl="0">
+              <a:spcBef>
+                <a:spcPts val="0"/>
+              </a:spcBef>
+              <a:spcAft>
+                <a:spcPts val="0"/>
+              </a:spcAft>
+              <a:buNone/>
+            </a:pPr>
+            <a:endParaRPr>
+              <a:solidFill>
+                <a:schemeClr val="dk2"/>
+              </a:solidFill>
+              <a:latin typeface="Roboto"/>
+              <a:ea typeface="Roboto"/>
+              <a:cs typeface="Roboto"/>
+              <a:sym typeface="Roboto"/>
+            </a:endParaRPr>
+          </a:p>
+        </p:txBody>
+      </p:sp>
+      <p:sp>
+        <p:nvSpPr>
+          <p:cNvPr id="199" name="Google Shape;199;p26"/>
+          <p:cNvSpPr/>
+          <p:nvPr/>
+        </p:nvSpPr>
+        <p:spPr>
+          <a:xfrm>
+            <a:off x="4859450" y="1839474"/>
+            <a:ext cx="1680000" cy="1613100"/>
+          </a:xfrm>
+          <a:prstGeom prst="ellipse">
+            <a:avLst/>
+          </a:prstGeom>
+          <a:solidFill>
+            <a:srgbClr val="5B0F00"/>
+          </a:solidFill>
+          <a:ln w="9525" cap="flat" cmpd="sng">
+            <a:solidFill>
+              <a:schemeClr val="dk2"/>
+            </a:solidFill>
+            <a:prstDash val="solid"/>
+            <a:round/>
+            <a:headEnd type="none" w="sm" len="sm"/>
+            <a:tailEnd type="none" w="sm" len="sm"/>
+          </a:ln>
+        </p:spPr>
+        <p:txBody>
+          <a:bodyPr spcFirstLastPara="1" wrap="square" lIns="91425" tIns="91425" rIns="91425" bIns="91425" anchor="ctr" anchorCtr="0">
+            <a:noAutofit/>
+          </a:bodyPr>
+          <a:lstStyle/>
+          <a:p>
+            <a:pPr marL="0" lvl="0" indent="0" algn="l" rtl="0">
+              <a:spcBef>
+                <a:spcPts val="0"/>
+              </a:spcBef>
+              <a:spcAft>
+                <a:spcPts val="0"/>
+              </a:spcAft>
+              <a:buNone/>
+            </a:pPr>
+            <a:endParaRPr>
+              <a:solidFill>
+                <a:schemeClr val="dk2"/>
+              </a:solidFill>
+              <a:latin typeface="Roboto"/>
+              <a:ea typeface="Roboto"/>
+              <a:cs typeface="Roboto"/>
+              <a:sym typeface="Roboto"/>
+            </a:endParaRPr>
+          </a:p>
+        </p:txBody>
+      </p:sp>
+      <p:sp>
+        <p:nvSpPr>
+          <p:cNvPr id="200" name="Google Shape;200;p26"/>
+          <p:cNvSpPr txBox="1"/>
+          <p:nvPr/>
+        </p:nvSpPr>
+        <p:spPr>
+          <a:xfrm>
+            <a:off x="4885194" y="2082141"/>
+            <a:ext cx="1638900" cy="785100"/>
+          </a:xfrm>
+          <a:prstGeom prst="rect">
+            <a:avLst/>
+          </a:prstGeom>
+          <a:noFill/>
+          <a:ln>
+            <a:noFill/>
+          </a:ln>
+        </p:spPr>
+        <p:txBody>
+          <a:bodyPr spcFirstLastPara="1" wrap="square" lIns="91425" tIns="91425" rIns="91425" bIns="91425" anchor="t" anchorCtr="0">
+            <a:spAutoFit/>
+          </a:bodyPr>
+          <a:lstStyle/>
+          <a:p>
+            <a:pPr marL="0" lvl="0" indent="0" algn="ctr" rtl="0">
+              <a:spcBef>
+                <a:spcPts val="0"/>
+              </a:spcBef>
+              <a:spcAft>
+                <a:spcPts val="0"/>
+              </a:spcAft>
+              <a:buNone/>
+            </a:pPr>
+            <a:br>
+              <a:rPr lang="en-GB" sz="1300">
+                <a:solidFill>
+                  <a:schemeClr val="lt1"/>
+                </a:solidFill>
+                <a:latin typeface="Roboto"/>
+                <a:ea typeface="Roboto"/>
+                <a:cs typeface="Roboto"/>
+                <a:sym typeface="Roboto"/>
+              </a:rPr>
+            </a:br>
+            <a:r>
+              <a:rPr lang="en-GB" sz="1300" b="1">
+                <a:solidFill>
+                  <a:schemeClr val="lt1"/>
+                </a:solidFill>
+                <a:latin typeface="Roboto"/>
+                <a:ea typeface="Roboto"/>
+                <a:cs typeface="Roboto"/>
+                <a:sym typeface="Roboto"/>
+              </a:rPr>
+              <a:t>DCAT AP Portals</a:t>
+            </a:r>
+            <a:endParaRPr sz="1300" b="1">
+              <a:solidFill>
+                <a:schemeClr val="lt1"/>
+              </a:solidFill>
+              <a:latin typeface="Roboto"/>
+              <a:ea typeface="Roboto"/>
+              <a:cs typeface="Roboto"/>
+              <a:sym typeface="Roboto"/>
+            </a:endParaRPr>
+          </a:p>
+          <a:p>
+            <a:pPr marL="0" lvl="0" indent="0" algn="ctr" rtl="0">
+              <a:spcBef>
+                <a:spcPts val="0"/>
+              </a:spcBef>
+              <a:spcAft>
+                <a:spcPts val="0"/>
+              </a:spcAft>
+              <a:buNone/>
+            </a:pPr>
+            <a:r>
+              <a:rPr lang="en-GB" sz="1300" b="1">
+                <a:solidFill>
+                  <a:schemeClr val="lt1"/>
+                </a:solidFill>
+                <a:latin typeface="Roboto"/>
+                <a:ea typeface="Roboto"/>
+                <a:cs typeface="Roboto"/>
+                <a:sym typeface="Roboto"/>
+              </a:rPr>
+              <a:t>(mandatory fields)</a:t>
+            </a:r>
+            <a:endParaRPr sz="1300" b="1">
+              <a:solidFill>
+                <a:schemeClr val="lt1"/>
+              </a:solidFill>
+              <a:latin typeface="Roboto"/>
+              <a:ea typeface="Roboto"/>
+              <a:cs typeface="Roboto"/>
+              <a:sym typeface="Roboto"/>
+            </a:endParaRPr>
+          </a:p>
+        </p:txBody>
+      </p:sp>
+      <p:sp>
+        <p:nvSpPr>
+          <p:cNvPr id="201" name="Google Shape;201;p26"/>
+          <p:cNvSpPr txBox="1"/>
+          <p:nvPr/>
+        </p:nvSpPr>
+        <p:spPr>
+          <a:xfrm>
+            <a:off x="6562213" y="1518174"/>
+            <a:ext cx="1408200" cy="1477500"/>
+          </a:xfrm>
+          <a:prstGeom prst="rect">
+            <a:avLst/>
+          </a:prstGeom>
+          <a:noFill/>
+          <a:ln>
+            <a:noFill/>
+          </a:ln>
+        </p:spPr>
+        <p:txBody>
+          <a:bodyPr spcFirstLastPara="1" wrap="square" lIns="91425" tIns="91425" rIns="91425" bIns="91425" anchor="t" anchorCtr="0">
+            <a:spAutoFit/>
+          </a:bodyPr>
+          <a:lstStyle/>
+          <a:p>
+            <a:pPr marL="0" lvl="0" indent="0" algn="l" rtl="0">
+              <a:spcBef>
+                <a:spcPts val="0"/>
+              </a:spcBef>
+              <a:spcAft>
+                <a:spcPts val="0"/>
+              </a:spcAft>
+              <a:buNone/>
+            </a:pPr>
+            <a:br>
+              <a:rPr lang="en-GB" sz="1200">
+                <a:solidFill>
+                  <a:schemeClr val="lt1"/>
+                </a:solidFill>
+                <a:latin typeface="Roboto"/>
+                <a:ea typeface="Roboto"/>
+                <a:cs typeface="Roboto"/>
+                <a:sym typeface="Roboto"/>
+              </a:rPr>
+            </a:br>
+            <a:br>
+              <a:rPr lang="en-GB" sz="1200">
+                <a:solidFill>
+                  <a:schemeClr val="lt1"/>
+                </a:solidFill>
+                <a:latin typeface="Roboto"/>
+                <a:ea typeface="Roboto"/>
+                <a:cs typeface="Roboto"/>
+                <a:sym typeface="Roboto"/>
+              </a:rPr>
+            </a:br>
+            <a:r>
+              <a:rPr lang="en-GB" sz="1200">
+                <a:solidFill>
+                  <a:schemeClr val="lt1"/>
+                </a:solidFill>
+                <a:latin typeface="Roboto"/>
+                <a:ea typeface="Roboto"/>
+                <a:cs typeface="Roboto"/>
+                <a:sym typeface="Roboto"/>
+              </a:rPr>
+              <a:t>What </a:t>
+            </a:r>
+            <a:br>
+              <a:rPr lang="en-GB" sz="1200">
+                <a:solidFill>
+                  <a:schemeClr val="lt1"/>
+                </a:solidFill>
+                <a:latin typeface="Roboto"/>
+                <a:ea typeface="Roboto"/>
+                <a:cs typeface="Roboto"/>
+                <a:sym typeface="Roboto"/>
+              </a:rPr>
+            </a:br>
+            <a:r>
+              <a:rPr lang="en-GB" sz="1200">
+                <a:solidFill>
+                  <a:schemeClr val="lt1"/>
+                </a:solidFill>
+                <a:latin typeface="Roboto"/>
+                <a:ea typeface="Roboto"/>
+                <a:cs typeface="Roboto"/>
+                <a:sym typeface="Roboto"/>
+              </a:rPr>
+              <a:t>Apart</a:t>
+            </a:r>
+            <a:br>
+              <a:rPr lang="en-GB" sz="1200">
+                <a:solidFill>
+                  <a:schemeClr val="lt1"/>
+                </a:solidFill>
+                <a:latin typeface="Roboto"/>
+                <a:ea typeface="Roboto"/>
+                <a:cs typeface="Roboto"/>
+                <a:sym typeface="Roboto"/>
+              </a:rPr>
+            </a:br>
+            <a:r>
+              <a:rPr lang="en-GB" sz="1200">
+                <a:solidFill>
+                  <a:schemeClr val="lt1"/>
+                </a:solidFill>
+                <a:latin typeface="Roboto"/>
+                <a:ea typeface="Roboto"/>
+                <a:cs typeface="Roboto"/>
+                <a:sym typeface="Roboto"/>
+              </a:rPr>
+              <a:t>from</a:t>
+            </a:r>
+            <a:br>
+              <a:rPr lang="en-GB" sz="1200">
+                <a:solidFill>
+                  <a:schemeClr val="lt1"/>
+                </a:solidFill>
+                <a:latin typeface="Roboto"/>
+                <a:ea typeface="Roboto"/>
+                <a:cs typeface="Roboto"/>
+                <a:sym typeface="Roboto"/>
+              </a:rPr>
+            </a:br>
+            <a:r>
+              <a:rPr lang="en-GB" sz="1200">
+                <a:solidFill>
+                  <a:schemeClr val="lt1"/>
+                </a:solidFill>
+                <a:latin typeface="Roboto"/>
+                <a:ea typeface="Roboto"/>
+                <a:cs typeface="Roboto"/>
+                <a:sym typeface="Roboto"/>
+              </a:rPr>
+              <a:t>DCAT AP </a:t>
+            </a:r>
+            <a:br>
+              <a:rPr lang="en-GB" sz="1200">
+                <a:solidFill>
+                  <a:schemeClr val="lt1"/>
+                </a:solidFill>
+                <a:latin typeface="Roboto"/>
+                <a:ea typeface="Roboto"/>
+                <a:cs typeface="Roboto"/>
+                <a:sym typeface="Roboto"/>
+              </a:rPr>
+            </a:br>
+            <a:r>
+              <a:rPr lang="en-GB" sz="1200">
+                <a:solidFill>
+                  <a:schemeClr val="lt1"/>
+                </a:solidFill>
+                <a:latin typeface="Roboto"/>
+                <a:ea typeface="Roboto"/>
+                <a:cs typeface="Roboto"/>
+                <a:sym typeface="Roboto"/>
+              </a:rPr>
+              <a:t>Potals?</a:t>
+            </a:r>
+            <a:endParaRPr sz="1200">
+              <a:solidFill>
+                <a:schemeClr val="lt1"/>
+              </a:solidFill>
+              <a:latin typeface="Roboto"/>
+              <a:ea typeface="Roboto"/>
+              <a:cs typeface="Roboto"/>
+              <a:sym typeface="Roboto"/>
+            </a:endParaRPr>
+          </a:p>
+        </p:txBody>
+      </p:sp>
+      <p:sp>
+        <p:nvSpPr>
+          <p:cNvPr id="202" name="Google Shape;202;p26"/>
+          <p:cNvSpPr txBox="1"/>
+          <p:nvPr/>
+        </p:nvSpPr>
+        <p:spPr>
+          <a:xfrm>
+            <a:off x="5448934" y="3024503"/>
+            <a:ext cx="1035600" cy="1046700"/>
+          </a:xfrm>
+          <a:prstGeom prst="rect">
+            <a:avLst/>
+          </a:prstGeom>
+          <a:noFill/>
+          <a:ln>
+            <a:noFill/>
+          </a:ln>
+        </p:spPr>
+        <p:txBody>
+          <a:bodyPr spcFirstLastPara="1" wrap="square" lIns="91425" tIns="91425" rIns="91425" bIns="91425" anchor="t" anchorCtr="0">
+            <a:spAutoFit/>
+          </a:bodyPr>
+          <a:lstStyle/>
+          <a:p>
+            <a:pPr marL="0" lvl="0" indent="0" algn="l" rtl="0">
+              <a:spcBef>
+                <a:spcPts val="0"/>
+              </a:spcBef>
+              <a:spcAft>
+                <a:spcPts val="0"/>
+              </a:spcAft>
+              <a:buNone/>
+            </a:pPr>
+            <a:r>
+              <a:rPr lang="en-GB" b="1">
+                <a:solidFill>
+                  <a:schemeClr val="lt1"/>
+                </a:solidFill>
+              </a:rPr>
+              <a:t>0.9                   </a:t>
+            </a:r>
+            <a:endParaRPr b="1">
+              <a:solidFill>
+                <a:schemeClr val="lt1"/>
+              </a:solidFill>
+            </a:endParaRPr>
+          </a:p>
+          <a:p>
+            <a:pPr marL="0" lvl="0" indent="0" algn="l" rtl="0">
+              <a:spcBef>
+                <a:spcPts val="0"/>
+              </a:spcBef>
+              <a:spcAft>
+                <a:spcPts val="0"/>
+              </a:spcAft>
+              <a:buNone/>
+            </a:pPr>
+            <a:r>
+              <a:rPr lang="en-GB">
+                <a:solidFill>
+                  <a:schemeClr val="lt1"/>
+                </a:solidFill>
+              </a:rPr>
+              <a:t>    </a:t>
+            </a:r>
+            <a:endParaRPr>
+              <a:solidFill>
+                <a:schemeClr val="lt1"/>
+              </a:solidFill>
+            </a:endParaRPr>
+          </a:p>
+          <a:p>
+            <a:pPr marL="0" lvl="0" indent="0" algn="l" rtl="0">
+              <a:spcBef>
+                <a:spcPts val="0"/>
+              </a:spcBef>
+              <a:spcAft>
+                <a:spcPts val="0"/>
+              </a:spcAft>
+              <a:buNone/>
+            </a:pPr>
+            <a:endParaRPr>
+              <a:solidFill>
+                <a:schemeClr val="lt1"/>
+              </a:solidFill>
+            </a:endParaRPr>
+          </a:p>
+          <a:p>
+            <a:pPr marL="0" lvl="0" indent="0" algn="l" rtl="0">
+              <a:spcBef>
+                <a:spcPts val="0"/>
+              </a:spcBef>
+              <a:spcAft>
+                <a:spcPts val="0"/>
+              </a:spcAft>
+              <a:buNone/>
+            </a:pPr>
+            <a:r>
+              <a:rPr lang="en-GB">
+                <a:solidFill>
+                  <a:schemeClr val="lt1"/>
+                </a:solidFill>
+              </a:rPr>
+              <a:t>      2.0</a:t>
+            </a:r>
+            <a:endParaRPr>
+              <a:solidFill>
+                <a:schemeClr val="lt1"/>
+              </a:solidFill>
+            </a:endParaRPr>
+          </a:p>
+        </p:txBody>
+      </p:sp>
+      <p:sp>
+        <p:nvSpPr>
+          <p:cNvPr id="203" name="Google Shape;203;p26"/>
+          <p:cNvSpPr txBox="1"/>
+          <p:nvPr/>
+        </p:nvSpPr>
+        <p:spPr>
+          <a:xfrm rot="2014141">
+            <a:off x="4165853" y="1306127"/>
+            <a:ext cx="945128" cy="384917"/>
+          </a:xfrm>
+          <a:prstGeom prst="rect">
+            <a:avLst/>
+          </a:prstGeom>
+          <a:noFill/>
+          <a:ln>
+            <a:noFill/>
+          </a:ln>
+        </p:spPr>
+        <p:txBody>
+          <a:bodyPr spcFirstLastPara="1" wrap="square" lIns="91425" tIns="91425" rIns="91425" bIns="91425" anchor="t" anchorCtr="0">
+            <a:spAutoFit/>
+          </a:bodyPr>
+          <a:lstStyle/>
+          <a:p>
+            <a:pPr marL="0" lvl="0" indent="0" algn="ctr" rtl="0">
+              <a:spcBef>
+                <a:spcPts val="0"/>
+              </a:spcBef>
+              <a:spcAft>
+                <a:spcPts val="0"/>
+              </a:spcAft>
+              <a:buNone/>
+            </a:pPr>
+            <a:r>
+              <a:rPr lang="en-GB" sz="1300">
+                <a:solidFill>
+                  <a:schemeClr val="dk2"/>
+                </a:solidFill>
+                <a:latin typeface="Roboto"/>
+                <a:ea typeface="Roboto"/>
+                <a:cs typeface="Roboto"/>
+                <a:sym typeface="Roboto"/>
+              </a:rPr>
+              <a:t>Omics</a:t>
+            </a:r>
+            <a:endParaRPr sz="1300">
+              <a:solidFill>
+                <a:schemeClr val="dk2"/>
+              </a:solidFill>
+              <a:latin typeface="Roboto"/>
+              <a:ea typeface="Roboto"/>
+              <a:cs typeface="Roboto"/>
+              <a:sym typeface="Roboto"/>
+            </a:endParaRPr>
+          </a:p>
+        </p:txBody>
+      </p:sp>
+      <p:sp>
+        <p:nvSpPr>
+          <p:cNvPr id="204" name="Google Shape;204;p26"/>
+          <p:cNvSpPr txBox="1"/>
+          <p:nvPr/>
+        </p:nvSpPr>
+        <p:spPr>
+          <a:xfrm rot="1082178">
+            <a:off x="4338999" y="735515"/>
+            <a:ext cx="940832" cy="354118"/>
+          </a:xfrm>
+          <a:prstGeom prst="rect">
+            <a:avLst/>
+          </a:prstGeom>
+          <a:noFill/>
+          <a:ln>
+            <a:noFill/>
+          </a:ln>
+        </p:spPr>
+        <p:txBody>
+          <a:bodyPr spcFirstLastPara="1" wrap="square" lIns="91425" tIns="91425" rIns="91425" bIns="91425" anchor="t" anchorCtr="0">
+            <a:spAutoFit/>
+          </a:bodyPr>
+          <a:lstStyle/>
+          <a:p>
+            <a:pPr marL="0" lvl="0" indent="0" algn="ctr" rtl="0">
+              <a:spcBef>
+                <a:spcPts val="0"/>
+              </a:spcBef>
+              <a:spcAft>
+                <a:spcPts val="0"/>
+              </a:spcAft>
+              <a:buNone/>
+            </a:pPr>
+            <a:r>
+              <a:rPr lang="en-GB" sz="1100">
+                <a:solidFill>
+                  <a:schemeClr val="dk2"/>
+                </a:solidFill>
+                <a:latin typeface="Roboto"/>
+                <a:ea typeface="Roboto"/>
+                <a:cs typeface="Roboto"/>
+                <a:sym typeface="Roboto"/>
+              </a:rPr>
+              <a:t>Metab</a:t>
+            </a:r>
+            <a:endParaRPr sz="1100">
+              <a:solidFill>
+                <a:schemeClr val="dk2"/>
+              </a:solidFill>
+              <a:latin typeface="Roboto"/>
+              <a:ea typeface="Roboto"/>
+              <a:cs typeface="Roboto"/>
+              <a:sym typeface="Roboto"/>
+            </a:endParaRPr>
+          </a:p>
+        </p:txBody>
+      </p:sp>
+      <p:sp>
+        <p:nvSpPr>
+          <p:cNvPr id="205" name="Google Shape;205;p26"/>
+          <p:cNvSpPr txBox="1"/>
+          <p:nvPr/>
+        </p:nvSpPr>
+        <p:spPr>
+          <a:xfrm rot="2159638">
+            <a:off x="3420253" y="1235365"/>
+            <a:ext cx="945891" cy="354032"/>
+          </a:xfrm>
+          <a:prstGeom prst="rect">
+            <a:avLst/>
+          </a:prstGeom>
+          <a:noFill/>
+          <a:ln>
+            <a:noFill/>
+          </a:ln>
+        </p:spPr>
+        <p:txBody>
+          <a:bodyPr spcFirstLastPara="1" wrap="square" lIns="91425" tIns="91425" rIns="91425" bIns="91425" anchor="t" anchorCtr="0">
+            <a:spAutoFit/>
+          </a:bodyPr>
+          <a:lstStyle/>
+          <a:p>
+            <a:pPr marL="0" lvl="0" indent="0" algn="ctr" rtl="0">
+              <a:spcBef>
+                <a:spcPts val="0"/>
+              </a:spcBef>
+              <a:spcAft>
+                <a:spcPts val="0"/>
+              </a:spcAft>
+              <a:buNone/>
+            </a:pPr>
+            <a:r>
+              <a:rPr lang="en-GB" sz="1100">
+                <a:solidFill>
+                  <a:schemeClr val="dk2"/>
+                </a:solidFill>
+                <a:latin typeface="Roboto"/>
+                <a:ea typeface="Roboto"/>
+                <a:cs typeface="Roboto"/>
+                <a:sym typeface="Roboto"/>
+              </a:rPr>
+              <a:t>Transcrip</a:t>
+            </a:r>
+            <a:endParaRPr sz="1100">
+              <a:solidFill>
+                <a:schemeClr val="dk2"/>
+              </a:solidFill>
+              <a:latin typeface="Roboto"/>
+              <a:ea typeface="Roboto"/>
+              <a:cs typeface="Roboto"/>
+              <a:sym typeface="Roboto"/>
+            </a:endParaRPr>
+          </a:p>
+        </p:txBody>
+      </p:sp>
+      <p:sp>
+        <p:nvSpPr>
+          <p:cNvPr id="206" name="Google Shape;206;p26"/>
+          <p:cNvSpPr txBox="1"/>
+          <p:nvPr/>
+        </p:nvSpPr>
+        <p:spPr>
+          <a:xfrm rot="-2012628">
+            <a:off x="6924208" y="1382494"/>
+            <a:ext cx="945212" cy="384756"/>
+          </a:xfrm>
+          <a:prstGeom prst="rect">
+            <a:avLst/>
+          </a:prstGeom>
+          <a:noFill/>
+          <a:ln>
+            <a:noFill/>
+          </a:ln>
+        </p:spPr>
+        <p:txBody>
+          <a:bodyPr spcFirstLastPara="1" wrap="square" lIns="91425" tIns="91425" rIns="91425" bIns="91425" anchor="t" anchorCtr="0">
+            <a:spAutoFit/>
+          </a:bodyPr>
+          <a:lstStyle/>
+          <a:p>
+            <a:pPr marL="0" lvl="0" indent="0" algn="ctr" rtl="0">
+              <a:spcBef>
+                <a:spcPts val="0"/>
+              </a:spcBef>
+              <a:spcAft>
+                <a:spcPts val="0"/>
+              </a:spcAft>
+              <a:buNone/>
+            </a:pPr>
+            <a:r>
+              <a:rPr lang="en-GB" sz="1300">
+                <a:solidFill>
+                  <a:schemeClr val="dk2"/>
+                </a:solidFill>
+                <a:latin typeface="Roboto"/>
+                <a:ea typeface="Roboto"/>
+                <a:cs typeface="Roboto"/>
+                <a:sym typeface="Roboto"/>
+              </a:rPr>
+              <a:t>Funders</a:t>
+            </a:r>
+            <a:endParaRPr sz="1300">
+              <a:solidFill>
+                <a:schemeClr val="dk2"/>
+              </a:solidFill>
+              <a:latin typeface="Roboto"/>
+              <a:ea typeface="Roboto"/>
+              <a:cs typeface="Roboto"/>
+              <a:sym typeface="Roboto"/>
+            </a:endParaRPr>
+          </a:p>
+        </p:txBody>
+      </p:sp>
+      <p:sp>
+        <p:nvSpPr>
+          <p:cNvPr id="207" name="Google Shape;207;p26"/>
+          <p:cNvSpPr txBox="1"/>
+          <p:nvPr/>
+        </p:nvSpPr>
+        <p:spPr>
+          <a:xfrm rot="-1929944">
+            <a:off x="7754718" y="1227588"/>
+            <a:ext cx="897684" cy="369597"/>
+          </a:xfrm>
+          <a:prstGeom prst="rect">
+            <a:avLst/>
+          </a:prstGeom>
+          <a:noFill/>
+          <a:ln>
+            <a:noFill/>
+          </a:ln>
+        </p:spPr>
+        <p:txBody>
+          <a:bodyPr spcFirstLastPara="1" wrap="square" lIns="91425" tIns="91425" rIns="91425" bIns="91425" anchor="t" anchorCtr="0">
+            <a:spAutoFit/>
+          </a:bodyPr>
+          <a:lstStyle/>
+          <a:p>
+            <a:pPr marL="0" lvl="0" indent="0" algn="ctr" rtl="0">
+              <a:spcBef>
+                <a:spcPts val="0"/>
+              </a:spcBef>
+              <a:spcAft>
+                <a:spcPts val="0"/>
+              </a:spcAft>
+              <a:buNone/>
+            </a:pPr>
+            <a:r>
+              <a:rPr lang="en-GB" sz="1200">
+                <a:solidFill>
+                  <a:schemeClr val="dk2"/>
+                </a:solidFill>
+                <a:latin typeface="Roboto"/>
+                <a:ea typeface="Roboto"/>
+                <a:cs typeface="Roboto"/>
+                <a:sym typeface="Roboto"/>
+              </a:rPr>
+              <a:t>ZonMw</a:t>
+            </a:r>
+            <a:endParaRPr sz="1200">
+              <a:solidFill>
+                <a:schemeClr val="dk2"/>
+              </a:solidFill>
+              <a:latin typeface="Roboto"/>
+              <a:ea typeface="Roboto"/>
+              <a:cs typeface="Roboto"/>
+              <a:sym typeface="Roboto"/>
+            </a:endParaRPr>
+          </a:p>
+        </p:txBody>
+      </p:sp>
+      <p:sp>
+        <p:nvSpPr>
+          <p:cNvPr id="208" name="Google Shape;208;p26"/>
+          <p:cNvSpPr txBox="1"/>
+          <p:nvPr/>
+        </p:nvSpPr>
+        <p:spPr>
+          <a:xfrm>
+            <a:off x="3433045" y="2323992"/>
+            <a:ext cx="938700" cy="384900"/>
+          </a:xfrm>
+          <a:prstGeom prst="rect">
+            <a:avLst/>
+          </a:prstGeom>
+          <a:noFill/>
+          <a:ln>
+            <a:noFill/>
+          </a:ln>
+        </p:spPr>
+        <p:txBody>
+          <a:bodyPr spcFirstLastPara="1" wrap="square" lIns="91425" tIns="91425" rIns="91425" bIns="91425" anchor="t" anchorCtr="0">
+            <a:spAutoFit/>
+          </a:bodyPr>
+          <a:lstStyle/>
+          <a:p>
+            <a:pPr marL="0" lvl="0" indent="0" algn="ctr" rtl="0">
+              <a:spcBef>
+                <a:spcPts val="0"/>
+              </a:spcBef>
+              <a:spcAft>
+                <a:spcPts val="0"/>
+              </a:spcAft>
+              <a:buNone/>
+            </a:pPr>
+            <a:r>
+              <a:rPr lang="en-GB" sz="1300">
+                <a:solidFill>
+                  <a:schemeClr val="dk2"/>
+                </a:solidFill>
+                <a:latin typeface="Roboto"/>
+                <a:ea typeface="Roboto"/>
+                <a:cs typeface="Roboto"/>
+                <a:sym typeface="Roboto"/>
+              </a:rPr>
+              <a:t>Clinical</a:t>
+            </a:r>
+            <a:endParaRPr sz="1300">
+              <a:solidFill>
+                <a:schemeClr val="dk2"/>
+              </a:solidFill>
+              <a:latin typeface="Roboto"/>
+              <a:ea typeface="Roboto"/>
+              <a:cs typeface="Roboto"/>
+              <a:sym typeface="Roboto"/>
+            </a:endParaRPr>
+          </a:p>
+        </p:txBody>
+      </p:sp>
+      <p:sp>
+        <p:nvSpPr>
+          <p:cNvPr id="209" name="Google Shape;209;p26"/>
+          <p:cNvSpPr txBox="1"/>
+          <p:nvPr/>
+        </p:nvSpPr>
+        <p:spPr>
+          <a:xfrm>
+            <a:off x="7807531" y="2275118"/>
+            <a:ext cx="938700" cy="384900"/>
+          </a:xfrm>
+          <a:prstGeom prst="rect">
+            <a:avLst/>
+          </a:prstGeom>
+          <a:noFill/>
+          <a:ln>
+            <a:noFill/>
+          </a:ln>
+        </p:spPr>
+        <p:txBody>
+          <a:bodyPr spcFirstLastPara="1" wrap="square" lIns="91425" tIns="91425" rIns="91425" bIns="91425" anchor="t" anchorCtr="0">
+            <a:spAutoFit/>
+          </a:bodyPr>
+          <a:lstStyle/>
+          <a:p>
+            <a:pPr marL="0" lvl="0" indent="0" algn="ctr" rtl="0">
+              <a:spcBef>
+                <a:spcPts val="0"/>
+              </a:spcBef>
+              <a:spcAft>
+                <a:spcPts val="0"/>
+              </a:spcAft>
+              <a:buNone/>
+            </a:pPr>
+            <a:r>
+              <a:rPr lang="en-GB" sz="1300">
+                <a:solidFill>
+                  <a:schemeClr val="dk2"/>
+                </a:solidFill>
+                <a:latin typeface="Roboto"/>
+                <a:ea typeface="Roboto"/>
+                <a:cs typeface="Roboto"/>
+                <a:sym typeface="Roboto"/>
+              </a:rPr>
+              <a:t>Biobank</a:t>
+            </a:r>
+            <a:endParaRPr sz="1300">
+              <a:solidFill>
+                <a:schemeClr val="dk2"/>
+              </a:solidFill>
+              <a:latin typeface="Roboto"/>
+              <a:ea typeface="Roboto"/>
+              <a:cs typeface="Roboto"/>
+              <a:sym typeface="Roboto"/>
+            </a:endParaRPr>
+          </a:p>
+        </p:txBody>
+      </p:sp>
+      <p:sp>
+        <p:nvSpPr>
+          <p:cNvPr id="210" name="Google Shape;210;p26"/>
+          <p:cNvSpPr txBox="1"/>
+          <p:nvPr/>
+        </p:nvSpPr>
+        <p:spPr>
+          <a:xfrm rot="1971133">
+            <a:off x="6992841" y="3421045"/>
+            <a:ext cx="944561" cy="384976"/>
+          </a:xfrm>
+          <a:prstGeom prst="rect">
+            <a:avLst/>
+          </a:prstGeom>
+          <a:noFill/>
+          <a:ln>
+            <a:noFill/>
+          </a:ln>
+        </p:spPr>
+        <p:txBody>
+          <a:bodyPr spcFirstLastPara="1" wrap="square" lIns="91425" tIns="91425" rIns="91425" bIns="91425" anchor="t" anchorCtr="0">
+            <a:spAutoFit/>
+          </a:bodyPr>
+          <a:lstStyle/>
+          <a:p>
+            <a:pPr marL="0" lvl="0" indent="0" algn="ctr" rtl="0">
+              <a:spcBef>
+                <a:spcPts val="0"/>
+              </a:spcBef>
+              <a:spcAft>
+                <a:spcPts val="0"/>
+              </a:spcAft>
+              <a:buNone/>
+            </a:pPr>
+            <a:r>
+              <a:rPr lang="en-GB" sz="1300">
+                <a:solidFill>
+                  <a:schemeClr val="dk2"/>
+                </a:solidFill>
+                <a:latin typeface="Roboto"/>
+                <a:ea typeface="Roboto"/>
+                <a:cs typeface="Roboto"/>
+                <a:sym typeface="Roboto"/>
+              </a:rPr>
+              <a:t>Cohorts</a:t>
+            </a:r>
+            <a:endParaRPr sz="1300">
+              <a:solidFill>
+                <a:schemeClr val="dk2"/>
+              </a:solidFill>
+              <a:latin typeface="Roboto"/>
+              <a:ea typeface="Roboto"/>
+              <a:cs typeface="Roboto"/>
+              <a:sym typeface="Roboto"/>
+            </a:endParaRPr>
+          </a:p>
+        </p:txBody>
+      </p:sp>
+      <p:sp>
+        <p:nvSpPr>
+          <p:cNvPr id="211" name="Google Shape;211;p26"/>
+          <p:cNvSpPr txBox="1"/>
+          <p:nvPr/>
+        </p:nvSpPr>
+        <p:spPr>
+          <a:xfrm>
+            <a:off x="2899832" y="1835517"/>
+            <a:ext cx="938700" cy="354000"/>
+          </a:xfrm>
+          <a:prstGeom prst="rect">
+            <a:avLst/>
+          </a:prstGeom>
+          <a:noFill/>
+          <a:ln>
+            <a:noFill/>
+          </a:ln>
+        </p:spPr>
+        <p:txBody>
+          <a:bodyPr spcFirstLastPara="1" wrap="square" lIns="91425" tIns="91425" rIns="91425" bIns="91425" anchor="t" anchorCtr="0">
+            <a:spAutoFit/>
+          </a:bodyPr>
+          <a:lstStyle/>
+          <a:p>
+            <a:pPr marL="0" lvl="0" indent="0" algn="ctr" rtl="0">
+              <a:spcBef>
+                <a:spcPts val="0"/>
+              </a:spcBef>
+              <a:spcAft>
+                <a:spcPts val="0"/>
+              </a:spcAft>
+              <a:buNone/>
+            </a:pPr>
+            <a:endParaRPr sz="1100">
+              <a:solidFill>
+                <a:schemeClr val="dk2"/>
+              </a:solidFill>
+              <a:latin typeface="Roboto"/>
+              <a:ea typeface="Roboto"/>
+              <a:cs typeface="Roboto"/>
+              <a:sym typeface="Roboto"/>
+            </a:endParaRPr>
+          </a:p>
+        </p:txBody>
+      </p:sp>
+      <p:sp>
+        <p:nvSpPr>
+          <p:cNvPr id="212" name="Google Shape;212;p26"/>
+          <p:cNvSpPr txBox="1"/>
+          <p:nvPr/>
+        </p:nvSpPr>
+        <p:spPr>
+          <a:xfrm>
+            <a:off x="4307720" y="3581467"/>
+            <a:ext cx="938700" cy="585000"/>
+          </a:xfrm>
+          <a:prstGeom prst="rect">
+            <a:avLst/>
+          </a:prstGeom>
+          <a:noFill/>
+          <a:ln>
+            <a:noFill/>
+          </a:ln>
+        </p:spPr>
+        <p:txBody>
+          <a:bodyPr spcFirstLastPara="1" wrap="square" lIns="91425" tIns="91425" rIns="91425" bIns="91425" anchor="t" anchorCtr="0">
+            <a:spAutoFit/>
+          </a:bodyPr>
+          <a:lstStyle/>
+          <a:p>
+            <a:pPr marL="0" lvl="0" indent="0" algn="ctr" rtl="0">
+              <a:spcBef>
+                <a:spcPts val="0"/>
+              </a:spcBef>
+              <a:spcAft>
+                <a:spcPts val="0"/>
+              </a:spcAft>
+              <a:buNone/>
+            </a:pPr>
+            <a:r>
+              <a:rPr lang="en-GB" sz="1300" dirty="0">
+                <a:solidFill>
+                  <a:schemeClr val="dk2"/>
+                </a:solidFill>
+                <a:latin typeface="Roboto"/>
+                <a:ea typeface="Roboto"/>
+                <a:cs typeface="Roboto"/>
+                <a:sym typeface="Roboto"/>
+              </a:rPr>
+              <a:t>Rare Diseases</a:t>
+            </a:r>
+            <a:endParaRPr sz="1300" dirty="0">
+              <a:solidFill>
+                <a:schemeClr val="dk2"/>
+              </a:solidFill>
+              <a:latin typeface="Roboto"/>
+              <a:ea typeface="Roboto"/>
+              <a:cs typeface="Roboto"/>
+              <a:sym typeface="Roboto"/>
+            </a:endParaRPr>
+          </a:p>
+        </p:txBody>
+      </p:sp>
+      <p:sp>
+        <p:nvSpPr>
+          <p:cNvPr id="213" name="Google Shape;213;p26"/>
+          <p:cNvSpPr txBox="1"/>
+          <p:nvPr/>
+        </p:nvSpPr>
+        <p:spPr>
+          <a:xfrm rot="-1393791">
+            <a:off x="3582551" y="3470414"/>
+            <a:ext cx="938592" cy="353976"/>
+          </a:xfrm>
+          <a:prstGeom prst="rect">
+            <a:avLst/>
+          </a:prstGeom>
+          <a:noFill/>
+          <a:ln>
+            <a:noFill/>
+          </a:ln>
+        </p:spPr>
+        <p:txBody>
+          <a:bodyPr spcFirstLastPara="1" wrap="square" lIns="91425" tIns="91425" rIns="91425" bIns="91425" anchor="t" anchorCtr="0">
+            <a:spAutoFit/>
+          </a:bodyPr>
+          <a:lstStyle/>
+          <a:p>
+            <a:pPr marL="0" lvl="0" indent="0" algn="ctr" rtl="0">
+              <a:spcBef>
+                <a:spcPts val="0"/>
+              </a:spcBef>
+              <a:spcAft>
+                <a:spcPts val="0"/>
+              </a:spcAft>
+              <a:buNone/>
+            </a:pPr>
+            <a:r>
+              <a:rPr lang="en-GB" sz="1100">
+                <a:solidFill>
+                  <a:schemeClr val="dk2"/>
+                </a:solidFill>
+                <a:latin typeface="Roboto"/>
+                <a:ea typeface="Roboto"/>
+                <a:cs typeface="Roboto"/>
+                <a:sym typeface="Roboto"/>
+              </a:rPr>
+              <a:t>CDEs</a:t>
+            </a:r>
+            <a:endParaRPr sz="1100">
+              <a:solidFill>
+                <a:schemeClr val="dk2"/>
+              </a:solidFill>
+              <a:latin typeface="Roboto"/>
+              <a:ea typeface="Roboto"/>
+              <a:cs typeface="Roboto"/>
+              <a:sym typeface="Roboto"/>
+            </a:endParaRPr>
+          </a:p>
+        </p:txBody>
+      </p:sp>
+      <p:sp>
+        <p:nvSpPr>
+          <p:cNvPr id="214" name="Google Shape;214;p26"/>
+          <p:cNvSpPr txBox="1"/>
+          <p:nvPr/>
+        </p:nvSpPr>
+        <p:spPr>
+          <a:xfrm>
+            <a:off x="4321482" y="4417667"/>
+            <a:ext cx="938700" cy="354000"/>
+          </a:xfrm>
+          <a:prstGeom prst="rect">
+            <a:avLst/>
+          </a:prstGeom>
+          <a:noFill/>
+          <a:ln>
+            <a:noFill/>
+          </a:ln>
+        </p:spPr>
+        <p:txBody>
+          <a:bodyPr spcFirstLastPara="1" wrap="square" lIns="91425" tIns="91425" rIns="91425" bIns="91425" anchor="t" anchorCtr="0">
+            <a:spAutoFit/>
+          </a:bodyPr>
+          <a:lstStyle/>
+          <a:p>
+            <a:pPr marL="0" lvl="0" indent="0" algn="ctr" rtl="0">
+              <a:spcBef>
+                <a:spcPts val="0"/>
+              </a:spcBef>
+              <a:spcAft>
+                <a:spcPts val="0"/>
+              </a:spcAft>
+              <a:buNone/>
+            </a:pPr>
+            <a:r>
+              <a:rPr lang="en-GB" sz="1100">
+                <a:solidFill>
+                  <a:schemeClr val="dk2"/>
+                </a:solidFill>
+                <a:latin typeface="Roboto"/>
+                <a:ea typeface="Roboto"/>
+                <a:cs typeface="Roboto"/>
+                <a:sym typeface="Roboto"/>
+              </a:rPr>
+              <a:t>DCDEs</a:t>
+            </a:r>
+            <a:endParaRPr sz="1100">
+              <a:solidFill>
+                <a:schemeClr val="dk2"/>
+              </a:solidFill>
+              <a:latin typeface="Roboto"/>
+              <a:ea typeface="Roboto"/>
+              <a:cs typeface="Roboto"/>
+              <a:sym typeface="Roboto"/>
+            </a:endParaRPr>
+          </a:p>
+        </p:txBody>
+      </p:sp>
+      <p:sp>
+        <p:nvSpPr>
+          <p:cNvPr id="215" name="Google Shape;215;p26"/>
+          <p:cNvSpPr txBox="1"/>
+          <p:nvPr/>
+        </p:nvSpPr>
+        <p:spPr>
+          <a:xfrm rot="-3749584">
+            <a:off x="3363435" y="4240525"/>
+            <a:ext cx="938605" cy="354106"/>
+          </a:xfrm>
+          <a:prstGeom prst="rect">
+            <a:avLst/>
+          </a:prstGeom>
+          <a:noFill/>
+          <a:ln>
+            <a:noFill/>
+          </a:ln>
+        </p:spPr>
+        <p:txBody>
+          <a:bodyPr spcFirstLastPara="1" wrap="square" lIns="91425" tIns="91425" rIns="91425" bIns="91425" anchor="t" anchorCtr="0">
+            <a:spAutoFit/>
+          </a:bodyPr>
+          <a:lstStyle/>
+          <a:p>
+            <a:pPr marL="0" lvl="0" indent="0" algn="ctr" rtl="0">
+              <a:spcBef>
+                <a:spcPts val="0"/>
+              </a:spcBef>
+              <a:spcAft>
+                <a:spcPts val="0"/>
+              </a:spcAft>
+              <a:buNone/>
+            </a:pPr>
+            <a:r>
+              <a:rPr lang="en-GB" sz="1100">
+                <a:solidFill>
+                  <a:schemeClr val="dk2"/>
+                </a:solidFill>
+                <a:latin typeface="Roboto"/>
+                <a:ea typeface="Roboto"/>
+                <a:cs typeface="Roboto"/>
+                <a:sym typeface="Roboto"/>
+              </a:rPr>
+              <a:t>PROMS</a:t>
+            </a:r>
+            <a:endParaRPr sz="1100">
+              <a:solidFill>
+                <a:schemeClr val="dk2"/>
+              </a:solidFill>
+              <a:latin typeface="Roboto"/>
+              <a:ea typeface="Roboto"/>
+              <a:cs typeface="Roboto"/>
+              <a:sym typeface="Roboto"/>
+            </a:endParaRPr>
+          </a:p>
+        </p:txBody>
+      </p:sp>
+      <p:sp>
+        <p:nvSpPr>
+          <p:cNvPr id="216" name="Google Shape;216;p26"/>
+          <p:cNvSpPr txBox="1"/>
+          <p:nvPr/>
+        </p:nvSpPr>
+        <p:spPr>
+          <a:xfrm>
+            <a:off x="134442" y="1327937"/>
+            <a:ext cx="3507235" cy="3631733"/>
+          </a:xfrm>
+          <a:prstGeom prst="rect">
+            <a:avLst/>
+          </a:prstGeom>
+          <a:noFill/>
+          <a:ln>
+            <a:noFill/>
+          </a:ln>
+        </p:spPr>
+        <p:txBody>
+          <a:bodyPr spcFirstLastPara="1" wrap="square" lIns="91425" tIns="91425" rIns="91425" bIns="91425" anchor="t" anchorCtr="0">
+            <a:spAutoFit/>
+          </a:bodyPr>
+          <a:lstStyle/>
+          <a:p>
+            <a:pPr marL="0" lvl="0" indent="0" algn="l" rtl="0">
+              <a:lnSpc>
+                <a:spcPct val="115000"/>
+              </a:lnSpc>
+              <a:spcBef>
+                <a:spcPts val="0"/>
+              </a:spcBef>
+              <a:spcAft>
+                <a:spcPts val="0"/>
+              </a:spcAft>
+              <a:buNone/>
+            </a:pPr>
+            <a:r>
+              <a:rPr lang="en-GB" sz="1600" b="1" dirty="0">
+                <a:solidFill>
+                  <a:schemeClr val="dk2"/>
+                </a:solidFill>
+              </a:rPr>
+              <a:t>Generic elements (Core)</a:t>
+            </a:r>
+            <a:br>
+              <a:rPr lang="en-GB" sz="1600" dirty="0">
+                <a:solidFill>
+                  <a:schemeClr val="dk2"/>
+                </a:solidFill>
+              </a:rPr>
+            </a:br>
+            <a:r>
+              <a:rPr lang="en-GB" sz="1600" dirty="0">
+                <a:solidFill>
+                  <a:schemeClr val="lt1"/>
+                </a:solidFill>
+                <a:highlight>
+                  <a:srgbClr val="5B0F00"/>
+                </a:highlight>
+              </a:rPr>
+              <a:t>Minimal</a:t>
+            </a:r>
+            <a:r>
+              <a:rPr lang="en-GB" sz="1600" dirty="0">
+                <a:solidFill>
+                  <a:schemeClr val="lt1"/>
+                </a:solidFill>
+              </a:rPr>
+              <a:t> </a:t>
+            </a:r>
+            <a:r>
+              <a:rPr lang="en-GB" sz="1600" dirty="0">
+                <a:solidFill>
+                  <a:schemeClr val="dk2"/>
+                </a:solidFill>
+              </a:rPr>
+              <a:t>DCAT AP Portals</a:t>
+            </a:r>
+            <a:br>
+              <a:rPr lang="en-GB" sz="1600" dirty="0">
+                <a:solidFill>
+                  <a:schemeClr val="dk2"/>
+                </a:solidFill>
+              </a:rPr>
+            </a:br>
+            <a:r>
+              <a:rPr lang="en-GB" sz="1600" dirty="0">
+                <a:solidFill>
+                  <a:schemeClr val="lt1"/>
+                </a:solidFill>
+                <a:highlight>
+                  <a:srgbClr val="783F04"/>
+                </a:highlight>
+              </a:rPr>
+              <a:t>Extended</a:t>
+            </a:r>
+            <a:r>
+              <a:rPr lang="en-GB" sz="1600" dirty="0">
+                <a:solidFill>
+                  <a:schemeClr val="dk2"/>
+                </a:solidFill>
+                <a:highlight>
+                  <a:srgbClr val="783F04"/>
+                </a:highlight>
+              </a:rPr>
+              <a:t>:</a:t>
+            </a:r>
+            <a:r>
+              <a:rPr lang="en-GB" sz="1600" dirty="0">
+                <a:solidFill>
+                  <a:schemeClr val="dk2"/>
+                </a:solidFill>
+              </a:rPr>
+              <a:t> Health-RI </a:t>
+            </a:r>
+            <a:endParaRPr sz="1600" dirty="0">
+              <a:solidFill>
+                <a:schemeClr val="dk2"/>
+              </a:solidFill>
+            </a:endParaRPr>
+          </a:p>
+          <a:p>
+            <a:pPr marL="0" lvl="0" indent="0" algn="l" rtl="0">
+              <a:lnSpc>
+                <a:spcPct val="115000"/>
+              </a:lnSpc>
+              <a:spcBef>
+                <a:spcPts val="1200"/>
+              </a:spcBef>
+              <a:spcAft>
+                <a:spcPts val="0"/>
+              </a:spcAft>
+              <a:buNone/>
+            </a:pPr>
+            <a:r>
+              <a:rPr lang="en-GB" sz="1600" b="1" dirty="0">
+                <a:solidFill>
+                  <a:schemeClr val="dk2"/>
+                </a:solidFill>
+              </a:rPr>
+              <a:t>Leaves (Petals?):</a:t>
+            </a:r>
+            <a:br>
+              <a:rPr lang="en-GB" sz="1600" dirty="0">
+                <a:solidFill>
+                  <a:schemeClr val="dk2"/>
+                </a:solidFill>
+              </a:rPr>
+            </a:br>
+            <a:r>
+              <a:rPr lang="en-GB" sz="1600" dirty="0">
+                <a:solidFill>
+                  <a:schemeClr val="dk2"/>
+                </a:solidFill>
+              </a:rPr>
+              <a:t>-</a:t>
+            </a:r>
+            <a:r>
+              <a:rPr lang="en-GB" sz="1600" dirty="0" err="1">
+                <a:solidFill>
+                  <a:schemeClr val="dk2"/>
+                </a:solidFill>
+              </a:rPr>
+              <a:t>Domain:</a:t>
+            </a:r>
+            <a:r>
+              <a:rPr lang="en-GB" sz="1600" i="1" dirty="0" err="1">
+                <a:solidFill>
+                  <a:schemeClr val="dk2"/>
+                </a:solidFill>
+                <a:highlight>
+                  <a:srgbClr val="FFD966"/>
+                </a:highlight>
+              </a:rPr>
+              <a:t>imaging</a:t>
+            </a:r>
+            <a:br>
+              <a:rPr lang="en-GB" sz="1600" i="1" dirty="0">
+                <a:solidFill>
+                  <a:schemeClr val="dk2"/>
+                </a:solidFill>
+                <a:highlight>
+                  <a:srgbClr val="FFD966"/>
+                </a:highlight>
+              </a:rPr>
+            </a:br>
+            <a:r>
+              <a:rPr lang="en-GB" sz="1600" dirty="0">
+                <a:solidFill>
+                  <a:schemeClr val="dk2"/>
+                </a:solidFill>
+              </a:rPr>
+              <a:t>-sub-domains (</a:t>
+            </a:r>
+            <a:r>
+              <a:rPr lang="en-GB" sz="1600" dirty="0">
+                <a:solidFill>
+                  <a:schemeClr val="dk2"/>
+                </a:solidFill>
+                <a:highlight>
+                  <a:srgbClr val="FFE599"/>
+                </a:highlight>
+              </a:rPr>
+              <a:t>MRI</a:t>
+            </a:r>
+            <a:r>
+              <a:rPr lang="en-GB" sz="1600" dirty="0">
+                <a:solidFill>
+                  <a:schemeClr val="dk2"/>
+                </a:solidFill>
+              </a:rPr>
+              <a:t>)</a:t>
+            </a:r>
+            <a:br>
+              <a:rPr lang="en-GB" sz="1600" dirty="0">
+                <a:solidFill>
+                  <a:schemeClr val="dk2"/>
+                </a:solidFill>
+              </a:rPr>
+            </a:br>
+            <a:endParaRPr sz="1600" dirty="0">
+              <a:solidFill>
+                <a:schemeClr val="dk2"/>
+              </a:solidFill>
+            </a:endParaRPr>
+          </a:p>
+          <a:p>
+            <a:pPr marL="0" lvl="0" indent="0" algn="l" rtl="0">
+              <a:lnSpc>
+                <a:spcPct val="115000"/>
+              </a:lnSpc>
+              <a:spcBef>
+                <a:spcPts val="1200"/>
+              </a:spcBef>
+              <a:spcAft>
+                <a:spcPts val="0"/>
+              </a:spcAft>
+              <a:buNone/>
+            </a:pPr>
+            <a:endParaRPr sz="1600" dirty="0">
+              <a:solidFill>
+                <a:schemeClr val="dk2"/>
+              </a:solidFill>
+            </a:endParaRPr>
+          </a:p>
+          <a:p>
+            <a:pPr marL="0" lvl="0" indent="0" algn="l" rtl="0">
+              <a:lnSpc>
+                <a:spcPct val="115000"/>
+              </a:lnSpc>
+              <a:spcBef>
+                <a:spcPts val="1200"/>
+              </a:spcBef>
+              <a:spcAft>
+                <a:spcPts val="1200"/>
+              </a:spcAft>
+              <a:buNone/>
+            </a:pPr>
+            <a:r>
+              <a:rPr lang="en-GB" sz="1600" u="sng" dirty="0">
+                <a:solidFill>
+                  <a:schemeClr val="dk2"/>
+                </a:solidFill>
+                <a:hlinkClick r:id="rId3">
+                  <a:extLst>
+                    <a:ext uri="{A12FA001-AC4F-418D-AE19-62706E023703}">
+                      <ahyp:hlinkClr xmlns:ahyp="http://schemas.microsoft.com/office/drawing/2018/hyperlinkcolor" val="tx"/>
+                    </a:ext>
+                  </a:extLst>
+                </a:hlinkClick>
+              </a:rPr>
+              <a:t>https://github.com/Health-RI/health-ri-metadata/</a:t>
+            </a:r>
+            <a:r>
+              <a:rPr lang="en-GB" sz="1600" dirty="0">
+                <a:solidFill>
+                  <a:schemeClr val="dk2"/>
+                </a:solidFill>
+              </a:rPr>
+              <a:t> </a:t>
+            </a:r>
+            <a:endParaRPr sz="1600" dirty="0">
+              <a:solidFill>
+                <a:schemeClr val="dk2"/>
+              </a:solidFill>
+            </a:endParaRPr>
+          </a:p>
+        </p:txBody>
+      </p:sp>
+      <p:sp>
+        <p:nvSpPr>
+          <p:cNvPr id="217" name="Google Shape;217;p26"/>
+          <p:cNvSpPr txBox="1">
             <a:spLocks noGrp="1"/>
           </p:cNvSpPr>
           <p:nvPr>
             <p:ph type="title"/>
           </p:nvPr>
         </p:nvSpPr>
-        <p:spPr/>
+        <p:spPr>
+          <a:xfrm>
+            <a:off x="134442" y="534123"/>
+            <a:ext cx="7688700" cy="535200"/>
+          </a:xfrm>
+          <a:prstGeom prst="rect">
+            <a:avLst/>
+          </a:prstGeom>
+        </p:spPr>
         <p:txBody>
-          <a:bodyPr>
+          <a:bodyPr spcFirstLastPara="1" wrap="square" lIns="91425" tIns="91425" rIns="91425" bIns="91425" anchor="t" anchorCtr="0">
             <a:normAutofit fontScale="90000"/>
           </a:bodyPr>
           <a:lstStyle/>
           <a:p>
-            <a:r>
-              <a:rPr lang="en-NL" dirty="0"/>
-              <a:t>Metadata Schema Structure?</a:t>
-            </a:r>
+            <a:pPr marL="0" lvl="0" indent="0" algn="l" rtl="0">
+              <a:spcBef>
+                <a:spcPts val="0"/>
+              </a:spcBef>
+              <a:spcAft>
+                <a:spcPts val="0"/>
+              </a:spcAft>
+              <a:buNone/>
+            </a:pPr>
+            <a:r>
+              <a:rPr lang="en-GB" dirty="0"/>
+              <a:t>The Sunflower</a:t>
+            </a:r>
+            <a:endParaRPr dirty="0"/>
           </a:p>
         </p:txBody>
       </p:sp>
       <p:sp>
         <p:nvSpPr>
-          <p:cNvPr id="3" name="Text Placeholder 2">
+          <p:cNvPr id="2" name="Google Shape;212;p26">
             <a:extLst>
               <a:ext uri="{FF2B5EF4-FFF2-40B4-BE49-F238E27FC236}">
-                <a16:creationId xmlns:a16="http://schemas.microsoft.com/office/drawing/2014/main" id="{3CDDFA56-DBF2-A9F8-C277-F65B751733A8}"/>
+                <a16:creationId xmlns:a16="http://schemas.microsoft.com/office/drawing/2014/main" id="{BB1D740E-0F59-C96C-8E95-E4D24A5C92A0}"/>
               </a:ext>
             </a:extLst>
           </p:cNvPr>
-          <p:cNvSpPr>
-            <a:spLocks noGrp="1"/>
-          </p:cNvSpPr>
-          <p:nvPr>
-            <p:ph type="body" idx="1"/>
-          </p:nvPr>
+          <p:cNvSpPr txBox="1"/>
+          <p:nvPr/>
         </p:nvSpPr>
         <p:spPr>
           <a:xfrm>
-            <a:off x="364725" y="1931690"/>
-            <a:ext cx="8414550" cy="2944681"/>
-          </a:xfrm>
+            <a:off x="5566927" y="3996798"/>
+            <a:ext cx="938700" cy="384690"/>
+          </a:xfrm>
+          <a:prstGeom prst="rect">
+            <a:avLst/>
+          </a:prstGeom>
+          <a:noFill/>
+          <a:ln>
+            <a:noFill/>
+          </a:ln>
         </p:spPr>
         <p:txBody>
-          <a:bodyPr>
-            <a:normAutofit fontScale="62500" lnSpcReduction="20000"/>
+          <a:bodyPr spcFirstLastPara="1" wrap="square" lIns="91425" tIns="91425" rIns="91425" bIns="91425" anchor="t" anchorCtr="0">
+            <a:spAutoFit/>
           </a:bodyPr>
           <a:lstStyle/>
           <a:p>
-            <a:pPr marL="136843" indent="0">
-              <a:buSzPct val="100000"/>
-              <a:buNone/>
-            </a:pPr>
-            <a:r>
-              <a:rPr lang="en-GB" sz="1900" dirty="0"/>
-              <a:t>is a definition that provides organization to the metadata in the domain, represented in a formal language. In the </a:t>
-            </a:r>
-            <a:r>
-              <a:rPr lang="en-GB" sz="1900" dirty="0" err="1"/>
-              <a:t>rdf</a:t>
-            </a:r>
-            <a:r>
-              <a:rPr lang="en-GB" sz="1900" dirty="0"/>
-              <a:t> Graph Model, the metadata schema is known as an Ontology and it is represented in the RDF schema (RDFS) or OWL (Web Ontology Language) languages or other dialects (</a:t>
-            </a:r>
-            <a:r>
-              <a:rPr lang="en-GB" sz="1900" dirty="0" err="1"/>
-              <a:t>e.g</a:t>
-            </a:r>
-            <a:r>
-              <a:rPr lang="en-GB" sz="1900" dirty="0"/>
-              <a:t> SHACL). </a:t>
-            </a:r>
-          </a:p>
-          <a:p>
-            <a:pPr marL="136843" indent="0">
-              <a:buSzPct val="100000"/>
-              <a:buNone/>
-            </a:pPr>
-            <a:endParaRPr lang="en-GB" sz="1900" dirty="0"/>
-          </a:p>
-          <a:p>
-            <a:pPr marL="136843" indent="0">
-              <a:buSzPct val="100000"/>
-              <a:buNone/>
-            </a:pPr>
-            <a:r>
-              <a:rPr lang="en-GB" sz="1900" dirty="0"/>
-              <a:t>Three main components are:</a:t>
-            </a:r>
-          </a:p>
-          <a:p>
-            <a:pPr marL="136843" indent="0">
-              <a:buSzPct val="100000"/>
-              <a:buNone/>
-            </a:pPr>
-            <a:endParaRPr lang="en-GB" sz="1900" dirty="0"/>
-          </a:p>
-          <a:p>
-            <a:pPr indent="-320357">
-              <a:buSzPct val="100000"/>
-              <a:buChar char="○"/>
-            </a:pPr>
-            <a:r>
-              <a:rPr lang="en-GB" sz="1900" dirty="0"/>
-              <a:t>Classes: is an abstraction mechanism for creating a collection of objects with similar characteristics. The Objects call instances of a class.  (e.g. Class(Dataset) and individual(dataset-100)  is an instance of it). Class can have hierarchical relationships (subclass) which allows for inheritance and subsumption.</a:t>
-            </a:r>
-          </a:p>
-          <a:p>
-            <a:pPr marL="136843" indent="0">
-              <a:buSzPct val="100000"/>
-              <a:buNone/>
-            </a:pPr>
-            <a:endParaRPr lang="en-GB" sz="1900" dirty="0"/>
-          </a:p>
-          <a:p>
-            <a:pPr indent="-320357">
-              <a:buSzPct val="100000"/>
-              <a:buChar char="○"/>
-            </a:pPr>
-            <a:r>
-              <a:rPr lang="en-GB" sz="1900" dirty="0"/>
-              <a:t>Datatype Property: these are relationships between instances of classes. (e.g. dataset’s title is a datatype property that related all the instance of the class dataset to a string datatype). </a:t>
-            </a:r>
-          </a:p>
-          <a:p>
-            <a:pPr marL="136843" indent="0">
-              <a:buSzPct val="100000"/>
-              <a:buNone/>
-            </a:pPr>
-            <a:endParaRPr lang="en-GB" sz="1900" dirty="0"/>
-          </a:p>
-          <a:p>
-            <a:pPr indent="-320357">
-              <a:buSzPct val="100000"/>
-              <a:buChar char="○"/>
-            </a:pPr>
-            <a:r>
-              <a:rPr lang="en-GB" sz="1900" dirty="0"/>
-              <a:t>Object Property: These are relationships between instances of two classes. For example ”</a:t>
-            </a:r>
-            <a:r>
-              <a:rPr lang="en-GB" sz="1900" dirty="0" err="1"/>
-              <a:t>hasDistribution</a:t>
-            </a:r>
-            <a:r>
-              <a:rPr lang="en-GB" sz="1900" dirty="0"/>
-              <a:t>” is an object property that related all the instances of class dataset to instances of class distribution. </a:t>
-            </a:r>
-            <a:endParaRPr lang="en-NL" dirty="0"/>
+            <a:pPr marL="0" lvl="0" indent="0" algn="ctr" rtl="0">
+              <a:spcBef>
+                <a:spcPts val="0"/>
+              </a:spcBef>
+              <a:spcAft>
+                <a:spcPts val="0"/>
+              </a:spcAft>
+              <a:buNone/>
+            </a:pPr>
+            <a:r>
+              <a:rPr lang="en-GB" sz="1300" dirty="0">
+                <a:solidFill>
+                  <a:schemeClr val="dk2"/>
+                </a:solidFill>
+                <a:latin typeface="Roboto"/>
+                <a:ea typeface="Roboto"/>
+                <a:cs typeface="Roboto"/>
+                <a:sym typeface="Roboto"/>
+              </a:rPr>
+              <a:t>Imaging</a:t>
+            </a:r>
+            <a:endParaRPr sz="1300" dirty="0">
+              <a:solidFill>
+                <a:schemeClr val="dk2"/>
+              </a:solidFill>
+              <a:latin typeface="Roboto"/>
+              <a:ea typeface="Roboto"/>
+              <a:cs typeface="Roboto"/>
+              <a:sym typeface="Roboto"/>
+            </a:endParaRPr>
           </a:p>
         </p:txBody>
       </p:sp>
     </p:spTree>
-    <p:extLst>
-      <p:ext uri="{BB962C8B-B14F-4D97-AF65-F5344CB8AC3E}">
-        <p14:creationId xmlns:p14="http://schemas.microsoft.com/office/powerpoint/2010/main" val="2288230980"/>
-      </p:ext>
-    </p:extLst>
   </p:cSld>
   <p:clrMapOvr>
     <a:masterClrMapping/>
@@ -13148,61 +16161,10 @@
       </p:grpSpPr>
       <p:sp>
         <p:nvSpPr>
-          <p:cNvPr id="22" name="Rectangle 21">
-            <a:extLst>
-              <a:ext uri="{FF2B5EF4-FFF2-40B4-BE49-F238E27FC236}">
-                <a16:creationId xmlns:a16="http://schemas.microsoft.com/office/drawing/2014/main" id="{360136BC-F0EF-34DF-AE30-9004D34336BD}"/>
-              </a:ext>
-            </a:extLst>
-          </p:cNvPr>
-          <p:cNvSpPr/>
-          <p:nvPr/>
-        </p:nvSpPr>
-        <p:spPr>
-          <a:xfrm>
-            <a:off x="1287157" y="2190522"/>
-            <a:ext cx="5428184" cy="1053423"/>
-          </a:xfrm>
-          <a:prstGeom prst="rect">
-            <a:avLst/>
-          </a:prstGeom>
-          <a:solidFill>
-            <a:schemeClr val="accent1">
-              <a:alpha val="14000"/>
-            </a:schemeClr>
-          </a:solidFill>
-        </p:spPr>
-        <p:style>
-          <a:lnRef idx="2">
-            <a:schemeClr val="accent1">
-              <a:shade val="15000"/>
-            </a:schemeClr>
-          </a:lnRef>
-          <a:fillRef idx="1">
-            <a:schemeClr val="accent1"/>
-          </a:fillRef>
-          <a:effectRef idx="0">
-            <a:schemeClr val="accent1"/>
-          </a:effectRef>
-          <a:fontRef idx="minor">
-            <a:schemeClr val="lt1"/>
-          </a:fontRef>
-        </p:style>
-        <p:txBody>
-          <a:bodyPr rtlCol="0" anchor="ctr"/>
-          <a:lstStyle/>
-          <a:p>
-            <a:pPr algn="ctr"/>
-            <a:endParaRPr lang="en-NL"/>
-          </a:p>
-        </p:txBody>
-      </p:sp>
-      <p:sp>
-        <p:nvSpPr>
           <p:cNvPr id="2" name="Title 1">
             <a:extLst>
               <a:ext uri="{FF2B5EF4-FFF2-40B4-BE49-F238E27FC236}">
-                <a16:creationId xmlns:a16="http://schemas.microsoft.com/office/drawing/2014/main" id="{6A7A1E55-3BCE-B872-2A10-43D33FCED5B9}"/>
+                <a16:creationId xmlns:a16="http://schemas.microsoft.com/office/drawing/2014/main" id="{BFDCDAC6-15A5-72CA-0931-0F57D21CCD9C}"/>
               </a:ext>
             </a:extLst>
           </p:cNvPr>
@@ -13213,12 +16175,7 @@
             <p:ph type="title"/>
           </p:nvPr>
         </p:nvSpPr>
-        <p:spPr>
-          <a:xfrm>
-            <a:off x="291506" y="1309291"/>
-            <a:ext cx="7688700" cy="535200"/>
-          </a:xfrm>
-        </p:spPr>
+        <p:spPr/>
         <p:txBody>
           <a:bodyPr>
             <a:normAutofit fontScale="90000"/>
@@ -13227,918 +16184,138 @@
           <a:p>
             <a:r>
               <a:rPr lang="en-NL" dirty="0"/>
-              <a:t>Metadata schema is a graph</a:t>
+              <a:t>Metadata Schema Structure?</a:t>
             </a:r>
           </a:p>
         </p:txBody>
       </p:sp>
       <p:sp>
         <p:nvSpPr>
-          <p:cNvPr id="4" name="Oval 3">
+          <p:cNvPr id="3" name="Text Placeholder 2">
             <a:extLst>
               <a:ext uri="{FF2B5EF4-FFF2-40B4-BE49-F238E27FC236}">
-                <a16:creationId xmlns:a16="http://schemas.microsoft.com/office/drawing/2014/main" id="{99304919-5425-85F6-72E7-0F284E318014}"/>
+                <a16:creationId xmlns:a16="http://schemas.microsoft.com/office/drawing/2014/main" id="{3CDDFA56-DBF2-A9F8-C277-F65B751733A8}"/>
               </a:ext>
             </a:extLst>
           </p:cNvPr>
-          <p:cNvSpPr/>
-          <p:nvPr/>
+          <p:cNvSpPr>
+            <a:spLocks noGrp="1"/>
+          </p:cNvSpPr>
+          <p:nvPr>
+            <p:ph type="body" idx="1"/>
+          </p:nvPr>
         </p:nvSpPr>
         <p:spPr>
           <a:xfrm>
-            <a:off x="1395663" y="2367814"/>
-            <a:ext cx="1155032" cy="712269"/>
-          </a:xfrm>
-          <a:prstGeom prst="ellipse">
-            <a:avLst/>
-          </a:prstGeom>
-          <a:solidFill>
-            <a:schemeClr val="accent2"/>
-          </a:solidFill>
-        </p:spPr>
-        <p:style>
-          <a:lnRef idx="2">
-            <a:schemeClr val="accent1">
-              <a:shade val="15000"/>
-            </a:schemeClr>
-          </a:lnRef>
-          <a:fillRef idx="1">
-            <a:schemeClr val="accent1"/>
-          </a:fillRef>
-          <a:effectRef idx="0">
-            <a:schemeClr val="accent1"/>
-          </a:effectRef>
-          <a:fontRef idx="minor">
-            <a:schemeClr val="lt1"/>
-          </a:fontRef>
-        </p:style>
+            <a:off x="364725" y="1931690"/>
+            <a:ext cx="8414550" cy="2944681"/>
+          </a:xfrm>
+        </p:spPr>
         <p:txBody>
-          <a:bodyPr rtlCol="0" anchor="ctr"/>
-          <a:lstStyle/>
-          <a:p>
-            <a:pPr algn="ctr"/>
-            <a:r>
-              <a:rPr lang="en-NL" dirty="0"/>
-              <a:t>Dataset</a:t>
-            </a:r>
-          </a:p>
-        </p:txBody>
-      </p:sp>
-      <p:sp>
-        <p:nvSpPr>
-          <p:cNvPr id="5" name="Oval 4">
-            <a:extLst>
-              <a:ext uri="{FF2B5EF4-FFF2-40B4-BE49-F238E27FC236}">
-                <a16:creationId xmlns:a16="http://schemas.microsoft.com/office/drawing/2014/main" id="{3F594B3F-0E2C-2D9B-1043-392EF3EDC469}"/>
-              </a:ext>
-            </a:extLst>
-          </p:cNvPr>
-          <p:cNvSpPr/>
-          <p:nvPr/>
-        </p:nvSpPr>
-        <p:spPr>
-          <a:xfrm>
-            <a:off x="4281638" y="2305248"/>
-            <a:ext cx="1628274" cy="837399"/>
-          </a:xfrm>
-          <a:prstGeom prst="ellipse">
-            <a:avLst/>
-          </a:prstGeom>
-          <a:solidFill>
-            <a:schemeClr val="accent2"/>
-          </a:solidFill>
-        </p:spPr>
-        <p:style>
-          <a:lnRef idx="2">
-            <a:schemeClr val="accent1">
-              <a:shade val="15000"/>
-            </a:schemeClr>
-          </a:lnRef>
-          <a:fillRef idx="1">
-            <a:schemeClr val="accent1"/>
-          </a:fillRef>
-          <a:effectRef idx="0">
-            <a:schemeClr val="accent1"/>
-          </a:effectRef>
-          <a:fontRef idx="minor">
-            <a:schemeClr val="lt1"/>
-          </a:fontRef>
-        </p:style>
-        <p:txBody>
-          <a:bodyPr rtlCol="0" anchor="ctr"/>
-          <a:lstStyle/>
-          <a:p>
-            <a:pPr algn="ctr"/>
-            <a:r>
-              <a:rPr lang="en-NL" dirty="0"/>
-              <a:t>Distribution</a:t>
-            </a:r>
-          </a:p>
-        </p:txBody>
-      </p:sp>
-      <p:cxnSp>
-        <p:nvCxnSpPr>
-          <p:cNvPr id="7" name="Straight Arrow Connector 6">
-            <a:extLst>
-              <a:ext uri="{FF2B5EF4-FFF2-40B4-BE49-F238E27FC236}">
-                <a16:creationId xmlns:a16="http://schemas.microsoft.com/office/drawing/2014/main" id="{1FF3B1F6-42CC-9D7E-F146-5EF602881B11}"/>
-              </a:ext>
-            </a:extLst>
-          </p:cNvPr>
-          <p:cNvCxnSpPr>
-            <a:cxnSpLocks/>
-            <a:stCxn id="4" idx="6"/>
-            <a:endCxn id="5" idx="2"/>
-          </p:cNvCxnSpPr>
-          <p:nvPr/>
-        </p:nvCxnSpPr>
-        <p:spPr>
-          <a:xfrm flipV="1">
-            <a:off x="2550695" y="2723948"/>
-            <a:ext cx="1730943" cy="1"/>
-          </a:xfrm>
-          <a:prstGeom prst="straightConnector1">
-            <a:avLst/>
-          </a:prstGeom>
-          <a:ln>
-            <a:solidFill>
-              <a:schemeClr val="tx1"/>
-            </a:solidFill>
-            <a:tailEnd type="triangle"/>
-          </a:ln>
-        </p:spPr>
-        <p:style>
-          <a:lnRef idx="1">
-            <a:schemeClr val="accent1"/>
-          </a:lnRef>
-          <a:fillRef idx="0">
-            <a:schemeClr val="accent1"/>
-          </a:fillRef>
-          <a:effectRef idx="0">
-            <a:schemeClr val="accent1"/>
-          </a:effectRef>
-          <a:fontRef idx="minor">
-            <a:schemeClr val="tx1"/>
-          </a:fontRef>
-        </p:style>
-      </p:cxnSp>
-      <p:sp>
-        <p:nvSpPr>
-          <p:cNvPr id="8" name="TextBox 7">
-            <a:extLst>
-              <a:ext uri="{FF2B5EF4-FFF2-40B4-BE49-F238E27FC236}">
-                <a16:creationId xmlns:a16="http://schemas.microsoft.com/office/drawing/2014/main" id="{E8E73F4A-13B5-1415-15CB-FA031B84C78A}"/>
-              </a:ext>
-            </a:extLst>
-          </p:cNvPr>
-          <p:cNvSpPr txBox="1"/>
-          <p:nvPr/>
-        </p:nvSpPr>
-        <p:spPr>
-          <a:xfrm>
-            <a:off x="2717463" y="2272549"/>
-            <a:ext cx="1538794" cy="307777"/>
-          </a:xfrm>
-          <a:prstGeom prst="rect">
-            <a:avLst/>
-          </a:prstGeom>
-          <a:noFill/>
-        </p:spPr>
-        <p:txBody>
-          <a:bodyPr wrap="square" rtlCol="0">
-            <a:spAutoFit/>
+          <a:bodyPr>
+            <a:normAutofit fontScale="62500" lnSpcReduction="20000"/>
           </a:bodyPr>
           <a:lstStyle/>
           <a:p>
-            <a:r>
-              <a:rPr lang="en-NL" dirty="0"/>
+            <a:pPr marL="136843" indent="0">
+              <a:buSzPct val="100000"/>
+              <a:buNone/>
+            </a:pPr>
+            <a:r>
+              <a:rPr lang="en-GB" sz="1900" dirty="0"/>
+              <a:t>is a definition that provides organization to the metadata in the domain, represented in a formal language. In the </a:t>
+            </a:r>
+            <a:r>
+              <a:rPr lang="en-GB" sz="1900" dirty="0" err="1"/>
+              <a:t>rdf</a:t>
+            </a:r>
+            <a:r>
+              <a:rPr lang="en-GB" sz="1900" dirty="0"/>
+              <a:t> Graph Model, the metadata schema is known as an Ontology and it is represented in the RDF schema (RDFS) or OWL (Web Ontology Language) languages or other dialects (</a:t>
+            </a:r>
+            <a:r>
+              <a:rPr lang="en-GB" sz="1900" dirty="0" err="1"/>
+              <a:t>e.g</a:t>
+            </a:r>
+            <a:r>
+              <a:rPr lang="en-GB" sz="1900" dirty="0"/>
+              <a:t> SHACL). </a:t>
+            </a:r>
+          </a:p>
+          <a:p>
+            <a:pPr marL="136843" indent="0">
+              <a:buSzPct val="100000"/>
+              <a:buNone/>
+            </a:pPr>
+            <a:endParaRPr lang="en-GB" sz="1900" dirty="0"/>
+          </a:p>
+          <a:p>
+            <a:pPr marL="136843" indent="0">
+              <a:buSzPct val="100000"/>
+              <a:buNone/>
+            </a:pPr>
+            <a:r>
+              <a:rPr lang="en-GB" sz="1900" dirty="0"/>
+              <a:t>Three main components are:</a:t>
+            </a:r>
+          </a:p>
+          <a:p>
+            <a:pPr marL="136843" indent="0">
+              <a:buSzPct val="100000"/>
+              <a:buNone/>
+            </a:pPr>
+            <a:endParaRPr lang="en-GB" sz="1900" dirty="0"/>
+          </a:p>
+          <a:p>
+            <a:pPr indent="-320357">
+              <a:buSzPct val="100000"/>
+              <a:buChar char="○"/>
+            </a:pPr>
+            <a:r>
+              <a:rPr lang="en-GB" sz="1900" dirty="0"/>
+              <a:t>Classes: is an abstraction mechanism for creating a collection of objects with similar characteristics. The Objects call instances of a class.  (e.g. Class(Dataset) and individual(dataset-100)  is an instance of it). Class can have hierarchical relationships (subclass) which allows for inheritance and subsumption.</a:t>
+            </a:r>
+          </a:p>
+          <a:p>
+            <a:pPr marL="136843" indent="0">
+              <a:buSzPct val="100000"/>
+              <a:buNone/>
+            </a:pPr>
+            <a:endParaRPr lang="en-GB" sz="1900" dirty="0"/>
+          </a:p>
+          <a:p>
+            <a:pPr indent="-320357">
+              <a:buSzPct val="100000"/>
+              <a:buChar char="○"/>
+            </a:pPr>
+            <a:r>
+              <a:rPr lang="en-GB" sz="1900" dirty="0"/>
+              <a:t>Datatype Property: these are relationships between instances of classes. (e.g. dataset’s title is a datatype property that related all the instance of the class dataset to a string datatype). </a:t>
+            </a:r>
+          </a:p>
+          <a:p>
+            <a:pPr marL="136843" indent="0">
+              <a:buSzPct val="100000"/>
+              <a:buNone/>
+            </a:pPr>
+            <a:endParaRPr lang="en-GB" sz="1900" dirty="0"/>
+          </a:p>
+          <a:p>
+            <a:pPr indent="-320357">
+              <a:buSzPct val="100000"/>
+              <a:buChar char="○"/>
+            </a:pPr>
+            <a:r>
+              <a:rPr lang="en-GB" sz="1900" dirty="0"/>
+              <a:t>Object Property: These are relationships between instances of two classes. For example ”</a:t>
+            </a:r>
+            <a:r>
+              <a:rPr lang="en-GB" sz="1900" dirty="0" err="1"/>
               <a:t>hasDistribution</a:t>
             </a:r>
-          </a:p>
-        </p:txBody>
-      </p:sp>
-      <p:sp>
-        <p:nvSpPr>
-          <p:cNvPr id="9" name="Oval 8">
-            <a:extLst>
-              <a:ext uri="{FF2B5EF4-FFF2-40B4-BE49-F238E27FC236}">
-                <a16:creationId xmlns:a16="http://schemas.microsoft.com/office/drawing/2014/main" id="{4DFAD67E-0336-7EB2-B92A-BB426900C79D}"/>
-              </a:ext>
-            </a:extLst>
-          </p:cNvPr>
-          <p:cNvSpPr/>
-          <p:nvPr/>
-        </p:nvSpPr>
-        <p:spPr>
-          <a:xfrm>
-            <a:off x="1395663" y="3868694"/>
-            <a:ext cx="1155032" cy="712269"/>
-          </a:xfrm>
-          <a:prstGeom prst="ellipse">
-            <a:avLst/>
-          </a:prstGeom>
-          <a:solidFill>
-            <a:schemeClr val="accent5">
-              <a:lumMod val="20000"/>
-              <a:lumOff val="80000"/>
-            </a:schemeClr>
-          </a:solidFill>
-        </p:spPr>
-        <p:style>
-          <a:lnRef idx="2">
-            <a:schemeClr val="accent1">
-              <a:shade val="15000"/>
-            </a:schemeClr>
-          </a:lnRef>
-          <a:fillRef idx="1">
-            <a:schemeClr val="accent1"/>
-          </a:fillRef>
-          <a:effectRef idx="0">
-            <a:schemeClr val="accent1"/>
-          </a:effectRef>
-          <a:fontRef idx="minor">
-            <a:schemeClr val="lt1"/>
-          </a:fontRef>
-        </p:style>
-        <p:txBody>
-          <a:bodyPr rtlCol="0" anchor="ctr"/>
-          <a:lstStyle/>
-          <a:p>
-            <a:pPr algn="ctr"/>
-            <a:r>
-              <a:rPr lang="en-NL" dirty="0"/>
-              <a:t>Dataset-100</a:t>
-            </a:r>
-          </a:p>
-        </p:txBody>
-      </p:sp>
-      <p:cxnSp>
-        <p:nvCxnSpPr>
-          <p:cNvPr id="10" name="Straight Arrow Connector 9">
-            <a:extLst>
-              <a:ext uri="{FF2B5EF4-FFF2-40B4-BE49-F238E27FC236}">
-                <a16:creationId xmlns:a16="http://schemas.microsoft.com/office/drawing/2014/main" id="{54BC6067-0780-F0D9-FC89-2A6C7544BF31}"/>
-              </a:ext>
-            </a:extLst>
-          </p:cNvPr>
-          <p:cNvCxnSpPr>
-            <a:cxnSpLocks/>
-            <a:stCxn id="9" idx="0"/>
-            <a:endCxn id="4" idx="4"/>
-          </p:cNvCxnSpPr>
-          <p:nvPr/>
-        </p:nvCxnSpPr>
-        <p:spPr>
-          <a:xfrm flipV="1">
-            <a:off x="1973179" y="3080083"/>
-            <a:ext cx="0" cy="788611"/>
-          </a:xfrm>
-          <a:prstGeom prst="straightConnector1">
-            <a:avLst/>
-          </a:prstGeom>
-          <a:ln>
-            <a:tailEnd type="triangle"/>
-          </a:ln>
-        </p:spPr>
-        <p:style>
-          <a:lnRef idx="1">
-            <a:schemeClr val="accent1"/>
-          </a:lnRef>
-          <a:fillRef idx="0">
-            <a:schemeClr val="accent1"/>
-          </a:fillRef>
-          <a:effectRef idx="0">
-            <a:schemeClr val="accent1"/>
-          </a:effectRef>
-          <a:fontRef idx="minor">
-            <a:schemeClr val="tx1"/>
-          </a:fontRef>
-        </p:style>
-      </p:cxnSp>
-      <p:sp>
-        <p:nvSpPr>
-          <p:cNvPr id="15" name="TextBox 14">
-            <a:extLst>
-              <a:ext uri="{FF2B5EF4-FFF2-40B4-BE49-F238E27FC236}">
-                <a16:creationId xmlns:a16="http://schemas.microsoft.com/office/drawing/2014/main" id="{1A94D932-EC48-7923-BBBD-7A3D9BE481FF}"/>
-              </a:ext>
-            </a:extLst>
-          </p:cNvPr>
-          <p:cNvSpPr txBox="1"/>
-          <p:nvPr/>
-        </p:nvSpPr>
-        <p:spPr>
-          <a:xfrm>
-            <a:off x="4716409" y="3323880"/>
-            <a:ext cx="1538794" cy="307777"/>
-          </a:xfrm>
-          <a:prstGeom prst="rect">
-            <a:avLst/>
-          </a:prstGeom>
-          <a:noFill/>
-        </p:spPr>
-        <p:txBody>
-          <a:bodyPr wrap="square" rtlCol="0">
-            <a:spAutoFit/>
-          </a:bodyPr>
-          <a:lstStyle/>
-          <a:p>
-            <a:r>
-              <a:rPr lang="en-GB" dirty="0"/>
-              <a:t>r</a:t>
-            </a:r>
-            <a:r>
-              <a:rPr lang="en-NL" dirty="0"/>
-              <a:t>df:type</a:t>
-            </a:r>
-          </a:p>
-        </p:txBody>
-      </p:sp>
-      <p:sp>
-        <p:nvSpPr>
-          <p:cNvPr id="17" name="Oval 16">
-            <a:extLst>
-              <a:ext uri="{FF2B5EF4-FFF2-40B4-BE49-F238E27FC236}">
-                <a16:creationId xmlns:a16="http://schemas.microsoft.com/office/drawing/2014/main" id="{6C46C4E5-EAA3-A1E7-E214-B0E2BCB1D405}"/>
-              </a:ext>
-            </a:extLst>
-          </p:cNvPr>
-          <p:cNvSpPr/>
-          <p:nvPr/>
-        </p:nvSpPr>
-        <p:spPr>
-          <a:xfrm>
-            <a:off x="4303740" y="3949152"/>
-            <a:ext cx="1910177" cy="712269"/>
-          </a:xfrm>
-          <a:prstGeom prst="ellipse">
-            <a:avLst/>
-          </a:prstGeom>
-          <a:solidFill>
-            <a:schemeClr val="accent5">
-              <a:lumMod val="20000"/>
-              <a:lumOff val="80000"/>
-            </a:schemeClr>
-          </a:solidFill>
-        </p:spPr>
-        <p:style>
-          <a:lnRef idx="2">
-            <a:schemeClr val="accent1">
-              <a:shade val="15000"/>
-            </a:schemeClr>
-          </a:lnRef>
-          <a:fillRef idx="1">
-            <a:schemeClr val="accent1"/>
-          </a:fillRef>
-          <a:effectRef idx="0">
-            <a:schemeClr val="accent1"/>
-          </a:effectRef>
-          <a:fontRef idx="minor">
-            <a:schemeClr val="lt1"/>
-          </a:fontRef>
-        </p:style>
-        <p:txBody>
-          <a:bodyPr rtlCol="0" anchor="ctr"/>
-          <a:lstStyle/>
-          <a:p>
-            <a:pPr algn="ctr"/>
-            <a:r>
-              <a:rPr lang="en-NL" dirty="0"/>
-              <a:t>Distribution_X</a:t>
-            </a:r>
-          </a:p>
-        </p:txBody>
-      </p:sp>
-      <p:cxnSp>
-        <p:nvCxnSpPr>
-          <p:cNvPr id="18" name="Straight Arrow Connector 17">
-            <a:extLst>
-              <a:ext uri="{FF2B5EF4-FFF2-40B4-BE49-F238E27FC236}">
-                <a16:creationId xmlns:a16="http://schemas.microsoft.com/office/drawing/2014/main" id="{75A9D0AA-013F-2094-B2B5-AC57B347E95D}"/>
-              </a:ext>
-            </a:extLst>
-          </p:cNvPr>
-          <p:cNvCxnSpPr>
-            <a:cxnSpLocks/>
-          </p:cNvCxnSpPr>
-          <p:nvPr/>
-        </p:nvCxnSpPr>
-        <p:spPr>
-          <a:xfrm flipV="1">
-            <a:off x="5158428" y="3142647"/>
-            <a:ext cx="0" cy="788611"/>
-          </a:xfrm>
-          <a:prstGeom prst="straightConnector1">
-            <a:avLst/>
-          </a:prstGeom>
-          <a:ln>
-            <a:tailEnd type="triangle"/>
-          </a:ln>
-        </p:spPr>
-        <p:style>
-          <a:lnRef idx="1">
-            <a:schemeClr val="accent1"/>
-          </a:lnRef>
-          <a:fillRef idx="0">
-            <a:schemeClr val="accent1"/>
-          </a:fillRef>
-          <a:effectRef idx="0">
-            <a:schemeClr val="accent1"/>
-          </a:effectRef>
-          <a:fontRef idx="minor">
-            <a:schemeClr val="tx1"/>
-          </a:fontRef>
-        </p:style>
-      </p:cxnSp>
-      <p:sp>
-        <p:nvSpPr>
-          <p:cNvPr id="19" name="TextBox 18">
-            <a:extLst>
-              <a:ext uri="{FF2B5EF4-FFF2-40B4-BE49-F238E27FC236}">
-                <a16:creationId xmlns:a16="http://schemas.microsoft.com/office/drawing/2014/main" id="{DCACB125-D285-4387-3551-C66893866646}"/>
-              </a:ext>
-            </a:extLst>
-          </p:cNvPr>
-          <p:cNvSpPr txBox="1"/>
-          <p:nvPr/>
-        </p:nvSpPr>
-        <p:spPr>
-          <a:xfrm>
-            <a:off x="1781298" y="3358671"/>
-            <a:ext cx="1538794" cy="307777"/>
-          </a:xfrm>
-          <a:prstGeom prst="rect">
-            <a:avLst/>
-          </a:prstGeom>
-          <a:noFill/>
-        </p:spPr>
-        <p:txBody>
-          <a:bodyPr wrap="square" rtlCol="0">
-            <a:spAutoFit/>
-          </a:bodyPr>
-          <a:lstStyle/>
-          <a:p>
-            <a:r>
-              <a:rPr lang="en-GB" dirty="0"/>
-              <a:t>r</a:t>
-            </a:r>
-            <a:r>
-              <a:rPr lang="en-NL" dirty="0"/>
-              <a:t>df:type</a:t>
-            </a:r>
-          </a:p>
-        </p:txBody>
-      </p:sp>
-      <p:sp>
-        <p:nvSpPr>
-          <p:cNvPr id="20" name="TextBox 19">
-            <a:extLst>
-              <a:ext uri="{FF2B5EF4-FFF2-40B4-BE49-F238E27FC236}">
-                <a16:creationId xmlns:a16="http://schemas.microsoft.com/office/drawing/2014/main" id="{CFF5C808-81B1-1546-1802-808E137ED569}"/>
-              </a:ext>
-            </a:extLst>
-          </p:cNvPr>
-          <p:cNvSpPr txBox="1"/>
-          <p:nvPr/>
-        </p:nvSpPr>
-        <p:spPr>
-          <a:xfrm>
-            <a:off x="2764946" y="3924374"/>
-            <a:ext cx="1538794" cy="307777"/>
-          </a:xfrm>
-          <a:prstGeom prst="rect">
-            <a:avLst/>
-          </a:prstGeom>
-          <a:noFill/>
-        </p:spPr>
-        <p:txBody>
-          <a:bodyPr wrap="square" rtlCol="0">
-            <a:spAutoFit/>
-          </a:bodyPr>
-          <a:lstStyle/>
-          <a:p>
-            <a:r>
-              <a:rPr lang="en-NL" dirty="0"/>
-              <a:t>hasDistribution</a:t>
-            </a:r>
-          </a:p>
-        </p:txBody>
-      </p:sp>
-      <p:cxnSp>
-        <p:nvCxnSpPr>
-          <p:cNvPr id="21" name="Straight Arrow Connector 20">
-            <a:extLst>
-              <a:ext uri="{FF2B5EF4-FFF2-40B4-BE49-F238E27FC236}">
-                <a16:creationId xmlns:a16="http://schemas.microsoft.com/office/drawing/2014/main" id="{F24FBDF8-E624-14DC-8110-CC7AAD1FC9B6}"/>
-              </a:ext>
-            </a:extLst>
-          </p:cNvPr>
-          <p:cNvCxnSpPr/>
-          <p:nvPr/>
-        </p:nvCxnSpPr>
-        <p:spPr>
-          <a:xfrm>
-            <a:off x="2618072" y="4232151"/>
-            <a:ext cx="1663566" cy="1"/>
-          </a:xfrm>
-          <a:prstGeom prst="straightConnector1">
-            <a:avLst/>
-          </a:prstGeom>
-          <a:ln>
-            <a:solidFill>
-              <a:schemeClr val="tx1"/>
-            </a:solidFill>
-            <a:tailEnd type="triangle"/>
-          </a:ln>
-        </p:spPr>
-        <p:style>
-          <a:lnRef idx="1">
-            <a:schemeClr val="accent1"/>
-          </a:lnRef>
-          <a:fillRef idx="0">
-            <a:schemeClr val="accent1"/>
-          </a:fillRef>
-          <a:effectRef idx="0">
-            <a:schemeClr val="accent1"/>
-          </a:effectRef>
-          <a:fontRef idx="minor">
-            <a:schemeClr val="tx1"/>
-          </a:fontRef>
-        </p:style>
-      </p:cxnSp>
-      <p:sp>
-        <p:nvSpPr>
-          <p:cNvPr id="23" name="Rectangle 22">
-            <a:extLst>
-              <a:ext uri="{FF2B5EF4-FFF2-40B4-BE49-F238E27FC236}">
-                <a16:creationId xmlns:a16="http://schemas.microsoft.com/office/drawing/2014/main" id="{8F30AF2C-CEFF-E6F8-90CD-ADE53F3AF17D}"/>
-              </a:ext>
-            </a:extLst>
-          </p:cNvPr>
-          <p:cNvSpPr/>
-          <p:nvPr/>
-        </p:nvSpPr>
-        <p:spPr>
-          <a:xfrm>
-            <a:off x="1287157" y="3835317"/>
-            <a:ext cx="5428184" cy="1053423"/>
-          </a:xfrm>
-          <a:prstGeom prst="rect">
-            <a:avLst/>
-          </a:prstGeom>
-          <a:solidFill>
-            <a:schemeClr val="accent1">
-              <a:alpha val="14000"/>
-            </a:schemeClr>
-          </a:solidFill>
-        </p:spPr>
-        <p:style>
-          <a:lnRef idx="2">
-            <a:schemeClr val="accent1">
-              <a:shade val="15000"/>
-            </a:schemeClr>
-          </a:lnRef>
-          <a:fillRef idx="1">
-            <a:schemeClr val="accent1"/>
-          </a:fillRef>
-          <a:effectRef idx="0">
-            <a:schemeClr val="accent1"/>
-          </a:effectRef>
-          <a:fontRef idx="minor">
-            <a:schemeClr val="lt1"/>
-          </a:fontRef>
-        </p:style>
-        <p:txBody>
-          <a:bodyPr rtlCol="0" anchor="ctr"/>
-          <a:lstStyle/>
-          <a:p>
-            <a:pPr algn="ctr"/>
-            <a:endParaRPr lang="en-NL" dirty="0"/>
-          </a:p>
-        </p:txBody>
-      </p:sp>
-      <p:sp>
-        <p:nvSpPr>
-          <p:cNvPr id="24" name="TextBox 23">
-            <a:extLst>
-              <a:ext uri="{FF2B5EF4-FFF2-40B4-BE49-F238E27FC236}">
-                <a16:creationId xmlns:a16="http://schemas.microsoft.com/office/drawing/2014/main" id="{A41A468B-81DD-F32E-3404-352EA51B6046}"/>
-              </a:ext>
-            </a:extLst>
-          </p:cNvPr>
-          <p:cNvSpPr txBox="1"/>
-          <p:nvPr/>
-        </p:nvSpPr>
-        <p:spPr>
-          <a:xfrm>
-            <a:off x="42724" y="4068618"/>
-            <a:ext cx="851515" cy="307777"/>
-          </a:xfrm>
-          <a:prstGeom prst="rect">
-            <a:avLst/>
-          </a:prstGeom>
-          <a:noFill/>
-        </p:spPr>
-        <p:txBody>
-          <a:bodyPr wrap="none" rtlCol="0">
-            <a:spAutoFit/>
-          </a:bodyPr>
-          <a:lstStyle/>
-          <a:p>
-            <a:r>
-              <a:rPr lang="en-NL" dirty="0"/>
-              <a:t>instance</a:t>
-            </a:r>
-          </a:p>
-        </p:txBody>
-      </p:sp>
-      <p:sp>
-        <p:nvSpPr>
-          <p:cNvPr id="25" name="TextBox 24">
-            <a:extLst>
-              <a:ext uri="{FF2B5EF4-FFF2-40B4-BE49-F238E27FC236}">
-                <a16:creationId xmlns:a16="http://schemas.microsoft.com/office/drawing/2014/main" id="{2558D3B1-85D1-EC4E-0A4D-5607772DD758}"/>
-              </a:ext>
-            </a:extLst>
-          </p:cNvPr>
-          <p:cNvSpPr txBox="1"/>
-          <p:nvPr/>
-        </p:nvSpPr>
-        <p:spPr>
-          <a:xfrm>
-            <a:off x="0" y="2367814"/>
-            <a:ext cx="1516762" cy="307777"/>
-          </a:xfrm>
-          <a:prstGeom prst="rect">
-            <a:avLst/>
-          </a:prstGeom>
-          <a:noFill/>
-        </p:spPr>
-        <p:txBody>
-          <a:bodyPr wrap="none" rtlCol="0">
-            <a:spAutoFit/>
-          </a:bodyPr>
-          <a:lstStyle/>
-          <a:p>
-            <a:r>
-              <a:rPr lang="en-GB" dirty="0"/>
-              <a:t>m</a:t>
-            </a:r>
-            <a:r>
-              <a:rPr lang="en-NL" dirty="0"/>
-              <a:t>etadata model </a:t>
-            </a:r>
-          </a:p>
-        </p:txBody>
-      </p:sp>
-      <p:sp>
-        <p:nvSpPr>
-          <p:cNvPr id="26" name="Oval 25">
-            <a:extLst>
-              <a:ext uri="{FF2B5EF4-FFF2-40B4-BE49-F238E27FC236}">
-                <a16:creationId xmlns:a16="http://schemas.microsoft.com/office/drawing/2014/main" id="{2E6D54E8-FFE1-7FE7-BF7D-1CC9F91A6A31}"/>
-              </a:ext>
-            </a:extLst>
-          </p:cNvPr>
-          <p:cNvSpPr/>
-          <p:nvPr/>
-        </p:nvSpPr>
-        <p:spPr>
-          <a:xfrm>
-            <a:off x="7362702" y="3241484"/>
-            <a:ext cx="901320" cy="660681"/>
-          </a:xfrm>
-          <a:prstGeom prst="ellipse">
-            <a:avLst/>
-          </a:prstGeom>
-          <a:solidFill>
-            <a:schemeClr val="accent2"/>
-          </a:solidFill>
-        </p:spPr>
-        <p:style>
-          <a:lnRef idx="2">
-            <a:schemeClr val="accent1">
-              <a:shade val="15000"/>
-            </a:schemeClr>
-          </a:lnRef>
-          <a:fillRef idx="1">
-            <a:schemeClr val="accent1"/>
-          </a:fillRef>
-          <a:effectRef idx="0">
-            <a:schemeClr val="accent1"/>
-          </a:effectRef>
-          <a:fontRef idx="minor">
-            <a:schemeClr val="lt1"/>
-          </a:fontRef>
-        </p:style>
-        <p:txBody>
-          <a:bodyPr rtlCol="0" anchor="ctr"/>
-          <a:lstStyle/>
-          <a:p>
-            <a:pPr algn="ctr"/>
-            <a:endParaRPr lang="en-NL" dirty="0"/>
-          </a:p>
-        </p:txBody>
-      </p:sp>
-      <p:sp>
-        <p:nvSpPr>
-          <p:cNvPr id="28" name="Oval 27">
-            <a:extLst>
-              <a:ext uri="{FF2B5EF4-FFF2-40B4-BE49-F238E27FC236}">
-                <a16:creationId xmlns:a16="http://schemas.microsoft.com/office/drawing/2014/main" id="{1B3B99AD-9694-C63E-29A2-047510612917}"/>
-              </a:ext>
-            </a:extLst>
-          </p:cNvPr>
-          <p:cNvSpPr/>
-          <p:nvPr/>
-        </p:nvSpPr>
-        <p:spPr>
-          <a:xfrm>
-            <a:off x="7378726" y="3977344"/>
-            <a:ext cx="901320" cy="712269"/>
-          </a:xfrm>
-          <a:prstGeom prst="ellipse">
-            <a:avLst/>
-          </a:prstGeom>
-          <a:solidFill>
-            <a:schemeClr val="accent5">
-              <a:lumMod val="20000"/>
-              <a:lumOff val="80000"/>
-            </a:schemeClr>
-          </a:solidFill>
-        </p:spPr>
-        <p:style>
-          <a:lnRef idx="2">
-            <a:schemeClr val="accent1">
-              <a:shade val="15000"/>
-            </a:schemeClr>
-          </a:lnRef>
-          <a:fillRef idx="1">
-            <a:schemeClr val="accent1"/>
-          </a:fillRef>
-          <a:effectRef idx="0">
-            <a:schemeClr val="accent1"/>
-          </a:effectRef>
-          <a:fontRef idx="minor">
-            <a:schemeClr val="lt1"/>
-          </a:fontRef>
-        </p:style>
-        <p:txBody>
-          <a:bodyPr rtlCol="0" anchor="ctr"/>
-          <a:lstStyle/>
-          <a:p>
-            <a:pPr algn="ctr"/>
-            <a:endParaRPr lang="en-NL" dirty="0"/>
-          </a:p>
-        </p:txBody>
-      </p:sp>
-      <p:sp>
-        <p:nvSpPr>
-          <p:cNvPr id="29" name="TextBox 28">
-            <a:extLst>
-              <a:ext uri="{FF2B5EF4-FFF2-40B4-BE49-F238E27FC236}">
-                <a16:creationId xmlns:a16="http://schemas.microsoft.com/office/drawing/2014/main" id="{6BAD4D12-7D0E-D742-356F-45DF7CE5AE14}"/>
-              </a:ext>
-            </a:extLst>
-          </p:cNvPr>
-          <p:cNvSpPr txBox="1"/>
-          <p:nvPr/>
-        </p:nvSpPr>
-        <p:spPr>
-          <a:xfrm>
-            <a:off x="8387305" y="3474388"/>
-            <a:ext cx="774571" cy="307777"/>
-          </a:xfrm>
-          <a:prstGeom prst="rect">
-            <a:avLst/>
-          </a:prstGeom>
-          <a:noFill/>
-        </p:spPr>
-        <p:txBody>
-          <a:bodyPr wrap="none" rtlCol="0">
-            <a:spAutoFit/>
-          </a:bodyPr>
-          <a:lstStyle/>
-          <a:p>
-            <a:r>
-              <a:rPr lang="en-US" dirty="0"/>
-              <a:t>CLASS</a:t>
-            </a:r>
-            <a:endParaRPr lang="en-NL" dirty="0"/>
-          </a:p>
-        </p:txBody>
-      </p:sp>
-      <p:sp>
-        <p:nvSpPr>
-          <p:cNvPr id="30" name="TextBox 29">
-            <a:extLst>
-              <a:ext uri="{FF2B5EF4-FFF2-40B4-BE49-F238E27FC236}">
-                <a16:creationId xmlns:a16="http://schemas.microsoft.com/office/drawing/2014/main" id="{1DD3A3C7-346E-A590-A46A-3617A86386A2}"/>
-              </a:ext>
-            </a:extLst>
-          </p:cNvPr>
-          <p:cNvSpPr txBox="1"/>
-          <p:nvPr/>
-        </p:nvSpPr>
-        <p:spPr>
-          <a:xfrm>
-            <a:off x="8465532" y="4151397"/>
-            <a:ext cx="861133" cy="307777"/>
-          </a:xfrm>
-          <a:prstGeom prst="rect">
-            <a:avLst/>
-          </a:prstGeom>
-          <a:noFill/>
-        </p:spPr>
-        <p:txBody>
-          <a:bodyPr wrap="none" rtlCol="0">
-            <a:spAutoFit/>
-          </a:bodyPr>
-          <a:lstStyle/>
-          <a:p>
-            <a:r>
-              <a:rPr lang="en-US" dirty="0"/>
-              <a:t>Instance</a:t>
-            </a:r>
-            <a:endParaRPr lang="en-NL" dirty="0"/>
-          </a:p>
-        </p:txBody>
-      </p:sp>
-      <p:cxnSp>
-        <p:nvCxnSpPr>
-          <p:cNvPr id="31" name="Straight Arrow Connector 30">
-            <a:extLst>
-              <a:ext uri="{FF2B5EF4-FFF2-40B4-BE49-F238E27FC236}">
-                <a16:creationId xmlns:a16="http://schemas.microsoft.com/office/drawing/2014/main" id="{80E4195E-972A-9986-DDC8-E0D3FFEF8CB8}"/>
-              </a:ext>
-            </a:extLst>
-          </p:cNvPr>
-          <p:cNvCxnSpPr>
-            <a:cxnSpLocks/>
-          </p:cNvCxnSpPr>
-          <p:nvPr/>
-        </p:nvCxnSpPr>
-        <p:spPr>
-          <a:xfrm flipV="1">
-            <a:off x="7366387" y="4823680"/>
-            <a:ext cx="1099145" cy="4726"/>
-          </a:xfrm>
-          <a:prstGeom prst="straightConnector1">
-            <a:avLst/>
-          </a:prstGeom>
-          <a:ln>
-            <a:solidFill>
-              <a:schemeClr val="tx1"/>
-            </a:solidFill>
-            <a:tailEnd type="triangle"/>
-          </a:ln>
-        </p:spPr>
-        <p:style>
-          <a:lnRef idx="1">
-            <a:schemeClr val="accent1"/>
-          </a:lnRef>
-          <a:fillRef idx="0">
-            <a:schemeClr val="accent1"/>
-          </a:fillRef>
-          <a:effectRef idx="0">
-            <a:schemeClr val="accent1"/>
-          </a:effectRef>
-          <a:fontRef idx="minor">
-            <a:schemeClr val="tx1"/>
-          </a:fontRef>
-        </p:style>
-      </p:cxnSp>
-      <p:sp>
-        <p:nvSpPr>
-          <p:cNvPr id="33" name="TextBox 32">
-            <a:extLst>
-              <a:ext uri="{FF2B5EF4-FFF2-40B4-BE49-F238E27FC236}">
-                <a16:creationId xmlns:a16="http://schemas.microsoft.com/office/drawing/2014/main" id="{AC5F3E32-FAFD-D80B-3702-E44956840104}"/>
-              </a:ext>
-            </a:extLst>
-          </p:cNvPr>
-          <p:cNvSpPr txBox="1"/>
-          <p:nvPr/>
-        </p:nvSpPr>
-        <p:spPr>
-          <a:xfrm>
-            <a:off x="8648982" y="4580963"/>
-            <a:ext cx="981359" cy="307777"/>
-          </a:xfrm>
-          <a:prstGeom prst="rect">
-            <a:avLst/>
-          </a:prstGeom>
-          <a:noFill/>
-        </p:spPr>
-        <p:txBody>
-          <a:bodyPr wrap="none" rtlCol="0">
-            <a:spAutoFit/>
-          </a:bodyPr>
-          <a:lstStyle/>
-          <a:p>
-            <a:r>
-              <a:rPr lang="en-US" dirty="0"/>
-              <a:t>Relations </a:t>
+            <a:r>
+              <a:rPr lang="en-GB" sz="1900" dirty="0"/>
+              <a:t>” is an object property that related all the instances of class dataset to instances of class distribution. </a:t>
             </a:r>
             <a:endParaRPr lang="en-NL" dirty="0"/>
           </a:p>
@@ -14147,7 +16324,7 @@
     </p:spTree>
     <p:extLst>
       <p:ext uri="{BB962C8B-B14F-4D97-AF65-F5344CB8AC3E}">
-        <p14:creationId xmlns:p14="http://schemas.microsoft.com/office/powerpoint/2010/main" val="553191039"/>
+        <p14:creationId xmlns:p14="http://schemas.microsoft.com/office/powerpoint/2010/main" val="2288230980"/>
       </p:ext>
     </p:extLst>
   </p:cSld>
@@ -14176,10 +16353,61 @@
       </p:grpSpPr>
       <p:sp>
         <p:nvSpPr>
+          <p:cNvPr id="22" name="Rectangle 21">
+            <a:extLst>
+              <a:ext uri="{FF2B5EF4-FFF2-40B4-BE49-F238E27FC236}">
+                <a16:creationId xmlns:a16="http://schemas.microsoft.com/office/drawing/2014/main" id="{360136BC-F0EF-34DF-AE30-9004D34336BD}"/>
+              </a:ext>
+            </a:extLst>
+          </p:cNvPr>
+          <p:cNvSpPr/>
+          <p:nvPr/>
+        </p:nvSpPr>
+        <p:spPr>
+          <a:xfrm>
+            <a:off x="1287157" y="2190522"/>
+            <a:ext cx="5428184" cy="1053423"/>
+          </a:xfrm>
+          <a:prstGeom prst="rect">
+            <a:avLst/>
+          </a:prstGeom>
+          <a:solidFill>
+            <a:schemeClr val="accent1">
+              <a:alpha val="14000"/>
+            </a:schemeClr>
+          </a:solidFill>
+        </p:spPr>
+        <p:style>
+          <a:lnRef idx="2">
+            <a:schemeClr val="accent1">
+              <a:shade val="15000"/>
+            </a:schemeClr>
+          </a:lnRef>
+          <a:fillRef idx="1">
+            <a:schemeClr val="accent1"/>
+          </a:fillRef>
+          <a:effectRef idx="0">
+            <a:schemeClr val="accent1"/>
+          </a:effectRef>
+          <a:fontRef idx="minor">
+            <a:schemeClr val="lt1"/>
+          </a:fontRef>
+        </p:style>
+        <p:txBody>
+          <a:bodyPr rtlCol="0" anchor="ctr"/>
+          <a:lstStyle/>
+          <a:p>
+            <a:pPr algn="ctr"/>
+            <a:endParaRPr lang="en-NL"/>
+          </a:p>
+        </p:txBody>
+      </p:sp>
+      <p:sp>
+        <p:nvSpPr>
           <p:cNvPr id="2" name="Title 1">
             <a:extLst>
               <a:ext uri="{FF2B5EF4-FFF2-40B4-BE49-F238E27FC236}">
-                <a16:creationId xmlns:a16="http://schemas.microsoft.com/office/drawing/2014/main" id="{C87D79F0-EDD3-2712-6B66-0C04272E49AD}"/>
+                <a16:creationId xmlns:a16="http://schemas.microsoft.com/office/drawing/2014/main" id="{6A7A1E55-3BCE-B872-2A10-43D33FCED5B9}"/>
               </a:ext>
             </a:extLst>
           </p:cNvPr>
@@ -14190,7 +16418,12 @@
             <p:ph type="title"/>
           </p:nvPr>
         </p:nvSpPr>
-        <p:spPr/>
+        <p:spPr>
+          <a:xfrm>
+            <a:off x="291506" y="1309291"/>
+            <a:ext cx="7688700" cy="535200"/>
+          </a:xfrm>
+        </p:spPr>
         <p:txBody>
           <a:bodyPr>
             <a:normAutofit fontScale="90000"/>
@@ -14199,32 +16432,919 @@
           <a:p>
             <a:r>
               <a:rPr lang="en-NL" dirty="0"/>
-              <a:t>Namespace </a:t>
+              <a:t>Metadata schema is a graph</a:t>
             </a:r>
           </a:p>
         </p:txBody>
       </p:sp>
       <p:sp>
         <p:nvSpPr>
-          <p:cNvPr id="3" name="Text Placeholder 2">
+          <p:cNvPr id="4" name="Oval 3">
             <a:extLst>
               <a:ext uri="{FF2B5EF4-FFF2-40B4-BE49-F238E27FC236}">
-                <a16:creationId xmlns:a16="http://schemas.microsoft.com/office/drawing/2014/main" id="{6B605727-63AA-8558-2EB2-0E2C98B1C17E}"/>
+                <a16:creationId xmlns:a16="http://schemas.microsoft.com/office/drawing/2014/main" id="{99304919-5425-85F6-72E7-0F284E318014}"/>
               </a:ext>
             </a:extLst>
           </p:cNvPr>
-          <p:cNvSpPr>
-            <a:spLocks noGrp="1"/>
-          </p:cNvSpPr>
-          <p:nvPr>
-            <p:ph type="body" idx="1"/>
-          </p:nvPr>
-        </p:nvSpPr>
-        <p:spPr/>
+          <p:cNvSpPr/>
+          <p:nvPr/>
+        </p:nvSpPr>
+        <p:spPr>
+          <a:xfrm>
+            <a:off x="1395663" y="2367814"/>
+            <a:ext cx="1155032" cy="712269"/>
+          </a:xfrm>
+          <a:prstGeom prst="ellipse">
+            <a:avLst/>
+          </a:prstGeom>
+          <a:solidFill>
+            <a:schemeClr val="accent2"/>
+          </a:solidFill>
+        </p:spPr>
+        <p:style>
+          <a:lnRef idx="2">
+            <a:schemeClr val="accent1">
+              <a:shade val="15000"/>
+            </a:schemeClr>
+          </a:lnRef>
+          <a:fillRef idx="1">
+            <a:schemeClr val="accent1"/>
+          </a:fillRef>
+          <a:effectRef idx="0">
+            <a:schemeClr val="accent1"/>
+          </a:effectRef>
+          <a:fontRef idx="minor">
+            <a:schemeClr val="lt1"/>
+          </a:fontRef>
+        </p:style>
         <p:txBody>
-          <a:bodyPr/>
+          <a:bodyPr rtlCol="0" anchor="ctr"/>
           <a:lstStyle/>
           <a:p>
+            <a:pPr algn="ctr"/>
+            <a:r>
+              <a:rPr lang="en-NL" dirty="0"/>
+              <a:t>Dataset</a:t>
+            </a:r>
+          </a:p>
+        </p:txBody>
+      </p:sp>
+      <p:sp>
+        <p:nvSpPr>
+          <p:cNvPr id="5" name="Oval 4">
+            <a:extLst>
+              <a:ext uri="{FF2B5EF4-FFF2-40B4-BE49-F238E27FC236}">
+                <a16:creationId xmlns:a16="http://schemas.microsoft.com/office/drawing/2014/main" id="{3F594B3F-0E2C-2D9B-1043-392EF3EDC469}"/>
+              </a:ext>
+            </a:extLst>
+          </p:cNvPr>
+          <p:cNvSpPr/>
+          <p:nvPr/>
+        </p:nvSpPr>
+        <p:spPr>
+          <a:xfrm>
+            <a:off x="4281638" y="2305248"/>
+            <a:ext cx="1628274" cy="837399"/>
+          </a:xfrm>
+          <a:prstGeom prst="ellipse">
+            <a:avLst/>
+          </a:prstGeom>
+          <a:solidFill>
+            <a:schemeClr val="accent2"/>
+          </a:solidFill>
+        </p:spPr>
+        <p:style>
+          <a:lnRef idx="2">
+            <a:schemeClr val="accent1">
+              <a:shade val="15000"/>
+            </a:schemeClr>
+          </a:lnRef>
+          <a:fillRef idx="1">
+            <a:schemeClr val="accent1"/>
+          </a:fillRef>
+          <a:effectRef idx="0">
+            <a:schemeClr val="accent1"/>
+          </a:effectRef>
+          <a:fontRef idx="minor">
+            <a:schemeClr val="lt1"/>
+          </a:fontRef>
+        </p:style>
+        <p:txBody>
+          <a:bodyPr rtlCol="0" anchor="ctr"/>
+          <a:lstStyle/>
+          <a:p>
+            <a:pPr algn="ctr"/>
+            <a:r>
+              <a:rPr lang="en-NL" dirty="0"/>
+              <a:t>Distribution</a:t>
+            </a:r>
+          </a:p>
+        </p:txBody>
+      </p:sp>
+      <p:cxnSp>
+        <p:nvCxnSpPr>
+          <p:cNvPr id="7" name="Straight Arrow Connector 6">
+            <a:extLst>
+              <a:ext uri="{FF2B5EF4-FFF2-40B4-BE49-F238E27FC236}">
+                <a16:creationId xmlns:a16="http://schemas.microsoft.com/office/drawing/2014/main" id="{1FF3B1F6-42CC-9D7E-F146-5EF602881B11}"/>
+              </a:ext>
+            </a:extLst>
+          </p:cNvPr>
+          <p:cNvCxnSpPr>
+            <a:cxnSpLocks/>
+            <a:stCxn id="4" idx="6"/>
+            <a:endCxn id="5" idx="2"/>
+          </p:cNvCxnSpPr>
+          <p:nvPr/>
+        </p:nvCxnSpPr>
+        <p:spPr>
+          <a:xfrm flipV="1">
+            <a:off x="2550695" y="2723948"/>
+            <a:ext cx="1730943" cy="1"/>
+          </a:xfrm>
+          <a:prstGeom prst="straightConnector1">
+            <a:avLst/>
+          </a:prstGeom>
+          <a:ln>
+            <a:solidFill>
+              <a:schemeClr val="tx1"/>
+            </a:solidFill>
+            <a:tailEnd type="triangle"/>
+          </a:ln>
+        </p:spPr>
+        <p:style>
+          <a:lnRef idx="1">
+            <a:schemeClr val="accent1"/>
+          </a:lnRef>
+          <a:fillRef idx="0">
+            <a:schemeClr val="accent1"/>
+          </a:fillRef>
+          <a:effectRef idx="0">
+            <a:schemeClr val="accent1"/>
+          </a:effectRef>
+          <a:fontRef idx="minor">
+            <a:schemeClr val="tx1"/>
+          </a:fontRef>
+        </p:style>
+      </p:cxnSp>
+      <p:sp>
+        <p:nvSpPr>
+          <p:cNvPr id="8" name="TextBox 7">
+            <a:extLst>
+              <a:ext uri="{FF2B5EF4-FFF2-40B4-BE49-F238E27FC236}">
+                <a16:creationId xmlns:a16="http://schemas.microsoft.com/office/drawing/2014/main" id="{E8E73F4A-13B5-1415-15CB-FA031B84C78A}"/>
+              </a:ext>
+            </a:extLst>
+          </p:cNvPr>
+          <p:cNvSpPr txBox="1"/>
+          <p:nvPr/>
+        </p:nvSpPr>
+        <p:spPr>
+          <a:xfrm>
+            <a:off x="2706812" y="2435863"/>
+            <a:ext cx="1538794" cy="307777"/>
+          </a:xfrm>
+          <a:prstGeom prst="rect">
+            <a:avLst/>
+          </a:prstGeom>
+          <a:noFill/>
+        </p:spPr>
+        <p:txBody>
+          <a:bodyPr wrap="square" rtlCol="0">
+            <a:spAutoFit/>
+          </a:bodyPr>
+          <a:lstStyle/>
+          <a:p>
+            <a:r>
+              <a:rPr lang="en-NL" dirty="0"/>
+              <a:t>hasDistribution</a:t>
+            </a:r>
+          </a:p>
+        </p:txBody>
+      </p:sp>
+      <p:sp>
+        <p:nvSpPr>
+          <p:cNvPr id="9" name="Oval 8">
+            <a:extLst>
+              <a:ext uri="{FF2B5EF4-FFF2-40B4-BE49-F238E27FC236}">
+                <a16:creationId xmlns:a16="http://schemas.microsoft.com/office/drawing/2014/main" id="{4DFAD67E-0336-7EB2-B92A-BB426900C79D}"/>
+              </a:ext>
+            </a:extLst>
+          </p:cNvPr>
+          <p:cNvSpPr/>
+          <p:nvPr/>
+        </p:nvSpPr>
+        <p:spPr>
+          <a:xfrm>
+            <a:off x="1395663" y="3868694"/>
+            <a:ext cx="1155032" cy="712269"/>
+          </a:xfrm>
+          <a:prstGeom prst="ellipse">
+            <a:avLst/>
+          </a:prstGeom>
+          <a:solidFill>
+            <a:schemeClr val="accent5">
+              <a:lumMod val="20000"/>
+              <a:lumOff val="80000"/>
+            </a:schemeClr>
+          </a:solidFill>
+        </p:spPr>
+        <p:style>
+          <a:lnRef idx="2">
+            <a:schemeClr val="accent1">
+              <a:shade val="15000"/>
+            </a:schemeClr>
+          </a:lnRef>
+          <a:fillRef idx="1">
+            <a:schemeClr val="accent1"/>
+          </a:fillRef>
+          <a:effectRef idx="0">
+            <a:schemeClr val="accent1"/>
+          </a:effectRef>
+          <a:fontRef idx="minor">
+            <a:schemeClr val="lt1"/>
+          </a:fontRef>
+        </p:style>
+        <p:txBody>
+          <a:bodyPr rtlCol="0" anchor="ctr"/>
+          <a:lstStyle/>
+          <a:p>
+            <a:pPr algn="ctr"/>
+            <a:r>
+              <a:rPr lang="en-NL" dirty="0"/>
+              <a:t>Dataset-100</a:t>
+            </a:r>
+          </a:p>
+        </p:txBody>
+      </p:sp>
+      <p:cxnSp>
+        <p:nvCxnSpPr>
+          <p:cNvPr id="10" name="Straight Arrow Connector 9">
+            <a:extLst>
+              <a:ext uri="{FF2B5EF4-FFF2-40B4-BE49-F238E27FC236}">
+                <a16:creationId xmlns:a16="http://schemas.microsoft.com/office/drawing/2014/main" id="{54BC6067-0780-F0D9-FC89-2A6C7544BF31}"/>
+              </a:ext>
+            </a:extLst>
+          </p:cNvPr>
+          <p:cNvCxnSpPr>
+            <a:cxnSpLocks/>
+            <a:stCxn id="9" idx="0"/>
+            <a:endCxn id="4" idx="4"/>
+          </p:cNvCxnSpPr>
+          <p:nvPr/>
+        </p:nvCxnSpPr>
+        <p:spPr>
+          <a:xfrm flipV="1">
+            <a:off x="1973179" y="3080083"/>
+            <a:ext cx="0" cy="788611"/>
+          </a:xfrm>
+          <a:prstGeom prst="straightConnector1">
+            <a:avLst/>
+          </a:prstGeom>
+          <a:ln>
+            <a:tailEnd type="triangle"/>
+          </a:ln>
+        </p:spPr>
+        <p:style>
+          <a:lnRef idx="1">
+            <a:schemeClr val="accent1"/>
+          </a:lnRef>
+          <a:fillRef idx="0">
+            <a:schemeClr val="accent1"/>
+          </a:fillRef>
+          <a:effectRef idx="0">
+            <a:schemeClr val="accent1"/>
+          </a:effectRef>
+          <a:fontRef idx="minor">
+            <a:schemeClr val="tx1"/>
+          </a:fontRef>
+        </p:style>
+      </p:cxnSp>
+      <p:sp>
+        <p:nvSpPr>
+          <p:cNvPr id="15" name="TextBox 14">
+            <a:extLst>
+              <a:ext uri="{FF2B5EF4-FFF2-40B4-BE49-F238E27FC236}">
+                <a16:creationId xmlns:a16="http://schemas.microsoft.com/office/drawing/2014/main" id="{1A94D932-EC48-7923-BBBD-7A3D9BE481FF}"/>
+              </a:ext>
+            </a:extLst>
+          </p:cNvPr>
+          <p:cNvSpPr txBox="1"/>
+          <p:nvPr/>
+        </p:nvSpPr>
+        <p:spPr>
+          <a:xfrm>
+            <a:off x="4716409" y="3323880"/>
+            <a:ext cx="1538794" cy="307777"/>
+          </a:xfrm>
+          <a:prstGeom prst="rect">
+            <a:avLst/>
+          </a:prstGeom>
+          <a:noFill/>
+        </p:spPr>
+        <p:txBody>
+          <a:bodyPr wrap="square" rtlCol="0">
+            <a:spAutoFit/>
+          </a:bodyPr>
+          <a:lstStyle/>
+          <a:p>
+            <a:r>
+              <a:rPr lang="en-GB" dirty="0"/>
+              <a:t>r</a:t>
+            </a:r>
+            <a:r>
+              <a:rPr lang="en-NL" dirty="0"/>
+              <a:t>df:type</a:t>
+            </a:r>
+          </a:p>
+        </p:txBody>
+      </p:sp>
+      <p:sp>
+        <p:nvSpPr>
+          <p:cNvPr id="17" name="Oval 16">
+            <a:extLst>
+              <a:ext uri="{FF2B5EF4-FFF2-40B4-BE49-F238E27FC236}">
+                <a16:creationId xmlns:a16="http://schemas.microsoft.com/office/drawing/2014/main" id="{6C46C4E5-EAA3-A1E7-E214-B0E2BCB1D405}"/>
+              </a:ext>
+            </a:extLst>
+          </p:cNvPr>
+          <p:cNvSpPr/>
+          <p:nvPr/>
+        </p:nvSpPr>
+        <p:spPr>
+          <a:xfrm>
+            <a:off x="4303740" y="3949152"/>
+            <a:ext cx="1910177" cy="712269"/>
+          </a:xfrm>
+          <a:prstGeom prst="ellipse">
+            <a:avLst/>
+          </a:prstGeom>
+          <a:solidFill>
+            <a:schemeClr val="accent5">
+              <a:lumMod val="20000"/>
+              <a:lumOff val="80000"/>
+            </a:schemeClr>
+          </a:solidFill>
+        </p:spPr>
+        <p:style>
+          <a:lnRef idx="2">
+            <a:schemeClr val="accent1">
+              <a:shade val="15000"/>
+            </a:schemeClr>
+          </a:lnRef>
+          <a:fillRef idx="1">
+            <a:schemeClr val="accent1"/>
+          </a:fillRef>
+          <a:effectRef idx="0">
+            <a:schemeClr val="accent1"/>
+          </a:effectRef>
+          <a:fontRef idx="minor">
+            <a:schemeClr val="lt1"/>
+          </a:fontRef>
+        </p:style>
+        <p:txBody>
+          <a:bodyPr rtlCol="0" anchor="ctr"/>
+          <a:lstStyle/>
+          <a:p>
+            <a:pPr algn="ctr"/>
+            <a:r>
+              <a:rPr lang="en-NL" dirty="0"/>
+              <a:t>Distribution_X</a:t>
+            </a:r>
+          </a:p>
+        </p:txBody>
+      </p:sp>
+      <p:cxnSp>
+        <p:nvCxnSpPr>
+          <p:cNvPr id="18" name="Straight Arrow Connector 17">
+            <a:extLst>
+              <a:ext uri="{FF2B5EF4-FFF2-40B4-BE49-F238E27FC236}">
+                <a16:creationId xmlns:a16="http://schemas.microsoft.com/office/drawing/2014/main" id="{75A9D0AA-013F-2094-B2B5-AC57B347E95D}"/>
+              </a:ext>
+            </a:extLst>
+          </p:cNvPr>
+          <p:cNvCxnSpPr>
+            <a:cxnSpLocks/>
+          </p:cNvCxnSpPr>
+          <p:nvPr/>
+        </p:nvCxnSpPr>
+        <p:spPr>
+          <a:xfrm flipV="1">
+            <a:off x="5158428" y="3142647"/>
+            <a:ext cx="0" cy="788611"/>
+          </a:xfrm>
+          <a:prstGeom prst="straightConnector1">
+            <a:avLst/>
+          </a:prstGeom>
+          <a:ln>
+            <a:tailEnd type="triangle"/>
+          </a:ln>
+        </p:spPr>
+        <p:style>
+          <a:lnRef idx="1">
+            <a:schemeClr val="accent1"/>
+          </a:lnRef>
+          <a:fillRef idx="0">
+            <a:schemeClr val="accent1"/>
+          </a:fillRef>
+          <a:effectRef idx="0">
+            <a:schemeClr val="accent1"/>
+          </a:effectRef>
+          <a:fontRef idx="minor">
+            <a:schemeClr val="tx1"/>
+          </a:fontRef>
+        </p:style>
+      </p:cxnSp>
+      <p:sp>
+        <p:nvSpPr>
+          <p:cNvPr id="19" name="TextBox 18">
+            <a:extLst>
+              <a:ext uri="{FF2B5EF4-FFF2-40B4-BE49-F238E27FC236}">
+                <a16:creationId xmlns:a16="http://schemas.microsoft.com/office/drawing/2014/main" id="{DCACB125-D285-4387-3551-C66893866646}"/>
+              </a:ext>
+            </a:extLst>
+          </p:cNvPr>
+          <p:cNvSpPr txBox="1"/>
+          <p:nvPr/>
+        </p:nvSpPr>
+        <p:spPr>
+          <a:xfrm>
+            <a:off x="1781298" y="3358671"/>
+            <a:ext cx="1538794" cy="307777"/>
+          </a:xfrm>
+          <a:prstGeom prst="rect">
+            <a:avLst/>
+          </a:prstGeom>
+          <a:noFill/>
+        </p:spPr>
+        <p:txBody>
+          <a:bodyPr wrap="square" rtlCol="0">
+            <a:spAutoFit/>
+          </a:bodyPr>
+          <a:lstStyle/>
+          <a:p>
+            <a:r>
+              <a:rPr lang="en-GB" dirty="0"/>
+              <a:t>r</a:t>
+            </a:r>
+            <a:r>
+              <a:rPr lang="en-NL" dirty="0"/>
+              <a:t>df:type</a:t>
+            </a:r>
+          </a:p>
+        </p:txBody>
+      </p:sp>
+      <p:sp>
+        <p:nvSpPr>
+          <p:cNvPr id="20" name="TextBox 19">
+            <a:extLst>
+              <a:ext uri="{FF2B5EF4-FFF2-40B4-BE49-F238E27FC236}">
+                <a16:creationId xmlns:a16="http://schemas.microsoft.com/office/drawing/2014/main" id="{CFF5C808-81B1-1546-1802-808E137ED569}"/>
+              </a:ext>
+            </a:extLst>
+          </p:cNvPr>
+          <p:cNvSpPr txBox="1"/>
+          <p:nvPr/>
+        </p:nvSpPr>
+        <p:spPr>
+          <a:xfrm>
+            <a:off x="2764946" y="3924374"/>
+            <a:ext cx="1538794" cy="307777"/>
+          </a:xfrm>
+          <a:prstGeom prst="rect">
+            <a:avLst/>
+          </a:prstGeom>
+          <a:noFill/>
+        </p:spPr>
+        <p:txBody>
+          <a:bodyPr wrap="square" rtlCol="0">
+            <a:spAutoFit/>
+          </a:bodyPr>
+          <a:lstStyle/>
+          <a:p>
+            <a:r>
+              <a:rPr lang="en-NL" dirty="0"/>
+              <a:t>hasDistribution</a:t>
+            </a:r>
+          </a:p>
+        </p:txBody>
+      </p:sp>
+      <p:cxnSp>
+        <p:nvCxnSpPr>
+          <p:cNvPr id="21" name="Straight Arrow Connector 20">
+            <a:extLst>
+              <a:ext uri="{FF2B5EF4-FFF2-40B4-BE49-F238E27FC236}">
+                <a16:creationId xmlns:a16="http://schemas.microsoft.com/office/drawing/2014/main" id="{F24FBDF8-E624-14DC-8110-CC7AAD1FC9B6}"/>
+              </a:ext>
+            </a:extLst>
+          </p:cNvPr>
+          <p:cNvCxnSpPr/>
+          <p:nvPr/>
+        </p:nvCxnSpPr>
+        <p:spPr>
+          <a:xfrm>
+            <a:off x="2618072" y="4232151"/>
+            <a:ext cx="1663566" cy="1"/>
+          </a:xfrm>
+          <a:prstGeom prst="straightConnector1">
+            <a:avLst/>
+          </a:prstGeom>
+          <a:ln>
+            <a:solidFill>
+              <a:schemeClr val="tx1"/>
+            </a:solidFill>
+            <a:tailEnd type="triangle"/>
+          </a:ln>
+        </p:spPr>
+        <p:style>
+          <a:lnRef idx="1">
+            <a:schemeClr val="accent1"/>
+          </a:lnRef>
+          <a:fillRef idx="0">
+            <a:schemeClr val="accent1"/>
+          </a:fillRef>
+          <a:effectRef idx="0">
+            <a:schemeClr val="accent1"/>
+          </a:effectRef>
+          <a:fontRef idx="minor">
+            <a:schemeClr val="tx1"/>
+          </a:fontRef>
+        </p:style>
+      </p:cxnSp>
+      <p:sp>
+        <p:nvSpPr>
+          <p:cNvPr id="23" name="Rectangle 22">
+            <a:extLst>
+              <a:ext uri="{FF2B5EF4-FFF2-40B4-BE49-F238E27FC236}">
+                <a16:creationId xmlns:a16="http://schemas.microsoft.com/office/drawing/2014/main" id="{8F30AF2C-CEFF-E6F8-90CD-ADE53F3AF17D}"/>
+              </a:ext>
+            </a:extLst>
+          </p:cNvPr>
+          <p:cNvSpPr/>
+          <p:nvPr/>
+        </p:nvSpPr>
+        <p:spPr>
+          <a:xfrm>
+            <a:off x="1287157" y="3835317"/>
+            <a:ext cx="5428184" cy="1053423"/>
+          </a:xfrm>
+          <a:prstGeom prst="rect">
+            <a:avLst/>
+          </a:prstGeom>
+          <a:solidFill>
+            <a:schemeClr val="accent1">
+              <a:alpha val="14000"/>
+            </a:schemeClr>
+          </a:solidFill>
+        </p:spPr>
+        <p:style>
+          <a:lnRef idx="2">
+            <a:schemeClr val="accent1">
+              <a:shade val="15000"/>
+            </a:schemeClr>
+          </a:lnRef>
+          <a:fillRef idx="1">
+            <a:schemeClr val="accent1"/>
+          </a:fillRef>
+          <a:effectRef idx="0">
+            <a:schemeClr val="accent1"/>
+          </a:effectRef>
+          <a:fontRef idx="minor">
+            <a:schemeClr val="lt1"/>
+          </a:fontRef>
+        </p:style>
+        <p:txBody>
+          <a:bodyPr rtlCol="0" anchor="ctr"/>
+          <a:lstStyle/>
+          <a:p>
+            <a:pPr algn="ctr"/>
+            <a:endParaRPr lang="en-NL" dirty="0"/>
+          </a:p>
+        </p:txBody>
+      </p:sp>
+      <p:sp>
+        <p:nvSpPr>
+          <p:cNvPr id="24" name="TextBox 23">
+            <a:extLst>
+              <a:ext uri="{FF2B5EF4-FFF2-40B4-BE49-F238E27FC236}">
+                <a16:creationId xmlns:a16="http://schemas.microsoft.com/office/drawing/2014/main" id="{A41A468B-81DD-F32E-3404-352EA51B6046}"/>
+              </a:ext>
+            </a:extLst>
+          </p:cNvPr>
+          <p:cNvSpPr txBox="1"/>
+          <p:nvPr/>
+        </p:nvSpPr>
+        <p:spPr>
+          <a:xfrm>
+            <a:off x="42724" y="4068618"/>
+            <a:ext cx="851515" cy="307777"/>
+          </a:xfrm>
+          <a:prstGeom prst="rect">
+            <a:avLst/>
+          </a:prstGeom>
+          <a:noFill/>
+        </p:spPr>
+        <p:txBody>
+          <a:bodyPr wrap="none" rtlCol="0">
+            <a:spAutoFit/>
+          </a:bodyPr>
+          <a:lstStyle/>
+          <a:p>
+            <a:r>
+              <a:rPr lang="en-NL" dirty="0"/>
+              <a:t>instance</a:t>
+            </a:r>
+          </a:p>
+        </p:txBody>
+      </p:sp>
+      <p:sp>
+        <p:nvSpPr>
+          <p:cNvPr id="25" name="TextBox 24">
+            <a:extLst>
+              <a:ext uri="{FF2B5EF4-FFF2-40B4-BE49-F238E27FC236}">
+                <a16:creationId xmlns:a16="http://schemas.microsoft.com/office/drawing/2014/main" id="{2558D3B1-85D1-EC4E-0A4D-5607772DD758}"/>
+              </a:ext>
+            </a:extLst>
+          </p:cNvPr>
+          <p:cNvSpPr txBox="1"/>
+          <p:nvPr/>
+        </p:nvSpPr>
+        <p:spPr>
+          <a:xfrm>
+            <a:off x="0" y="2367814"/>
+            <a:ext cx="1516762" cy="307777"/>
+          </a:xfrm>
+          <a:prstGeom prst="rect">
+            <a:avLst/>
+          </a:prstGeom>
+          <a:noFill/>
+        </p:spPr>
+        <p:txBody>
+          <a:bodyPr wrap="none" rtlCol="0">
+            <a:spAutoFit/>
+          </a:bodyPr>
+          <a:lstStyle/>
+          <a:p>
+            <a:r>
+              <a:rPr lang="en-GB" dirty="0"/>
+              <a:t>m</a:t>
+            </a:r>
+            <a:r>
+              <a:rPr lang="en-NL" dirty="0"/>
+              <a:t>etadata model </a:t>
+            </a:r>
+          </a:p>
+        </p:txBody>
+      </p:sp>
+      <p:sp>
+        <p:nvSpPr>
+          <p:cNvPr id="26" name="Oval 25">
+            <a:extLst>
+              <a:ext uri="{FF2B5EF4-FFF2-40B4-BE49-F238E27FC236}">
+                <a16:creationId xmlns:a16="http://schemas.microsoft.com/office/drawing/2014/main" id="{2E6D54E8-FFE1-7FE7-BF7D-1CC9F91A6A31}"/>
+              </a:ext>
+            </a:extLst>
+          </p:cNvPr>
+          <p:cNvSpPr/>
+          <p:nvPr/>
+        </p:nvSpPr>
+        <p:spPr>
+          <a:xfrm>
+            <a:off x="7362702" y="3241484"/>
+            <a:ext cx="901320" cy="660681"/>
+          </a:xfrm>
+          <a:prstGeom prst="ellipse">
+            <a:avLst/>
+          </a:prstGeom>
+          <a:solidFill>
+            <a:schemeClr val="accent2"/>
+          </a:solidFill>
+        </p:spPr>
+        <p:style>
+          <a:lnRef idx="2">
+            <a:schemeClr val="accent1">
+              <a:shade val="15000"/>
+            </a:schemeClr>
+          </a:lnRef>
+          <a:fillRef idx="1">
+            <a:schemeClr val="accent1"/>
+          </a:fillRef>
+          <a:effectRef idx="0">
+            <a:schemeClr val="accent1"/>
+          </a:effectRef>
+          <a:fontRef idx="minor">
+            <a:schemeClr val="lt1"/>
+          </a:fontRef>
+        </p:style>
+        <p:txBody>
+          <a:bodyPr rtlCol="0" anchor="ctr"/>
+          <a:lstStyle/>
+          <a:p>
+            <a:pPr algn="ctr"/>
+            <a:endParaRPr lang="en-NL" dirty="0"/>
+          </a:p>
+        </p:txBody>
+      </p:sp>
+      <p:sp>
+        <p:nvSpPr>
+          <p:cNvPr id="28" name="Oval 27">
+            <a:extLst>
+              <a:ext uri="{FF2B5EF4-FFF2-40B4-BE49-F238E27FC236}">
+                <a16:creationId xmlns:a16="http://schemas.microsoft.com/office/drawing/2014/main" id="{1B3B99AD-9694-C63E-29A2-047510612917}"/>
+              </a:ext>
+            </a:extLst>
+          </p:cNvPr>
+          <p:cNvSpPr/>
+          <p:nvPr/>
+        </p:nvSpPr>
+        <p:spPr>
+          <a:xfrm>
+            <a:off x="7378726" y="3977344"/>
+            <a:ext cx="901320" cy="712269"/>
+          </a:xfrm>
+          <a:prstGeom prst="ellipse">
+            <a:avLst/>
+          </a:prstGeom>
+          <a:solidFill>
+            <a:schemeClr val="accent5">
+              <a:lumMod val="20000"/>
+              <a:lumOff val="80000"/>
+            </a:schemeClr>
+          </a:solidFill>
+        </p:spPr>
+        <p:style>
+          <a:lnRef idx="2">
+            <a:schemeClr val="accent1">
+              <a:shade val="15000"/>
+            </a:schemeClr>
+          </a:lnRef>
+          <a:fillRef idx="1">
+            <a:schemeClr val="accent1"/>
+          </a:fillRef>
+          <a:effectRef idx="0">
+            <a:schemeClr val="accent1"/>
+          </a:effectRef>
+          <a:fontRef idx="minor">
+            <a:schemeClr val="lt1"/>
+          </a:fontRef>
+        </p:style>
+        <p:txBody>
+          <a:bodyPr rtlCol="0" anchor="ctr"/>
+          <a:lstStyle/>
+          <a:p>
+            <a:pPr algn="ctr"/>
+            <a:endParaRPr lang="en-NL" dirty="0"/>
+          </a:p>
+        </p:txBody>
+      </p:sp>
+      <p:sp>
+        <p:nvSpPr>
+          <p:cNvPr id="29" name="TextBox 28">
+            <a:extLst>
+              <a:ext uri="{FF2B5EF4-FFF2-40B4-BE49-F238E27FC236}">
+                <a16:creationId xmlns:a16="http://schemas.microsoft.com/office/drawing/2014/main" id="{6BAD4D12-7D0E-D742-356F-45DF7CE5AE14}"/>
+              </a:ext>
+            </a:extLst>
+          </p:cNvPr>
+          <p:cNvSpPr txBox="1"/>
+          <p:nvPr/>
+        </p:nvSpPr>
+        <p:spPr>
+          <a:xfrm>
+            <a:off x="8343677" y="3382862"/>
+            <a:ext cx="774571" cy="307777"/>
+          </a:xfrm>
+          <a:prstGeom prst="rect">
+            <a:avLst/>
+          </a:prstGeom>
+          <a:noFill/>
+        </p:spPr>
+        <p:txBody>
+          <a:bodyPr wrap="none" rtlCol="0">
+            <a:spAutoFit/>
+          </a:bodyPr>
+          <a:lstStyle/>
+          <a:p>
+            <a:r>
+              <a:rPr lang="en-US" dirty="0"/>
+              <a:t>CLASS</a:t>
+            </a:r>
+            <a:endParaRPr lang="en-NL" dirty="0"/>
+          </a:p>
+        </p:txBody>
+      </p:sp>
+      <p:sp>
+        <p:nvSpPr>
+          <p:cNvPr id="30" name="TextBox 29">
+            <a:extLst>
+              <a:ext uri="{FF2B5EF4-FFF2-40B4-BE49-F238E27FC236}">
+                <a16:creationId xmlns:a16="http://schemas.microsoft.com/office/drawing/2014/main" id="{1DD3A3C7-346E-A590-A46A-3617A86386A2}"/>
+              </a:ext>
+            </a:extLst>
+          </p:cNvPr>
+          <p:cNvSpPr txBox="1"/>
+          <p:nvPr/>
+        </p:nvSpPr>
+        <p:spPr>
+          <a:xfrm>
+            <a:off x="8300395" y="4151397"/>
+            <a:ext cx="861133" cy="307777"/>
+          </a:xfrm>
+          <a:prstGeom prst="rect">
+            <a:avLst/>
+          </a:prstGeom>
+          <a:noFill/>
+        </p:spPr>
+        <p:txBody>
+          <a:bodyPr wrap="none" rtlCol="0">
+            <a:spAutoFit/>
+          </a:bodyPr>
+          <a:lstStyle/>
+          <a:p>
+            <a:r>
+              <a:rPr lang="en-US" dirty="0"/>
+              <a:t>Instance</a:t>
+            </a:r>
+            <a:endParaRPr lang="en-NL" dirty="0"/>
+          </a:p>
+        </p:txBody>
+      </p:sp>
+      <p:cxnSp>
+        <p:nvCxnSpPr>
+          <p:cNvPr id="31" name="Straight Arrow Connector 30">
+            <a:extLst>
+              <a:ext uri="{FF2B5EF4-FFF2-40B4-BE49-F238E27FC236}">
+                <a16:creationId xmlns:a16="http://schemas.microsoft.com/office/drawing/2014/main" id="{80E4195E-972A-9986-DDC8-E0D3FFEF8CB8}"/>
+              </a:ext>
+            </a:extLst>
+          </p:cNvPr>
+          <p:cNvCxnSpPr>
+            <a:cxnSpLocks/>
+          </p:cNvCxnSpPr>
+          <p:nvPr/>
+        </p:nvCxnSpPr>
+        <p:spPr>
+          <a:xfrm flipV="1">
+            <a:off x="7366387" y="4823680"/>
+            <a:ext cx="1099145" cy="4726"/>
+          </a:xfrm>
+          <a:prstGeom prst="straightConnector1">
+            <a:avLst/>
+          </a:prstGeom>
+          <a:ln>
+            <a:solidFill>
+              <a:schemeClr val="tx1"/>
+            </a:solidFill>
+            <a:tailEnd type="triangle"/>
+          </a:ln>
+        </p:spPr>
+        <p:style>
+          <a:lnRef idx="1">
+            <a:schemeClr val="accent1"/>
+          </a:lnRef>
+          <a:fillRef idx="0">
+            <a:schemeClr val="accent1"/>
+          </a:fillRef>
+          <a:effectRef idx="0">
+            <a:schemeClr val="accent1"/>
+          </a:effectRef>
+          <a:fontRef idx="minor">
+            <a:schemeClr val="tx1"/>
+          </a:fontRef>
+        </p:style>
+      </p:cxnSp>
+      <p:sp>
+        <p:nvSpPr>
+          <p:cNvPr id="33" name="TextBox 32">
+            <a:extLst>
+              <a:ext uri="{FF2B5EF4-FFF2-40B4-BE49-F238E27FC236}">
+                <a16:creationId xmlns:a16="http://schemas.microsoft.com/office/drawing/2014/main" id="{AC5F3E32-FAFD-D80B-3702-E44956840104}"/>
+              </a:ext>
+            </a:extLst>
+          </p:cNvPr>
+          <p:cNvSpPr txBox="1"/>
+          <p:nvPr/>
+        </p:nvSpPr>
+        <p:spPr>
+          <a:xfrm>
+            <a:off x="8513465" y="4643490"/>
+            <a:ext cx="981359" cy="307777"/>
+          </a:xfrm>
+          <a:prstGeom prst="rect">
+            <a:avLst/>
+          </a:prstGeom>
+          <a:noFill/>
+        </p:spPr>
+        <p:txBody>
+          <a:bodyPr wrap="none" rtlCol="0">
+            <a:spAutoFit/>
+          </a:bodyPr>
+          <a:lstStyle/>
+          <a:p>
+            <a:r>
+              <a:rPr lang="en-US" dirty="0"/>
+              <a:t>Relations </a:t>
+            </a:r>
             <a:endParaRPr lang="en-NL" dirty="0"/>
           </a:p>
         </p:txBody>
@@ -14232,7 +17352,7 @@
     </p:spTree>
     <p:extLst>
       <p:ext uri="{BB962C8B-B14F-4D97-AF65-F5344CB8AC3E}">
-        <p14:creationId xmlns:p14="http://schemas.microsoft.com/office/powerpoint/2010/main" val="1240141395"/>
+        <p14:creationId xmlns:p14="http://schemas.microsoft.com/office/powerpoint/2010/main" val="553191039"/>
       </p:ext>
     </p:extLst>
   </p:cSld>
@@ -14247,7 +17367,7 @@
   <p:cSld>
     <p:spTree>
       <p:nvGrpSpPr>
-        <p:cNvPr id="1" name="Shape 171"/>
+        <p:cNvPr id="1" name=""/>
         <p:cNvGrpSpPr/>
         <p:nvPr/>
       </p:nvGrpSpPr>
@@ -14261,3141 +17381,72 @@
       </p:grpSpPr>
       <p:sp>
         <p:nvSpPr>
-          <p:cNvPr id="172" name="Google Shape;172;p26"/>
-          <p:cNvSpPr/>
-          <p:nvPr/>
-        </p:nvSpPr>
-        <p:spPr>
-          <a:xfrm rot="188886">
-            <a:off x="7535786" y="532524"/>
-            <a:ext cx="961451" cy="1098000"/>
-          </a:xfrm>
-          <a:prstGeom prst="teardrop">
-            <a:avLst>
-              <a:gd name="adj" fmla="val 125256"/>
-            </a:avLst>
-          </a:prstGeom>
-          <a:solidFill>
-            <a:srgbClr val="FFD966"/>
-          </a:solidFill>
-          <a:ln w="9525" cap="flat" cmpd="sng">
-            <a:solidFill>
-              <a:schemeClr val="dk2"/>
-            </a:solidFill>
-            <a:prstDash val="solid"/>
-            <a:round/>
-            <a:headEnd type="none" w="sm" len="sm"/>
-            <a:tailEnd type="none" w="sm" len="sm"/>
-          </a:ln>
-        </p:spPr>
-        <p:txBody>
-          <a:bodyPr spcFirstLastPara="1" wrap="square" lIns="91425" tIns="91425" rIns="91425" bIns="91425" anchor="t" anchorCtr="0">
-            <a:noAutofit/>
-          </a:bodyPr>
-          <a:lstStyle/>
-          <a:p>
-            <a:pPr marL="0" lvl="0" indent="0" algn="r" rtl="0">
-              <a:spcBef>
-                <a:spcPts val="0"/>
-              </a:spcBef>
-              <a:spcAft>
-                <a:spcPts val="0"/>
-              </a:spcAft>
-              <a:buNone/>
-            </a:pPr>
-            <a:r>
-              <a:rPr lang="en-GB">
-                <a:solidFill>
-                  <a:schemeClr val="dk2"/>
-                </a:solidFill>
-                <a:latin typeface="Roboto"/>
-                <a:ea typeface="Roboto"/>
-                <a:cs typeface="Roboto"/>
-                <a:sym typeface="Roboto"/>
-              </a:rPr>
-              <a:t>NWO</a:t>
-            </a:r>
-            <a:endParaRPr>
-              <a:solidFill>
-                <a:schemeClr val="dk2"/>
-              </a:solidFill>
-              <a:latin typeface="Roboto"/>
-              <a:ea typeface="Roboto"/>
-              <a:cs typeface="Roboto"/>
-              <a:sym typeface="Roboto"/>
-            </a:endParaRPr>
-          </a:p>
-        </p:txBody>
-      </p:sp>
-      <p:sp>
-        <p:nvSpPr>
-          <p:cNvPr id="173" name="Google Shape;173;p26"/>
-          <p:cNvSpPr/>
-          <p:nvPr/>
-        </p:nvSpPr>
-        <p:spPr>
-          <a:xfrm rot="-10187366">
-            <a:off x="3639178" y="3780897"/>
-            <a:ext cx="1076346" cy="1098944"/>
-          </a:xfrm>
-          <a:prstGeom prst="teardrop">
-            <a:avLst>
-              <a:gd name="adj" fmla="val 125256"/>
-            </a:avLst>
-          </a:prstGeom>
-          <a:solidFill>
-            <a:srgbClr val="FFD966"/>
-          </a:solidFill>
-          <a:ln w="9525" cap="flat" cmpd="sng">
-            <a:solidFill>
-              <a:schemeClr val="dk2"/>
-            </a:solidFill>
-            <a:prstDash val="solid"/>
-            <a:round/>
-            <a:headEnd type="none" w="sm" len="sm"/>
-            <a:tailEnd type="none" w="sm" len="sm"/>
-          </a:ln>
-        </p:spPr>
-        <p:txBody>
-          <a:bodyPr spcFirstLastPara="1" wrap="square" lIns="91425" tIns="91425" rIns="91425" bIns="91425" anchor="ctr" anchorCtr="0">
-            <a:noAutofit/>
-          </a:bodyPr>
-          <a:lstStyle/>
-          <a:p>
-            <a:pPr marL="0" lvl="0" indent="0" algn="l" rtl="0">
-              <a:spcBef>
-                <a:spcPts val="0"/>
-              </a:spcBef>
-              <a:spcAft>
-                <a:spcPts val="0"/>
-              </a:spcAft>
-              <a:buNone/>
-            </a:pPr>
-            <a:endParaRPr>
-              <a:solidFill>
-                <a:schemeClr val="dk2"/>
-              </a:solidFill>
-              <a:latin typeface="Roboto"/>
-              <a:ea typeface="Roboto"/>
-              <a:cs typeface="Roboto"/>
-              <a:sym typeface="Roboto"/>
-            </a:endParaRPr>
-          </a:p>
-        </p:txBody>
-      </p:sp>
-      <p:sp>
-        <p:nvSpPr>
-          <p:cNvPr id="174" name="Google Shape;174;p26"/>
-          <p:cNvSpPr/>
-          <p:nvPr/>
-        </p:nvSpPr>
-        <p:spPr>
-          <a:xfrm rot="-5782781" flipH="1">
-            <a:off x="5182097" y="3663494"/>
-            <a:ext cx="961152" cy="1098173"/>
-          </a:xfrm>
-          <a:prstGeom prst="teardrop">
-            <a:avLst>
-              <a:gd name="adj" fmla="val 125256"/>
-            </a:avLst>
-          </a:prstGeom>
-          <a:solidFill>
-            <a:srgbClr val="FFD966"/>
-          </a:solidFill>
-          <a:ln w="9525" cap="flat" cmpd="sng">
-            <a:solidFill>
-              <a:schemeClr val="dk2"/>
-            </a:solidFill>
-            <a:prstDash val="solid"/>
-            <a:round/>
-            <a:headEnd type="none" w="sm" len="sm"/>
-            <a:tailEnd type="none" w="sm" len="sm"/>
-          </a:ln>
-        </p:spPr>
-        <p:txBody>
-          <a:bodyPr spcFirstLastPara="1" wrap="square" lIns="91425" tIns="91425" rIns="91425" bIns="91425" anchor="ctr" anchorCtr="0">
-            <a:noAutofit/>
-          </a:bodyPr>
-          <a:lstStyle/>
-          <a:p>
-            <a:pPr marL="0" lvl="0" indent="0" algn="l" rtl="0">
-              <a:spcBef>
-                <a:spcPts val="0"/>
-              </a:spcBef>
-              <a:spcAft>
-                <a:spcPts val="0"/>
-              </a:spcAft>
-              <a:buNone/>
-            </a:pPr>
-            <a:endParaRPr>
-              <a:solidFill>
-                <a:schemeClr val="dk2"/>
-              </a:solidFill>
-              <a:latin typeface="Roboto"/>
-              <a:ea typeface="Roboto"/>
-              <a:cs typeface="Roboto"/>
-              <a:sym typeface="Roboto"/>
-            </a:endParaRPr>
-          </a:p>
-        </p:txBody>
-      </p:sp>
-      <p:sp>
-        <p:nvSpPr>
-          <p:cNvPr id="175" name="Google Shape;175;p26"/>
-          <p:cNvSpPr/>
-          <p:nvPr/>
-        </p:nvSpPr>
-        <p:spPr>
-          <a:xfrm rot="-7678441">
-            <a:off x="3870187" y="3079519"/>
-            <a:ext cx="959038" cy="1101818"/>
-          </a:xfrm>
-          <a:prstGeom prst="teardrop">
-            <a:avLst>
-              <a:gd name="adj" fmla="val 125256"/>
-            </a:avLst>
-          </a:prstGeom>
-          <a:solidFill>
-            <a:srgbClr val="FFD966"/>
-          </a:solidFill>
-          <a:ln w="9525" cap="flat" cmpd="sng">
-            <a:solidFill>
-              <a:schemeClr val="dk2"/>
-            </a:solidFill>
-            <a:prstDash val="solid"/>
-            <a:round/>
-            <a:headEnd type="none" w="sm" len="sm"/>
-            <a:tailEnd type="none" w="sm" len="sm"/>
-          </a:ln>
-        </p:spPr>
-        <p:txBody>
-          <a:bodyPr spcFirstLastPara="1" wrap="square" lIns="91425" tIns="91425" rIns="91425" bIns="91425" anchor="ctr" anchorCtr="0">
-            <a:noAutofit/>
-          </a:bodyPr>
-          <a:lstStyle/>
-          <a:p>
-            <a:pPr marL="0" lvl="0" indent="0" algn="l" rtl="0">
-              <a:spcBef>
-                <a:spcPts val="0"/>
-              </a:spcBef>
-              <a:spcAft>
-                <a:spcPts val="0"/>
-              </a:spcAft>
-              <a:buNone/>
-            </a:pPr>
-            <a:endParaRPr>
-              <a:solidFill>
-                <a:schemeClr val="dk2"/>
-              </a:solidFill>
-              <a:latin typeface="Roboto"/>
-              <a:ea typeface="Roboto"/>
-              <a:cs typeface="Roboto"/>
-              <a:sym typeface="Roboto"/>
-            </a:endParaRPr>
-          </a:p>
-        </p:txBody>
-      </p:sp>
-      <p:sp>
-        <p:nvSpPr>
-          <p:cNvPr id="176" name="Google Shape;176;p26"/>
-          <p:cNvSpPr/>
-          <p:nvPr/>
-        </p:nvSpPr>
-        <p:spPr>
-          <a:xfrm rot="8683438">
-            <a:off x="4241131" y="3802569"/>
-            <a:ext cx="946986" cy="1112827"/>
-          </a:xfrm>
-          <a:prstGeom prst="teardrop">
-            <a:avLst>
-              <a:gd name="adj" fmla="val 125256"/>
-            </a:avLst>
-          </a:prstGeom>
-          <a:solidFill>
-            <a:srgbClr val="FFD966"/>
-          </a:solidFill>
-          <a:ln w="9525" cap="flat" cmpd="sng">
-            <a:solidFill>
-              <a:schemeClr val="dk2"/>
-            </a:solidFill>
-            <a:prstDash val="solid"/>
-            <a:round/>
-            <a:headEnd type="none" w="sm" len="sm"/>
-            <a:tailEnd type="none" w="sm" len="sm"/>
-          </a:ln>
-        </p:spPr>
-        <p:txBody>
-          <a:bodyPr spcFirstLastPara="1" wrap="square" lIns="91425" tIns="91425" rIns="91425" bIns="91425" anchor="ctr" anchorCtr="0">
-            <a:noAutofit/>
-          </a:bodyPr>
-          <a:lstStyle/>
-          <a:p>
-            <a:pPr marL="0" lvl="0" indent="0" algn="l" rtl="0">
-              <a:spcBef>
-                <a:spcPts val="0"/>
-              </a:spcBef>
-              <a:spcAft>
-                <a:spcPts val="0"/>
-              </a:spcAft>
-              <a:buNone/>
-            </a:pPr>
-            <a:endParaRPr>
-              <a:solidFill>
-                <a:schemeClr val="dk2"/>
-              </a:solidFill>
-              <a:latin typeface="Roboto"/>
-              <a:ea typeface="Roboto"/>
-              <a:cs typeface="Roboto"/>
-              <a:sym typeface="Roboto"/>
-            </a:endParaRPr>
-          </a:p>
-        </p:txBody>
-      </p:sp>
-      <p:sp>
-        <p:nvSpPr>
-          <p:cNvPr id="177" name="Google Shape;177;p26"/>
-          <p:cNvSpPr/>
-          <p:nvPr/>
-        </p:nvSpPr>
-        <p:spPr>
-          <a:xfrm rot="-9533352" flipH="1">
-            <a:off x="6800839" y="3192541"/>
-            <a:ext cx="942881" cy="1118766"/>
-          </a:xfrm>
-          <a:prstGeom prst="teardrop">
-            <a:avLst>
-              <a:gd name="adj" fmla="val 125256"/>
-            </a:avLst>
-          </a:prstGeom>
-          <a:solidFill>
-            <a:srgbClr val="FFD966"/>
-          </a:solidFill>
-          <a:ln w="9525" cap="flat" cmpd="sng">
-            <a:solidFill>
-              <a:schemeClr val="dk2"/>
-            </a:solidFill>
-            <a:prstDash val="solid"/>
-            <a:round/>
-            <a:headEnd type="none" w="sm" len="sm"/>
-            <a:tailEnd type="none" w="sm" len="sm"/>
-          </a:ln>
-        </p:spPr>
-        <p:txBody>
-          <a:bodyPr spcFirstLastPara="1" wrap="square" lIns="91425" tIns="91425" rIns="91425" bIns="91425" anchor="ctr" anchorCtr="0">
-            <a:noAutofit/>
-          </a:bodyPr>
-          <a:lstStyle/>
-          <a:p>
-            <a:pPr marL="0" lvl="0" indent="0" algn="l" rtl="0">
-              <a:spcBef>
-                <a:spcPts val="0"/>
-              </a:spcBef>
-              <a:spcAft>
-                <a:spcPts val="0"/>
-              </a:spcAft>
-              <a:buNone/>
-            </a:pPr>
-            <a:endParaRPr>
-              <a:solidFill>
-                <a:schemeClr val="dk2"/>
-              </a:solidFill>
-              <a:latin typeface="Roboto"/>
-              <a:ea typeface="Roboto"/>
-              <a:cs typeface="Roboto"/>
-              <a:sym typeface="Roboto"/>
-            </a:endParaRPr>
-          </a:p>
-        </p:txBody>
-      </p:sp>
-      <p:sp>
-        <p:nvSpPr>
-          <p:cNvPr id="178" name="Google Shape;178;p26"/>
-          <p:cNvSpPr/>
-          <p:nvPr/>
-        </p:nvSpPr>
-        <p:spPr>
-          <a:xfrm rot="-767528">
-            <a:off x="6852525" y="635408"/>
-            <a:ext cx="941673" cy="1120509"/>
-          </a:xfrm>
-          <a:prstGeom prst="teardrop">
-            <a:avLst>
-              <a:gd name="adj" fmla="val 125256"/>
-            </a:avLst>
-          </a:prstGeom>
-          <a:solidFill>
-            <a:srgbClr val="FFD966"/>
-          </a:solidFill>
-          <a:ln w="9525" cap="flat" cmpd="sng">
-            <a:solidFill>
-              <a:schemeClr val="dk2"/>
-            </a:solidFill>
-            <a:prstDash val="solid"/>
-            <a:round/>
-            <a:headEnd type="none" w="sm" len="sm"/>
-            <a:tailEnd type="none" w="sm" len="sm"/>
-          </a:ln>
-        </p:spPr>
-        <p:txBody>
-          <a:bodyPr spcFirstLastPara="1" wrap="square" lIns="91425" tIns="91425" rIns="91425" bIns="91425" anchor="t" anchorCtr="0">
-            <a:noAutofit/>
-          </a:bodyPr>
-          <a:lstStyle/>
-          <a:p>
-            <a:pPr marL="0" lvl="0" indent="0" algn="r" rtl="0">
-              <a:spcBef>
-                <a:spcPts val="0"/>
-              </a:spcBef>
-              <a:spcAft>
-                <a:spcPts val="0"/>
-              </a:spcAft>
-              <a:buNone/>
-            </a:pPr>
-            <a:r>
-              <a:rPr lang="en-GB">
-                <a:solidFill>
-                  <a:schemeClr val="dk2"/>
-                </a:solidFill>
-                <a:latin typeface="Roboto"/>
-                <a:ea typeface="Roboto"/>
-                <a:cs typeface="Roboto"/>
-                <a:sym typeface="Roboto"/>
-              </a:rPr>
-              <a:t>KWF</a:t>
-            </a:r>
-            <a:endParaRPr>
-              <a:solidFill>
-                <a:schemeClr val="dk2"/>
-              </a:solidFill>
-              <a:latin typeface="Roboto"/>
-              <a:ea typeface="Roboto"/>
-              <a:cs typeface="Roboto"/>
-              <a:sym typeface="Roboto"/>
-            </a:endParaRPr>
-          </a:p>
-        </p:txBody>
-      </p:sp>
-      <p:sp>
-        <p:nvSpPr>
-          <p:cNvPr id="179" name="Google Shape;179;p26"/>
-          <p:cNvSpPr/>
-          <p:nvPr/>
-        </p:nvSpPr>
-        <p:spPr>
-          <a:xfrm rot="-2369681" flipH="1">
-            <a:off x="3213005" y="1719928"/>
-            <a:ext cx="948575" cy="1114175"/>
-          </a:xfrm>
-          <a:prstGeom prst="teardrop">
-            <a:avLst>
-              <a:gd name="adj" fmla="val 125256"/>
-            </a:avLst>
-          </a:prstGeom>
-          <a:solidFill>
-            <a:srgbClr val="FFD966"/>
-          </a:solidFill>
-          <a:ln w="9525" cap="flat" cmpd="sng">
-            <a:solidFill>
-              <a:schemeClr val="dk2"/>
-            </a:solidFill>
-            <a:prstDash val="solid"/>
-            <a:round/>
-            <a:headEnd type="none" w="sm" len="sm"/>
-            <a:tailEnd type="none" w="sm" len="sm"/>
-          </a:ln>
-        </p:spPr>
-        <p:txBody>
-          <a:bodyPr spcFirstLastPara="1" wrap="square" lIns="91425" tIns="91425" rIns="91425" bIns="91425" anchor="ctr" anchorCtr="0">
-            <a:noAutofit/>
-          </a:bodyPr>
-          <a:lstStyle/>
-          <a:p>
-            <a:pPr marL="0" lvl="0" indent="0" algn="l" rtl="0">
-              <a:spcBef>
-                <a:spcPts val="0"/>
-              </a:spcBef>
-              <a:spcAft>
-                <a:spcPts val="0"/>
-              </a:spcAft>
-              <a:buNone/>
-            </a:pPr>
-            <a:endParaRPr>
-              <a:solidFill>
-                <a:schemeClr val="dk2"/>
-              </a:solidFill>
-              <a:latin typeface="Roboto"/>
-              <a:ea typeface="Roboto"/>
-              <a:cs typeface="Roboto"/>
-              <a:sym typeface="Roboto"/>
-            </a:endParaRPr>
-          </a:p>
-        </p:txBody>
-      </p:sp>
-      <p:sp>
-        <p:nvSpPr>
-          <p:cNvPr id="180" name="Google Shape;180;p26"/>
-          <p:cNvSpPr/>
-          <p:nvPr/>
-        </p:nvSpPr>
-        <p:spPr>
-          <a:xfrm rot="-10082504">
-            <a:off x="3377526" y="2202219"/>
-            <a:ext cx="941124" cy="1122094"/>
-          </a:xfrm>
-          <a:prstGeom prst="teardrop">
-            <a:avLst>
-              <a:gd name="adj" fmla="val 125256"/>
-            </a:avLst>
-          </a:prstGeom>
-          <a:solidFill>
-            <a:srgbClr val="FFD966"/>
-          </a:solidFill>
-          <a:ln w="9525" cap="flat" cmpd="sng">
-            <a:solidFill>
-              <a:schemeClr val="dk2"/>
-            </a:solidFill>
-            <a:prstDash val="solid"/>
-            <a:round/>
-            <a:headEnd type="none" w="sm" len="sm"/>
-            <a:tailEnd type="none" w="sm" len="sm"/>
-          </a:ln>
-        </p:spPr>
-        <p:txBody>
-          <a:bodyPr spcFirstLastPara="1" wrap="square" lIns="91425" tIns="91425" rIns="91425" bIns="91425" anchor="ctr" anchorCtr="0">
-            <a:noAutofit/>
-          </a:bodyPr>
-          <a:lstStyle/>
-          <a:p>
-            <a:pPr marL="0" lvl="0" indent="0" algn="l" rtl="0">
-              <a:spcBef>
-                <a:spcPts val="0"/>
-              </a:spcBef>
-              <a:spcAft>
-                <a:spcPts val="0"/>
-              </a:spcAft>
-              <a:buNone/>
-            </a:pPr>
-            <a:endParaRPr>
-              <a:solidFill>
-                <a:schemeClr val="dk2"/>
-              </a:solidFill>
-              <a:latin typeface="Roboto"/>
-              <a:ea typeface="Roboto"/>
-              <a:cs typeface="Roboto"/>
-              <a:sym typeface="Roboto"/>
-            </a:endParaRPr>
-          </a:p>
-        </p:txBody>
-      </p:sp>
-      <p:sp>
-        <p:nvSpPr>
-          <p:cNvPr id="181" name="Google Shape;181;p26"/>
-          <p:cNvSpPr/>
-          <p:nvPr/>
-        </p:nvSpPr>
-        <p:spPr>
-          <a:xfrm rot="3579564">
-            <a:off x="7021070" y="2783030"/>
-            <a:ext cx="955578" cy="1105718"/>
-          </a:xfrm>
-          <a:prstGeom prst="teardrop">
-            <a:avLst>
-              <a:gd name="adj" fmla="val 125256"/>
-            </a:avLst>
-          </a:prstGeom>
-          <a:solidFill>
-            <a:srgbClr val="FFD966"/>
-          </a:solidFill>
-          <a:ln w="9525" cap="flat" cmpd="sng">
-            <a:solidFill>
-              <a:schemeClr val="dk2"/>
-            </a:solidFill>
-            <a:prstDash val="solid"/>
-            <a:round/>
-            <a:headEnd type="none" w="sm" len="sm"/>
-            <a:tailEnd type="none" w="sm" len="sm"/>
-          </a:ln>
-        </p:spPr>
-        <p:txBody>
-          <a:bodyPr spcFirstLastPara="1" wrap="square" lIns="91425" tIns="91425" rIns="91425" bIns="91425" anchor="ctr" anchorCtr="0">
-            <a:noAutofit/>
-          </a:bodyPr>
-          <a:lstStyle/>
-          <a:p>
-            <a:pPr marL="0" lvl="0" indent="0" algn="l" rtl="0">
-              <a:spcBef>
-                <a:spcPts val="0"/>
-              </a:spcBef>
-              <a:spcAft>
-                <a:spcPts val="0"/>
-              </a:spcAft>
-              <a:buNone/>
-            </a:pPr>
-            <a:endParaRPr>
-              <a:solidFill>
-                <a:schemeClr val="dk2"/>
-              </a:solidFill>
-              <a:latin typeface="Roboto"/>
-              <a:ea typeface="Roboto"/>
-              <a:cs typeface="Roboto"/>
-              <a:sym typeface="Roboto"/>
-            </a:endParaRPr>
-          </a:p>
-        </p:txBody>
-      </p:sp>
-      <p:sp>
-        <p:nvSpPr>
-          <p:cNvPr id="182" name="Google Shape;182;p26"/>
-          <p:cNvSpPr/>
-          <p:nvPr/>
-        </p:nvSpPr>
-        <p:spPr>
-          <a:xfrm rot="6342551">
-            <a:off x="5949195" y="3628624"/>
-            <a:ext cx="959540" cy="1098913"/>
-          </a:xfrm>
-          <a:prstGeom prst="teardrop">
-            <a:avLst>
-              <a:gd name="adj" fmla="val 125256"/>
-            </a:avLst>
-          </a:prstGeom>
-          <a:solidFill>
-            <a:srgbClr val="FFD966"/>
-          </a:solidFill>
-          <a:ln w="9525" cap="flat" cmpd="sng">
-            <a:solidFill>
-              <a:schemeClr val="dk2"/>
-            </a:solidFill>
-            <a:prstDash val="solid"/>
-            <a:round/>
-            <a:headEnd type="none" w="sm" len="sm"/>
-            <a:tailEnd type="none" w="sm" len="sm"/>
-          </a:ln>
-        </p:spPr>
-        <p:txBody>
-          <a:bodyPr spcFirstLastPara="1" wrap="square" lIns="91425" tIns="91425" rIns="91425" bIns="91425" anchor="ctr" anchorCtr="0">
-            <a:noAutofit/>
-          </a:bodyPr>
-          <a:lstStyle/>
-          <a:p>
-            <a:pPr marL="0" lvl="0" indent="0" algn="l" rtl="0">
-              <a:spcBef>
-                <a:spcPts val="0"/>
-              </a:spcBef>
-              <a:spcAft>
-                <a:spcPts val="0"/>
-              </a:spcAft>
-              <a:buNone/>
-            </a:pPr>
-            <a:endParaRPr>
-              <a:solidFill>
-                <a:schemeClr val="dk2"/>
-              </a:solidFill>
-              <a:latin typeface="Roboto"/>
-              <a:ea typeface="Roboto"/>
-              <a:cs typeface="Roboto"/>
-              <a:sym typeface="Roboto"/>
-            </a:endParaRPr>
-          </a:p>
-        </p:txBody>
-      </p:sp>
-      <p:sp>
-        <p:nvSpPr>
-          <p:cNvPr id="183" name="Google Shape;183;p26"/>
-          <p:cNvSpPr/>
-          <p:nvPr/>
-        </p:nvSpPr>
-        <p:spPr>
-          <a:xfrm rot="4917807" flipH="1">
-            <a:off x="5876961" y="349011"/>
-            <a:ext cx="961341" cy="1098096"/>
-          </a:xfrm>
-          <a:prstGeom prst="teardrop">
-            <a:avLst>
-              <a:gd name="adj" fmla="val 125256"/>
-            </a:avLst>
-          </a:prstGeom>
-          <a:solidFill>
-            <a:srgbClr val="FFD966"/>
-          </a:solidFill>
-          <a:ln w="9525" cap="flat" cmpd="sng">
-            <a:solidFill>
-              <a:schemeClr val="dk2"/>
-            </a:solidFill>
-            <a:prstDash val="solid"/>
-            <a:round/>
-            <a:headEnd type="none" w="sm" len="sm"/>
-            <a:tailEnd type="none" w="sm" len="sm"/>
-          </a:ln>
-        </p:spPr>
-        <p:txBody>
-          <a:bodyPr spcFirstLastPara="1" wrap="square" lIns="91425" tIns="91425" rIns="91425" bIns="91425" anchor="ctr" anchorCtr="0">
-            <a:noAutofit/>
-          </a:bodyPr>
-          <a:lstStyle/>
-          <a:p>
-            <a:pPr marL="0" lvl="0" indent="0" algn="l" rtl="0">
-              <a:spcBef>
-                <a:spcPts val="0"/>
-              </a:spcBef>
-              <a:spcAft>
-                <a:spcPts val="0"/>
-              </a:spcAft>
-              <a:buNone/>
-            </a:pPr>
-            <a:endParaRPr>
-              <a:solidFill>
-                <a:schemeClr val="dk2"/>
-              </a:solidFill>
-              <a:latin typeface="Roboto"/>
-              <a:ea typeface="Roboto"/>
-              <a:cs typeface="Roboto"/>
-              <a:sym typeface="Roboto"/>
-            </a:endParaRPr>
-          </a:p>
-        </p:txBody>
-      </p:sp>
-      <p:sp>
-        <p:nvSpPr>
-          <p:cNvPr id="184" name="Google Shape;184;p26"/>
-          <p:cNvSpPr/>
-          <p:nvPr/>
-        </p:nvSpPr>
-        <p:spPr>
-          <a:xfrm rot="-5028002">
-            <a:off x="5147658" y="364173"/>
-            <a:ext cx="961122" cy="1097981"/>
-          </a:xfrm>
-          <a:prstGeom prst="teardrop">
-            <a:avLst>
-              <a:gd name="adj" fmla="val 125256"/>
-            </a:avLst>
-          </a:prstGeom>
-          <a:solidFill>
-            <a:srgbClr val="FFD966"/>
-          </a:solidFill>
-          <a:ln w="9525" cap="flat" cmpd="sng">
-            <a:solidFill>
-              <a:schemeClr val="dk2"/>
-            </a:solidFill>
-            <a:prstDash val="solid"/>
-            <a:round/>
-            <a:headEnd type="none" w="sm" len="sm"/>
-            <a:tailEnd type="none" w="sm" len="sm"/>
-          </a:ln>
-        </p:spPr>
-        <p:txBody>
-          <a:bodyPr spcFirstLastPara="1" wrap="square" lIns="91425" tIns="91425" rIns="91425" bIns="91425" anchor="ctr" anchorCtr="0">
-            <a:noAutofit/>
-          </a:bodyPr>
-          <a:lstStyle/>
-          <a:p>
-            <a:pPr marL="0" lvl="0" indent="0" algn="l" rtl="0">
-              <a:spcBef>
-                <a:spcPts val="0"/>
-              </a:spcBef>
-              <a:spcAft>
-                <a:spcPts val="0"/>
-              </a:spcAft>
-              <a:buNone/>
-            </a:pPr>
-            <a:endParaRPr>
-              <a:solidFill>
-                <a:schemeClr val="dk2"/>
-              </a:solidFill>
-              <a:latin typeface="Roboto"/>
-              <a:ea typeface="Roboto"/>
-              <a:cs typeface="Roboto"/>
-              <a:sym typeface="Roboto"/>
-            </a:endParaRPr>
-          </a:p>
-        </p:txBody>
-      </p:sp>
-      <p:sp>
-        <p:nvSpPr>
-          <p:cNvPr id="185" name="Google Shape;185;p26"/>
-          <p:cNvSpPr/>
-          <p:nvPr/>
-        </p:nvSpPr>
-        <p:spPr>
-          <a:xfrm rot="-4457449">
-            <a:off x="3738405" y="473279"/>
-            <a:ext cx="959540" cy="1098913"/>
-          </a:xfrm>
-          <a:prstGeom prst="teardrop">
-            <a:avLst>
-              <a:gd name="adj" fmla="val 125256"/>
-            </a:avLst>
-          </a:prstGeom>
-          <a:solidFill>
-            <a:srgbClr val="FFD966"/>
-          </a:solidFill>
-          <a:ln w="9525" cap="flat" cmpd="sng">
-            <a:solidFill>
-              <a:schemeClr val="dk2"/>
-            </a:solidFill>
-            <a:prstDash val="solid"/>
-            <a:round/>
-            <a:headEnd type="none" w="sm" len="sm"/>
-            <a:tailEnd type="none" w="sm" len="sm"/>
-          </a:ln>
-        </p:spPr>
-        <p:txBody>
-          <a:bodyPr spcFirstLastPara="1" wrap="square" lIns="91425" tIns="91425" rIns="91425" bIns="91425" anchor="ctr" anchorCtr="0">
-            <a:noAutofit/>
-          </a:bodyPr>
-          <a:lstStyle/>
-          <a:p>
-            <a:pPr marL="0" lvl="0" indent="0" algn="l" rtl="0">
-              <a:spcBef>
-                <a:spcPts val="0"/>
-              </a:spcBef>
-              <a:spcAft>
-                <a:spcPts val="0"/>
-              </a:spcAft>
-              <a:buNone/>
-            </a:pPr>
-            <a:endParaRPr>
-              <a:solidFill>
-                <a:schemeClr val="dk2"/>
-              </a:solidFill>
-              <a:latin typeface="Roboto"/>
-              <a:ea typeface="Roboto"/>
-              <a:cs typeface="Roboto"/>
-              <a:sym typeface="Roboto"/>
-            </a:endParaRPr>
-          </a:p>
-        </p:txBody>
-      </p:sp>
-      <p:sp>
-        <p:nvSpPr>
-          <p:cNvPr id="186" name="Google Shape;186;p26"/>
-          <p:cNvSpPr txBox="1"/>
-          <p:nvPr/>
-        </p:nvSpPr>
-        <p:spPr>
-          <a:xfrm rot="-1443084">
-            <a:off x="3493255" y="500447"/>
-            <a:ext cx="942202" cy="353898"/>
-          </a:xfrm>
-          <a:prstGeom prst="rect">
-            <a:avLst/>
-          </a:prstGeom>
-          <a:noFill/>
-          <a:ln>
-            <a:noFill/>
-          </a:ln>
-        </p:spPr>
-        <p:txBody>
-          <a:bodyPr spcFirstLastPara="1" wrap="square" lIns="91425" tIns="91425" rIns="91425" bIns="91425" anchor="t" anchorCtr="0">
-            <a:spAutoFit/>
-          </a:bodyPr>
-          <a:lstStyle/>
-          <a:p>
-            <a:pPr marL="0" lvl="0" indent="0" algn="ctr" rtl="0">
-              <a:spcBef>
-                <a:spcPts val="0"/>
-              </a:spcBef>
-              <a:spcAft>
-                <a:spcPts val="0"/>
-              </a:spcAft>
-              <a:buNone/>
-            </a:pPr>
-            <a:r>
-              <a:rPr lang="en-GB" sz="1100">
-                <a:solidFill>
-                  <a:schemeClr val="dk2"/>
-                </a:solidFill>
-                <a:latin typeface="Roboto"/>
-                <a:ea typeface="Roboto"/>
-                <a:cs typeface="Roboto"/>
-                <a:sym typeface="Roboto"/>
-              </a:rPr>
-              <a:t>Proteo</a:t>
-            </a:r>
-            <a:endParaRPr sz="1100">
-              <a:solidFill>
-                <a:schemeClr val="dk2"/>
-              </a:solidFill>
-              <a:latin typeface="Roboto"/>
-              <a:ea typeface="Roboto"/>
-              <a:cs typeface="Roboto"/>
-              <a:sym typeface="Roboto"/>
-            </a:endParaRPr>
-          </a:p>
-        </p:txBody>
-      </p:sp>
-      <p:sp>
-        <p:nvSpPr>
-          <p:cNvPr id="187" name="Google Shape;187;p26"/>
-          <p:cNvSpPr/>
-          <p:nvPr/>
-        </p:nvSpPr>
-        <p:spPr>
-          <a:xfrm rot="1643025">
-            <a:off x="7461907" y="1058663"/>
-            <a:ext cx="901406" cy="1032202"/>
-          </a:xfrm>
-          <a:prstGeom prst="teardrop">
-            <a:avLst>
-              <a:gd name="adj" fmla="val 125256"/>
-            </a:avLst>
-          </a:prstGeom>
-          <a:solidFill>
-            <a:srgbClr val="FFD966"/>
-          </a:solidFill>
-          <a:ln w="9525" cap="flat" cmpd="sng">
-            <a:solidFill>
-              <a:schemeClr val="dk2"/>
-            </a:solidFill>
-            <a:prstDash val="solid"/>
-            <a:round/>
-            <a:headEnd type="none" w="sm" len="sm"/>
-            <a:tailEnd type="none" w="sm" len="sm"/>
-          </a:ln>
-        </p:spPr>
-        <p:txBody>
-          <a:bodyPr spcFirstLastPara="1" wrap="square" lIns="91425" tIns="91425" rIns="91425" bIns="91425" anchor="ctr" anchorCtr="0">
-            <a:noAutofit/>
-          </a:bodyPr>
-          <a:lstStyle/>
-          <a:p>
-            <a:pPr marL="0" lvl="0" indent="0" algn="l" rtl="0">
-              <a:spcBef>
-                <a:spcPts val="0"/>
-              </a:spcBef>
-              <a:spcAft>
-                <a:spcPts val="0"/>
-              </a:spcAft>
-              <a:buNone/>
-            </a:pPr>
-            <a:endParaRPr>
-              <a:solidFill>
-                <a:schemeClr val="dk2"/>
-              </a:solidFill>
-              <a:latin typeface="Roboto"/>
-              <a:ea typeface="Roboto"/>
-              <a:cs typeface="Roboto"/>
-              <a:sym typeface="Roboto"/>
-            </a:endParaRPr>
-          </a:p>
-        </p:txBody>
-      </p:sp>
-      <p:sp>
-        <p:nvSpPr>
-          <p:cNvPr id="188" name="Google Shape;188;p26"/>
-          <p:cNvSpPr/>
-          <p:nvPr/>
-        </p:nvSpPr>
-        <p:spPr>
-          <a:xfrm rot="-5892055">
-            <a:off x="3773051" y="1010830"/>
-            <a:ext cx="961129" cy="1098896"/>
-          </a:xfrm>
-          <a:prstGeom prst="teardrop">
-            <a:avLst>
-              <a:gd name="adj" fmla="val 125256"/>
-            </a:avLst>
-          </a:prstGeom>
-          <a:solidFill>
-            <a:srgbClr val="FFD966"/>
-          </a:solidFill>
-          <a:ln w="9525" cap="flat" cmpd="sng">
-            <a:solidFill>
-              <a:schemeClr val="dk2"/>
-            </a:solidFill>
-            <a:prstDash val="solid"/>
-            <a:round/>
-            <a:headEnd type="none" w="sm" len="sm"/>
-            <a:tailEnd type="none" w="sm" len="sm"/>
-          </a:ln>
-        </p:spPr>
-        <p:txBody>
-          <a:bodyPr spcFirstLastPara="1" wrap="square" lIns="91425" tIns="91425" rIns="91425" bIns="91425" anchor="ctr" anchorCtr="0">
-            <a:noAutofit/>
-          </a:bodyPr>
-          <a:lstStyle/>
-          <a:p>
-            <a:pPr marL="0" lvl="0" indent="0" algn="l" rtl="0">
-              <a:spcBef>
-                <a:spcPts val="0"/>
-              </a:spcBef>
-              <a:spcAft>
-                <a:spcPts val="0"/>
-              </a:spcAft>
-              <a:buNone/>
-            </a:pPr>
-            <a:endParaRPr>
-              <a:solidFill>
-                <a:schemeClr val="dk2"/>
-              </a:solidFill>
-              <a:latin typeface="Roboto"/>
-              <a:ea typeface="Roboto"/>
-              <a:cs typeface="Roboto"/>
-              <a:sym typeface="Roboto"/>
-            </a:endParaRPr>
-          </a:p>
-        </p:txBody>
-      </p:sp>
-      <p:sp>
-        <p:nvSpPr>
-          <p:cNvPr id="189" name="Google Shape;189;p26"/>
-          <p:cNvSpPr/>
-          <p:nvPr/>
-        </p:nvSpPr>
-        <p:spPr>
-          <a:xfrm rot="-1996322">
-            <a:off x="4303793" y="786558"/>
-            <a:ext cx="946566" cy="1113606"/>
-          </a:xfrm>
-          <a:prstGeom prst="teardrop">
-            <a:avLst>
-              <a:gd name="adj" fmla="val 125256"/>
-            </a:avLst>
-          </a:prstGeom>
-          <a:solidFill>
-            <a:srgbClr val="FFD966"/>
-          </a:solidFill>
-          <a:ln w="9525" cap="flat" cmpd="sng">
-            <a:solidFill>
-              <a:schemeClr val="dk2"/>
-            </a:solidFill>
-            <a:prstDash val="solid"/>
-            <a:round/>
-            <a:headEnd type="none" w="sm" len="sm"/>
-            <a:tailEnd type="none" w="sm" len="sm"/>
-          </a:ln>
-        </p:spPr>
-        <p:txBody>
-          <a:bodyPr spcFirstLastPara="1" wrap="square" lIns="91425" tIns="91425" rIns="91425" bIns="91425" anchor="ctr" anchorCtr="0">
-            <a:noAutofit/>
-          </a:bodyPr>
-          <a:lstStyle/>
-          <a:p>
-            <a:pPr marL="0" lvl="0" indent="0" algn="l" rtl="0">
-              <a:spcBef>
-                <a:spcPts val="0"/>
-              </a:spcBef>
-              <a:spcAft>
-                <a:spcPts val="0"/>
-              </a:spcAft>
-              <a:buNone/>
-            </a:pPr>
-            <a:endParaRPr>
-              <a:solidFill>
-                <a:schemeClr val="dk2"/>
-              </a:solidFill>
-              <a:latin typeface="Roboto"/>
-              <a:ea typeface="Roboto"/>
-              <a:cs typeface="Roboto"/>
-              <a:sym typeface="Roboto"/>
-            </a:endParaRPr>
-          </a:p>
-        </p:txBody>
-      </p:sp>
-      <p:sp>
-        <p:nvSpPr>
-          <p:cNvPr id="190" name="Google Shape;190;p26"/>
-          <p:cNvSpPr/>
-          <p:nvPr/>
-        </p:nvSpPr>
-        <p:spPr>
-          <a:xfrm rot="2624157">
-            <a:off x="7101930" y="1762574"/>
-            <a:ext cx="1442425" cy="1377924"/>
-          </a:xfrm>
-          <a:prstGeom prst="teardrop">
-            <a:avLst>
-              <a:gd name="adj" fmla="val 126091"/>
-            </a:avLst>
-          </a:prstGeom>
-          <a:solidFill>
-            <a:srgbClr val="F1C232"/>
-          </a:solidFill>
-          <a:ln w="9525" cap="flat" cmpd="sng">
-            <a:solidFill>
-              <a:schemeClr val="dk2"/>
-            </a:solidFill>
-            <a:prstDash val="solid"/>
-            <a:round/>
-            <a:headEnd type="none" w="sm" len="sm"/>
-            <a:tailEnd type="none" w="sm" len="sm"/>
-          </a:ln>
-        </p:spPr>
-        <p:txBody>
-          <a:bodyPr spcFirstLastPara="1" wrap="square" lIns="91425" tIns="91425" rIns="91425" bIns="91425" anchor="ctr" anchorCtr="0">
-            <a:noAutofit/>
-          </a:bodyPr>
-          <a:lstStyle/>
-          <a:p>
-            <a:pPr marL="0" marR="0" lvl="0" indent="0" algn="l" rtl="0">
-              <a:lnSpc>
-                <a:spcPct val="100000"/>
-              </a:lnSpc>
-              <a:spcBef>
-                <a:spcPts val="0"/>
-              </a:spcBef>
-              <a:spcAft>
-                <a:spcPts val="0"/>
-              </a:spcAft>
-              <a:buNone/>
-            </a:pPr>
-            <a:endParaRPr>
-              <a:solidFill>
-                <a:schemeClr val="dk2"/>
-              </a:solidFill>
-              <a:latin typeface="Roboto"/>
-              <a:ea typeface="Roboto"/>
-              <a:cs typeface="Roboto"/>
-              <a:sym typeface="Roboto"/>
-            </a:endParaRPr>
-          </a:p>
-        </p:txBody>
-      </p:sp>
-      <p:sp>
-        <p:nvSpPr>
-          <p:cNvPr id="191" name="Google Shape;191;p26"/>
-          <p:cNvSpPr/>
-          <p:nvPr/>
-        </p:nvSpPr>
-        <p:spPr>
-          <a:xfrm rot="-5400000">
-            <a:off x="4316639" y="1171847"/>
-            <a:ext cx="2181300" cy="2210400"/>
-          </a:xfrm>
-          <a:prstGeom prst="teardrop">
-            <a:avLst>
-              <a:gd name="adj" fmla="val 130446"/>
-            </a:avLst>
-          </a:prstGeom>
-          <a:solidFill>
-            <a:srgbClr val="F1C232"/>
-          </a:solidFill>
-          <a:ln w="9525" cap="flat" cmpd="sng">
-            <a:solidFill>
-              <a:schemeClr val="dk2"/>
-            </a:solidFill>
-            <a:prstDash val="solid"/>
-            <a:round/>
-            <a:headEnd type="none" w="sm" len="sm"/>
-            <a:tailEnd type="none" w="sm" len="sm"/>
-          </a:ln>
-        </p:spPr>
-        <p:txBody>
-          <a:bodyPr spcFirstLastPara="1" wrap="square" lIns="91425" tIns="91425" rIns="91425" bIns="91425" anchor="ctr" anchorCtr="0">
-            <a:noAutofit/>
-          </a:bodyPr>
-          <a:lstStyle/>
-          <a:p>
-            <a:pPr marL="0" marR="0" lvl="0" indent="0" algn="l" rtl="0">
-              <a:lnSpc>
-                <a:spcPct val="100000"/>
-              </a:lnSpc>
-              <a:spcBef>
-                <a:spcPts val="0"/>
-              </a:spcBef>
-              <a:spcAft>
-                <a:spcPts val="0"/>
-              </a:spcAft>
-              <a:buNone/>
-            </a:pPr>
-            <a:endParaRPr>
-              <a:solidFill>
-                <a:schemeClr val="dk2"/>
-              </a:solidFill>
-              <a:latin typeface="Roboto"/>
-              <a:ea typeface="Roboto"/>
-              <a:cs typeface="Roboto"/>
-              <a:sym typeface="Roboto"/>
-            </a:endParaRPr>
-          </a:p>
-        </p:txBody>
-      </p:sp>
-      <p:sp>
-        <p:nvSpPr>
-          <p:cNvPr id="192" name="Google Shape;192;p26"/>
-          <p:cNvSpPr/>
-          <p:nvPr/>
-        </p:nvSpPr>
-        <p:spPr>
-          <a:xfrm rot="-5400000" flipH="1">
-            <a:off x="4316639" y="2179047"/>
-            <a:ext cx="2181300" cy="2210400"/>
-          </a:xfrm>
-          <a:prstGeom prst="teardrop">
-            <a:avLst>
-              <a:gd name="adj" fmla="val 130446"/>
-            </a:avLst>
-          </a:prstGeom>
-          <a:solidFill>
-            <a:srgbClr val="F1C232"/>
-          </a:solidFill>
-          <a:ln w="9525" cap="flat" cmpd="sng">
-            <a:solidFill>
-              <a:schemeClr val="dk2"/>
-            </a:solidFill>
-            <a:prstDash val="solid"/>
-            <a:round/>
-            <a:headEnd type="none" w="sm" len="sm"/>
-            <a:tailEnd type="none" w="sm" len="sm"/>
-          </a:ln>
-        </p:spPr>
-        <p:txBody>
-          <a:bodyPr spcFirstLastPara="1" wrap="square" lIns="91425" tIns="91425" rIns="91425" bIns="91425" anchor="ctr" anchorCtr="0">
-            <a:noAutofit/>
-          </a:bodyPr>
-          <a:lstStyle/>
-          <a:p>
-            <a:pPr marL="0" marR="0" lvl="0" indent="0" algn="l" rtl="0">
-              <a:lnSpc>
-                <a:spcPct val="100000"/>
-              </a:lnSpc>
-              <a:spcBef>
-                <a:spcPts val="0"/>
-              </a:spcBef>
-              <a:spcAft>
-                <a:spcPts val="0"/>
-              </a:spcAft>
-              <a:buNone/>
-            </a:pPr>
-            <a:endParaRPr>
-              <a:solidFill>
-                <a:schemeClr val="dk2"/>
-              </a:solidFill>
-              <a:latin typeface="Roboto"/>
-              <a:ea typeface="Roboto"/>
-              <a:cs typeface="Roboto"/>
-              <a:sym typeface="Roboto"/>
-            </a:endParaRPr>
-          </a:p>
-        </p:txBody>
-      </p:sp>
-      <p:sp>
-        <p:nvSpPr>
-          <p:cNvPr id="193" name="Google Shape;193;p26"/>
-          <p:cNvSpPr/>
-          <p:nvPr/>
-        </p:nvSpPr>
-        <p:spPr>
-          <a:xfrm rot="5400000">
-            <a:off x="6360163" y="2468330"/>
-            <a:ext cx="1410000" cy="1408200"/>
-          </a:xfrm>
-          <a:prstGeom prst="teardrop">
-            <a:avLst>
-              <a:gd name="adj" fmla="val 159381"/>
-            </a:avLst>
-          </a:prstGeom>
-          <a:solidFill>
-            <a:srgbClr val="F1C232"/>
-          </a:solidFill>
-          <a:ln w="9525" cap="flat" cmpd="sng">
-            <a:solidFill>
-              <a:schemeClr val="dk2"/>
-            </a:solidFill>
-            <a:prstDash val="solid"/>
-            <a:round/>
-            <a:headEnd type="none" w="sm" len="sm"/>
-            <a:tailEnd type="none" w="sm" len="sm"/>
-          </a:ln>
-        </p:spPr>
-        <p:txBody>
-          <a:bodyPr spcFirstLastPara="1" wrap="square" lIns="91425" tIns="91425" rIns="91425" bIns="91425" anchor="ctr" anchorCtr="0">
-            <a:noAutofit/>
-          </a:bodyPr>
-          <a:lstStyle/>
-          <a:p>
-            <a:pPr marL="0" marR="0" lvl="0" indent="0" algn="l" rtl="0">
-              <a:lnSpc>
-                <a:spcPct val="100000"/>
-              </a:lnSpc>
-              <a:spcBef>
-                <a:spcPts val="0"/>
-              </a:spcBef>
-              <a:spcAft>
-                <a:spcPts val="0"/>
-              </a:spcAft>
-              <a:buNone/>
-            </a:pPr>
-            <a:endParaRPr>
-              <a:solidFill>
-                <a:schemeClr val="dk2"/>
-              </a:solidFill>
-              <a:latin typeface="Roboto"/>
-              <a:ea typeface="Roboto"/>
-              <a:cs typeface="Roboto"/>
-              <a:sym typeface="Roboto"/>
-            </a:endParaRPr>
-          </a:p>
-        </p:txBody>
-      </p:sp>
-      <p:sp>
-        <p:nvSpPr>
-          <p:cNvPr id="194" name="Google Shape;194;p26"/>
-          <p:cNvSpPr/>
-          <p:nvPr/>
-        </p:nvSpPr>
-        <p:spPr>
-          <a:xfrm rot="8037705">
-            <a:off x="5299227" y="3193707"/>
-            <a:ext cx="1439977" cy="1380500"/>
-          </a:xfrm>
-          <a:prstGeom prst="teardrop">
-            <a:avLst>
-              <a:gd name="adj" fmla="val 130469"/>
-            </a:avLst>
-          </a:prstGeom>
-          <a:solidFill>
-            <a:srgbClr val="F1C232"/>
-          </a:solidFill>
-          <a:ln w="9525" cap="flat" cmpd="sng">
-            <a:solidFill>
-              <a:schemeClr val="dk2"/>
-            </a:solidFill>
-            <a:prstDash val="solid"/>
-            <a:round/>
-            <a:headEnd type="none" w="sm" len="sm"/>
-            <a:tailEnd type="none" w="sm" len="sm"/>
-          </a:ln>
-        </p:spPr>
-        <p:txBody>
-          <a:bodyPr spcFirstLastPara="1" wrap="square" lIns="91425" tIns="91425" rIns="91425" bIns="91425" anchor="ctr" anchorCtr="0">
-            <a:noAutofit/>
-          </a:bodyPr>
-          <a:lstStyle/>
-          <a:p>
-            <a:pPr marL="0" marR="0" lvl="0" indent="0" algn="l" rtl="0">
-              <a:lnSpc>
-                <a:spcPct val="100000"/>
-              </a:lnSpc>
-              <a:spcBef>
-                <a:spcPts val="0"/>
-              </a:spcBef>
-              <a:spcAft>
-                <a:spcPts val="0"/>
-              </a:spcAft>
-              <a:buNone/>
-            </a:pPr>
-            <a:endParaRPr>
-              <a:solidFill>
-                <a:schemeClr val="dk2"/>
-              </a:solidFill>
-              <a:latin typeface="Roboto"/>
-              <a:ea typeface="Roboto"/>
-              <a:cs typeface="Roboto"/>
-              <a:sym typeface="Roboto"/>
-            </a:endParaRPr>
-          </a:p>
-        </p:txBody>
-      </p:sp>
-      <p:sp>
-        <p:nvSpPr>
-          <p:cNvPr id="195" name="Google Shape;195;p26"/>
-          <p:cNvSpPr/>
-          <p:nvPr/>
-        </p:nvSpPr>
-        <p:spPr>
-          <a:xfrm rot="-2623641">
-            <a:off x="5297952" y="582867"/>
-            <a:ext cx="1442217" cy="1377924"/>
-          </a:xfrm>
-          <a:prstGeom prst="teardrop">
-            <a:avLst>
-              <a:gd name="adj" fmla="val 148163"/>
-            </a:avLst>
-          </a:prstGeom>
-          <a:solidFill>
-            <a:srgbClr val="F1C232"/>
-          </a:solidFill>
-          <a:ln w="9525" cap="flat" cmpd="sng">
-            <a:solidFill>
-              <a:schemeClr val="dk2"/>
-            </a:solidFill>
-            <a:prstDash val="solid"/>
-            <a:round/>
-            <a:headEnd type="none" w="sm" len="sm"/>
-            <a:tailEnd type="none" w="sm" len="sm"/>
-          </a:ln>
-        </p:spPr>
-        <p:txBody>
-          <a:bodyPr spcFirstLastPara="1" wrap="square" lIns="91425" tIns="91425" rIns="91425" bIns="91425" anchor="ctr" anchorCtr="0">
-            <a:noAutofit/>
-          </a:bodyPr>
-          <a:lstStyle/>
-          <a:p>
-            <a:pPr marL="0" lvl="0" indent="0" algn="l" rtl="0">
-              <a:spcBef>
-                <a:spcPts val="0"/>
-              </a:spcBef>
-              <a:spcAft>
-                <a:spcPts val="0"/>
-              </a:spcAft>
-              <a:buNone/>
-            </a:pPr>
-            <a:endParaRPr>
-              <a:solidFill>
-                <a:schemeClr val="dk2"/>
-              </a:solidFill>
-              <a:latin typeface="Roboto"/>
-              <a:ea typeface="Roboto"/>
-              <a:cs typeface="Roboto"/>
-              <a:sym typeface="Roboto"/>
-            </a:endParaRPr>
-          </a:p>
-        </p:txBody>
-      </p:sp>
-      <p:sp>
-        <p:nvSpPr>
-          <p:cNvPr id="196" name="Google Shape;196;p26"/>
-          <p:cNvSpPr/>
-          <p:nvPr/>
-        </p:nvSpPr>
-        <p:spPr>
-          <a:xfrm>
-            <a:off x="5763479" y="1186235"/>
-            <a:ext cx="2038500" cy="1904100"/>
-          </a:xfrm>
-          <a:prstGeom prst="teardrop">
-            <a:avLst>
-              <a:gd name="adj" fmla="val 125791"/>
-            </a:avLst>
-          </a:prstGeom>
-          <a:solidFill>
-            <a:srgbClr val="F1C232"/>
-          </a:solidFill>
-          <a:ln w="9525" cap="flat" cmpd="sng">
-            <a:solidFill>
-              <a:schemeClr val="dk2"/>
-            </a:solidFill>
-            <a:prstDash val="solid"/>
-            <a:round/>
-            <a:headEnd type="none" w="sm" len="sm"/>
-            <a:tailEnd type="none" w="sm" len="sm"/>
-          </a:ln>
-        </p:spPr>
-        <p:txBody>
-          <a:bodyPr spcFirstLastPara="1" wrap="square" lIns="91425" tIns="91425" rIns="91425" bIns="91425" anchor="ctr" anchorCtr="0">
-            <a:noAutofit/>
-          </a:bodyPr>
-          <a:lstStyle/>
-          <a:p>
-            <a:pPr marL="0" marR="0" lvl="0" indent="0" algn="l" rtl="0">
-              <a:lnSpc>
-                <a:spcPct val="100000"/>
-              </a:lnSpc>
-              <a:spcBef>
-                <a:spcPts val="0"/>
-              </a:spcBef>
-              <a:spcAft>
-                <a:spcPts val="0"/>
-              </a:spcAft>
-              <a:buNone/>
-            </a:pPr>
-            <a:endParaRPr>
-              <a:solidFill>
-                <a:schemeClr val="dk2"/>
-              </a:solidFill>
-              <a:latin typeface="Roboto"/>
-              <a:ea typeface="Roboto"/>
-              <a:cs typeface="Roboto"/>
-              <a:sym typeface="Roboto"/>
-            </a:endParaRPr>
-          </a:p>
-        </p:txBody>
-      </p:sp>
-      <p:sp>
-        <p:nvSpPr>
-          <p:cNvPr id="197" name="Google Shape;197;p26"/>
-          <p:cNvSpPr/>
-          <p:nvPr/>
-        </p:nvSpPr>
-        <p:spPr>
-          <a:xfrm rot="-8296455">
-            <a:off x="3696810" y="1788506"/>
-            <a:ext cx="1656485" cy="1547634"/>
-          </a:xfrm>
-          <a:prstGeom prst="teardrop">
-            <a:avLst>
-              <a:gd name="adj" fmla="val 130378"/>
-            </a:avLst>
-          </a:prstGeom>
-          <a:solidFill>
-            <a:srgbClr val="F1C232"/>
-          </a:solidFill>
-          <a:ln w="9525" cap="flat" cmpd="sng">
-            <a:solidFill>
-              <a:schemeClr val="dk2"/>
-            </a:solidFill>
-            <a:prstDash val="solid"/>
-            <a:round/>
-            <a:headEnd type="none" w="sm" len="sm"/>
-            <a:tailEnd type="none" w="sm" len="sm"/>
-          </a:ln>
-        </p:spPr>
-        <p:txBody>
-          <a:bodyPr spcFirstLastPara="1" wrap="square" lIns="91425" tIns="91425" rIns="91425" bIns="91425" anchor="ctr" anchorCtr="0">
-            <a:noAutofit/>
-          </a:bodyPr>
-          <a:lstStyle/>
-          <a:p>
-            <a:pPr marL="0" marR="0" lvl="0" indent="0" algn="l" rtl="0">
-              <a:lnSpc>
-                <a:spcPct val="100000"/>
-              </a:lnSpc>
-              <a:spcBef>
-                <a:spcPts val="0"/>
-              </a:spcBef>
-              <a:spcAft>
-                <a:spcPts val="0"/>
-              </a:spcAft>
-              <a:buNone/>
-            </a:pPr>
-            <a:endParaRPr>
-              <a:solidFill>
-                <a:schemeClr val="dk2"/>
-              </a:solidFill>
-              <a:latin typeface="Roboto"/>
-              <a:ea typeface="Roboto"/>
-              <a:cs typeface="Roboto"/>
-              <a:sym typeface="Roboto"/>
-            </a:endParaRPr>
-          </a:p>
-        </p:txBody>
-      </p:sp>
-      <p:sp>
-        <p:nvSpPr>
-          <p:cNvPr id="198" name="Google Shape;198;p26"/>
-          <p:cNvSpPr/>
-          <p:nvPr/>
-        </p:nvSpPr>
-        <p:spPr>
-          <a:xfrm>
-            <a:off x="4557603" y="1155540"/>
-            <a:ext cx="2798400" cy="2878500"/>
-          </a:xfrm>
-          <a:prstGeom prst="ellipse">
-            <a:avLst/>
-          </a:prstGeom>
-          <a:solidFill>
-            <a:srgbClr val="783F04"/>
-          </a:solidFill>
-          <a:ln w="76200" cap="flat" cmpd="sng">
-            <a:solidFill>
-              <a:schemeClr val="dk2"/>
-            </a:solidFill>
-            <a:prstDash val="solid"/>
-            <a:round/>
-            <a:headEnd type="none" w="sm" len="sm"/>
-            <a:tailEnd type="none" w="sm" len="sm"/>
-          </a:ln>
-        </p:spPr>
-        <p:txBody>
-          <a:bodyPr spcFirstLastPara="1" wrap="square" lIns="91425" tIns="91425" rIns="91425" bIns="91425" anchor="ctr" anchorCtr="0">
-            <a:noAutofit/>
-          </a:bodyPr>
-          <a:lstStyle/>
-          <a:p>
-            <a:pPr marL="0" lvl="0" indent="0" algn="l" rtl="0">
-              <a:spcBef>
-                <a:spcPts val="0"/>
-              </a:spcBef>
-              <a:spcAft>
-                <a:spcPts val="0"/>
-              </a:spcAft>
-              <a:buNone/>
-            </a:pPr>
-            <a:endParaRPr>
-              <a:solidFill>
-                <a:schemeClr val="dk2"/>
-              </a:solidFill>
-              <a:latin typeface="Roboto"/>
-              <a:ea typeface="Roboto"/>
-              <a:cs typeface="Roboto"/>
-              <a:sym typeface="Roboto"/>
-            </a:endParaRPr>
-          </a:p>
-        </p:txBody>
-      </p:sp>
-      <p:sp>
-        <p:nvSpPr>
-          <p:cNvPr id="199" name="Google Shape;199;p26"/>
-          <p:cNvSpPr/>
-          <p:nvPr/>
-        </p:nvSpPr>
-        <p:spPr>
-          <a:xfrm>
-            <a:off x="4859450" y="1839474"/>
-            <a:ext cx="1680000" cy="1613100"/>
-          </a:xfrm>
-          <a:prstGeom prst="ellipse">
-            <a:avLst/>
-          </a:prstGeom>
-          <a:solidFill>
-            <a:srgbClr val="5B0F00"/>
-          </a:solidFill>
-          <a:ln w="9525" cap="flat" cmpd="sng">
-            <a:solidFill>
-              <a:schemeClr val="dk2"/>
-            </a:solidFill>
-            <a:prstDash val="solid"/>
-            <a:round/>
-            <a:headEnd type="none" w="sm" len="sm"/>
-            <a:tailEnd type="none" w="sm" len="sm"/>
-          </a:ln>
-        </p:spPr>
-        <p:txBody>
-          <a:bodyPr spcFirstLastPara="1" wrap="square" lIns="91425" tIns="91425" rIns="91425" bIns="91425" anchor="ctr" anchorCtr="0">
-            <a:noAutofit/>
-          </a:bodyPr>
-          <a:lstStyle/>
-          <a:p>
-            <a:pPr marL="0" lvl="0" indent="0" algn="l" rtl="0">
-              <a:spcBef>
-                <a:spcPts val="0"/>
-              </a:spcBef>
-              <a:spcAft>
-                <a:spcPts val="0"/>
-              </a:spcAft>
-              <a:buNone/>
-            </a:pPr>
-            <a:endParaRPr>
-              <a:solidFill>
-                <a:schemeClr val="dk2"/>
-              </a:solidFill>
-              <a:latin typeface="Roboto"/>
-              <a:ea typeface="Roboto"/>
-              <a:cs typeface="Roboto"/>
-              <a:sym typeface="Roboto"/>
-            </a:endParaRPr>
-          </a:p>
-        </p:txBody>
-      </p:sp>
-      <p:sp>
-        <p:nvSpPr>
-          <p:cNvPr id="200" name="Google Shape;200;p26"/>
-          <p:cNvSpPr txBox="1"/>
-          <p:nvPr/>
-        </p:nvSpPr>
-        <p:spPr>
-          <a:xfrm>
-            <a:off x="4885194" y="2082141"/>
-            <a:ext cx="1638900" cy="785100"/>
-          </a:xfrm>
-          <a:prstGeom prst="rect">
-            <a:avLst/>
-          </a:prstGeom>
-          <a:noFill/>
-          <a:ln>
-            <a:noFill/>
-          </a:ln>
-        </p:spPr>
-        <p:txBody>
-          <a:bodyPr spcFirstLastPara="1" wrap="square" lIns="91425" tIns="91425" rIns="91425" bIns="91425" anchor="t" anchorCtr="0">
-            <a:spAutoFit/>
-          </a:bodyPr>
-          <a:lstStyle/>
-          <a:p>
-            <a:pPr marL="0" lvl="0" indent="0" algn="ctr" rtl="0">
-              <a:spcBef>
-                <a:spcPts val="0"/>
-              </a:spcBef>
-              <a:spcAft>
-                <a:spcPts val="0"/>
-              </a:spcAft>
-              <a:buNone/>
-            </a:pPr>
-            <a:br>
-              <a:rPr lang="en-GB" sz="1300">
-                <a:solidFill>
-                  <a:schemeClr val="lt1"/>
-                </a:solidFill>
-                <a:latin typeface="Roboto"/>
-                <a:ea typeface="Roboto"/>
-                <a:cs typeface="Roboto"/>
-                <a:sym typeface="Roboto"/>
-              </a:rPr>
-            </a:br>
-            <a:r>
-              <a:rPr lang="en-GB" sz="1300" b="1">
-                <a:solidFill>
-                  <a:schemeClr val="lt1"/>
-                </a:solidFill>
-                <a:latin typeface="Roboto"/>
-                <a:ea typeface="Roboto"/>
-                <a:cs typeface="Roboto"/>
-                <a:sym typeface="Roboto"/>
-              </a:rPr>
-              <a:t>DCAT AP Portals</a:t>
-            </a:r>
-            <a:endParaRPr sz="1300" b="1">
-              <a:solidFill>
-                <a:schemeClr val="lt1"/>
-              </a:solidFill>
-              <a:latin typeface="Roboto"/>
-              <a:ea typeface="Roboto"/>
-              <a:cs typeface="Roboto"/>
-              <a:sym typeface="Roboto"/>
-            </a:endParaRPr>
-          </a:p>
-          <a:p>
-            <a:pPr marL="0" lvl="0" indent="0" algn="ctr" rtl="0">
-              <a:spcBef>
-                <a:spcPts val="0"/>
-              </a:spcBef>
-              <a:spcAft>
-                <a:spcPts val="0"/>
-              </a:spcAft>
-              <a:buNone/>
-            </a:pPr>
-            <a:r>
-              <a:rPr lang="en-GB" sz="1300" b="1">
-                <a:solidFill>
-                  <a:schemeClr val="lt1"/>
-                </a:solidFill>
-                <a:latin typeface="Roboto"/>
-                <a:ea typeface="Roboto"/>
-                <a:cs typeface="Roboto"/>
-                <a:sym typeface="Roboto"/>
-              </a:rPr>
-              <a:t>(mandatory fields)</a:t>
-            </a:r>
-            <a:endParaRPr sz="1300" b="1">
-              <a:solidFill>
-                <a:schemeClr val="lt1"/>
-              </a:solidFill>
-              <a:latin typeface="Roboto"/>
-              <a:ea typeface="Roboto"/>
-              <a:cs typeface="Roboto"/>
-              <a:sym typeface="Roboto"/>
-            </a:endParaRPr>
-          </a:p>
-        </p:txBody>
-      </p:sp>
-      <p:sp>
-        <p:nvSpPr>
-          <p:cNvPr id="201" name="Google Shape;201;p26"/>
-          <p:cNvSpPr txBox="1"/>
-          <p:nvPr/>
-        </p:nvSpPr>
-        <p:spPr>
-          <a:xfrm>
-            <a:off x="6562213" y="1518174"/>
-            <a:ext cx="1408200" cy="1477500"/>
-          </a:xfrm>
-          <a:prstGeom prst="rect">
-            <a:avLst/>
-          </a:prstGeom>
-          <a:noFill/>
-          <a:ln>
-            <a:noFill/>
-          </a:ln>
-        </p:spPr>
-        <p:txBody>
-          <a:bodyPr spcFirstLastPara="1" wrap="square" lIns="91425" tIns="91425" rIns="91425" bIns="91425" anchor="t" anchorCtr="0">
-            <a:spAutoFit/>
-          </a:bodyPr>
-          <a:lstStyle/>
-          <a:p>
-            <a:pPr marL="0" lvl="0" indent="0" algn="l" rtl="0">
-              <a:spcBef>
-                <a:spcPts val="0"/>
-              </a:spcBef>
-              <a:spcAft>
-                <a:spcPts val="0"/>
-              </a:spcAft>
-              <a:buNone/>
-            </a:pPr>
-            <a:br>
-              <a:rPr lang="en-GB" sz="1200">
-                <a:solidFill>
-                  <a:schemeClr val="lt1"/>
-                </a:solidFill>
-                <a:latin typeface="Roboto"/>
-                <a:ea typeface="Roboto"/>
-                <a:cs typeface="Roboto"/>
-                <a:sym typeface="Roboto"/>
-              </a:rPr>
-            </a:br>
-            <a:br>
-              <a:rPr lang="en-GB" sz="1200">
-                <a:solidFill>
-                  <a:schemeClr val="lt1"/>
-                </a:solidFill>
-                <a:latin typeface="Roboto"/>
-                <a:ea typeface="Roboto"/>
-                <a:cs typeface="Roboto"/>
-                <a:sym typeface="Roboto"/>
-              </a:rPr>
-            </a:br>
-            <a:r>
-              <a:rPr lang="en-GB" sz="1200">
-                <a:solidFill>
-                  <a:schemeClr val="lt1"/>
-                </a:solidFill>
-                <a:latin typeface="Roboto"/>
-                <a:ea typeface="Roboto"/>
-                <a:cs typeface="Roboto"/>
-                <a:sym typeface="Roboto"/>
-              </a:rPr>
-              <a:t>What </a:t>
-            </a:r>
-            <a:br>
-              <a:rPr lang="en-GB" sz="1200">
-                <a:solidFill>
-                  <a:schemeClr val="lt1"/>
-                </a:solidFill>
-                <a:latin typeface="Roboto"/>
-                <a:ea typeface="Roboto"/>
-                <a:cs typeface="Roboto"/>
-                <a:sym typeface="Roboto"/>
-              </a:rPr>
-            </a:br>
-            <a:r>
-              <a:rPr lang="en-GB" sz="1200">
-                <a:solidFill>
-                  <a:schemeClr val="lt1"/>
-                </a:solidFill>
-                <a:latin typeface="Roboto"/>
-                <a:ea typeface="Roboto"/>
-                <a:cs typeface="Roboto"/>
-                <a:sym typeface="Roboto"/>
-              </a:rPr>
-              <a:t>Apart</a:t>
-            </a:r>
-            <a:br>
-              <a:rPr lang="en-GB" sz="1200">
-                <a:solidFill>
-                  <a:schemeClr val="lt1"/>
-                </a:solidFill>
-                <a:latin typeface="Roboto"/>
-                <a:ea typeface="Roboto"/>
-                <a:cs typeface="Roboto"/>
-                <a:sym typeface="Roboto"/>
-              </a:rPr>
-            </a:br>
-            <a:r>
-              <a:rPr lang="en-GB" sz="1200">
-                <a:solidFill>
-                  <a:schemeClr val="lt1"/>
-                </a:solidFill>
-                <a:latin typeface="Roboto"/>
-                <a:ea typeface="Roboto"/>
-                <a:cs typeface="Roboto"/>
-                <a:sym typeface="Roboto"/>
-              </a:rPr>
-              <a:t>from</a:t>
-            </a:r>
-            <a:br>
-              <a:rPr lang="en-GB" sz="1200">
-                <a:solidFill>
-                  <a:schemeClr val="lt1"/>
-                </a:solidFill>
-                <a:latin typeface="Roboto"/>
-                <a:ea typeface="Roboto"/>
-                <a:cs typeface="Roboto"/>
-                <a:sym typeface="Roboto"/>
-              </a:rPr>
-            </a:br>
-            <a:r>
-              <a:rPr lang="en-GB" sz="1200">
-                <a:solidFill>
-                  <a:schemeClr val="lt1"/>
-                </a:solidFill>
-                <a:latin typeface="Roboto"/>
-                <a:ea typeface="Roboto"/>
-                <a:cs typeface="Roboto"/>
-                <a:sym typeface="Roboto"/>
-              </a:rPr>
-              <a:t>DCAT AP </a:t>
-            </a:r>
-            <a:br>
-              <a:rPr lang="en-GB" sz="1200">
-                <a:solidFill>
-                  <a:schemeClr val="lt1"/>
-                </a:solidFill>
-                <a:latin typeface="Roboto"/>
-                <a:ea typeface="Roboto"/>
-                <a:cs typeface="Roboto"/>
-                <a:sym typeface="Roboto"/>
-              </a:rPr>
-            </a:br>
-            <a:r>
-              <a:rPr lang="en-GB" sz="1200">
-                <a:solidFill>
-                  <a:schemeClr val="lt1"/>
-                </a:solidFill>
-                <a:latin typeface="Roboto"/>
-                <a:ea typeface="Roboto"/>
-                <a:cs typeface="Roboto"/>
-                <a:sym typeface="Roboto"/>
-              </a:rPr>
-              <a:t>Potals?</a:t>
-            </a:r>
-            <a:endParaRPr sz="1200">
-              <a:solidFill>
-                <a:schemeClr val="lt1"/>
-              </a:solidFill>
-              <a:latin typeface="Roboto"/>
-              <a:ea typeface="Roboto"/>
-              <a:cs typeface="Roboto"/>
-              <a:sym typeface="Roboto"/>
-            </a:endParaRPr>
-          </a:p>
-        </p:txBody>
-      </p:sp>
-      <p:sp>
-        <p:nvSpPr>
-          <p:cNvPr id="202" name="Google Shape;202;p26"/>
-          <p:cNvSpPr txBox="1"/>
-          <p:nvPr/>
-        </p:nvSpPr>
-        <p:spPr>
-          <a:xfrm>
-            <a:off x="5448934" y="3024503"/>
-            <a:ext cx="1035600" cy="1046700"/>
-          </a:xfrm>
-          <a:prstGeom prst="rect">
-            <a:avLst/>
-          </a:prstGeom>
-          <a:noFill/>
-          <a:ln>
-            <a:noFill/>
-          </a:ln>
-        </p:spPr>
-        <p:txBody>
-          <a:bodyPr spcFirstLastPara="1" wrap="square" lIns="91425" tIns="91425" rIns="91425" bIns="91425" anchor="t" anchorCtr="0">
-            <a:spAutoFit/>
-          </a:bodyPr>
-          <a:lstStyle/>
-          <a:p>
-            <a:pPr marL="0" lvl="0" indent="0" algn="l" rtl="0">
-              <a:spcBef>
-                <a:spcPts val="0"/>
-              </a:spcBef>
-              <a:spcAft>
-                <a:spcPts val="0"/>
-              </a:spcAft>
-              <a:buNone/>
-            </a:pPr>
-            <a:r>
-              <a:rPr lang="en-GB" b="1">
-                <a:solidFill>
-                  <a:schemeClr val="lt1"/>
-                </a:solidFill>
-              </a:rPr>
-              <a:t>0.9                   </a:t>
-            </a:r>
-            <a:endParaRPr b="1">
-              <a:solidFill>
-                <a:schemeClr val="lt1"/>
-              </a:solidFill>
-            </a:endParaRPr>
-          </a:p>
-          <a:p>
-            <a:pPr marL="0" lvl="0" indent="0" algn="l" rtl="0">
-              <a:spcBef>
-                <a:spcPts val="0"/>
-              </a:spcBef>
-              <a:spcAft>
-                <a:spcPts val="0"/>
-              </a:spcAft>
-              <a:buNone/>
-            </a:pPr>
-            <a:r>
-              <a:rPr lang="en-GB">
-                <a:solidFill>
-                  <a:schemeClr val="lt1"/>
-                </a:solidFill>
-              </a:rPr>
-              <a:t>    </a:t>
-            </a:r>
-            <a:endParaRPr>
-              <a:solidFill>
-                <a:schemeClr val="lt1"/>
-              </a:solidFill>
-            </a:endParaRPr>
-          </a:p>
-          <a:p>
-            <a:pPr marL="0" lvl="0" indent="0" algn="l" rtl="0">
-              <a:spcBef>
-                <a:spcPts val="0"/>
-              </a:spcBef>
-              <a:spcAft>
-                <a:spcPts val="0"/>
-              </a:spcAft>
-              <a:buNone/>
-            </a:pPr>
-            <a:endParaRPr>
-              <a:solidFill>
-                <a:schemeClr val="lt1"/>
-              </a:solidFill>
-            </a:endParaRPr>
-          </a:p>
-          <a:p>
-            <a:pPr marL="0" lvl="0" indent="0" algn="l" rtl="0">
-              <a:spcBef>
-                <a:spcPts val="0"/>
-              </a:spcBef>
-              <a:spcAft>
-                <a:spcPts val="0"/>
-              </a:spcAft>
-              <a:buNone/>
-            </a:pPr>
-            <a:r>
-              <a:rPr lang="en-GB">
-                <a:solidFill>
-                  <a:schemeClr val="lt1"/>
-                </a:solidFill>
-              </a:rPr>
-              <a:t>      2.0</a:t>
-            </a:r>
-            <a:endParaRPr>
-              <a:solidFill>
-                <a:schemeClr val="lt1"/>
-              </a:solidFill>
-            </a:endParaRPr>
-          </a:p>
-        </p:txBody>
-      </p:sp>
-      <p:sp>
-        <p:nvSpPr>
-          <p:cNvPr id="203" name="Google Shape;203;p26"/>
-          <p:cNvSpPr txBox="1"/>
-          <p:nvPr/>
-        </p:nvSpPr>
-        <p:spPr>
-          <a:xfrm rot="2014141">
-            <a:off x="4165853" y="1306127"/>
-            <a:ext cx="945128" cy="384917"/>
-          </a:xfrm>
-          <a:prstGeom prst="rect">
-            <a:avLst/>
-          </a:prstGeom>
-          <a:noFill/>
-          <a:ln>
-            <a:noFill/>
-          </a:ln>
-        </p:spPr>
-        <p:txBody>
-          <a:bodyPr spcFirstLastPara="1" wrap="square" lIns="91425" tIns="91425" rIns="91425" bIns="91425" anchor="t" anchorCtr="0">
-            <a:spAutoFit/>
-          </a:bodyPr>
-          <a:lstStyle/>
-          <a:p>
-            <a:pPr marL="0" lvl="0" indent="0" algn="ctr" rtl="0">
-              <a:spcBef>
-                <a:spcPts val="0"/>
-              </a:spcBef>
-              <a:spcAft>
-                <a:spcPts val="0"/>
-              </a:spcAft>
-              <a:buNone/>
-            </a:pPr>
-            <a:r>
-              <a:rPr lang="en-GB" sz="1300">
-                <a:solidFill>
-                  <a:schemeClr val="dk2"/>
-                </a:solidFill>
-                <a:latin typeface="Roboto"/>
-                <a:ea typeface="Roboto"/>
-                <a:cs typeface="Roboto"/>
-                <a:sym typeface="Roboto"/>
-              </a:rPr>
-              <a:t>Omics</a:t>
-            </a:r>
-            <a:endParaRPr sz="1300">
-              <a:solidFill>
-                <a:schemeClr val="dk2"/>
-              </a:solidFill>
-              <a:latin typeface="Roboto"/>
-              <a:ea typeface="Roboto"/>
-              <a:cs typeface="Roboto"/>
-              <a:sym typeface="Roboto"/>
-            </a:endParaRPr>
-          </a:p>
-        </p:txBody>
-      </p:sp>
-      <p:sp>
-        <p:nvSpPr>
-          <p:cNvPr id="204" name="Google Shape;204;p26"/>
-          <p:cNvSpPr txBox="1"/>
-          <p:nvPr/>
-        </p:nvSpPr>
-        <p:spPr>
-          <a:xfrm rot="1082178">
-            <a:off x="4338999" y="735515"/>
-            <a:ext cx="940832" cy="354118"/>
-          </a:xfrm>
-          <a:prstGeom prst="rect">
-            <a:avLst/>
-          </a:prstGeom>
-          <a:noFill/>
-          <a:ln>
-            <a:noFill/>
-          </a:ln>
-        </p:spPr>
-        <p:txBody>
-          <a:bodyPr spcFirstLastPara="1" wrap="square" lIns="91425" tIns="91425" rIns="91425" bIns="91425" anchor="t" anchorCtr="0">
-            <a:spAutoFit/>
-          </a:bodyPr>
-          <a:lstStyle/>
-          <a:p>
-            <a:pPr marL="0" lvl="0" indent="0" algn="ctr" rtl="0">
-              <a:spcBef>
-                <a:spcPts val="0"/>
-              </a:spcBef>
-              <a:spcAft>
-                <a:spcPts val="0"/>
-              </a:spcAft>
-              <a:buNone/>
-            </a:pPr>
-            <a:r>
-              <a:rPr lang="en-GB" sz="1100">
-                <a:solidFill>
-                  <a:schemeClr val="dk2"/>
-                </a:solidFill>
-                <a:latin typeface="Roboto"/>
-                <a:ea typeface="Roboto"/>
-                <a:cs typeface="Roboto"/>
-                <a:sym typeface="Roboto"/>
-              </a:rPr>
-              <a:t>Metab</a:t>
-            </a:r>
-            <a:endParaRPr sz="1100">
-              <a:solidFill>
-                <a:schemeClr val="dk2"/>
-              </a:solidFill>
-              <a:latin typeface="Roboto"/>
-              <a:ea typeface="Roboto"/>
-              <a:cs typeface="Roboto"/>
-              <a:sym typeface="Roboto"/>
-            </a:endParaRPr>
-          </a:p>
-        </p:txBody>
-      </p:sp>
-      <p:sp>
-        <p:nvSpPr>
-          <p:cNvPr id="205" name="Google Shape;205;p26"/>
-          <p:cNvSpPr txBox="1"/>
-          <p:nvPr/>
-        </p:nvSpPr>
-        <p:spPr>
-          <a:xfrm rot="2159638">
-            <a:off x="3420253" y="1235365"/>
-            <a:ext cx="945891" cy="354032"/>
-          </a:xfrm>
-          <a:prstGeom prst="rect">
-            <a:avLst/>
-          </a:prstGeom>
-          <a:noFill/>
-          <a:ln>
-            <a:noFill/>
-          </a:ln>
-        </p:spPr>
-        <p:txBody>
-          <a:bodyPr spcFirstLastPara="1" wrap="square" lIns="91425" tIns="91425" rIns="91425" bIns="91425" anchor="t" anchorCtr="0">
-            <a:spAutoFit/>
-          </a:bodyPr>
-          <a:lstStyle/>
-          <a:p>
-            <a:pPr marL="0" lvl="0" indent="0" algn="ctr" rtl="0">
-              <a:spcBef>
-                <a:spcPts val="0"/>
-              </a:spcBef>
-              <a:spcAft>
-                <a:spcPts val="0"/>
-              </a:spcAft>
-              <a:buNone/>
-            </a:pPr>
-            <a:r>
-              <a:rPr lang="en-GB" sz="1100">
-                <a:solidFill>
-                  <a:schemeClr val="dk2"/>
-                </a:solidFill>
-                <a:latin typeface="Roboto"/>
-                <a:ea typeface="Roboto"/>
-                <a:cs typeface="Roboto"/>
-                <a:sym typeface="Roboto"/>
-              </a:rPr>
-              <a:t>Transcrip</a:t>
-            </a:r>
-            <a:endParaRPr sz="1100">
-              <a:solidFill>
-                <a:schemeClr val="dk2"/>
-              </a:solidFill>
-              <a:latin typeface="Roboto"/>
-              <a:ea typeface="Roboto"/>
-              <a:cs typeface="Roboto"/>
-              <a:sym typeface="Roboto"/>
-            </a:endParaRPr>
-          </a:p>
-        </p:txBody>
-      </p:sp>
-      <p:sp>
-        <p:nvSpPr>
-          <p:cNvPr id="206" name="Google Shape;206;p26"/>
-          <p:cNvSpPr txBox="1"/>
-          <p:nvPr/>
-        </p:nvSpPr>
-        <p:spPr>
-          <a:xfrm rot="-2012628">
-            <a:off x="6924208" y="1382494"/>
-            <a:ext cx="945212" cy="384756"/>
-          </a:xfrm>
-          <a:prstGeom prst="rect">
-            <a:avLst/>
-          </a:prstGeom>
-          <a:noFill/>
-          <a:ln>
-            <a:noFill/>
-          </a:ln>
-        </p:spPr>
-        <p:txBody>
-          <a:bodyPr spcFirstLastPara="1" wrap="square" lIns="91425" tIns="91425" rIns="91425" bIns="91425" anchor="t" anchorCtr="0">
-            <a:spAutoFit/>
-          </a:bodyPr>
-          <a:lstStyle/>
-          <a:p>
-            <a:pPr marL="0" lvl="0" indent="0" algn="ctr" rtl="0">
-              <a:spcBef>
-                <a:spcPts val="0"/>
-              </a:spcBef>
-              <a:spcAft>
-                <a:spcPts val="0"/>
-              </a:spcAft>
-              <a:buNone/>
-            </a:pPr>
-            <a:r>
-              <a:rPr lang="en-GB" sz="1300">
-                <a:solidFill>
-                  <a:schemeClr val="dk2"/>
-                </a:solidFill>
-                <a:latin typeface="Roboto"/>
-                <a:ea typeface="Roboto"/>
-                <a:cs typeface="Roboto"/>
-                <a:sym typeface="Roboto"/>
-              </a:rPr>
-              <a:t>Funders</a:t>
-            </a:r>
-            <a:endParaRPr sz="1300">
-              <a:solidFill>
-                <a:schemeClr val="dk2"/>
-              </a:solidFill>
-              <a:latin typeface="Roboto"/>
-              <a:ea typeface="Roboto"/>
-              <a:cs typeface="Roboto"/>
-              <a:sym typeface="Roboto"/>
-            </a:endParaRPr>
-          </a:p>
-        </p:txBody>
-      </p:sp>
-      <p:sp>
-        <p:nvSpPr>
-          <p:cNvPr id="207" name="Google Shape;207;p26"/>
-          <p:cNvSpPr txBox="1"/>
-          <p:nvPr/>
-        </p:nvSpPr>
-        <p:spPr>
-          <a:xfrm rot="-1929944">
-            <a:off x="7754718" y="1227588"/>
-            <a:ext cx="897684" cy="369597"/>
-          </a:xfrm>
-          <a:prstGeom prst="rect">
-            <a:avLst/>
-          </a:prstGeom>
-          <a:noFill/>
-          <a:ln>
-            <a:noFill/>
-          </a:ln>
-        </p:spPr>
-        <p:txBody>
-          <a:bodyPr spcFirstLastPara="1" wrap="square" lIns="91425" tIns="91425" rIns="91425" bIns="91425" anchor="t" anchorCtr="0">
-            <a:spAutoFit/>
-          </a:bodyPr>
-          <a:lstStyle/>
-          <a:p>
-            <a:pPr marL="0" lvl="0" indent="0" algn="ctr" rtl="0">
-              <a:spcBef>
-                <a:spcPts val="0"/>
-              </a:spcBef>
-              <a:spcAft>
-                <a:spcPts val="0"/>
-              </a:spcAft>
-              <a:buNone/>
-            </a:pPr>
-            <a:r>
-              <a:rPr lang="en-GB" sz="1200">
-                <a:solidFill>
-                  <a:schemeClr val="dk2"/>
-                </a:solidFill>
-                <a:latin typeface="Roboto"/>
-                <a:ea typeface="Roboto"/>
-                <a:cs typeface="Roboto"/>
-                <a:sym typeface="Roboto"/>
-              </a:rPr>
-              <a:t>ZonMw</a:t>
-            </a:r>
-            <a:endParaRPr sz="1200">
-              <a:solidFill>
-                <a:schemeClr val="dk2"/>
-              </a:solidFill>
-              <a:latin typeface="Roboto"/>
-              <a:ea typeface="Roboto"/>
-              <a:cs typeface="Roboto"/>
-              <a:sym typeface="Roboto"/>
-            </a:endParaRPr>
-          </a:p>
-        </p:txBody>
-      </p:sp>
-      <p:sp>
-        <p:nvSpPr>
-          <p:cNvPr id="208" name="Google Shape;208;p26"/>
-          <p:cNvSpPr txBox="1"/>
-          <p:nvPr/>
-        </p:nvSpPr>
-        <p:spPr>
-          <a:xfrm>
-            <a:off x="3433045" y="2323992"/>
-            <a:ext cx="938700" cy="384900"/>
-          </a:xfrm>
-          <a:prstGeom prst="rect">
-            <a:avLst/>
-          </a:prstGeom>
-          <a:noFill/>
-          <a:ln>
-            <a:noFill/>
-          </a:ln>
-        </p:spPr>
-        <p:txBody>
-          <a:bodyPr spcFirstLastPara="1" wrap="square" lIns="91425" tIns="91425" rIns="91425" bIns="91425" anchor="t" anchorCtr="0">
-            <a:spAutoFit/>
-          </a:bodyPr>
-          <a:lstStyle/>
-          <a:p>
-            <a:pPr marL="0" lvl="0" indent="0" algn="ctr" rtl="0">
-              <a:spcBef>
-                <a:spcPts val="0"/>
-              </a:spcBef>
-              <a:spcAft>
-                <a:spcPts val="0"/>
-              </a:spcAft>
-              <a:buNone/>
-            </a:pPr>
-            <a:r>
-              <a:rPr lang="en-GB" sz="1300">
-                <a:solidFill>
-                  <a:schemeClr val="dk2"/>
-                </a:solidFill>
-                <a:latin typeface="Roboto"/>
-                <a:ea typeface="Roboto"/>
-                <a:cs typeface="Roboto"/>
-                <a:sym typeface="Roboto"/>
-              </a:rPr>
-              <a:t>Clinical</a:t>
-            </a:r>
-            <a:endParaRPr sz="1300">
-              <a:solidFill>
-                <a:schemeClr val="dk2"/>
-              </a:solidFill>
-              <a:latin typeface="Roboto"/>
-              <a:ea typeface="Roboto"/>
-              <a:cs typeface="Roboto"/>
-              <a:sym typeface="Roboto"/>
-            </a:endParaRPr>
-          </a:p>
-        </p:txBody>
-      </p:sp>
-      <p:sp>
-        <p:nvSpPr>
-          <p:cNvPr id="209" name="Google Shape;209;p26"/>
-          <p:cNvSpPr txBox="1"/>
-          <p:nvPr/>
-        </p:nvSpPr>
-        <p:spPr>
-          <a:xfrm>
-            <a:off x="7807531" y="2275118"/>
-            <a:ext cx="938700" cy="384900"/>
-          </a:xfrm>
-          <a:prstGeom prst="rect">
-            <a:avLst/>
-          </a:prstGeom>
-          <a:noFill/>
-          <a:ln>
-            <a:noFill/>
-          </a:ln>
-        </p:spPr>
-        <p:txBody>
-          <a:bodyPr spcFirstLastPara="1" wrap="square" lIns="91425" tIns="91425" rIns="91425" bIns="91425" anchor="t" anchorCtr="0">
-            <a:spAutoFit/>
-          </a:bodyPr>
-          <a:lstStyle/>
-          <a:p>
-            <a:pPr marL="0" lvl="0" indent="0" algn="ctr" rtl="0">
-              <a:spcBef>
-                <a:spcPts val="0"/>
-              </a:spcBef>
-              <a:spcAft>
-                <a:spcPts val="0"/>
-              </a:spcAft>
-              <a:buNone/>
-            </a:pPr>
-            <a:r>
-              <a:rPr lang="en-GB" sz="1300">
-                <a:solidFill>
-                  <a:schemeClr val="dk2"/>
-                </a:solidFill>
-                <a:latin typeface="Roboto"/>
-                <a:ea typeface="Roboto"/>
-                <a:cs typeface="Roboto"/>
-                <a:sym typeface="Roboto"/>
-              </a:rPr>
-              <a:t>Biobank</a:t>
-            </a:r>
-            <a:endParaRPr sz="1300">
-              <a:solidFill>
-                <a:schemeClr val="dk2"/>
-              </a:solidFill>
-              <a:latin typeface="Roboto"/>
-              <a:ea typeface="Roboto"/>
-              <a:cs typeface="Roboto"/>
-              <a:sym typeface="Roboto"/>
-            </a:endParaRPr>
-          </a:p>
-        </p:txBody>
-      </p:sp>
-      <p:sp>
-        <p:nvSpPr>
-          <p:cNvPr id="210" name="Google Shape;210;p26"/>
-          <p:cNvSpPr txBox="1"/>
-          <p:nvPr/>
-        </p:nvSpPr>
-        <p:spPr>
-          <a:xfrm rot="1971133">
-            <a:off x="6992841" y="3421045"/>
-            <a:ext cx="944561" cy="384976"/>
-          </a:xfrm>
-          <a:prstGeom prst="rect">
-            <a:avLst/>
-          </a:prstGeom>
-          <a:noFill/>
-          <a:ln>
-            <a:noFill/>
-          </a:ln>
-        </p:spPr>
-        <p:txBody>
-          <a:bodyPr spcFirstLastPara="1" wrap="square" lIns="91425" tIns="91425" rIns="91425" bIns="91425" anchor="t" anchorCtr="0">
-            <a:spAutoFit/>
-          </a:bodyPr>
-          <a:lstStyle/>
-          <a:p>
-            <a:pPr marL="0" lvl="0" indent="0" algn="ctr" rtl="0">
-              <a:spcBef>
-                <a:spcPts val="0"/>
-              </a:spcBef>
-              <a:spcAft>
-                <a:spcPts val="0"/>
-              </a:spcAft>
-              <a:buNone/>
-            </a:pPr>
-            <a:r>
-              <a:rPr lang="en-GB" sz="1300">
-                <a:solidFill>
-                  <a:schemeClr val="dk2"/>
-                </a:solidFill>
-                <a:latin typeface="Roboto"/>
-                <a:ea typeface="Roboto"/>
-                <a:cs typeface="Roboto"/>
-                <a:sym typeface="Roboto"/>
-              </a:rPr>
-              <a:t>Cohorts</a:t>
-            </a:r>
-            <a:endParaRPr sz="1300">
-              <a:solidFill>
-                <a:schemeClr val="dk2"/>
-              </a:solidFill>
-              <a:latin typeface="Roboto"/>
-              <a:ea typeface="Roboto"/>
-              <a:cs typeface="Roboto"/>
-              <a:sym typeface="Roboto"/>
-            </a:endParaRPr>
-          </a:p>
-        </p:txBody>
-      </p:sp>
-      <p:sp>
-        <p:nvSpPr>
-          <p:cNvPr id="211" name="Google Shape;211;p26"/>
-          <p:cNvSpPr txBox="1"/>
-          <p:nvPr/>
-        </p:nvSpPr>
-        <p:spPr>
-          <a:xfrm>
-            <a:off x="2899832" y="1835517"/>
-            <a:ext cx="938700" cy="354000"/>
-          </a:xfrm>
-          <a:prstGeom prst="rect">
-            <a:avLst/>
-          </a:prstGeom>
-          <a:noFill/>
-          <a:ln>
-            <a:noFill/>
-          </a:ln>
-        </p:spPr>
-        <p:txBody>
-          <a:bodyPr spcFirstLastPara="1" wrap="square" lIns="91425" tIns="91425" rIns="91425" bIns="91425" anchor="t" anchorCtr="0">
-            <a:spAutoFit/>
-          </a:bodyPr>
-          <a:lstStyle/>
-          <a:p>
-            <a:pPr marL="0" lvl="0" indent="0" algn="ctr" rtl="0">
-              <a:spcBef>
-                <a:spcPts val="0"/>
-              </a:spcBef>
-              <a:spcAft>
-                <a:spcPts val="0"/>
-              </a:spcAft>
-              <a:buNone/>
-            </a:pPr>
-            <a:endParaRPr sz="1100">
-              <a:solidFill>
-                <a:schemeClr val="dk2"/>
-              </a:solidFill>
-              <a:latin typeface="Roboto"/>
-              <a:ea typeface="Roboto"/>
-              <a:cs typeface="Roboto"/>
-              <a:sym typeface="Roboto"/>
-            </a:endParaRPr>
-          </a:p>
-        </p:txBody>
-      </p:sp>
-      <p:sp>
-        <p:nvSpPr>
-          <p:cNvPr id="212" name="Google Shape;212;p26"/>
-          <p:cNvSpPr txBox="1"/>
-          <p:nvPr/>
-        </p:nvSpPr>
-        <p:spPr>
-          <a:xfrm>
-            <a:off x="4307720" y="3581467"/>
-            <a:ext cx="938700" cy="585000"/>
-          </a:xfrm>
-          <a:prstGeom prst="rect">
-            <a:avLst/>
-          </a:prstGeom>
-          <a:noFill/>
-          <a:ln>
-            <a:noFill/>
-          </a:ln>
-        </p:spPr>
-        <p:txBody>
-          <a:bodyPr spcFirstLastPara="1" wrap="square" lIns="91425" tIns="91425" rIns="91425" bIns="91425" anchor="t" anchorCtr="0">
-            <a:spAutoFit/>
-          </a:bodyPr>
-          <a:lstStyle/>
-          <a:p>
-            <a:pPr marL="0" lvl="0" indent="0" algn="ctr" rtl="0">
-              <a:spcBef>
-                <a:spcPts val="0"/>
-              </a:spcBef>
-              <a:spcAft>
-                <a:spcPts val="0"/>
-              </a:spcAft>
-              <a:buNone/>
-            </a:pPr>
-            <a:r>
-              <a:rPr lang="en-GB" sz="1300" dirty="0">
-                <a:solidFill>
-                  <a:schemeClr val="dk2"/>
-                </a:solidFill>
-                <a:latin typeface="Roboto"/>
-                <a:ea typeface="Roboto"/>
-                <a:cs typeface="Roboto"/>
-                <a:sym typeface="Roboto"/>
-              </a:rPr>
-              <a:t>Rare Diseases</a:t>
-            </a:r>
-            <a:endParaRPr sz="1300" dirty="0">
-              <a:solidFill>
-                <a:schemeClr val="dk2"/>
-              </a:solidFill>
-              <a:latin typeface="Roboto"/>
-              <a:ea typeface="Roboto"/>
-              <a:cs typeface="Roboto"/>
-              <a:sym typeface="Roboto"/>
-            </a:endParaRPr>
-          </a:p>
-        </p:txBody>
-      </p:sp>
-      <p:sp>
-        <p:nvSpPr>
-          <p:cNvPr id="213" name="Google Shape;213;p26"/>
-          <p:cNvSpPr txBox="1"/>
-          <p:nvPr/>
-        </p:nvSpPr>
-        <p:spPr>
-          <a:xfrm rot="-1393791">
-            <a:off x="3582551" y="3470414"/>
-            <a:ext cx="938592" cy="353976"/>
-          </a:xfrm>
-          <a:prstGeom prst="rect">
-            <a:avLst/>
-          </a:prstGeom>
-          <a:noFill/>
-          <a:ln>
-            <a:noFill/>
-          </a:ln>
-        </p:spPr>
-        <p:txBody>
-          <a:bodyPr spcFirstLastPara="1" wrap="square" lIns="91425" tIns="91425" rIns="91425" bIns="91425" anchor="t" anchorCtr="0">
-            <a:spAutoFit/>
-          </a:bodyPr>
-          <a:lstStyle/>
-          <a:p>
-            <a:pPr marL="0" lvl="0" indent="0" algn="ctr" rtl="0">
-              <a:spcBef>
-                <a:spcPts val="0"/>
-              </a:spcBef>
-              <a:spcAft>
-                <a:spcPts val="0"/>
-              </a:spcAft>
-              <a:buNone/>
-            </a:pPr>
-            <a:r>
-              <a:rPr lang="en-GB" sz="1100">
-                <a:solidFill>
-                  <a:schemeClr val="dk2"/>
-                </a:solidFill>
-                <a:latin typeface="Roboto"/>
-                <a:ea typeface="Roboto"/>
-                <a:cs typeface="Roboto"/>
-                <a:sym typeface="Roboto"/>
-              </a:rPr>
-              <a:t>CDEs</a:t>
-            </a:r>
-            <a:endParaRPr sz="1100">
-              <a:solidFill>
-                <a:schemeClr val="dk2"/>
-              </a:solidFill>
-              <a:latin typeface="Roboto"/>
-              <a:ea typeface="Roboto"/>
-              <a:cs typeface="Roboto"/>
-              <a:sym typeface="Roboto"/>
-            </a:endParaRPr>
-          </a:p>
-        </p:txBody>
-      </p:sp>
-      <p:sp>
-        <p:nvSpPr>
-          <p:cNvPr id="214" name="Google Shape;214;p26"/>
-          <p:cNvSpPr txBox="1"/>
-          <p:nvPr/>
-        </p:nvSpPr>
-        <p:spPr>
-          <a:xfrm>
-            <a:off x="4321482" y="4417667"/>
-            <a:ext cx="938700" cy="354000"/>
-          </a:xfrm>
-          <a:prstGeom prst="rect">
-            <a:avLst/>
-          </a:prstGeom>
-          <a:noFill/>
-          <a:ln>
-            <a:noFill/>
-          </a:ln>
-        </p:spPr>
-        <p:txBody>
-          <a:bodyPr spcFirstLastPara="1" wrap="square" lIns="91425" tIns="91425" rIns="91425" bIns="91425" anchor="t" anchorCtr="0">
-            <a:spAutoFit/>
-          </a:bodyPr>
-          <a:lstStyle/>
-          <a:p>
-            <a:pPr marL="0" lvl="0" indent="0" algn="ctr" rtl="0">
-              <a:spcBef>
-                <a:spcPts val="0"/>
-              </a:spcBef>
-              <a:spcAft>
-                <a:spcPts val="0"/>
-              </a:spcAft>
-              <a:buNone/>
-            </a:pPr>
-            <a:r>
-              <a:rPr lang="en-GB" sz="1100">
-                <a:solidFill>
-                  <a:schemeClr val="dk2"/>
-                </a:solidFill>
-                <a:latin typeface="Roboto"/>
-                <a:ea typeface="Roboto"/>
-                <a:cs typeface="Roboto"/>
-                <a:sym typeface="Roboto"/>
-              </a:rPr>
-              <a:t>DCDEs</a:t>
-            </a:r>
-            <a:endParaRPr sz="1100">
-              <a:solidFill>
-                <a:schemeClr val="dk2"/>
-              </a:solidFill>
-              <a:latin typeface="Roboto"/>
-              <a:ea typeface="Roboto"/>
-              <a:cs typeface="Roboto"/>
-              <a:sym typeface="Roboto"/>
-            </a:endParaRPr>
-          </a:p>
-        </p:txBody>
-      </p:sp>
-      <p:sp>
-        <p:nvSpPr>
-          <p:cNvPr id="215" name="Google Shape;215;p26"/>
-          <p:cNvSpPr txBox="1"/>
-          <p:nvPr/>
-        </p:nvSpPr>
-        <p:spPr>
-          <a:xfrm rot="-3749584">
-            <a:off x="3363435" y="4240525"/>
-            <a:ext cx="938605" cy="354106"/>
-          </a:xfrm>
-          <a:prstGeom prst="rect">
-            <a:avLst/>
-          </a:prstGeom>
-          <a:noFill/>
-          <a:ln>
-            <a:noFill/>
-          </a:ln>
-        </p:spPr>
-        <p:txBody>
-          <a:bodyPr spcFirstLastPara="1" wrap="square" lIns="91425" tIns="91425" rIns="91425" bIns="91425" anchor="t" anchorCtr="0">
-            <a:spAutoFit/>
-          </a:bodyPr>
-          <a:lstStyle/>
-          <a:p>
-            <a:pPr marL="0" lvl="0" indent="0" algn="ctr" rtl="0">
-              <a:spcBef>
-                <a:spcPts val="0"/>
-              </a:spcBef>
-              <a:spcAft>
-                <a:spcPts val="0"/>
-              </a:spcAft>
-              <a:buNone/>
-            </a:pPr>
-            <a:r>
-              <a:rPr lang="en-GB" sz="1100">
-                <a:solidFill>
-                  <a:schemeClr val="dk2"/>
-                </a:solidFill>
-                <a:latin typeface="Roboto"/>
-                <a:ea typeface="Roboto"/>
-                <a:cs typeface="Roboto"/>
-                <a:sym typeface="Roboto"/>
-              </a:rPr>
-              <a:t>PROMS</a:t>
-            </a:r>
-            <a:endParaRPr sz="1100">
-              <a:solidFill>
-                <a:schemeClr val="dk2"/>
-              </a:solidFill>
-              <a:latin typeface="Roboto"/>
-              <a:ea typeface="Roboto"/>
-              <a:cs typeface="Roboto"/>
-              <a:sym typeface="Roboto"/>
-            </a:endParaRPr>
-          </a:p>
-        </p:txBody>
-      </p:sp>
-      <p:sp>
-        <p:nvSpPr>
-          <p:cNvPr id="216" name="Google Shape;216;p26"/>
-          <p:cNvSpPr txBox="1"/>
-          <p:nvPr/>
-        </p:nvSpPr>
-        <p:spPr>
-          <a:xfrm>
-            <a:off x="206731" y="1433543"/>
-            <a:ext cx="3434945" cy="3631733"/>
-          </a:xfrm>
-          <a:prstGeom prst="rect">
-            <a:avLst/>
-          </a:prstGeom>
-          <a:noFill/>
-          <a:ln>
-            <a:noFill/>
-          </a:ln>
-        </p:spPr>
-        <p:txBody>
-          <a:bodyPr spcFirstLastPara="1" wrap="square" lIns="91425" tIns="91425" rIns="91425" bIns="91425" anchor="t" anchorCtr="0">
-            <a:spAutoFit/>
-          </a:bodyPr>
-          <a:lstStyle/>
-          <a:p>
-            <a:pPr marL="0" lvl="0" indent="0" algn="l" rtl="0">
-              <a:lnSpc>
-                <a:spcPct val="115000"/>
-              </a:lnSpc>
-              <a:spcBef>
-                <a:spcPts val="0"/>
-              </a:spcBef>
-              <a:spcAft>
-                <a:spcPts val="0"/>
-              </a:spcAft>
-              <a:buNone/>
-            </a:pPr>
-            <a:r>
-              <a:rPr lang="en-GB" sz="1600" b="1" dirty="0">
-                <a:solidFill>
-                  <a:schemeClr val="dk2"/>
-                </a:solidFill>
-              </a:rPr>
-              <a:t>Generic elements (Core)</a:t>
-            </a:r>
-            <a:br>
-              <a:rPr lang="en-GB" sz="1600" dirty="0">
-                <a:solidFill>
-                  <a:schemeClr val="dk2"/>
-                </a:solidFill>
-              </a:rPr>
-            </a:br>
-            <a:r>
-              <a:rPr lang="en-GB" sz="1600" dirty="0">
-                <a:solidFill>
-                  <a:schemeClr val="lt1"/>
-                </a:solidFill>
-                <a:highlight>
-                  <a:srgbClr val="5B0F00"/>
-                </a:highlight>
-              </a:rPr>
-              <a:t>Minimal</a:t>
-            </a:r>
-            <a:r>
-              <a:rPr lang="en-GB" sz="1600" dirty="0">
-                <a:solidFill>
-                  <a:schemeClr val="lt1"/>
-                </a:solidFill>
-              </a:rPr>
-              <a:t> </a:t>
-            </a:r>
-            <a:r>
-              <a:rPr lang="en-GB" sz="1600" dirty="0">
-                <a:solidFill>
-                  <a:schemeClr val="dk2"/>
-                </a:solidFill>
-              </a:rPr>
-              <a:t>DCAT AP Portals</a:t>
-            </a:r>
-            <a:br>
-              <a:rPr lang="en-GB" sz="1600" dirty="0">
-                <a:solidFill>
-                  <a:schemeClr val="dk2"/>
-                </a:solidFill>
-              </a:rPr>
-            </a:br>
-            <a:r>
-              <a:rPr lang="en-GB" sz="1600" dirty="0">
-                <a:solidFill>
-                  <a:schemeClr val="lt1"/>
-                </a:solidFill>
-                <a:highlight>
-                  <a:srgbClr val="783F04"/>
-                </a:highlight>
-              </a:rPr>
-              <a:t>Extended</a:t>
-            </a:r>
-            <a:r>
-              <a:rPr lang="en-GB" sz="1600" dirty="0">
-                <a:solidFill>
-                  <a:schemeClr val="dk2"/>
-                </a:solidFill>
-                <a:highlight>
-                  <a:srgbClr val="783F04"/>
-                </a:highlight>
-              </a:rPr>
-              <a:t>:</a:t>
-            </a:r>
-            <a:r>
-              <a:rPr lang="en-GB" sz="1600" dirty="0">
-                <a:solidFill>
-                  <a:schemeClr val="dk2"/>
-                </a:solidFill>
-              </a:rPr>
-              <a:t> Health-RI </a:t>
-            </a:r>
-            <a:endParaRPr sz="1600" dirty="0">
-              <a:solidFill>
-                <a:schemeClr val="dk2"/>
-              </a:solidFill>
-            </a:endParaRPr>
-          </a:p>
-          <a:p>
-            <a:pPr marL="0" lvl="0" indent="0" algn="l" rtl="0">
-              <a:lnSpc>
-                <a:spcPct val="115000"/>
-              </a:lnSpc>
-              <a:spcBef>
-                <a:spcPts val="1200"/>
-              </a:spcBef>
-              <a:spcAft>
-                <a:spcPts val="0"/>
-              </a:spcAft>
-              <a:buNone/>
-            </a:pPr>
-            <a:r>
-              <a:rPr lang="en-GB" sz="1600" b="1" dirty="0">
-                <a:solidFill>
-                  <a:schemeClr val="dk2"/>
-                </a:solidFill>
-              </a:rPr>
-              <a:t>Leaves (Petals?):</a:t>
-            </a:r>
-            <a:br>
-              <a:rPr lang="en-GB" sz="1600" dirty="0">
-                <a:solidFill>
-                  <a:schemeClr val="dk2"/>
-                </a:solidFill>
-              </a:rPr>
-            </a:br>
-            <a:r>
-              <a:rPr lang="en-GB" sz="1600" dirty="0">
-                <a:solidFill>
-                  <a:schemeClr val="dk2"/>
-                </a:solidFill>
-              </a:rPr>
-              <a:t>-</a:t>
-            </a:r>
-            <a:r>
-              <a:rPr lang="en-GB" sz="1600" dirty="0" err="1">
-                <a:solidFill>
-                  <a:schemeClr val="dk2"/>
-                </a:solidFill>
-              </a:rPr>
-              <a:t>Domain:</a:t>
-            </a:r>
-            <a:r>
-              <a:rPr lang="en-GB" sz="1600" i="1" dirty="0" err="1">
-                <a:solidFill>
-                  <a:schemeClr val="dk2"/>
-                </a:solidFill>
-                <a:highlight>
-                  <a:srgbClr val="FFD966"/>
-                </a:highlight>
-              </a:rPr>
-              <a:t>imaging</a:t>
-            </a:r>
-            <a:br>
-              <a:rPr lang="en-GB" sz="1600" i="1" dirty="0">
-                <a:solidFill>
-                  <a:schemeClr val="dk2"/>
-                </a:solidFill>
-                <a:highlight>
-                  <a:srgbClr val="FFD966"/>
-                </a:highlight>
-              </a:rPr>
-            </a:br>
-            <a:r>
-              <a:rPr lang="en-GB" sz="1600" dirty="0">
-                <a:solidFill>
-                  <a:schemeClr val="dk2"/>
-                </a:solidFill>
-              </a:rPr>
-              <a:t>-sub-domains (</a:t>
-            </a:r>
-            <a:r>
-              <a:rPr lang="en-GB" sz="1600" dirty="0">
-                <a:solidFill>
-                  <a:schemeClr val="dk2"/>
-                </a:solidFill>
-                <a:highlight>
-                  <a:srgbClr val="FFE599"/>
-                </a:highlight>
-              </a:rPr>
-              <a:t>MRI</a:t>
-            </a:r>
-            <a:r>
-              <a:rPr lang="en-GB" sz="1600" dirty="0">
-                <a:solidFill>
-                  <a:schemeClr val="dk2"/>
-                </a:solidFill>
-              </a:rPr>
-              <a:t>)</a:t>
-            </a:r>
-            <a:br>
-              <a:rPr lang="en-GB" sz="1600" dirty="0">
-                <a:solidFill>
-                  <a:schemeClr val="dk2"/>
-                </a:solidFill>
-              </a:rPr>
-            </a:br>
-            <a:endParaRPr sz="1600" dirty="0">
-              <a:solidFill>
-                <a:schemeClr val="dk2"/>
-              </a:solidFill>
-            </a:endParaRPr>
-          </a:p>
-          <a:p>
-            <a:pPr marL="0" lvl="0" indent="0" algn="l" rtl="0">
-              <a:lnSpc>
-                <a:spcPct val="115000"/>
-              </a:lnSpc>
-              <a:spcBef>
-                <a:spcPts val="1200"/>
-              </a:spcBef>
-              <a:spcAft>
-                <a:spcPts val="0"/>
-              </a:spcAft>
-              <a:buNone/>
-            </a:pPr>
-            <a:endParaRPr sz="1600" dirty="0">
-              <a:solidFill>
-                <a:schemeClr val="dk2"/>
-              </a:solidFill>
-            </a:endParaRPr>
-          </a:p>
-          <a:p>
-            <a:pPr marL="0" lvl="0" indent="0" algn="l" rtl="0">
-              <a:lnSpc>
-                <a:spcPct val="115000"/>
-              </a:lnSpc>
-              <a:spcBef>
-                <a:spcPts val="1200"/>
-              </a:spcBef>
-              <a:spcAft>
-                <a:spcPts val="1200"/>
-              </a:spcAft>
-              <a:buNone/>
-            </a:pPr>
-            <a:r>
-              <a:rPr lang="en-GB" sz="1600" u="sng" dirty="0">
-                <a:solidFill>
-                  <a:schemeClr val="dk2"/>
-                </a:solidFill>
-                <a:hlinkClick r:id="rId3">
-                  <a:extLst>
-                    <a:ext uri="{A12FA001-AC4F-418D-AE19-62706E023703}">
-                      <ahyp:hlinkClr xmlns:ahyp="http://schemas.microsoft.com/office/drawing/2018/hyperlinkcolor" val="tx"/>
-                    </a:ext>
-                  </a:extLst>
-                </a:hlinkClick>
-              </a:rPr>
-              <a:t>https://github.com/Health-RI/health-ri-metadata/</a:t>
-            </a:r>
-            <a:r>
-              <a:rPr lang="en-GB" sz="1600" dirty="0">
-                <a:solidFill>
-                  <a:schemeClr val="dk2"/>
-                </a:solidFill>
-              </a:rPr>
-              <a:t> </a:t>
-            </a:r>
-            <a:endParaRPr sz="1600" dirty="0">
-              <a:solidFill>
-                <a:schemeClr val="dk2"/>
-              </a:solidFill>
-            </a:endParaRPr>
-          </a:p>
-        </p:txBody>
-      </p:sp>
-      <p:sp>
-        <p:nvSpPr>
-          <p:cNvPr id="217" name="Google Shape;217;p26"/>
-          <p:cNvSpPr txBox="1">
+          <p:cNvPr id="2" name="Title 1">
+            <a:extLst>
+              <a:ext uri="{FF2B5EF4-FFF2-40B4-BE49-F238E27FC236}">
+                <a16:creationId xmlns:a16="http://schemas.microsoft.com/office/drawing/2014/main" id="{C87D79F0-EDD3-2712-6B66-0C04272E49AD}"/>
+              </a:ext>
+            </a:extLst>
+          </p:cNvPr>
+          <p:cNvSpPr>
             <a:spLocks noGrp="1"/>
           </p:cNvSpPr>
           <p:nvPr>
             <p:ph type="title"/>
           </p:nvPr>
         </p:nvSpPr>
-        <p:spPr>
-          <a:xfrm>
-            <a:off x="134442" y="534123"/>
-            <a:ext cx="7688700" cy="535200"/>
-          </a:xfrm>
-          <a:prstGeom prst="rect">
-            <a:avLst/>
-          </a:prstGeom>
-        </p:spPr>
+        <p:spPr/>
         <p:txBody>
-          <a:bodyPr spcFirstLastPara="1" wrap="square" lIns="91425" tIns="91425" rIns="91425" bIns="91425" anchor="t" anchorCtr="0">
+          <a:bodyPr>
             <a:normAutofit fontScale="90000"/>
           </a:bodyPr>
           <a:lstStyle/>
           <a:p>
-            <a:pPr marL="0" lvl="0" indent="0" algn="l" rtl="0">
-              <a:spcBef>
-                <a:spcPts val="0"/>
-              </a:spcBef>
-              <a:spcAft>
-                <a:spcPts val="0"/>
-              </a:spcAft>
-              <a:buNone/>
-            </a:pPr>
-            <a:r>
-              <a:rPr lang="en-GB" dirty="0"/>
-              <a:t>The Sunflower</a:t>
-            </a:r>
-            <a:endParaRPr dirty="0"/>
+            <a:r>
+              <a:rPr lang="en-NL" dirty="0"/>
+              <a:t>Namespace </a:t>
+            </a:r>
           </a:p>
         </p:txBody>
       </p:sp>
       <p:sp>
         <p:nvSpPr>
-          <p:cNvPr id="2" name="Google Shape;212;p26">
+          <p:cNvPr id="3" name="Text Placeholder 2">
             <a:extLst>
               <a:ext uri="{FF2B5EF4-FFF2-40B4-BE49-F238E27FC236}">
-                <a16:creationId xmlns:a16="http://schemas.microsoft.com/office/drawing/2014/main" id="{BB1D740E-0F59-C96C-8E95-E4D24A5C92A0}"/>
+                <a16:creationId xmlns:a16="http://schemas.microsoft.com/office/drawing/2014/main" id="{6B605727-63AA-8558-2EB2-0E2C98B1C17E}"/>
               </a:ext>
             </a:extLst>
           </p:cNvPr>
-          <p:cNvSpPr txBox="1"/>
-          <p:nvPr/>
-        </p:nvSpPr>
-        <p:spPr>
-          <a:xfrm>
-            <a:off x="5566927" y="3996798"/>
-            <a:ext cx="938700" cy="384690"/>
-          </a:xfrm>
-          <a:prstGeom prst="rect">
-            <a:avLst/>
-          </a:prstGeom>
-          <a:noFill/>
-          <a:ln>
-            <a:noFill/>
-          </a:ln>
-        </p:spPr>
+          <p:cNvSpPr>
+            <a:spLocks noGrp="1"/>
+          </p:cNvSpPr>
+          <p:nvPr>
+            <p:ph type="body" idx="1"/>
+          </p:nvPr>
+        </p:nvSpPr>
+        <p:spPr/>
         <p:txBody>
-          <a:bodyPr spcFirstLastPara="1" wrap="square" lIns="91425" tIns="91425" rIns="91425" bIns="91425" anchor="t" anchorCtr="0">
-            <a:spAutoFit/>
-          </a:bodyPr>
+          <a:bodyPr/>
           <a:lstStyle/>
           <a:p>
-            <a:pPr marL="0" lvl="0" indent="0" algn="ctr" rtl="0">
-              <a:spcBef>
-                <a:spcPts val="0"/>
-              </a:spcBef>
-              <a:spcAft>
-                <a:spcPts val="0"/>
-              </a:spcAft>
-              <a:buNone/>
-            </a:pPr>
-            <a:r>
-              <a:rPr lang="en-GB" sz="1300" dirty="0">
-                <a:solidFill>
-                  <a:schemeClr val="dk2"/>
-                </a:solidFill>
-                <a:latin typeface="Roboto"/>
-                <a:ea typeface="Roboto"/>
-                <a:cs typeface="Roboto"/>
-                <a:sym typeface="Roboto"/>
-              </a:rPr>
-              <a:t>Imaging</a:t>
-            </a:r>
-            <a:endParaRPr sz="1300" dirty="0">
-              <a:solidFill>
-                <a:schemeClr val="dk2"/>
-              </a:solidFill>
-              <a:latin typeface="Roboto"/>
-              <a:ea typeface="Roboto"/>
-              <a:cs typeface="Roboto"/>
-              <a:sym typeface="Roboto"/>
-            </a:endParaRPr>
+            <a:r>
+              <a:rPr lang="en-GB" dirty="0"/>
+              <a:t>T</a:t>
+            </a:r>
+            <a:r>
+              <a:rPr lang="en-NL" dirty="0"/>
+              <a:t>o add</a:t>
+            </a:r>
           </a:p>
         </p:txBody>
       </p:sp>
     </p:spTree>
+    <p:extLst>
+      <p:ext uri="{BB962C8B-B14F-4D97-AF65-F5344CB8AC3E}">
+        <p14:creationId xmlns:p14="http://schemas.microsoft.com/office/powerpoint/2010/main" val="1240141395"/>
+      </p:ext>
+    </p:extLst>
   </p:cSld>
   <p:clrMapOvr>
     <a:masterClrMapping/>
@@ -17404,7 +17455,7 @@
 </file>
 
 <file path=ppt/slides/slide9.xml><?xml version="1.0" encoding="utf-8"?>
-<p:sld xmlns:a="http://schemas.openxmlformats.org/drawingml/2006/main" xmlns:r="http://schemas.openxmlformats.org/officeDocument/2006/relationships" xmlns:p="http://schemas.openxmlformats.org/presentationml/2006/main">
+<p:sld xmlns:a="http://schemas.openxmlformats.org/drawingml/2006/main" xmlns:r="http://schemas.openxmlformats.org/officeDocument/2006/relationships" xmlns:p="http://schemas.openxmlformats.org/presentationml/2006/main" show="0">
   <p:cSld>
     <p:spTree>
       <p:nvGrpSpPr>
@@ -17456,7 +17507,7 @@
             </a:pPr>
             <a:r>
               <a:rPr lang="en-GB" dirty="0"/>
-              <a:t>HRI Core Metadata Schemas 🌻 </a:t>
+              <a:t>Team: HRI Core Metadata Schemas 🌻 </a:t>
             </a:r>
             <a:endParaRPr dirty="0"/>
           </a:p>
@@ -17523,18 +17574,34 @@
               <a:buChar char="●"/>
             </a:pPr>
             <a:r>
-              <a:rPr lang="en-GB" dirty="0"/>
+              <a:rPr lang="en-GB" dirty="0">
+                <a:highlight>
+                  <a:srgbClr val="00FF00"/>
+                </a:highlight>
+              </a:rPr>
               <a:t>Only domain experts (working groups and portal teams) can define the metadata </a:t>
             </a:r>
             <a:r>
-              <a:rPr lang="en-GB" b="1" dirty="0"/>
+              <a:rPr lang="en-GB" b="1" dirty="0">
+                <a:highlight>
+                  <a:srgbClr val="00FF00"/>
+                </a:highlight>
+              </a:rPr>
               <a:t>properties</a:t>
             </a:r>
             <a:r>
-              <a:rPr lang="en-GB" dirty="0"/>
+              <a:rPr lang="en-GB" dirty="0">
+                <a:highlight>
+                  <a:srgbClr val="00FF00"/>
+                </a:highlight>
+              </a:rPr>
               <a:t> (content).</a:t>
             </a:r>
-            <a:endParaRPr dirty="0"/>
+            <a:endParaRPr dirty="0">
+              <a:highlight>
+                <a:srgbClr val="00FF00"/>
+              </a:highlight>
+            </a:endParaRPr>
           </a:p>
           <a:p>
             <a:pPr marL="457200" lvl="0" indent="-311150" algn="l" rtl="0">

--- a/Presentations/[DRAFT]HRI_Metadata_Schema_ImagingGroup_KickOff.pptx
+++ b/Presentations/[DRAFT]HRI_Metadata_Schema_ImagingGroup_KickOff.pptx
@@ -10932,7 +10932,7 @@
         </p:spPr>
         <p:txBody>
           <a:bodyPr spcFirstLastPara="1" wrap="square" lIns="91425" tIns="91425" rIns="91425" bIns="91425" anchor="t" anchorCtr="0">
-            <a:normAutofit fontScale="77500" lnSpcReduction="20000"/>
+            <a:normAutofit fontScale="70000" lnSpcReduction="20000"/>
           </a:bodyPr>
           <a:lstStyle/>
           <a:p>
@@ -10992,7 +10992,7 @@
               <a:buSzPts val="1300"/>
               <a:buChar char="●"/>
             </a:pPr>
-            <a:endParaRPr lang="en-GB"/>
+            <a:endParaRPr lang="en-GB" dirty="0"/>
           </a:p>
           <a:p>
             <a:pPr marL="457200" lvl="0" indent="-311150" algn="l" rtl="0">
@@ -11006,12 +11006,8 @@
               <a:buChar char="●"/>
             </a:pPr>
             <a:r>
-              <a:rPr lang="en-GB"/>
-              <a:t>Analyse </a:t>
-            </a:r>
-            <a:r>
               <a:rPr lang="en-GB" dirty="0"/>
-              <a:t>the answer and make a spreadsheet and list all the important terms</a:t>
+              <a:t>Analyse the answer and make a spreadsheet and list all the important terms</a:t>
             </a:r>
           </a:p>
           <a:p>
@@ -11023,6 +11019,13 @@
               <a:rPr lang="en-GB" dirty="0"/>
               <a:t>Time, date created, data collection methods, patient-based, archives, .. </a:t>
             </a:r>
+          </a:p>
+          <a:p>
+            <a:pPr marL="603250" lvl="1" indent="0">
+              <a:buSzPts val="1300"/>
+              <a:buNone/>
+            </a:pPr>
+            <a:endParaRPr lang="en-GB" dirty="0"/>
           </a:p>
           <a:p>
             <a:pPr marL="457200" lvl="0" indent="-311150" algn="l" rtl="0">
@@ -11770,7 +11773,7 @@
             </a:pPr>
             <a:r>
               <a:rPr lang="en-GB" dirty="0"/>
-              <a:t>Take away -- TMI - What do I do now? </a:t>
+              <a:t>Take away</a:t>
             </a:r>
             <a:endParaRPr dirty="0"/>
           </a:p>
@@ -11797,7 +11800,7 @@
         </p:spPr>
         <p:txBody>
           <a:bodyPr spcFirstLastPara="1" wrap="square" lIns="91425" tIns="91425" rIns="91425" bIns="91425" anchor="t" anchorCtr="0">
-            <a:normAutofit/>
+            <a:normAutofit lnSpcReduction="10000"/>
           </a:bodyPr>
           <a:lstStyle/>
           <a:p>
@@ -11813,9 +11816,8 @@
             </a:pPr>
             <a:r>
               <a:rPr lang="en-GB" dirty="0"/>
-              <a:t>Identify pre-existing standards in your field (see X-Omics Project, ISA Tab)</a:t>
-            </a:r>
-            <a:endParaRPr dirty="0"/>
+              <a:t>Define requirements</a:t>
+            </a:r>
           </a:p>
           <a:p>
             <a:pPr marL="457200" lvl="0" indent="-311150" algn="l" rtl="0">
@@ -11830,7 +11832,7 @@
             </a:pPr>
             <a:r>
               <a:rPr lang="en-GB" dirty="0"/>
-              <a:t>Find your main classes (datasets?)</a:t>
+              <a:t>Identify pre-existing standards in your field  and map your requirements to it,</a:t>
             </a:r>
             <a:endParaRPr dirty="0"/>
           </a:p>
@@ -11847,9 +11849,8 @@
             </a:pPr>
             <a:r>
               <a:rPr lang="en-GB" dirty="0"/>
-              <a:t>Describe your main classes properties </a:t>
-            </a:r>
-            <a:endParaRPr dirty="0"/>
+              <a:t>Request Rob (or Jeroen) for GitHub access</a:t>
+            </a:r>
           </a:p>
           <a:p>
             <a:pPr marL="457200" lvl="0" indent="-311150" algn="l" rtl="0">
@@ -11864,7 +11865,31 @@
             </a:pPr>
             <a:r>
               <a:rPr lang="en-GB" dirty="0"/>
-              <a:t>Request Rob (or Jeroen) for GitHub access</a:t>
+              <a:t>Model your requirement in graph model (class, properties , relations). </a:t>
+            </a:r>
+          </a:p>
+          <a:p>
+            <a:pPr marL="457200" lvl="0" indent="-311150" algn="l" rtl="0">
+              <a:spcBef>
+                <a:spcPts val="0"/>
+              </a:spcBef>
+              <a:spcAft>
+                <a:spcPts val="0"/>
+              </a:spcAft>
+              <a:buSzPts val="1300"/>
+              <a:buChar char="●"/>
+            </a:pPr>
+            <a:r>
+              <a:rPr lang="en-GB" dirty="0"/>
+              <a:t>Map your model to the </a:t>
+            </a:r>
+            <a:r>
+              <a:rPr lang="en-GB" dirty="0" err="1"/>
+              <a:t>dcat</a:t>
+            </a:r>
+            <a:r>
+              <a:rPr lang="en-GB" dirty="0"/>
+              <a:t> model. Excel sheet</a:t>
             </a:r>
             <a:endParaRPr dirty="0"/>
           </a:p>
@@ -12056,9 +12081,12 @@
           <a:p>
             <a:r>
               <a:rPr lang="en-GB" dirty="0"/>
-              <a:t>Next step</a:t>
-            </a:r>
-            <a:endParaRPr lang="en-NL" dirty="0"/>
+              <a:t>Next step -- </a:t>
+            </a:r>
+            <a:r>
+              <a:rPr lang="en-NL" dirty="0"/>
+              <a:t>expose the medata model and metadata graph to the HRI portal </a:t>
+            </a:r>
           </a:p>
         </p:txBody>
       </p:sp>
@@ -12093,36 +12121,7 @@
             </a:pPr>
             <a:r>
               <a:rPr lang="en-GB" dirty="0"/>
-              <a:t>-- </a:t>
-            </a:r>
-          </a:p>
-          <a:p>
-            <a:pPr marL="146050" indent="0">
-              <a:buNone/>
-            </a:pPr>
-            <a:r>
-              <a:rPr lang="en-GB" dirty="0"/>
-              <a:t>-- I</a:t>
-            </a:r>
-            <a:r>
-              <a:rPr lang="en-NL" dirty="0"/>
-              <a:t>nstantiate the matadata model </a:t>
-            </a:r>
-            <a:r>
-              <a:rPr lang="en-NL" dirty="0">
-                <a:sym typeface="Wingdings" pitchFamily="2" charset="2"/>
-              </a:rPr>
-              <a:t> your metadata graph </a:t>
-            </a:r>
-            <a:endParaRPr lang="en-NL" dirty="0"/>
-          </a:p>
-          <a:p>
-            <a:pPr marL="146050" indent="0">
-              <a:buNone/>
-            </a:pPr>
-            <a:r>
-              <a:rPr lang="en-NL" dirty="0"/>
-              <a:t>-- expose the medata model and metadata graph to the HRI portal </a:t>
+              <a:t>-- Implementation team help with the onboarding of your metadata elements and datasets to the portal</a:t>
             </a:r>
           </a:p>
         </p:txBody>

--- a/Presentations/[DRAFT]HRI_Metadata_Schema_ImagingGroup_KickOff.pptx
+++ b/Presentations/[DRAFT]HRI_Metadata_Schema_ImagingGroup_KickOff.pptx
@@ -11,8 +11,8 @@
     <p:sldId id="256" r:id="rId2"/>
     <p:sldId id="257" r:id="rId3"/>
     <p:sldId id="258" r:id="rId4"/>
-    <p:sldId id="259" r:id="rId5"/>
-    <p:sldId id="282" r:id="rId6"/>
+    <p:sldId id="282" r:id="rId5"/>
+    <p:sldId id="259" r:id="rId6"/>
     <p:sldId id="272" r:id="rId7"/>
     <p:sldId id="274" r:id="rId8"/>
     <p:sldId id="280" r:id="rId9"/>
@@ -865,6 +865,121 @@
   <p:cSld>
     <p:spTree>
       <p:nvGrpSpPr>
+        <p:cNvPr id="1" name="Shape 114"/>
+        <p:cNvGrpSpPr/>
+        <p:nvPr/>
+      </p:nvGrpSpPr>
+      <p:grpSpPr>
+        <a:xfrm>
+          <a:off x="0" y="0"/>
+          <a:ext cx="0" cy="0"/>
+          <a:chOff x="0" y="0"/>
+          <a:chExt cx="0" cy="0"/>
+        </a:xfrm>
+      </p:grpSpPr>
+      <p:sp>
+        <p:nvSpPr>
+          <p:cNvPr id="115" name="Google Shape;115;g24a2a59763f_0_6:notes"/>
+          <p:cNvSpPr>
+            <a:spLocks noGrp="1" noRot="1" noChangeAspect="1"/>
+          </p:cNvSpPr>
+          <p:nvPr>
+            <p:ph type="sldImg" idx="2"/>
+          </p:nvPr>
+        </p:nvSpPr>
+        <p:spPr>
+          <a:xfrm>
+            <a:off x="381000" y="685800"/>
+            <a:ext cx="6096000" cy="3429000"/>
+          </a:xfrm>
+          <a:custGeom>
+            <a:avLst/>
+            <a:gdLst/>
+            <a:ahLst/>
+            <a:cxnLst/>
+            <a:rect l="l" t="t" r="r" b="b"/>
+            <a:pathLst>
+              <a:path w="120000" h="120000" extrusionOk="0">
+                <a:moveTo>
+                  <a:pt x="0" y="0"/>
+                </a:moveTo>
+                <a:lnTo>
+                  <a:pt x="120000" y="0"/>
+                </a:lnTo>
+                <a:lnTo>
+                  <a:pt x="120000" y="120000"/>
+                </a:lnTo>
+                <a:lnTo>
+                  <a:pt x="0" y="120000"/>
+                </a:lnTo>
+                <a:close/>
+              </a:path>
+            </a:pathLst>
+          </a:custGeom>
+        </p:spPr>
+      </p:sp>
+      <p:sp>
+        <p:nvSpPr>
+          <p:cNvPr id="116" name="Google Shape;116;g24a2a59763f_0_6:notes"/>
+          <p:cNvSpPr txBox="1">
+            <a:spLocks noGrp="1"/>
+          </p:cNvSpPr>
+          <p:nvPr>
+            <p:ph type="body" idx="1"/>
+          </p:nvPr>
+        </p:nvSpPr>
+        <p:spPr>
+          <a:xfrm>
+            <a:off x="685800" y="4343400"/>
+            <a:ext cx="5486400" cy="4114800"/>
+          </a:xfrm>
+          <a:prstGeom prst="rect">
+            <a:avLst/>
+          </a:prstGeom>
+        </p:spPr>
+        <p:txBody>
+          <a:bodyPr spcFirstLastPara="1" wrap="square" lIns="91425" tIns="91425" rIns="91425" bIns="91425" anchor="t" anchorCtr="0">
+            <a:noAutofit/>
+          </a:bodyPr>
+          <a:lstStyle/>
+          <a:p>
+            <a:pPr marL="0" lvl="0" indent="0" algn="l" rtl="0">
+              <a:lnSpc>
+                <a:spcPct val="115000"/>
+              </a:lnSpc>
+              <a:spcBef>
+                <a:spcPts val="0"/>
+              </a:spcBef>
+              <a:spcAft>
+                <a:spcPts val="1200"/>
+              </a:spcAft>
+              <a:buNone/>
+            </a:pPr>
+            <a:r>
+              <a:rPr lang="en-GB" sz="1800">
+                <a:solidFill>
+                  <a:srgbClr val="595959"/>
+                </a:solidFill>
+              </a:rPr>
+              <a:t>mostra dcat specifica + herdadas</a:t>
+            </a:r>
+            <a:endParaRPr/>
+          </a:p>
+        </p:txBody>
+      </p:sp>
+    </p:spTree>
+  </p:cSld>
+  <p:clrMapOvr>
+    <a:masterClrMapping/>
+  </p:clrMapOvr>
+</p:notes>
+</file>
+
+<file path=ppt/notesSlides/notesSlide11.xml><?xml version="1.0" encoding="utf-8"?>
+<p:notes xmlns:a="http://schemas.openxmlformats.org/drawingml/2006/main" xmlns:r="http://schemas.openxmlformats.org/officeDocument/2006/relationships" xmlns:p="http://schemas.openxmlformats.org/presentationml/2006/main" showMasterSp="0" showMasterPhAnim="0">
+  <p:cSld>
+    <p:spTree>
+      <p:nvGrpSpPr>
         <p:cNvPr id="1" name="Shape 124"/>
         <p:cNvGrpSpPr/>
         <p:nvPr/>
@@ -964,7 +1079,7 @@
 </p:notes>
 </file>
 
-<file path=ppt/notesSlides/notesSlide11.xml><?xml version="1.0" encoding="utf-8"?>
+<file path=ppt/notesSlides/notesSlide12.xml><?xml version="1.0" encoding="utf-8"?>
 <p:notes xmlns:a="http://schemas.openxmlformats.org/drawingml/2006/main" xmlns:r="http://schemas.openxmlformats.org/officeDocument/2006/relationships" xmlns:p="http://schemas.openxmlformats.org/presentationml/2006/main">
   <p:cSld>
     <p:spTree>
@@ -1030,7 +1145,7 @@
 </p:notes>
 </file>
 
-<file path=ppt/notesSlides/notesSlide12.xml><?xml version="1.0" encoding="utf-8"?>
+<file path=ppt/notesSlides/notesSlide13.xml><?xml version="1.0" encoding="utf-8"?>
 <p:notes xmlns:a="http://schemas.openxmlformats.org/drawingml/2006/main" xmlns:r="http://schemas.openxmlformats.org/officeDocument/2006/relationships" xmlns:p="http://schemas.openxmlformats.org/presentationml/2006/main" showMasterSp="0" showMasterPhAnim="0">
   <p:cSld>
     <p:spTree>
@@ -1134,7 +1249,7 @@
 </p:notes>
 </file>
 
-<file path=ppt/notesSlides/notesSlide13.xml><?xml version="1.0" encoding="utf-8"?>
+<file path=ppt/notesSlides/notesSlide14.xml><?xml version="1.0" encoding="utf-8"?>
 <p:notes xmlns:a="http://schemas.openxmlformats.org/drawingml/2006/main" xmlns:r="http://schemas.openxmlformats.org/officeDocument/2006/relationships" xmlns:p="http://schemas.openxmlformats.org/presentationml/2006/main" showMasterSp="0" showMasterPhAnim="0">
   <p:cSld>
     <p:spTree>
@@ -1238,7 +1353,7 @@
 </p:notes>
 </file>
 
-<file path=ppt/notesSlides/notesSlide14.xml><?xml version="1.0" encoding="utf-8"?>
+<file path=ppt/notesSlides/notesSlide15.xml><?xml version="1.0" encoding="utf-8"?>
 <p:notes xmlns:a="http://schemas.openxmlformats.org/drawingml/2006/main" xmlns:r="http://schemas.openxmlformats.org/officeDocument/2006/relationships" xmlns:p="http://schemas.openxmlformats.org/presentationml/2006/main" showMasterSp="0" showMasterPhAnim="0">
   <p:cSld>
     <p:spTree>
@@ -1342,7 +1457,7 @@
 </p:notes>
 </file>
 
-<file path=ppt/notesSlides/notesSlide15.xml><?xml version="1.0" encoding="utf-8"?>
+<file path=ppt/notesSlides/notesSlide16.xml><?xml version="1.0" encoding="utf-8"?>
 <p:notes xmlns:a="http://schemas.openxmlformats.org/drawingml/2006/main" xmlns:r="http://schemas.openxmlformats.org/officeDocument/2006/relationships" xmlns:p="http://schemas.openxmlformats.org/presentationml/2006/main" showMasterSp="0" showMasterPhAnim="0">
   <p:cSld>
     <p:spTree>
@@ -1446,7 +1561,7 @@
 </p:notes>
 </file>
 
-<file path=ppt/notesSlides/notesSlide16.xml><?xml version="1.0" encoding="utf-8"?>
+<file path=ppt/notesSlides/notesSlide17.xml><?xml version="1.0" encoding="utf-8"?>
 <p:notes xmlns:a="http://schemas.openxmlformats.org/drawingml/2006/main" xmlns:r="http://schemas.openxmlformats.org/officeDocument/2006/relationships" xmlns:p="http://schemas.openxmlformats.org/presentationml/2006/main" showMasterSp="0" showMasterPhAnim="0">
   <p:cSld>
     <p:spTree>
@@ -1550,7 +1665,7 @@
 </p:notes>
 </file>
 
-<file path=ppt/notesSlides/notesSlide17.xml><?xml version="1.0" encoding="utf-8"?>
+<file path=ppt/notesSlides/notesSlide18.xml><?xml version="1.0" encoding="utf-8"?>
 <p:notes xmlns:a="http://schemas.openxmlformats.org/drawingml/2006/main" xmlns:r="http://schemas.openxmlformats.org/officeDocument/2006/relationships" xmlns:p="http://schemas.openxmlformats.org/presentationml/2006/main" showMasterSp="0" showMasterPhAnim="0">
   <p:cSld>
     <p:spTree>
@@ -2134,6 +2249,72 @@
 </file>
 
 <file path=ppt/notesSlides/notesSlide6.xml><?xml version="1.0" encoding="utf-8"?>
+<p:notes xmlns:a="http://schemas.openxmlformats.org/drawingml/2006/main" xmlns:r="http://schemas.openxmlformats.org/officeDocument/2006/relationships" xmlns:p="http://schemas.openxmlformats.org/presentationml/2006/main">
+  <p:cSld>
+    <p:spTree>
+      <p:nvGrpSpPr>
+        <p:cNvPr id="1" name=""/>
+        <p:cNvGrpSpPr/>
+        <p:nvPr/>
+      </p:nvGrpSpPr>
+      <p:grpSpPr>
+        <a:xfrm>
+          <a:off x="0" y="0"/>
+          <a:ext cx="0" cy="0"/>
+          <a:chOff x="0" y="0"/>
+          <a:chExt cx="0" cy="0"/>
+        </a:xfrm>
+      </p:grpSpPr>
+      <p:sp>
+        <p:nvSpPr>
+          <p:cNvPr id="2" name="Slide Image Placeholder 1"/>
+          <p:cNvSpPr>
+            <a:spLocks noGrp="1" noRot="1" noChangeAspect="1"/>
+          </p:cNvSpPr>
+          <p:nvPr>
+            <p:ph type="sldImg"/>
+          </p:nvPr>
+        </p:nvSpPr>
+        <p:spPr>
+          <a:xfrm>
+            <a:off x="381000" y="685800"/>
+            <a:ext cx="6096000" cy="3429000"/>
+          </a:xfrm>
+        </p:spPr>
+      </p:sp>
+      <p:sp>
+        <p:nvSpPr>
+          <p:cNvPr id="3" name="Notes Placeholder 2"/>
+          <p:cNvSpPr>
+            <a:spLocks noGrp="1"/>
+          </p:cNvSpPr>
+          <p:nvPr>
+            <p:ph type="body" idx="1"/>
+          </p:nvPr>
+        </p:nvSpPr>
+        <p:spPr/>
+        <p:txBody>
+          <a:bodyPr/>
+          <a:lstStyle/>
+          <a:p>
+            <a:endParaRPr lang="en-NL" dirty="0"/>
+          </a:p>
+        </p:txBody>
+      </p:sp>
+    </p:spTree>
+    <p:extLst>
+      <p:ext uri="{BB962C8B-B14F-4D97-AF65-F5344CB8AC3E}">
+        <p14:creationId xmlns:p14="http://schemas.microsoft.com/office/powerpoint/2010/main" val="208475542"/>
+      </p:ext>
+    </p:extLst>
+  </p:cSld>
+  <p:clrMapOvr>
+    <a:masterClrMapping/>
+  </p:clrMapOvr>
+</p:notes>
+</file>
+
+<file path=ppt/notesSlides/notesSlide7.xml><?xml version="1.0" encoding="utf-8"?>
 <p:notes xmlns:a="http://schemas.openxmlformats.org/drawingml/2006/main" xmlns:r="http://schemas.openxmlformats.org/officeDocument/2006/relationships" xmlns:p="http://schemas.openxmlformats.org/presentationml/2006/main" showMasterSp="0" showMasterPhAnim="0">
   <p:cSld>
     <p:spTree>
@@ -2237,7 +2418,7 @@
 </p:notes>
 </file>
 
-<file path=ppt/notesSlides/notesSlide7.xml><?xml version="1.0" encoding="utf-8"?>
+<file path=ppt/notesSlides/notesSlide8.xml><?xml version="1.0" encoding="utf-8"?>
 <p:notes xmlns:a="http://schemas.openxmlformats.org/drawingml/2006/main" xmlns:r="http://schemas.openxmlformats.org/officeDocument/2006/relationships" xmlns:p="http://schemas.openxmlformats.org/presentationml/2006/main" showMasterSp="0" showMasterPhAnim="0">
   <p:cSld>
     <p:spTree>
@@ -2341,7 +2522,7 @@
 </p:notes>
 </file>
 
-<file path=ppt/notesSlides/notesSlide8.xml><?xml version="1.0" encoding="utf-8"?>
+<file path=ppt/notesSlides/notesSlide9.xml><?xml version="1.0" encoding="utf-8"?>
 <p:notes xmlns:a="http://schemas.openxmlformats.org/drawingml/2006/main" xmlns:r="http://schemas.openxmlformats.org/officeDocument/2006/relationships" xmlns:p="http://schemas.openxmlformats.org/presentationml/2006/main" showMasterSp="0" showMasterPhAnim="0">
   <p:cSld>
     <p:spTree>
@@ -2436,121 +2617,6 @@
               </a:spcAft>
               <a:buNone/>
             </a:pPr>
-            <a:endParaRPr/>
-          </a:p>
-        </p:txBody>
-      </p:sp>
-    </p:spTree>
-  </p:cSld>
-  <p:clrMapOvr>
-    <a:masterClrMapping/>
-  </p:clrMapOvr>
-</p:notes>
-</file>
-
-<file path=ppt/notesSlides/notesSlide9.xml><?xml version="1.0" encoding="utf-8"?>
-<p:notes xmlns:a="http://schemas.openxmlformats.org/drawingml/2006/main" xmlns:r="http://schemas.openxmlformats.org/officeDocument/2006/relationships" xmlns:p="http://schemas.openxmlformats.org/presentationml/2006/main" showMasterSp="0" showMasterPhAnim="0">
-  <p:cSld>
-    <p:spTree>
-      <p:nvGrpSpPr>
-        <p:cNvPr id="1" name="Shape 114"/>
-        <p:cNvGrpSpPr/>
-        <p:nvPr/>
-      </p:nvGrpSpPr>
-      <p:grpSpPr>
-        <a:xfrm>
-          <a:off x="0" y="0"/>
-          <a:ext cx="0" cy="0"/>
-          <a:chOff x="0" y="0"/>
-          <a:chExt cx="0" cy="0"/>
-        </a:xfrm>
-      </p:grpSpPr>
-      <p:sp>
-        <p:nvSpPr>
-          <p:cNvPr id="115" name="Google Shape;115;g24a2a59763f_0_6:notes"/>
-          <p:cNvSpPr>
-            <a:spLocks noGrp="1" noRot="1" noChangeAspect="1"/>
-          </p:cNvSpPr>
-          <p:nvPr>
-            <p:ph type="sldImg" idx="2"/>
-          </p:nvPr>
-        </p:nvSpPr>
-        <p:spPr>
-          <a:xfrm>
-            <a:off x="381000" y="685800"/>
-            <a:ext cx="6096000" cy="3429000"/>
-          </a:xfrm>
-          <a:custGeom>
-            <a:avLst/>
-            <a:gdLst/>
-            <a:ahLst/>
-            <a:cxnLst/>
-            <a:rect l="l" t="t" r="r" b="b"/>
-            <a:pathLst>
-              <a:path w="120000" h="120000" extrusionOk="0">
-                <a:moveTo>
-                  <a:pt x="0" y="0"/>
-                </a:moveTo>
-                <a:lnTo>
-                  <a:pt x="120000" y="0"/>
-                </a:lnTo>
-                <a:lnTo>
-                  <a:pt x="120000" y="120000"/>
-                </a:lnTo>
-                <a:lnTo>
-                  <a:pt x="0" y="120000"/>
-                </a:lnTo>
-                <a:close/>
-              </a:path>
-            </a:pathLst>
-          </a:custGeom>
-        </p:spPr>
-      </p:sp>
-      <p:sp>
-        <p:nvSpPr>
-          <p:cNvPr id="116" name="Google Shape;116;g24a2a59763f_0_6:notes"/>
-          <p:cNvSpPr txBox="1">
-            <a:spLocks noGrp="1"/>
-          </p:cNvSpPr>
-          <p:nvPr>
-            <p:ph type="body" idx="1"/>
-          </p:nvPr>
-        </p:nvSpPr>
-        <p:spPr>
-          <a:xfrm>
-            <a:off x="685800" y="4343400"/>
-            <a:ext cx="5486400" cy="4114800"/>
-          </a:xfrm>
-          <a:prstGeom prst="rect">
-            <a:avLst/>
-          </a:prstGeom>
-        </p:spPr>
-        <p:txBody>
-          <a:bodyPr spcFirstLastPara="1" wrap="square" lIns="91425" tIns="91425" rIns="91425" bIns="91425" anchor="t" anchorCtr="0">
-            <a:noAutofit/>
-          </a:bodyPr>
-          <a:lstStyle/>
-          <a:p>
-            <a:pPr marL="0" lvl="0" indent="0" algn="l" rtl="0">
-              <a:lnSpc>
-                <a:spcPct val="115000"/>
-              </a:lnSpc>
-              <a:spcBef>
-                <a:spcPts val="0"/>
-              </a:spcBef>
-              <a:spcAft>
-                <a:spcPts val="1200"/>
-              </a:spcAft>
-              <a:buNone/>
-            </a:pPr>
-            <a:r>
-              <a:rPr lang="en-GB" sz="1800">
-                <a:solidFill>
-                  <a:srgbClr val="595959"/>
-                </a:solidFill>
-              </a:rPr>
-              <a:t>mostra dcat specifica + herdadas</a:t>
-            </a:r>
             <a:endParaRPr/>
           </a:p>
         </p:txBody>
@@ -23262,7 +23328,7 @@
         </p:nvSpPr>
         <p:spPr>
           <a:xfrm>
-            <a:off x="469113" y="1252149"/>
+            <a:off x="225273" y="1120069"/>
             <a:ext cx="7688700" cy="535200"/>
           </a:xfrm>
           <a:prstGeom prst="rect">
@@ -23286,7 +23352,7 @@
             </a:pPr>
             <a:r>
               <a:rPr lang="en-GB" dirty="0"/>
-              <a:t>Collect your Requirements </a:t>
+              <a:t>Collect your Requirements (terms) and maintain them  in a spreadsheet </a:t>
             </a:r>
             <a:br>
               <a:rPr lang="en-GB" dirty="0"/>
@@ -23307,7 +23373,7 @@
         </p:nvSpPr>
         <p:spPr>
           <a:xfrm>
-            <a:off x="469113" y="1823839"/>
+            <a:off x="347193" y="2078875"/>
             <a:ext cx="7949037" cy="3064625"/>
           </a:xfrm>
           <a:prstGeom prst="rect">
@@ -23692,7 +23758,7 @@
           <a:p>
             <a:r>
               <a:rPr lang="en-NL" dirty="0"/>
-              <a:t>Always Reuse – map your requirement to the existing standards</a:t>
+              <a:t>Map your terminologies to the existing standards and reuse</a:t>
             </a:r>
           </a:p>
         </p:txBody>
@@ -25077,180 +25143,6 @@
   <p:cSld>
     <p:spTree>
       <p:nvGrpSpPr>
-        <p:cNvPr id="1" name="Shape 103"/>
-        <p:cNvGrpSpPr/>
-        <p:nvPr/>
-      </p:nvGrpSpPr>
-      <p:grpSpPr>
-        <a:xfrm>
-          <a:off x="0" y="0"/>
-          <a:ext cx="0" cy="0"/>
-          <a:chOff x="0" y="0"/>
-          <a:chExt cx="0" cy="0"/>
-        </a:xfrm>
-      </p:grpSpPr>
-      <p:sp>
-        <p:nvSpPr>
-          <p:cNvPr id="104" name="Google Shape;104;p16"/>
-          <p:cNvSpPr txBox="1">
-            <a:spLocks noGrp="1"/>
-          </p:cNvSpPr>
-          <p:nvPr>
-            <p:ph type="title"/>
-          </p:nvPr>
-        </p:nvSpPr>
-        <p:spPr>
-          <a:xfrm>
-            <a:off x="729450" y="1318650"/>
-            <a:ext cx="7688700" cy="535200"/>
-          </a:xfrm>
-          <a:prstGeom prst="rect">
-            <a:avLst/>
-          </a:prstGeom>
-        </p:spPr>
-        <p:txBody>
-          <a:bodyPr spcFirstLastPara="1" wrap="square" lIns="91425" tIns="91425" rIns="91425" bIns="91425" anchor="t" anchorCtr="0">
-            <a:normAutofit fontScale="90000"/>
-          </a:bodyPr>
-          <a:lstStyle/>
-          <a:p>
-            <a:pPr marL="0" lvl="0" indent="0" algn="l" rtl="0">
-              <a:spcBef>
-                <a:spcPts val="0"/>
-              </a:spcBef>
-              <a:spcAft>
-                <a:spcPts val="0"/>
-              </a:spcAft>
-              <a:buNone/>
-            </a:pPr>
-            <a:r>
-              <a:rPr lang="en-GB" dirty="0"/>
-              <a:t>HRI Core Metadata Schema</a:t>
-            </a:r>
-            <a:endParaRPr dirty="0"/>
-          </a:p>
-        </p:txBody>
-      </p:sp>
-      <p:sp>
-        <p:nvSpPr>
-          <p:cNvPr id="105" name="Google Shape;105;p16"/>
-          <p:cNvSpPr txBox="1">
-            <a:spLocks noGrp="1"/>
-          </p:cNvSpPr>
-          <p:nvPr>
-            <p:ph type="body" idx="1"/>
-          </p:nvPr>
-        </p:nvSpPr>
-        <p:spPr>
-          <a:xfrm>
-            <a:off x="729450" y="2078875"/>
-            <a:ext cx="7688700" cy="2261100"/>
-          </a:xfrm>
-          <a:prstGeom prst="rect">
-            <a:avLst/>
-          </a:prstGeom>
-        </p:spPr>
-        <p:txBody>
-          <a:bodyPr spcFirstLastPara="1" wrap="square" lIns="91425" tIns="91425" rIns="91425" bIns="91425" anchor="t" anchorCtr="0">
-            <a:normAutofit fontScale="92500" lnSpcReduction="20000"/>
-          </a:bodyPr>
-          <a:lstStyle/>
-          <a:p>
-            <a:pPr indent="-341947">
-              <a:buSzPct val="100000"/>
-            </a:pPr>
-            <a:r>
-              <a:rPr lang="en-GB" sz="2100" dirty="0"/>
-              <a:t>Represent it in RDF Graph Model</a:t>
-            </a:r>
-          </a:p>
-          <a:p>
-            <a:pPr marL="457200" lvl="0" indent="-341947" algn="l" rtl="0">
-              <a:spcBef>
-                <a:spcPts val="0"/>
-              </a:spcBef>
-              <a:spcAft>
-                <a:spcPts val="0"/>
-              </a:spcAft>
-              <a:buSzPct val="100000"/>
-              <a:buChar char="●"/>
-            </a:pPr>
-            <a:r>
-              <a:rPr lang="en-GB" sz="2100" dirty="0"/>
-              <a:t>Health-RI will supply a generic schema (Core) for resources to increase findability of such resources (e.g. datasets)</a:t>
-            </a:r>
-            <a:endParaRPr sz="2100" dirty="0"/>
-          </a:p>
-          <a:p>
-            <a:pPr indent="-341947">
-              <a:buSzPct val="100000"/>
-            </a:pPr>
-            <a:r>
-              <a:rPr lang="en-GB" sz="2100" dirty="0"/>
-              <a:t>Nodes extend the core model for covering the specialised domain metadata requirements (Leaves)</a:t>
-            </a:r>
-          </a:p>
-          <a:p>
-            <a:pPr marL="457200" lvl="0" indent="-341947" algn="l" rtl="0">
-              <a:spcBef>
-                <a:spcPts val="0"/>
-              </a:spcBef>
-              <a:spcAft>
-                <a:spcPts val="0"/>
-              </a:spcAft>
-              <a:buSzPct val="100000"/>
-              <a:buChar char="●"/>
-            </a:pPr>
-            <a:r>
-              <a:rPr lang="en-GB" sz="2100" dirty="0"/>
-              <a:t>Built Based on DCAT, DCAT-AP portals,</a:t>
-            </a:r>
-          </a:p>
-          <a:p>
-            <a:pPr marL="457200" lvl="0" indent="-341947" algn="l" rtl="0">
-              <a:spcBef>
-                <a:spcPts val="0"/>
-              </a:spcBef>
-              <a:spcAft>
-                <a:spcPts val="0"/>
-              </a:spcAft>
-              <a:buSzPct val="100000"/>
-              <a:buChar char="●"/>
-            </a:pPr>
-            <a:r>
-              <a:rPr lang="en-GB" sz="2100" dirty="0"/>
-              <a:t>Represent it in RDF Graph Model</a:t>
-            </a:r>
-            <a:endParaRPr sz="2100" dirty="0"/>
-          </a:p>
-          <a:p>
-            <a:pPr marL="457200" lvl="0" indent="-341947" algn="l" rtl="0">
-              <a:spcBef>
-                <a:spcPts val="0"/>
-              </a:spcBef>
-              <a:spcAft>
-                <a:spcPts val="0"/>
-              </a:spcAft>
-              <a:buSzPct val="100000"/>
-              <a:buChar char="●"/>
-            </a:pPr>
-            <a:endParaRPr lang="en-GB" sz="2100" dirty="0"/>
-          </a:p>
-        </p:txBody>
-      </p:sp>
-    </p:spTree>
-  </p:cSld>
-  <p:clrMapOvr>
-    <a:masterClrMapping/>
-  </p:clrMapOvr>
-</p:sld>
-</file>
-
-<file path=ppt/slides/slide5.xml><?xml version="1.0" encoding="utf-8"?>
-<p:sld xmlns:a="http://schemas.openxmlformats.org/drawingml/2006/main" xmlns:r="http://schemas.openxmlformats.org/officeDocument/2006/relationships" xmlns:p="http://schemas.openxmlformats.org/presentationml/2006/main">
-  <p:cSld>
-    <p:spTree>
-      <p:nvGrpSpPr>
         <p:cNvPr id="1" name=""/>
         <p:cNvGrpSpPr/>
         <p:nvPr/>
@@ -38949,6 +38841,180 @@
         <p14:creationId xmlns:p14="http://schemas.microsoft.com/office/powerpoint/2010/main" val="2432289901"/>
       </p:ext>
     </p:extLst>
+  </p:cSld>
+  <p:clrMapOvr>
+    <a:masterClrMapping/>
+  </p:clrMapOvr>
+</p:sld>
+</file>
+
+<file path=ppt/slides/slide5.xml><?xml version="1.0" encoding="utf-8"?>
+<p:sld xmlns:a="http://schemas.openxmlformats.org/drawingml/2006/main" xmlns:r="http://schemas.openxmlformats.org/officeDocument/2006/relationships" xmlns:p="http://schemas.openxmlformats.org/presentationml/2006/main">
+  <p:cSld>
+    <p:spTree>
+      <p:nvGrpSpPr>
+        <p:cNvPr id="1" name="Shape 103"/>
+        <p:cNvGrpSpPr/>
+        <p:nvPr/>
+      </p:nvGrpSpPr>
+      <p:grpSpPr>
+        <a:xfrm>
+          <a:off x="0" y="0"/>
+          <a:ext cx="0" cy="0"/>
+          <a:chOff x="0" y="0"/>
+          <a:chExt cx="0" cy="0"/>
+        </a:xfrm>
+      </p:grpSpPr>
+      <p:sp>
+        <p:nvSpPr>
+          <p:cNvPr id="104" name="Google Shape;104;p16"/>
+          <p:cNvSpPr txBox="1">
+            <a:spLocks noGrp="1"/>
+          </p:cNvSpPr>
+          <p:nvPr>
+            <p:ph type="title"/>
+          </p:nvPr>
+        </p:nvSpPr>
+        <p:spPr>
+          <a:xfrm>
+            <a:off x="729450" y="1318650"/>
+            <a:ext cx="7688700" cy="535200"/>
+          </a:xfrm>
+          <a:prstGeom prst="rect">
+            <a:avLst/>
+          </a:prstGeom>
+        </p:spPr>
+        <p:txBody>
+          <a:bodyPr spcFirstLastPara="1" wrap="square" lIns="91425" tIns="91425" rIns="91425" bIns="91425" anchor="t" anchorCtr="0">
+            <a:normAutofit fontScale="90000"/>
+          </a:bodyPr>
+          <a:lstStyle/>
+          <a:p>
+            <a:pPr marL="0" lvl="0" indent="0" algn="l" rtl="0">
+              <a:spcBef>
+                <a:spcPts val="0"/>
+              </a:spcBef>
+              <a:spcAft>
+                <a:spcPts val="0"/>
+              </a:spcAft>
+              <a:buNone/>
+            </a:pPr>
+            <a:r>
+              <a:rPr lang="en-GB" dirty="0"/>
+              <a:t>HRI Core Metadata Schema</a:t>
+            </a:r>
+            <a:endParaRPr dirty="0"/>
+          </a:p>
+        </p:txBody>
+      </p:sp>
+      <p:sp>
+        <p:nvSpPr>
+          <p:cNvPr id="105" name="Google Shape;105;p16"/>
+          <p:cNvSpPr txBox="1">
+            <a:spLocks noGrp="1"/>
+          </p:cNvSpPr>
+          <p:nvPr>
+            <p:ph type="body" idx="1"/>
+          </p:nvPr>
+        </p:nvSpPr>
+        <p:spPr>
+          <a:xfrm>
+            <a:off x="729450" y="2078875"/>
+            <a:ext cx="7688700" cy="2261100"/>
+          </a:xfrm>
+          <a:prstGeom prst="rect">
+            <a:avLst/>
+          </a:prstGeom>
+        </p:spPr>
+        <p:txBody>
+          <a:bodyPr spcFirstLastPara="1" wrap="square" lIns="91425" tIns="91425" rIns="91425" bIns="91425" anchor="t" anchorCtr="0">
+            <a:normAutofit fontScale="92500" lnSpcReduction="20000"/>
+          </a:bodyPr>
+          <a:lstStyle/>
+          <a:p>
+            <a:pPr indent="-341947">
+              <a:buSzPct val="100000"/>
+            </a:pPr>
+            <a:r>
+              <a:rPr lang="en-GB" sz="2100" dirty="0"/>
+              <a:t>Represent it in RDF Graph Model</a:t>
+            </a:r>
+          </a:p>
+          <a:p>
+            <a:pPr marL="457200" lvl="0" indent="-341947" algn="l" rtl="0">
+              <a:spcBef>
+                <a:spcPts val="0"/>
+              </a:spcBef>
+              <a:spcAft>
+                <a:spcPts val="0"/>
+              </a:spcAft>
+              <a:buSzPct val="100000"/>
+              <a:buChar char="●"/>
+            </a:pPr>
+            <a:r>
+              <a:rPr lang="en-GB" sz="2100" dirty="0"/>
+              <a:t>Health-RI will supply a generic schema (Core) for resources to increase findability of such resources (e.g. datasets)</a:t>
+            </a:r>
+            <a:endParaRPr sz="2100" dirty="0"/>
+          </a:p>
+          <a:p>
+            <a:pPr indent="-341947">
+              <a:buSzPct val="100000"/>
+            </a:pPr>
+            <a:r>
+              <a:rPr lang="en-GB" sz="2100" dirty="0"/>
+              <a:t>Nodes extend the core model for covering the specialised domain metadata requirements (Leaves)</a:t>
+            </a:r>
+          </a:p>
+          <a:p>
+            <a:pPr marL="457200" lvl="0" indent="-341947" algn="l" rtl="0">
+              <a:spcBef>
+                <a:spcPts val="0"/>
+              </a:spcBef>
+              <a:spcAft>
+                <a:spcPts val="0"/>
+              </a:spcAft>
+              <a:buSzPct val="100000"/>
+              <a:buChar char="●"/>
+            </a:pPr>
+            <a:r>
+              <a:rPr lang="en-GB" sz="2100" dirty="0"/>
+              <a:t>Built Based on DCAT, DCAT-AP portals,</a:t>
+            </a:r>
+          </a:p>
+          <a:p>
+            <a:pPr marL="457200" lvl="0" indent="-341947" algn="l" rtl="0">
+              <a:spcBef>
+                <a:spcPts val="0"/>
+              </a:spcBef>
+              <a:spcAft>
+                <a:spcPts val="0"/>
+              </a:spcAft>
+              <a:buSzPct val="100000"/>
+              <a:buChar char="●"/>
+            </a:pPr>
+            <a:r>
+              <a:rPr lang="en-GB" sz="2100" dirty="0"/>
+              <a:t>Represent it in RDF Graph Model</a:t>
+            </a:r>
+            <a:endParaRPr sz="2100" dirty="0"/>
+          </a:p>
+          <a:p>
+            <a:pPr marL="457200" lvl="0" indent="-341947" algn="l" rtl="0">
+              <a:spcBef>
+                <a:spcPts val="0"/>
+              </a:spcBef>
+              <a:spcAft>
+                <a:spcPts val="0"/>
+              </a:spcAft>
+              <a:buSzPct val="100000"/>
+              <a:buChar char="●"/>
+            </a:pPr>
+            <a:endParaRPr lang="en-GB" sz="2100" dirty="0"/>
+          </a:p>
+        </p:txBody>
+      </p:sp>
+    </p:spTree>
   </p:cSld>
   <p:clrMapOvr>
     <a:masterClrMapping/>
@@ -40228,7 +40294,7 @@
           <a:p>
             <a:r>
               <a:rPr lang="en-NL" dirty="0"/>
-              <a:t>Namespace </a:t>
+              <a:t>Namespace [to add]</a:t>
             </a:r>
           </a:p>
         </p:txBody>
@@ -40297,6 +40363,16 @@
             <a:r>
               <a:rPr lang="en-US" dirty="0"/>
               <a:t> &lt;&gt;</a:t>
+            </a:r>
+          </a:p>
+          <a:p>
+            <a:r>
+              <a:rPr lang="en-US" dirty="0" err="1"/>
+              <a:t>Foaf</a:t>
+            </a:r>
+            <a:r>
+              <a:rPr lang="en-US" dirty="0"/>
+              <a:t> &lt;&gt; </a:t>
             </a:r>
           </a:p>
           <a:p>

--- a/Presentations/[DRAFT]HRI_Metadata_Schema_ImagingGroup_KickOff.pptx
+++ b/Presentations/[DRAFT]HRI_Metadata_Schema_ImagingGroup_KickOff.pptx
@@ -24,14 +24,14 @@
     <p:sldId id="260" r:id="rId15"/>
     <p:sldId id="262" r:id="rId16"/>
     <p:sldId id="275" r:id="rId17"/>
-    <p:sldId id="265" r:id="rId18"/>
+    <p:sldId id="281" r:id="rId18"/>
     <p:sldId id="286" r:id="rId19"/>
-    <p:sldId id="281" r:id="rId20"/>
+    <p:sldId id="265" r:id="rId20"/>
     <p:sldId id="266" r:id="rId21"/>
     <p:sldId id="267" r:id="rId22"/>
     <p:sldId id="278" r:id="rId23"/>
-    <p:sldId id="288" r:id="rId24"/>
-    <p:sldId id="289" r:id="rId25"/>
+    <p:sldId id="292" r:id="rId24"/>
+    <p:sldId id="291" r:id="rId25"/>
     <p:sldId id="270" r:id="rId26"/>
     <p:sldId id="271" r:id="rId27"/>
   </p:sldIdLst>
@@ -39,25 +39,32 @@
   <p:notesSz cx="6858000" cy="9144000"/>
   <p:embeddedFontLst>
     <p:embeddedFont>
-      <p:font typeface="Lato" panose="020F0502020204030203" pitchFamily="34" charset="0"/>
+      <p:font typeface="Calibri" panose="020F0502020204030204" pitchFamily="34" charset="0"/>
       <p:regular r:id="rId29"/>
       <p:bold r:id="rId30"/>
       <p:italic r:id="rId31"/>
       <p:boldItalic r:id="rId32"/>
     </p:embeddedFont>
     <p:embeddedFont>
-      <p:font typeface="Raleway" pitchFamily="2" charset="77"/>
+      <p:font typeface="Lato" panose="020F0502020204030203" pitchFamily="34" charset="0"/>
       <p:regular r:id="rId33"/>
       <p:bold r:id="rId34"/>
       <p:italic r:id="rId35"/>
       <p:boldItalic r:id="rId36"/>
     </p:embeddedFont>
     <p:embeddedFont>
-      <p:font typeface="Roboto" panose="02000000000000000000" pitchFamily="2" charset="0"/>
+      <p:font typeface="Raleway" pitchFamily="2" charset="77"/>
       <p:regular r:id="rId37"/>
       <p:bold r:id="rId38"/>
       <p:italic r:id="rId39"/>
       <p:boldItalic r:id="rId40"/>
+    </p:embeddedFont>
+    <p:embeddedFont>
+      <p:font typeface="Roboto" panose="02000000000000000000" pitchFamily="2" charset="0"/>
+      <p:regular r:id="rId41"/>
+      <p:bold r:id="rId42"/>
+      <p:italic r:id="rId43"/>
+      <p:boldItalic r:id="rId44"/>
     </p:embeddedFont>
   </p:embeddedFontLst>
   <p:defaultTextStyle>
@@ -10234,7 +10241,7 @@
         </p:nvSpPr>
         <p:spPr>
           <a:xfrm>
-            <a:off x="-118585" y="2367814"/>
+            <a:off x="0" y="2488969"/>
             <a:ext cx="1516762" cy="307777"/>
           </a:xfrm>
           <a:prstGeom prst="rect">
@@ -10558,7 +10565,7 @@
 </file>
 
 <file path=ppt/slides/slide11.xml><?xml version="1.0" encoding="utf-8"?>
-<p:sld xmlns:a="http://schemas.openxmlformats.org/drawingml/2006/main" xmlns:r="http://schemas.openxmlformats.org/officeDocument/2006/relationships" xmlns:p="http://schemas.openxmlformats.org/presentationml/2006/main">
+<p:sld xmlns:a="http://schemas.openxmlformats.org/drawingml/2006/main" xmlns:r="http://schemas.openxmlformats.org/officeDocument/2006/relationships" xmlns:p="http://schemas.openxmlformats.org/presentationml/2006/main" show="0">
   <p:cSld>
     <p:spTree>
       <p:nvGrpSpPr>
@@ -11996,7 +12003,7 @@
   <p:cSld>
     <p:spTree>
       <p:nvGrpSpPr>
-        <p:cNvPr id="1" name="Shape 147"/>
+        <p:cNvPr id="1" name=""/>
         <p:cNvGrpSpPr/>
         <p:nvPr/>
       </p:nvGrpSpPr>
@@ -12010,8 +12017,14 @@
       </p:grpSpPr>
       <p:sp>
         <p:nvSpPr>
-          <p:cNvPr id="148" name="Google Shape;148;p22"/>
-          <p:cNvSpPr txBox="1">
+          <p:cNvPr id="2" name="Title 1">
+            <a:extLst>
+              <a:ext uri="{FF2B5EF4-FFF2-40B4-BE49-F238E27FC236}">
+                <a16:creationId xmlns:a16="http://schemas.microsoft.com/office/drawing/2014/main" id="{1232C22C-62F9-B215-63C3-BE6A276AE74D}"/>
+              </a:ext>
+            </a:extLst>
+          </p:cNvPr>
+          <p:cNvSpPr>
             <a:spLocks noGrp="1"/>
           </p:cNvSpPr>
           <p:nvPr>
@@ -12020,159 +12033,37 @@
         </p:nvSpPr>
         <p:spPr>
           <a:xfrm>
-            <a:off x="729450" y="1318650"/>
-            <a:ext cx="7688700" cy="535200"/>
+            <a:off x="3255842" y="2384832"/>
+            <a:ext cx="2488879" cy="535200"/>
           </a:xfrm>
-          <a:prstGeom prst="rect">
-            <a:avLst/>
-          </a:prstGeom>
         </p:spPr>
         <p:txBody>
-          <a:bodyPr spcFirstLastPara="1" wrap="square" lIns="91425" tIns="91425" rIns="91425" bIns="91425" anchor="t" anchorCtr="0">
+          <a:bodyPr>
             <a:normAutofit fontScale="90000"/>
           </a:bodyPr>
           <a:lstStyle/>
           <a:p>
-            <a:pPr marL="0" lvl="0" indent="0" algn="l" rtl="0">
-              <a:spcBef>
-                <a:spcPts val="0"/>
-              </a:spcBef>
-              <a:spcAft>
-                <a:spcPts val="0"/>
-              </a:spcAft>
-              <a:buNone/>
-            </a:pPr>
             <a:r>
-              <a:rPr lang="en-GB" dirty="0">
+              <a:rPr lang="en-NL" dirty="0">
                 <a:latin typeface="Lato" panose="020F0502020204030203" pitchFamily="34" charset="0"/>
                 <a:ea typeface="Lato" panose="020F0502020204030203" pitchFamily="34" charset="0"/>
                 <a:cs typeface="Lato" panose="020F0502020204030203" pitchFamily="34" charset="0"/>
               </a:rPr>
-              <a:t>Defining</a:t>
+              <a:t>Practical</a:t>
             </a:r>
             <a:r>
-              <a:rPr lang="en-GB" dirty="0"/>
-              <a:t> Leaves – Specialized/domain Metadata </a:t>
+              <a:rPr lang="en-NL" dirty="0"/>
+              <a:t> steps</a:t>
             </a:r>
-            <a:endParaRPr dirty="0"/>
-          </a:p>
-        </p:txBody>
-      </p:sp>
-      <p:sp>
-        <p:nvSpPr>
-          <p:cNvPr id="149" name="Google Shape;149;p22"/>
-          <p:cNvSpPr txBox="1">
-            <a:spLocks noGrp="1"/>
-          </p:cNvSpPr>
-          <p:nvPr>
-            <p:ph type="body" idx="1"/>
-          </p:nvPr>
-        </p:nvSpPr>
-        <p:spPr>
-          <a:xfrm>
-            <a:off x="727650" y="2398915"/>
-            <a:ext cx="7688700" cy="2261100"/>
-          </a:xfrm>
-          <a:prstGeom prst="rect">
-            <a:avLst/>
-          </a:prstGeom>
-        </p:spPr>
-        <p:txBody>
-          <a:bodyPr spcFirstLastPara="1" wrap="square" lIns="91425" tIns="91425" rIns="91425" bIns="91425" anchor="t" anchorCtr="0">
-            <a:normAutofit/>
-          </a:bodyPr>
-          <a:lstStyle/>
-          <a:p>
-            <a:pPr marL="457200" lvl="0" indent="-311150" algn="l" rtl="0">
-              <a:spcBef>
-                <a:spcPts val="0"/>
-              </a:spcBef>
-              <a:spcAft>
-                <a:spcPts val="0"/>
-              </a:spcAft>
-              <a:buSzPts val="1300"/>
-              <a:buChar char="●"/>
-            </a:pPr>
-            <a:r>
-              <a:rPr lang="en-GB" dirty="0"/>
-              <a:t>Domains (e.g. Image group) will specialize the generic/core schema into their needs and properties</a:t>
-            </a:r>
-          </a:p>
-          <a:p>
-            <a:pPr marL="457200" lvl="0" indent="-311150" algn="l" rtl="0">
-              <a:spcBef>
-                <a:spcPts val="0"/>
-              </a:spcBef>
-              <a:spcAft>
-                <a:spcPts val="0"/>
-              </a:spcAft>
-              <a:buSzPts val="1300"/>
-              <a:buChar char="●"/>
-            </a:pPr>
-            <a:r>
-              <a:rPr lang="en-GB" dirty="0"/>
-              <a:t>Feedback / Result from Domain groups expected to be shared via </a:t>
-            </a:r>
-            <a:r>
-              <a:rPr lang="en-GB" dirty="0" err="1"/>
-              <a:t>Github</a:t>
-            </a:r>
-            <a:endParaRPr dirty="0"/>
-          </a:p>
-          <a:p>
-            <a:pPr marL="457200" lvl="0" indent="-311150" algn="l" rtl="0">
-              <a:spcBef>
-                <a:spcPts val="0"/>
-              </a:spcBef>
-              <a:spcAft>
-                <a:spcPts val="0"/>
-              </a:spcAft>
-              <a:buSzPts val="1300"/>
-              <a:buChar char="●"/>
-            </a:pPr>
-            <a:r>
-              <a:rPr lang="en-GB" dirty="0"/>
-              <a:t>Request Rob 🧙 to add you to the HRI Metadata repo </a:t>
-            </a:r>
-            <a:r>
-              <a:rPr lang="en-GB" u="sng" dirty="0">
-                <a:solidFill>
-                  <a:schemeClr val="hlink"/>
-                </a:solidFill>
-                <a:hlinkClick r:id="rId3"/>
-              </a:rPr>
-              <a:t>health-ri-metadata</a:t>
-            </a:r>
-            <a:r>
-              <a:rPr lang="en-GB" dirty="0"/>
-              <a:t>/</a:t>
-            </a:r>
-            <a:r>
-              <a:rPr lang="en-GB" u="sng" dirty="0">
-                <a:solidFill>
-                  <a:schemeClr val="hlink"/>
-                </a:solidFill>
-                <a:hlinkClick r:id="rId4"/>
-              </a:rPr>
-              <a:t>Leaves</a:t>
-            </a:r>
-            <a:r>
-              <a:rPr lang="en-GB" dirty="0"/>
-              <a:t>/</a:t>
-            </a:r>
-            <a:r>
-              <a:rPr lang="en-GB" u="sng" dirty="0">
-                <a:solidFill>
-                  <a:schemeClr val="hlink"/>
-                </a:solidFill>
-              </a:rPr>
-              <a:t>Image</a:t>
-            </a:r>
-            <a:endParaRPr dirty="0"/>
           </a:p>
         </p:txBody>
       </p:sp>
     </p:spTree>
+    <p:extLst>
+      <p:ext uri="{BB962C8B-B14F-4D97-AF65-F5344CB8AC3E}">
+        <p14:creationId xmlns:p14="http://schemas.microsoft.com/office/powerpoint/2010/main" val="1533825492"/>
+      </p:ext>
+    </p:extLst>
   </p:cSld>
   <p:clrMapOvr>
     <a:masterClrMapping/>
@@ -18411,7 +18302,7 @@
   <p:cSld>
     <p:spTree>
       <p:nvGrpSpPr>
-        <p:cNvPr id="1" name=""/>
+        <p:cNvPr id="1" name="Shape 147"/>
         <p:cNvGrpSpPr/>
         <p:nvPr/>
       </p:nvGrpSpPr>
@@ -18425,14 +18316,8 @@
       </p:grpSpPr>
       <p:sp>
         <p:nvSpPr>
-          <p:cNvPr id="2" name="Title 1">
-            <a:extLst>
-              <a:ext uri="{FF2B5EF4-FFF2-40B4-BE49-F238E27FC236}">
-                <a16:creationId xmlns:a16="http://schemas.microsoft.com/office/drawing/2014/main" id="{1232C22C-62F9-B215-63C3-BE6A276AE74D}"/>
-              </a:ext>
-            </a:extLst>
-          </p:cNvPr>
-          <p:cNvSpPr>
+          <p:cNvPr id="148" name="Google Shape;148;p22"/>
+          <p:cNvSpPr txBox="1">
             <a:spLocks noGrp="1"/>
           </p:cNvSpPr>
           <p:nvPr>
@@ -18441,37 +18326,159 @@
         </p:nvSpPr>
         <p:spPr>
           <a:xfrm>
-            <a:off x="3255842" y="2384832"/>
-            <a:ext cx="2488879" cy="535200"/>
+            <a:off x="729450" y="1318650"/>
+            <a:ext cx="7688700" cy="535200"/>
           </a:xfrm>
+          <a:prstGeom prst="rect">
+            <a:avLst/>
+          </a:prstGeom>
         </p:spPr>
         <p:txBody>
-          <a:bodyPr>
+          <a:bodyPr spcFirstLastPara="1" wrap="square" lIns="91425" tIns="91425" rIns="91425" bIns="91425" anchor="t" anchorCtr="0">
             <a:normAutofit fontScale="90000"/>
           </a:bodyPr>
           <a:lstStyle/>
           <a:p>
+            <a:pPr marL="0" lvl="0" indent="0" algn="l" rtl="0">
+              <a:spcBef>
+                <a:spcPts val="0"/>
+              </a:spcBef>
+              <a:spcAft>
+                <a:spcPts val="0"/>
+              </a:spcAft>
+              <a:buNone/>
+            </a:pPr>
             <a:r>
-              <a:rPr lang="en-NL" dirty="0">
+              <a:rPr lang="en-GB" dirty="0">
                 <a:latin typeface="Lato" panose="020F0502020204030203" pitchFamily="34" charset="0"/>
                 <a:ea typeface="Lato" panose="020F0502020204030203" pitchFamily="34" charset="0"/>
                 <a:cs typeface="Lato" panose="020F0502020204030203" pitchFamily="34" charset="0"/>
               </a:rPr>
-              <a:t>Practical</a:t>
+              <a:t>Defining</a:t>
             </a:r>
             <a:r>
-              <a:rPr lang="en-NL" dirty="0"/>
-              <a:t> steps</a:t>
+              <a:rPr lang="en-GB" dirty="0"/>
+              <a:t> Leaves – domain Metadata </a:t>
             </a:r>
+            <a:endParaRPr dirty="0"/>
+          </a:p>
+        </p:txBody>
+      </p:sp>
+      <p:sp>
+        <p:nvSpPr>
+          <p:cNvPr id="149" name="Google Shape;149;p22"/>
+          <p:cNvSpPr txBox="1">
+            <a:spLocks noGrp="1"/>
+          </p:cNvSpPr>
+          <p:nvPr>
+            <p:ph type="body" idx="1"/>
+          </p:nvPr>
+        </p:nvSpPr>
+        <p:spPr>
+          <a:xfrm>
+            <a:off x="727650" y="2398915"/>
+            <a:ext cx="7688700" cy="2261100"/>
+          </a:xfrm>
+          <a:prstGeom prst="rect">
+            <a:avLst/>
+          </a:prstGeom>
+        </p:spPr>
+        <p:txBody>
+          <a:bodyPr spcFirstLastPara="1" wrap="square" lIns="91425" tIns="91425" rIns="91425" bIns="91425" anchor="t" anchorCtr="0">
+            <a:normAutofit/>
+          </a:bodyPr>
+          <a:lstStyle/>
+          <a:p>
+            <a:pPr marL="457200" lvl="0" indent="-311150" algn="l" rtl="0">
+              <a:spcBef>
+                <a:spcPts val="0"/>
+              </a:spcBef>
+              <a:spcAft>
+                <a:spcPts val="0"/>
+              </a:spcAft>
+              <a:buSzPts val="1300"/>
+              <a:buChar char="●"/>
+            </a:pPr>
+            <a:r>
+              <a:rPr lang="en-GB" dirty="0"/>
+              <a:t>Domains (e.g. Image group) will specialize the generic/core schema into their needs and properties</a:t>
+            </a:r>
+          </a:p>
+          <a:p>
+            <a:pPr marL="457200" lvl="0" indent="-311150" algn="l" rtl="0">
+              <a:spcBef>
+                <a:spcPts val="0"/>
+              </a:spcBef>
+              <a:spcAft>
+                <a:spcPts val="0"/>
+              </a:spcAft>
+              <a:buSzPts val="1300"/>
+              <a:buChar char="●"/>
+            </a:pPr>
+            <a:r>
+              <a:rPr lang="en-GB" dirty="0"/>
+              <a:t>Feedback / Result from Domain groups expected to be shared via </a:t>
+            </a:r>
+            <a:r>
+              <a:rPr lang="en-GB" dirty="0" err="1"/>
+              <a:t>Github</a:t>
+            </a:r>
+            <a:endParaRPr dirty="0"/>
+          </a:p>
+          <a:p>
+            <a:pPr marL="457200" lvl="0" indent="-311150" algn="l" rtl="0">
+              <a:spcBef>
+                <a:spcPts val="0"/>
+              </a:spcBef>
+              <a:spcAft>
+                <a:spcPts val="0"/>
+              </a:spcAft>
+              <a:buSzPts val="1300"/>
+              <a:buChar char="●"/>
+            </a:pPr>
+            <a:r>
+              <a:rPr lang="en-GB" dirty="0"/>
+              <a:t>Request Rob 🧙 to add you to the HRI Metadata repo </a:t>
+            </a:r>
+            <a:r>
+              <a:rPr lang="en-GB" u="sng" dirty="0">
+                <a:solidFill>
+                  <a:schemeClr val="hlink"/>
+                </a:solidFill>
+                <a:hlinkClick r:id="rId3"/>
+              </a:rPr>
+              <a:t>health-ri-metadata</a:t>
+            </a:r>
+            <a:r>
+              <a:rPr lang="en-GB" dirty="0"/>
+              <a:t>/</a:t>
+            </a:r>
+            <a:r>
+              <a:rPr lang="en-GB" u="sng" dirty="0">
+                <a:solidFill>
+                  <a:schemeClr val="hlink"/>
+                </a:solidFill>
+                <a:hlinkClick r:id="rId4"/>
+              </a:rPr>
+              <a:t>Leaves</a:t>
+            </a:r>
+            <a:r>
+              <a:rPr lang="en-GB" dirty="0"/>
+              <a:t>/</a:t>
+            </a:r>
+            <a:r>
+              <a:rPr lang="en-GB" u="sng" dirty="0">
+                <a:solidFill>
+                  <a:schemeClr val="hlink"/>
+                </a:solidFill>
+              </a:rPr>
+              <a:t>Image</a:t>
+            </a:r>
+            <a:endParaRPr dirty="0"/>
           </a:p>
         </p:txBody>
       </p:sp>
     </p:spTree>
-    <p:extLst>
-      <p:ext uri="{BB962C8B-B14F-4D97-AF65-F5344CB8AC3E}">
-        <p14:creationId xmlns:p14="http://schemas.microsoft.com/office/powerpoint/2010/main" val="1533825492"/>
-      </p:ext>
-    </p:extLst>
   </p:cSld>
   <p:clrMapOvr>
     <a:masterClrMapping/>
@@ -18687,7 +18694,7 @@
             </a:pPr>
             <a:r>
               <a:rPr lang="en-GB" dirty="0"/>
-              <a:t>1. Define a Scope</a:t>
+              <a:t>Metadata schema -- Define a Scope</a:t>
             </a:r>
             <a:br>
               <a:rPr lang="en-GB" dirty="0"/>
@@ -18724,7 +18731,7 @@
         </p:nvSpPr>
         <p:spPr>
           <a:xfrm>
-            <a:off x="729450" y="2078875"/>
+            <a:off x="638010" y="2150136"/>
             <a:ext cx="7688700" cy="2261100"/>
           </a:xfrm>
           <a:prstGeom prst="rect">
@@ -18733,9 +18740,36 @@
         </p:spPr>
         <p:txBody>
           <a:bodyPr spcFirstLastPara="1" wrap="square" lIns="91425" tIns="91425" rIns="91425" bIns="91425" anchor="t" anchorCtr="0">
-            <a:normAutofit fontScale="92500" lnSpcReduction="20000"/>
+            <a:normAutofit fontScale="77500" lnSpcReduction="20000"/>
           </a:bodyPr>
           <a:lstStyle/>
+          <a:p>
+            <a:pPr marL="0" lvl="0" indent="0" algn="l" rtl="0">
+              <a:spcBef>
+                <a:spcPts val="0"/>
+              </a:spcBef>
+              <a:spcAft>
+                <a:spcPts val="0"/>
+              </a:spcAft>
+              <a:buNone/>
+            </a:pPr>
+            <a:r>
+              <a:rPr lang="en-GB" dirty="0"/>
+              <a:t>-- Start by collecting requirement for the Core model </a:t>
+            </a:r>
+          </a:p>
+          <a:p>
+            <a:pPr marL="0" lvl="0" indent="0" algn="l" rtl="0">
+              <a:spcBef>
+                <a:spcPts val="0"/>
+              </a:spcBef>
+              <a:spcAft>
+                <a:spcPts val="0"/>
+              </a:spcAft>
+              <a:buNone/>
+            </a:pPr>
+            <a:endParaRPr lang="en-GB" dirty="0"/>
+          </a:p>
           <a:p>
             <a:pPr marL="0" lvl="0" indent="0" algn="l" rtl="0">
               <a:spcBef>
@@ -18998,7 +19032,7 @@
         </p:spPr>
         <p:txBody>
           <a:bodyPr spcFirstLastPara="1" wrap="square" lIns="91425" tIns="91425" rIns="91425" bIns="91425" anchor="t" anchorCtr="0">
-            <a:normAutofit fontScale="92500" lnSpcReduction="20000"/>
+            <a:normAutofit fontScale="85000" lnSpcReduction="20000"/>
           </a:bodyPr>
           <a:lstStyle/>
           <a:p>
@@ -19007,21 +19041,39 @@
             </a:pPr>
             <a:r>
               <a:rPr lang="en-GB" dirty="0"/>
-              <a:t>Collect the metadata requirements in a form of competency questions</a:t>
+              <a:t>Collect all the metadata requirements in a form of competency queries.</a:t>
+            </a:r>
+          </a:p>
+          <a:p>
+            <a:pPr lvl="1"/>
+            <a:endParaRPr lang="en-GB" dirty="0"/>
+          </a:p>
+          <a:p>
+            <a:pPr lvl="1"/>
+            <a:r>
+              <a:rPr lang="en-GB" dirty="0"/>
+              <a:t>For the specific data collection method, give me the data and title, format, publisher? </a:t>
             </a:r>
           </a:p>
           <a:p>
             <a:pPr lvl="1"/>
             <a:r>
               <a:rPr lang="en-GB" dirty="0"/>
-              <a:t>Example: What is the temporal element of the Image? </a:t>
+              <a:t>Give me the images with modality “</a:t>
             </a:r>
-          </a:p>
-          <a:p>
-            <a:pPr lvl="1"/>
+            <a:r>
+              <a:rPr lang="en-GB" b="0" i="0" dirty="0">
+                <a:solidFill>
+                  <a:srgbClr val="BDC1C6"/>
+                </a:solidFill>
+                <a:effectLst/>
+                <a:latin typeface="Google Sans"/>
+              </a:rPr>
+              <a:t>mammography</a:t>
+            </a:r>
             <a:r>
               <a:rPr lang="en-GB" dirty="0"/>
-              <a:t>Give me the title of data with all the possible data collection methods? </a:t>
+              <a:t>”? </a:t>
             </a:r>
           </a:p>
           <a:p>
@@ -19036,14 +19088,14 @@
             </a:pPr>
             <a:r>
               <a:rPr lang="en-GB" dirty="0"/>
-              <a:t>Make a spreadsheet and list all the important terms and their definitions</a:t>
+              <a:t>Make an inventory of the important terms and their definitions</a:t>
             </a:r>
           </a:p>
           <a:p>
             <a:pPr lvl="1"/>
             <a:r>
               <a:rPr lang="en-GB" dirty="0"/>
-              <a:t>date created, data collection methods, data types</a:t>
+              <a:t>Collection method, image modality, collection title, </a:t>
             </a:r>
           </a:p>
           <a:p>
@@ -19058,7 +19110,15 @@
             </a:pPr>
             <a:r>
               <a:rPr lang="en-GB" dirty="0"/>
-              <a:t>Find their role in the schema (class, attribute, relations, controlled vocabulary, taxonomy)</a:t>
+              <a:t>Define them in </a:t>
+            </a:r>
+            <a:r>
+              <a:rPr lang="en-GB" dirty="0" err="1"/>
+              <a:t>rdf</a:t>
+            </a:r>
+            <a:r>
+              <a:rPr lang="en-GB" dirty="0"/>
+              <a:t> compliant manner (class, attribute, relations, controlled vocabulary, taxonomies)</a:t>
             </a:r>
           </a:p>
           <a:p>
@@ -19100,13 +19160,13 @@
             </a:pPr>
             <a:r>
               <a:rPr lang="en-GB" dirty="0"/>
-              <a:t>For each properties per class, define datatypes -&gt; Date created  </a:t>
+              <a:t>For each properties per class, define datatypes -&gt; collection title </a:t>
             </a:r>
             <a:r>
               <a:rPr lang="en-GB" dirty="0">
                 <a:sym typeface="Wingdings" pitchFamily="2" charset="2"/>
               </a:rPr>
-              <a:t>has </a:t>
+              <a:t> </a:t>
             </a:r>
             <a:r>
               <a:rPr lang="en-GB" dirty="0"/>
@@ -19211,11 +19271,7 @@
                 <a:ea typeface="Lato" panose="020F0502020204030203" pitchFamily="34" charset="0"/>
                 <a:cs typeface="Lato" panose="020F0502020204030203" pitchFamily="34" charset="0"/>
               </a:rPr>
-              <a:t>Mapping</a:t>
-            </a:r>
-            <a:r>
-              <a:rPr lang="en-US" dirty="0"/>
-              <a:t> Exercise </a:t>
+              <a:t>Reuse elements from DICOM</a:t>
             </a:r>
             <a:endParaRPr lang="en-NL" dirty="0"/>
           </a:p>
@@ -19248,8 +19304,12 @@
           <a:lstStyle/>
           <a:p>
             <a:r>
+              <a:rPr lang="en-GB" dirty="0"/>
+              <a:t>R</a:t>
+            </a:r>
+            <a:r>
               <a:rPr lang="en-NL" dirty="0"/>
-              <a:t>Map your requirements to the existing standards </a:t>
+              <a:t>euse the exsiting standards your requirements to the existing standards </a:t>
             </a:r>
           </a:p>
           <a:p>
@@ -19260,19 +19320,16 @@
             </a:r>
             <a:r>
               <a:rPr lang="en-NL" dirty="0"/>
-              <a:t>euse the domain standards instead of making a new entity</a:t>
+              <a:t>euse the domain standards</a:t>
             </a:r>
           </a:p>
           <a:p>
             <a:pPr lvl="1"/>
             <a:r>
-              <a:rPr lang="en-GB" dirty="0"/>
-              <a:t>E</a:t>
+              <a:rPr lang="en-US" dirty="0"/>
+              <a:t>If your requirements are missing, make a new entity or extend the existing elements</a:t>
             </a:r>
-            <a:r>
-              <a:rPr lang="en-NL" dirty="0"/>
-              <a:t>xtend the your requirement with the terms from the standards</a:t>
-            </a:r>
+            <a:endParaRPr lang="en-NL" dirty="0"/>
           </a:p>
           <a:p>
             <a:pPr lvl="2"/>
@@ -19307,36 +19364,6 @@
             <a:endParaRPr lang="en-GB" dirty="0"/>
           </a:p>
           <a:p>
-            <a:r>
-              <a:rPr lang="en-GB" dirty="0"/>
-              <a:t> For exposing your datasets on health-RI portal, you should:</a:t>
-            </a:r>
-          </a:p>
-          <a:p>
-            <a:pPr lvl="1"/>
-            <a:r>
-              <a:rPr lang="en-GB" dirty="0"/>
-              <a:t>Use </a:t>
-            </a:r>
-            <a:r>
-              <a:rPr lang="en-GB" dirty="0" err="1"/>
-              <a:t>dcat</a:t>
-            </a:r>
-            <a:r>
-              <a:rPr lang="en-GB" dirty="0"/>
-              <a:t>-ap Mandatory fields for describing you datasets.  </a:t>
-            </a:r>
-            <a:r>
-              <a:rPr lang="en-GB" dirty="0">
-                <a:sym typeface="Wingdings" pitchFamily="2" charset="2"/>
-              </a:rPr>
-              <a:t> This is a must have for exposing your metadata information on the portal</a:t>
-            </a:r>
-          </a:p>
-          <a:p>
-            <a:pPr marL="615950" lvl="1" indent="0">
-              <a:buNone/>
-            </a:pPr>
             <a:endParaRPr lang="en-GB" dirty="0"/>
           </a:p>
           <a:p>
@@ -19382,7 +19409,7 @@
           <p:cNvPr id="2" name="Title 1">
             <a:extLst>
               <a:ext uri="{FF2B5EF4-FFF2-40B4-BE49-F238E27FC236}">
-                <a16:creationId xmlns:a16="http://schemas.microsoft.com/office/drawing/2014/main" id="{B76EBB38-010E-4A5B-2CEA-D9F1EDC09E49}"/>
+                <a16:creationId xmlns:a16="http://schemas.microsoft.com/office/drawing/2014/main" id="{CE2EDBE9-8236-DC7A-E6FD-56308007578B}"/>
               </a:ext>
             </a:extLst>
           </p:cNvPr>
@@ -19393,12 +19420,7 @@
             <p:ph type="title"/>
           </p:nvPr>
         </p:nvSpPr>
-        <p:spPr>
-          <a:xfrm>
-            <a:off x="599790" y="1237370"/>
-            <a:ext cx="7688700" cy="535200"/>
-          </a:xfrm>
-        </p:spPr>
+        <p:spPr/>
         <p:txBody>
           <a:bodyPr>
             <a:normAutofit fontScale="90000"/>
@@ -19406,419 +19428,459 @@
           <a:lstStyle/>
           <a:p>
             <a:r>
-              <a:rPr lang="en-US" dirty="0">
-                <a:latin typeface="Lato" panose="020F0502020204030203" pitchFamily="34" charset="0"/>
-                <a:ea typeface="Lato" panose="020F0502020204030203" pitchFamily="34" charset="0"/>
-                <a:cs typeface="Lato" panose="020F0502020204030203" pitchFamily="34" charset="0"/>
-              </a:rPr>
-              <a:t>Your Metadata requirement sheet</a:t>
+              <a:rPr lang="en-NL" dirty="0"/>
+              <a:t>Map and Align to dcat-AP</a:t>
             </a:r>
-            <a:endParaRPr lang="en-NL" dirty="0">
-              <a:latin typeface="Lato" panose="020F0502020204030203" pitchFamily="34" charset="0"/>
-              <a:ea typeface="Lato" panose="020F0502020204030203" pitchFamily="34" charset="0"/>
-              <a:cs typeface="Lato" panose="020F0502020204030203" pitchFamily="34" charset="0"/>
-            </a:endParaRPr>
           </a:p>
         </p:txBody>
       </p:sp>
-      <p:graphicFrame>
-        <p:nvGraphicFramePr>
-          <p:cNvPr id="4" name="Table 4">
+      <p:sp>
+        <p:nvSpPr>
+          <p:cNvPr id="3" name="Text Placeholder 2">
             <a:extLst>
               <a:ext uri="{FF2B5EF4-FFF2-40B4-BE49-F238E27FC236}">
-                <a16:creationId xmlns:a16="http://schemas.microsoft.com/office/drawing/2014/main" id="{B9F8C381-AFEA-66BA-4129-C818FA3E4EE8}"/>
+                <a16:creationId xmlns:a16="http://schemas.microsoft.com/office/drawing/2014/main" id="{D50EE528-23B0-9EAA-7206-CBCF4B1A8247}"/>
               </a:ext>
             </a:extLst>
           </p:cNvPr>
-          <p:cNvGraphicFramePr>
-            <a:graphicFrameLocks noGrp="1"/>
-          </p:cNvGraphicFramePr>
+          <p:cNvSpPr>
+            <a:spLocks noGrp="1"/>
+          </p:cNvSpPr>
           <p:nvPr>
-            <p:extLst>
-              <p:ext uri="{D42A27DB-BD31-4B8C-83A1-F6EECF244321}">
-                <p14:modId xmlns:p14="http://schemas.microsoft.com/office/powerpoint/2010/main" val="1299840970"/>
-              </p:ext>
-            </p:extLst>
+            <p:ph type="body" idx="1"/>
           </p:nvPr>
-        </p:nvGraphicFramePr>
-        <p:xfrm>
-          <a:off x="599790" y="1874170"/>
-          <a:ext cx="8208930" cy="2194560"/>
-        </p:xfrm>
-        <a:graphic>
-          <a:graphicData uri="http://schemas.openxmlformats.org/drawingml/2006/table">
-            <a:tbl>
-              <a:tblPr firstRow="1" bandRow="1">
-                <a:tableStyleId>{5C22544A-7EE6-4342-B048-85BDC9FD1C3A}</a:tableStyleId>
-              </a:tblPr>
-              <a:tblGrid>
-                <a:gridCol w="1381410">
-                  <a:extLst>
-                    <a:ext uri="{9D8B030D-6E8A-4147-A177-3AD203B41FA5}">
-                      <a16:colId xmlns:a16="http://schemas.microsoft.com/office/drawing/2014/main" val="1167700436"/>
-                    </a:ext>
-                  </a:extLst>
-                </a:gridCol>
-                <a:gridCol w="1978983">
-                  <a:extLst>
-                    <a:ext uri="{9D8B030D-6E8A-4147-A177-3AD203B41FA5}">
-                      <a16:colId xmlns:a16="http://schemas.microsoft.com/office/drawing/2014/main" val="3456593460"/>
-                    </a:ext>
-                  </a:extLst>
-                </a:gridCol>
-                <a:gridCol w="1616179">
-                  <a:extLst>
-                    <a:ext uri="{9D8B030D-6E8A-4147-A177-3AD203B41FA5}">
-                      <a16:colId xmlns:a16="http://schemas.microsoft.com/office/drawing/2014/main" val="3614198380"/>
-                    </a:ext>
-                  </a:extLst>
-                </a:gridCol>
-                <a:gridCol w="1616179">
-                  <a:extLst>
-                    <a:ext uri="{9D8B030D-6E8A-4147-A177-3AD203B41FA5}">
-                      <a16:colId xmlns:a16="http://schemas.microsoft.com/office/drawing/2014/main" val="766165441"/>
-                    </a:ext>
-                  </a:extLst>
-                </a:gridCol>
-                <a:gridCol w="1616179">
-                  <a:extLst>
-                    <a:ext uri="{9D8B030D-6E8A-4147-A177-3AD203B41FA5}">
-                      <a16:colId xmlns:a16="http://schemas.microsoft.com/office/drawing/2014/main" val="164883953"/>
-                    </a:ext>
-                  </a:extLst>
-                </a:gridCol>
-              </a:tblGrid>
-              <a:tr h="495288">
-                <a:tc>
-                  <a:txBody>
-                    <a:bodyPr/>
-                    <a:lstStyle/>
-                    <a:p>
-                      <a:r>
-                        <a:rPr lang="en-GB" dirty="0">
-                          <a:latin typeface="Lato" panose="020F0502020204030203" pitchFamily="34" charset="0"/>
-                          <a:ea typeface="Lato" panose="020F0502020204030203" pitchFamily="34" charset="0"/>
-                          <a:cs typeface="Lato" panose="020F0502020204030203" pitchFamily="34" charset="0"/>
-                        </a:rPr>
-                        <a:t>T</a:t>
-                      </a:r>
-                      <a:r>
-                        <a:rPr lang="en-NL" dirty="0">
-                          <a:latin typeface="Lato" panose="020F0502020204030203" pitchFamily="34" charset="0"/>
-                          <a:ea typeface="Lato" panose="020F0502020204030203" pitchFamily="34" charset="0"/>
-                          <a:cs typeface="Lato" panose="020F0502020204030203" pitchFamily="34" charset="0"/>
-                        </a:rPr>
-                        <a:t>erm (your requirement)</a:t>
-                      </a:r>
-                    </a:p>
-                  </a:txBody>
-                  <a:tcPr/>
-                </a:tc>
-                <a:tc>
-                  <a:txBody>
-                    <a:bodyPr/>
-                    <a:lstStyle/>
-                    <a:p>
-                      <a:r>
-                        <a:rPr lang="en-NL" dirty="0">
-                          <a:latin typeface="Lato" panose="020F0502020204030203" pitchFamily="34" charset="0"/>
-                          <a:ea typeface="Lato" panose="020F0502020204030203" pitchFamily="34" charset="0"/>
-                          <a:cs typeface="Lato" panose="020F0502020204030203" pitchFamily="34" charset="0"/>
-                        </a:rPr>
-                        <a:t>definition</a:t>
-                      </a:r>
-                    </a:p>
-                  </a:txBody>
-                  <a:tcPr/>
-                </a:tc>
-                <a:tc>
-                  <a:txBody>
-                    <a:bodyPr/>
-                    <a:lstStyle/>
-                    <a:p>
-                      <a:r>
-                        <a:rPr lang="en-GB" dirty="0">
-                          <a:latin typeface="Lato" panose="020F0502020204030203" pitchFamily="34" charset="0"/>
-                          <a:ea typeface="Lato" panose="020F0502020204030203" pitchFamily="34" charset="0"/>
-                          <a:cs typeface="Lato" panose="020F0502020204030203" pitchFamily="34" charset="0"/>
-                        </a:rPr>
-                        <a:t>M</a:t>
-                      </a:r>
-                      <a:r>
-                        <a:rPr lang="en-NL" dirty="0">
-                          <a:latin typeface="Lato" panose="020F0502020204030203" pitchFamily="34" charset="0"/>
-                          <a:ea typeface="Lato" panose="020F0502020204030203" pitchFamily="34" charset="0"/>
-                          <a:cs typeface="Lato" panose="020F0502020204030203" pitchFamily="34" charset="0"/>
-                        </a:rPr>
-                        <a:t>apped to term in DICOM</a:t>
-                      </a:r>
-                    </a:p>
-                  </a:txBody>
-                  <a:tcPr/>
-                </a:tc>
-                <a:tc>
-                  <a:txBody>
-                    <a:bodyPr/>
-                    <a:lstStyle/>
-                    <a:p>
-                      <a:r>
-                        <a:rPr lang="en-NL" dirty="0">
-                          <a:latin typeface="Lato" panose="020F0502020204030203" pitchFamily="34" charset="0"/>
-                          <a:ea typeface="Lato" panose="020F0502020204030203" pitchFamily="34" charset="0"/>
-                          <a:cs typeface="Lato" panose="020F0502020204030203" pitchFamily="34" charset="0"/>
-                        </a:rPr>
-                        <a:t>Mapped to term in DCAT-AP</a:t>
-                      </a:r>
-                    </a:p>
-                  </a:txBody>
-                  <a:tcPr/>
-                </a:tc>
-                <a:tc>
-                  <a:txBody>
-                    <a:bodyPr/>
-                    <a:lstStyle/>
-                    <a:p>
-                      <a:r>
-                        <a:rPr lang="en-GB" dirty="0">
-                          <a:latin typeface="Lato" panose="020F0502020204030203" pitchFamily="34" charset="0"/>
-                          <a:ea typeface="Lato" panose="020F0502020204030203" pitchFamily="34" charset="0"/>
-                          <a:cs typeface="Lato" panose="020F0502020204030203" pitchFamily="34" charset="0"/>
-                        </a:rPr>
-                        <a:t>E</a:t>
-                      </a:r>
-                      <a:r>
-                        <a:rPr lang="en-NL" dirty="0">
-                          <a:latin typeface="Lato" panose="020F0502020204030203" pitchFamily="34" charset="0"/>
-                          <a:ea typeface="Lato" panose="020F0502020204030203" pitchFamily="34" charset="0"/>
-                          <a:cs typeface="Lato" panose="020F0502020204030203" pitchFamily="34" charset="0"/>
-                        </a:rPr>
-                        <a:t>xample </a:t>
-                      </a:r>
-                    </a:p>
-                  </a:txBody>
-                  <a:tcPr/>
-                </a:tc>
-                <a:extLst>
-                  <a:ext uri="{0D108BD9-81ED-4DB2-BD59-A6C34878D82A}">
-                    <a16:rowId xmlns:a16="http://schemas.microsoft.com/office/drawing/2014/main" val="101301093"/>
-                  </a:ext>
-                </a:extLst>
-              </a:tr>
-              <a:tr h="495288">
-                <a:tc>
-                  <a:txBody>
-                    <a:bodyPr/>
-                    <a:lstStyle/>
-                    <a:p>
-                      <a:r>
-                        <a:rPr lang="en-NL" dirty="0">
-                          <a:latin typeface="Lato" panose="020F0502020204030203" pitchFamily="34" charset="0"/>
-                          <a:ea typeface="Lato" panose="020F0502020204030203" pitchFamily="34" charset="0"/>
-                          <a:cs typeface="Lato" panose="020F0502020204030203" pitchFamily="34" charset="0"/>
-                        </a:rPr>
-                        <a:t>Dataset title</a:t>
-                      </a:r>
-                    </a:p>
-                  </a:txBody>
-                  <a:tcPr/>
-                </a:tc>
-                <a:tc>
-                  <a:txBody>
-                    <a:bodyPr/>
-                    <a:lstStyle/>
-                    <a:p>
-                      <a:r>
-                        <a:rPr lang="en-GB" dirty="0">
-                          <a:latin typeface="Lato" panose="020F0502020204030203" pitchFamily="34" charset="0"/>
-                          <a:ea typeface="Lato" panose="020F0502020204030203" pitchFamily="34" charset="0"/>
-                          <a:cs typeface="Lato" panose="020F0502020204030203" pitchFamily="34" charset="0"/>
-                        </a:rPr>
-                        <a:t>T</a:t>
-                      </a:r>
-                      <a:r>
-                        <a:rPr lang="en-NL" dirty="0">
-                          <a:latin typeface="Lato" panose="020F0502020204030203" pitchFamily="34" charset="0"/>
-                          <a:ea typeface="Lato" panose="020F0502020204030203" pitchFamily="34" charset="0"/>
-                          <a:cs typeface="Lato" panose="020F0502020204030203" pitchFamily="34" charset="0"/>
-                        </a:rPr>
-                        <a:t>itle, name of the dataset</a:t>
-                      </a:r>
-                    </a:p>
-                  </a:txBody>
-                  <a:tcPr/>
-                </a:tc>
-                <a:tc>
-                  <a:txBody>
-                    <a:bodyPr/>
-                    <a:lstStyle/>
-                    <a:p>
-                      <a:r>
-                        <a:rPr lang="en-NL" dirty="0">
-                          <a:latin typeface="Lato" panose="020F0502020204030203" pitchFamily="34" charset="0"/>
-                          <a:ea typeface="Lato" panose="020F0502020204030203" pitchFamily="34" charset="0"/>
-                          <a:cs typeface="Lato" panose="020F0502020204030203" pitchFamily="34" charset="0"/>
-                        </a:rPr>
-                        <a:t>?</a:t>
-                      </a:r>
-                    </a:p>
-                  </a:txBody>
-                  <a:tcPr/>
-                </a:tc>
-                <a:tc>
-                  <a:txBody>
-                    <a:bodyPr/>
-                    <a:lstStyle/>
-                    <a:p>
-                      <a:r>
-                        <a:rPr lang="en-GB" dirty="0" err="1">
-                          <a:latin typeface="Lato" panose="020F0502020204030203" pitchFamily="34" charset="0"/>
-                          <a:ea typeface="Lato" panose="020F0502020204030203" pitchFamily="34" charset="0"/>
-                          <a:cs typeface="Lato" panose="020F0502020204030203" pitchFamily="34" charset="0"/>
-                        </a:rPr>
-                        <a:t>dcat:title</a:t>
-                      </a:r>
-                      <a:endParaRPr lang="en-NL" dirty="0">
-                        <a:latin typeface="Lato" panose="020F0502020204030203" pitchFamily="34" charset="0"/>
-                        <a:ea typeface="Lato" panose="020F0502020204030203" pitchFamily="34" charset="0"/>
-                        <a:cs typeface="Lato" panose="020F0502020204030203" pitchFamily="34" charset="0"/>
-                      </a:endParaRPr>
-                    </a:p>
-                  </a:txBody>
-                  <a:tcPr/>
-                </a:tc>
-                <a:tc>
-                  <a:txBody>
-                    <a:bodyPr/>
-                    <a:lstStyle/>
-                    <a:p>
-                      <a:endParaRPr lang="en-NL" dirty="0">
-                        <a:latin typeface="Lato" panose="020F0502020204030203" pitchFamily="34" charset="0"/>
-                        <a:ea typeface="Lato" panose="020F0502020204030203" pitchFamily="34" charset="0"/>
-                        <a:cs typeface="Lato" panose="020F0502020204030203" pitchFamily="34" charset="0"/>
-                      </a:endParaRPr>
-                    </a:p>
-                  </a:txBody>
-                  <a:tcPr/>
-                </a:tc>
-                <a:extLst>
-                  <a:ext uri="{0D108BD9-81ED-4DB2-BD59-A6C34878D82A}">
-                    <a16:rowId xmlns:a16="http://schemas.microsoft.com/office/drawing/2014/main" val="3100378253"/>
-                  </a:ext>
-                </a:extLst>
-              </a:tr>
-              <a:tr h="1107114">
-                <a:tc>
-                  <a:txBody>
-                    <a:bodyPr/>
-                    <a:lstStyle/>
-                    <a:p>
-                      <a:r>
-                        <a:rPr lang="en-GB" dirty="0">
-                          <a:latin typeface="Lato" panose="020F0502020204030203" pitchFamily="34" charset="0"/>
-                          <a:ea typeface="Lato" panose="020F0502020204030203" pitchFamily="34" charset="0"/>
-                          <a:cs typeface="Lato" panose="020F0502020204030203" pitchFamily="34" charset="0"/>
-                        </a:rPr>
-                        <a:t>D</a:t>
-                      </a:r>
-                      <a:r>
-                        <a:rPr lang="en-NL" dirty="0">
-                          <a:latin typeface="Lato" panose="020F0502020204030203" pitchFamily="34" charset="0"/>
-                          <a:ea typeface="Lato" panose="020F0502020204030203" pitchFamily="34" charset="0"/>
-                          <a:cs typeface="Lato" panose="020F0502020204030203" pitchFamily="34" charset="0"/>
-                        </a:rPr>
-                        <a:t>ata Collection Method</a:t>
-                      </a:r>
-                    </a:p>
-                  </a:txBody>
-                  <a:tcPr/>
-                </a:tc>
-                <a:tc>
-                  <a:txBody>
-                    <a:bodyPr/>
-                    <a:lstStyle/>
-                    <a:p>
-                      <a:r>
-                        <a:rPr lang="en-GB" dirty="0">
-                          <a:latin typeface="Lato" panose="020F0502020204030203" pitchFamily="34" charset="0"/>
-                          <a:ea typeface="Lato" panose="020F0502020204030203" pitchFamily="34" charset="0"/>
-                          <a:cs typeface="Lato" panose="020F0502020204030203" pitchFamily="34" charset="0"/>
-                        </a:rPr>
-                        <a:t>C</a:t>
-                      </a:r>
-                      <a:r>
-                        <a:rPr lang="en-NL" dirty="0">
-                          <a:latin typeface="Lato" panose="020F0502020204030203" pitchFamily="34" charset="0"/>
-                          <a:ea typeface="Lato" panose="020F0502020204030203" pitchFamily="34" charset="0"/>
-                          <a:cs typeface="Lato" panose="020F0502020204030203" pitchFamily="34" charset="0"/>
-                        </a:rPr>
-                        <a:t>ategorical data representing various groups of collection methods (Controlled vocabualry)</a:t>
-                      </a:r>
-                    </a:p>
-                  </a:txBody>
-                  <a:tcPr/>
-                </a:tc>
-                <a:tc>
-                  <a:txBody>
-                    <a:bodyPr/>
-                    <a:lstStyle/>
-                    <a:p>
-                      <a:r>
-                        <a:rPr lang="en-NL" dirty="0">
-                          <a:latin typeface="Lato" panose="020F0502020204030203" pitchFamily="34" charset="0"/>
-                          <a:ea typeface="Lato" panose="020F0502020204030203" pitchFamily="34" charset="0"/>
-                          <a:cs typeface="Lato" panose="020F0502020204030203" pitchFamily="34" charset="0"/>
-                        </a:rPr>
-                        <a:t>?</a:t>
-                      </a:r>
-                    </a:p>
-                  </a:txBody>
-                  <a:tcPr/>
-                </a:tc>
-                <a:tc>
-                  <a:txBody>
-                    <a:bodyPr/>
-                    <a:lstStyle/>
-                    <a:p>
-                      <a:r>
-                        <a:rPr lang="en-NL" dirty="0">
-                          <a:latin typeface="Lato" panose="020F0502020204030203" pitchFamily="34" charset="0"/>
-                          <a:ea typeface="Lato" panose="020F0502020204030203" pitchFamily="34" charset="0"/>
-                          <a:cs typeface="Lato" panose="020F0502020204030203" pitchFamily="34" charset="0"/>
-                        </a:rPr>
-                        <a:t>?</a:t>
-                      </a:r>
-                    </a:p>
-                  </a:txBody>
-                  <a:tcPr/>
-                </a:tc>
-                <a:tc>
-                  <a:txBody>
-                    <a:bodyPr/>
-                    <a:lstStyle/>
-                    <a:p>
-                      <a:endParaRPr lang="en-NL" dirty="0">
-                        <a:latin typeface="Lato" panose="020F0502020204030203" pitchFamily="34" charset="0"/>
-                        <a:ea typeface="Lato" panose="020F0502020204030203" pitchFamily="34" charset="0"/>
-                        <a:cs typeface="Lato" panose="020F0502020204030203" pitchFamily="34" charset="0"/>
-                      </a:endParaRPr>
-                    </a:p>
-                  </a:txBody>
-                  <a:tcPr/>
-                </a:tc>
-                <a:extLst>
-                  <a:ext uri="{0D108BD9-81ED-4DB2-BD59-A6C34878D82A}">
-                    <a16:rowId xmlns:a16="http://schemas.microsoft.com/office/drawing/2014/main" val="1139066793"/>
-                  </a:ext>
-                </a:extLst>
-              </a:tr>
-            </a:tbl>
-          </a:graphicData>
-        </a:graphic>
-      </p:graphicFrame>
+        </p:nvSpPr>
+        <p:spPr>
+          <a:xfrm>
+            <a:off x="621792" y="1981866"/>
+            <a:ext cx="7796358" cy="2486125"/>
+          </a:xfrm>
+        </p:spPr>
+        <p:txBody>
+          <a:bodyPr>
+            <a:normAutofit fontScale="62500" lnSpcReduction="20000"/>
+          </a:bodyPr>
+          <a:lstStyle/>
+          <a:p>
+            <a:pPr marL="342900" lvl="0" indent="-342900">
+              <a:buFont typeface="Symbol" pitchFamily="2" charset="2"/>
+              <a:buChar char=""/>
+            </a:pPr>
+            <a:r>
+              <a:rPr lang="en-GB" sz="1300" b="1" kern="0" dirty="0">
+                <a:effectLst/>
+                <a:latin typeface="AppleSystemUIFont"/>
+                <a:ea typeface="Calibri" panose="020F0502020204030204" pitchFamily="34" charset="0"/>
+                <a:cs typeface="AppleSystemUIFont"/>
+              </a:rPr>
+              <a:t>Understand Core metadata requirement</a:t>
+            </a:r>
+            <a:r>
+              <a:rPr lang="en-GB" sz="1300" kern="0" dirty="0">
+                <a:effectLst/>
+                <a:latin typeface="AppleSystemUIFont"/>
+                <a:ea typeface="Calibri" panose="020F0502020204030204" pitchFamily="34" charset="0"/>
+                <a:cs typeface="AppleSystemUIFont"/>
+              </a:rPr>
+              <a:t>:</a:t>
+            </a:r>
+            <a:endParaRPr lang="en-NL" sz="1200" kern="100" dirty="0">
+              <a:effectLst/>
+              <a:latin typeface="Calibri" panose="020F0502020204030204" pitchFamily="34" charset="0"/>
+              <a:ea typeface="Calibri" panose="020F0502020204030204" pitchFamily="34" charset="0"/>
+              <a:cs typeface="Times New Roman" panose="02020603050405020304" pitchFamily="18" charset="0"/>
+            </a:endParaRPr>
+          </a:p>
+          <a:p>
+            <a:pPr marL="742950" lvl="1" indent="-285750">
+              <a:buFont typeface="Courier New" panose="02070309020205020404" pitchFamily="49" charset="0"/>
+              <a:buChar char="o"/>
+            </a:pPr>
+            <a:r>
+              <a:rPr lang="en-GB" sz="1300" kern="0" dirty="0">
+                <a:effectLst/>
+                <a:latin typeface="AppleSystemUIFont"/>
+                <a:ea typeface="Calibri" panose="020F0502020204030204" pitchFamily="34" charset="0"/>
+                <a:cs typeface="AppleSystemUIFont"/>
+              </a:rPr>
+              <a:t>Start by taking a comprehensive inventory of your current metadata terms and definitions.</a:t>
+            </a:r>
+            <a:endParaRPr lang="en-NL" sz="1200" kern="100" dirty="0">
+              <a:effectLst/>
+              <a:latin typeface="Calibri" panose="020F0502020204030204" pitchFamily="34" charset="0"/>
+              <a:ea typeface="Calibri" panose="020F0502020204030204" pitchFamily="34" charset="0"/>
+              <a:cs typeface="Times New Roman" panose="02020603050405020304" pitchFamily="18" charset="0"/>
+            </a:endParaRPr>
+          </a:p>
+          <a:p>
+            <a:pPr marL="742950" lvl="1" indent="-285750">
+              <a:buFont typeface="Courier New" panose="02070309020205020404" pitchFamily="49" charset="0"/>
+              <a:buChar char="o"/>
+            </a:pPr>
+            <a:r>
+              <a:rPr lang="en-GB" sz="1300" kern="0" dirty="0">
+                <a:effectLst/>
+                <a:latin typeface="AppleSystemUIFont"/>
+                <a:ea typeface="Calibri" panose="020F0502020204030204" pitchFamily="34" charset="0"/>
+                <a:cs typeface="AppleSystemUIFont"/>
+              </a:rPr>
+              <a:t>Document each term, its definition, and possible values or data types (if applicable).</a:t>
+            </a:r>
+            <a:endParaRPr lang="en-NL" sz="1200" kern="100" dirty="0">
+              <a:effectLst/>
+              <a:latin typeface="Calibri" panose="020F0502020204030204" pitchFamily="34" charset="0"/>
+              <a:ea typeface="Calibri" panose="020F0502020204030204" pitchFamily="34" charset="0"/>
+              <a:cs typeface="Times New Roman" panose="02020603050405020304" pitchFamily="18" charset="0"/>
+            </a:endParaRPr>
+          </a:p>
+          <a:p>
+            <a:pPr marL="342900" lvl="0" indent="-342900">
+              <a:buFont typeface="Symbol" pitchFamily="2" charset="2"/>
+              <a:buChar char=""/>
+            </a:pPr>
+            <a:r>
+              <a:rPr lang="en-GB" sz="1300" b="1" kern="0" dirty="0">
+                <a:effectLst/>
+                <a:latin typeface="AppleSystemUIFont"/>
+                <a:ea typeface="Calibri" panose="020F0502020204030204" pitchFamily="34" charset="0"/>
+                <a:cs typeface="AppleSystemUIFont"/>
+              </a:rPr>
+              <a:t>Study the DCAT-AP Specification</a:t>
+            </a:r>
+            <a:r>
+              <a:rPr lang="en-GB" sz="1300" kern="0" dirty="0">
+                <a:effectLst/>
+                <a:latin typeface="AppleSystemUIFont"/>
+                <a:ea typeface="Calibri" panose="020F0502020204030204" pitchFamily="34" charset="0"/>
+                <a:cs typeface="AppleSystemUIFont"/>
+              </a:rPr>
+              <a:t>:</a:t>
+            </a:r>
+            <a:endParaRPr lang="en-NL" sz="1200" kern="100" dirty="0">
+              <a:effectLst/>
+              <a:latin typeface="Calibri" panose="020F0502020204030204" pitchFamily="34" charset="0"/>
+              <a:ea typeface="Calibri" panose="020F0502020204030204" pitchFamily="34" charset="0"/>
+              <a:cs typeface="Times New Roman" panose="02020603050405020304" pitchFamily="18" charset="0"/>
+            </a:endParaRPr>
+          </a:p>
+          <a:p>
+            <a:pPr marL="742950" lvl="1" indent="-285750">
+              <a:buFont typeface="Courier New" panose="02070309020205020404" pitchFamily="49" charset="0"/>
+              <a:buChar char="o"/>
+            </a:pPr>
+            <a:r>
+              <a:rPr lang="en-GB" sz="1300" kern="0" dirty="0">
+                <a:effectLst/>
+                <a:latin typeface="AppleSystemUIFont"/>
+                <a:ea typeface="Calibri" panose="020F0502020204030204" pitchFamily="34" charset="0"/>
+                <a:cs typeface="AppleSystemUIFont"/>
+              </a:rPr>
+              <a:t>Familiarize yourself with the DCAT-AP classes, properties, and controlled vocabularies. This will give you an overview of what is available and how it is structured.</a:t>
+            </a:r>
+            <a:endParaRPr lang="en-NL" sz="1200" kern="100" dirty="0">
+              <a:effectLst/>
+              <a:latin typeface="Calibri" panose="020F0502020204030204" pitchFamily="34" charset="0"/>
+              <a:ea typeface="Calibri" panose="020F0502020204030204" pitchFamily="34" charset="0"/>
+              <a:cs typeface="Times New Roman" panose="02020603050405020304" pitchFamily="18" charset="0"/>
+            </a:endParaRPr>
+          </a:p>
+          <a:p>
+            <a:pPr marL="742950" lvl="1" indent="-285750">
+              <a:buFont typeface="Courier New" panose="02070309020205020404" pitchFamily="49" charset="0"/>
+              <a:buChar char="o"/>
+            </a:pPr>
+            <a:r>
+              <a:rPr lang="en-GB" sz="1300" kern="0" dirty="0">
+                <a:effectLst/>
+                <a:latin typeface="AppleSystemUIFont"/>
+                <a:ea typeface="Calibri" panose="020F0502020204030204" pitchFamily="34" charset="0"/>
+                <a:cs typeface="AppleSystemUIFont"/>
+              </a:rPr>
+              <a:t>Documentation for the DCAT-AP can usually be found on official EU websites or repositories related to open data standards.</a:t>
+            </a:r>
+            <a:endParaRPr lang="en-NL" sz="1200" kern="100" dirty="0">
+              <a:effectLst/>
+              <a:latin typeface="Calibri" panose="020F0502020204030204" pitchFamily="34" charset="0"/>
+              <a:ea typeface="Calibri" panose="020F0502020204030204" pitchFamily="34" charset="0"/>
+              <a:cs typeface="Times New Roman" panose="02020603050405020304" pitchFamily="18" charset="0"/>
+            </a:endParaRPr>
+          </a:p>
+          <a:p>
+            <a:pPr marL="342900" lvl="0" indent="-342900">
+              <a:buFont typeface="Symbol" pitchFamily="2" charset="2"/>
+              <a:buChar char=""/>
+            </a:pPr>
+            <a:r>
+              <a:rPr lang="en-GB" sz="1300" b="1" kern="0" dirty="0">
+                <a:effectLst/>
+                <a:latin typeface="AppleSystemUIFont"/>
+                <a:ea typeface="Calibri" panose="020F0502020204030204" pitchFamily="34" charset="0"/>
+                <a:cs typeface="AppleSystemUIFont"/>
+              </a:rPr>
+              <a:t>Mapping &amp; Alignment</a:t>
+            </a:r>
+            <a:r>
+              <a:rPr lang="en-GB" sz="1300" kern="0" dirty="0">
+                <a:effectLst/>
+                <a:latin typeface="AppleSystemUIFont"/>
+                <a:ea typeface="Calibri" panose="020F0502020204030204" pitchFamily="34" charset="0"/>
+                <a:cs typeface="AppleSystemUIFont"/>
+              </a:rPr>
+              <a:t>:</a:t>
+            </a:r>
+            <a:endParaRPr lang="en-NL" sz="1200" kern="100" dirty="0">
+              <a:effectLst/>
+              <a:latin typeface="Calibri" panose="020F0502020204030204" pitchFamily="34" charset="0"/>
+              <a:ea typeface="Calibri" panose="020F0502020204030204" pitchFamily="34" charset="0"/>
+              <a:cs typeface="Times New Roman" panose="02020603050405020304" pitchFamily="18" charset="0"/>
+            </a:endParaRPr>
+          </a:p>
+          <a:p>
+            <a:pPr marL="742950" lvl="1" indent="-285750">
+              <a:buFont typeface="Courier New" panose="02070309020205020404" pitchFamily="49" charset="0"/>
+              <a:buChar char="o"/>
+            </a:pPr>
+            <a:r>
+              <a:rPr lang="en-GB" sz="1300" kern="0" dirty="0">
+                <a:effectLst/>
+                <a:latin typeface="AppleSystemUIFont"/>
+                <a:ea typeface="Calibri" panose="020F0502020204030204" pitchFamily="34" charset="0"/>
+                <a:cs typeface="AppleSystemUIFont"/>
+              </a:rPr>
+              <a:t>For each term in your current metadata schema, identify a corresponding class or property in DCAT-AP.</a:t>
+            </a:r>
+            <a:endParaRPr lang="en-NL" sz="1200" kern="100" dirty="0">
+              <a:effectLst/>
+              <a:latin typeface="Calibri" panose="020F0502020204030204" pitchFamily="34" charset="0"/>
+              <a:ea typeface="Calibri" panose="020F0502020204030204" pitchFamily="34" charset="0"/>
+              <a:cs typeface="Times New Roman" panose="02020603050405020304" pitchFamily="18" charset="0"/>
+            </a:endParaRPr>
+          </a:p>
+          <a:p>
+            <a:pPr marL="742950" lvl="1" indent="-285750">
+              <a:buFont typeface="Courier New" panose="02070309020205020404" pitchFamily="49" charset="0"/>
+              <a:buChar char="o"/>
+            </a:pPr>
+            <a:r>
+              <a:rPr lang="en-GB" sz="1300" kern="0" dirty="0">
+                <a:effectLst/>
+                <a:latin typeface="AppleSystemUIFont"/>
+                <a:ea typeface="Calibri" panose="020F0502020204030204" pitchFamily="34" charset="0"/>
+                <a:cs typeface="AppleSystemUIFont"/>
+              </a:rPr>
+              <a:t>If a direct match doesn’t exist, consider whether the term can be mapped to an extended class or property in DCAT-AP, or whether it can be represented using a combination of available classes or properties.</a:t>
+            </a:r>
+            <a:endParaRPr lang="en-NL" sz="1200" kern="100" dirty="0">
+              <a:effectLst/>
+              <a:latin typeface="Calibri" panose="020F0502020204030204" pitchFamily="34" charset="0"/>
+              <a:ea typeface="Calibri" panose="020F0502020204030204" pitchFamily="34" charset="0"/>
+              <a:cs typeface="Times New Roman" panose="02020603050405020304" pitchFamily="18" charset="0"/>
+            </a:endParaRPr>
+          </a:p>
+          <a:p>
+            <a:pPr marL="342900" lvl="0" indent="-342900">
+              <a:buFont typeface="Symbol" pitchFamily="2" charset="2"/>
+              <a:buChar char=""/>
+            </a:pPr>
+            <a:r>
+              <a:rPr lang="en-GB" sz="1300" b="1" kern="0" dirty="0">
+                <a:effectLst/>
+                <a:latin typeface="AppleSystemUIFont"/>
+                <a:ea typeface="Calibri" panose="020F0502020204030204" pitchFamily="34" charset="0"/>
+                <a:cs typeface="AppleSystemUIFont"/>
+              </a:rPr>
+              <a:t>Address Gaps</a:t>
+            </a:r>
+            <a:r>
+              <a:rPr lang="en-GB" sz="1300" kern="0" dirty="0">
+                <a:effectLst/>
+                <a:latin typeface="AppleSystemUIFont"/>
+                <a:ea typeface="Calibri" panose="020F0502020204030204" pitchFamily="34" charset="0"/>
+                <a:cs typeface="AppleSystemUIFont"/>
+              </a:rPr>
+              <a:t>:</a:t>
+            </a:r>
+            <a:endParaRPr lang="en-NL" sz="1200" kern="100" dirty="0">
+              <a:effectLst/>
+              <a:latin typeface="Calibri" panose="020F0502020204030204" pitchFamily="34" charset="0"/>
+              <a:ea typeface="Calibri" panose="020F0502020204030204" pitchFamily="34" charset="0"/>
+              <a:cs typeface="Times New Roman" panose="02020603050405020304" pitchFamily="18" charset="0"/>
+            </a:endParaRPr>
+          </a:p>
+          <a:p>
+            <a:pPr marL="742950" lvl="1" indent="-285750">
+              <a:buFont typeface="Courier New" panose="02070309020205020404" pitchFamily="49" charset="0"/>
+              <a:buChar char="o"/>
+            </a:pPr>
+            <a:r>
+              <a:rPr lang="en-GB" sz="1300" kern="0" dirty="0">
+                <a:effectLst/>
+                <a:latin typeface="AppleSystemUIFont"/>
+                <a:ea typeface="Calibri" panose="020F0502020204030204" pitchFamily="34" charset="0"/>
+                <a:cs typeface="AppleSystemUIFont"/>
+              </a:rPr>
+              <a:t>If you find terms in your metadata that don’t have a corresponding representation in DCAT-AP, you will need to decide how to address these gaps.</a:t>
+            </a:r>
+            <a:endParaRPr lang="en-NL" sz="1200" kern="100" dirty="0">
+              <a:effectLst/>
+              <a:latin typeface="Calibri" panose="020F0502020204030204" pitchFamily="34" charset="0"/>
+              <a:ea typeface="Calibri" panose="020F0502020204030204" pitchFamily="34" charset="0"/>
+              <a:cs typeface="Times New Roman" panose="02020603050405020304" pitchFamily="18" charset="0"/>
+            </a:endParaRPr>
+          </a:p>
+          <a:p>
+            <a:pPr marL="742950" lvl="1" indent="-285750">
+              <a:buFont typeface="Courier New" panose="02070309020205020404" pitchFamily="49" charset="0"/>
+              <a:buChar char="o"/>
+            </a:pPr>
+            <a:r>
+              <a:rPr lang="en-GB" sz="1300" kern="0" dirty="0">
+                <a:effectLst/>
+                <a:latin typeface="AppleSystemUIFont"/>
+                <a:ea typeface="Calibri" panose="020F0502020204030204" pitchFamily="34" charset="0"/>
+                <a:cs typeface="AppleSystemUIFont"/>
+              </a:rPr>
+              <a:t>You might consider extending the DCAT-AP schema (by creating custom classes or properties).</a:t>
+            </a:r>
+            <a:endParaRPr lang="en-NL" sz="1200" kern="100" dirty="0">
+              <a:effectLst/>
+              <a:latin typeface="Calibri" panose="020F0502020204030204" pitchFamily="34" charset="0"/>
+              <a:ea typeface="Calibri" panose="020F0502020204030204" pitchFamily="34" charset="0"/>
+              <a:cs typeface="Times New Roman" panose="02020603050405020304" pitchFamily="18" charset="0"/>
+            </a:endParaRPr>
+          </a:p>
+          <a:p>
+            <a:pPr marL="342900" lvl="0" indent="-342900">
+              <a:buFont typeface="Symbol" pitchFamily="2" charset="2"/>
+              <a:buChar char=""/>
+            </a:pPr>
+            <a:r>
+              <a:rPr lang="en-GB" sz="1300" b="1" kern="0" dirty="0">
+                <a:effectLst/>
+                <a:latin typeface="AppleSystemUIFont"/>
+                <a:ea typeface="Calibri" panose="020F0502020204030204" pitchFamily="34" charset="0"/>
+                <a:cs typeface="AppleSystemUIFont"/>
+              </a:rPr>
+              <a:t>Document Your Decisions</a:t>
+            </a:r>
+            <a:r>
+              <a:rPr lang="en-GB" sz="1300" kern="0" dirty="0">
+                <a:effectLst/>
+                <a:latin typeface="AppleSystemUIFont"/>
+                <a:ea typeface="Calibri" panose="020F0502020204030204" pitchFamily="34" charset="0"/>
+                <a:cs typeface="AppleSystemUIFont"/>
+              </a:rPr>
+              <a:t>:</a:t>
+            </a:r>
+            <a:endParaRPr lang="en-NL" sz="1200" kern="100" dirty="0">
+              <a:effectLst/>
+              <a:latin typeface="Calibri" panose="020F0502020204030204" pitchFamily="34" charset="0"/>
+              <a:ea typeface="Calibri" panose="020F0502020204030204" pitchFamily="34" charset="0"/>
+              <a:cs typeface="Times New Roman" panose="02020603050405020304" pitchFamily="18" charset="0"/>
+            </a:endParaRPr>
+          </a:p>
+          <a:p>
+            <a:pPr marL="742950" lvl="1" indent="-285750">
+              <a:buFont typeface="Courier New" panose="02070309020205020404" pitchFamily="49" charset="0"/>
+              <a:buChar char="o"/>
+            </a:pPr>
+            <a:r>
+              <a:rPr lang="en-GB" sz="1300" kern="0" dirty="0">
+                <a:effectLst/>
+                <a:latin typeface="AppleSystemUIFont"/>
+                <a:ea typeface="Calibri" panose="020F0502020204030204" pitchFamily="34" charset="0"/>
+                <a:cs typeface="AppleSystemUIFont"/>
+              </a:rPr>
+              <a:t>Maintain a crosswalk or mapping document that records how each term in your metadata is aligned with DCAT-AP. This will be valuable for future reference, training, or auditing purposes.</a:t>
+            </a:r>
+            <a:endParaRPr lang="en-NL" sz="1200" kern="100" dirty="0">
+              <a:effectLst/>
+              <a:latin typeface="Calibri" panose="020F0502020204030204" pitchFamily="34" charset="0"/>
+              <a:ea typeface="Calibri" panose="020F0502020204030204" pitchFamily="34" charset="0"/>
+              <a:cs typeface="Times New Roman" panose="02020603050405020304" pitchFamily="18" charset="0"/>
+            </a:endParaRPr>
+          </a:p>
+          <a:p>
+            <a:pPr marL="342900" lvl="0" indent="-342900">
+              <a:buFont typeface="Symbol" pitchFamily="2" charset="2"/>
+              <a:buChar char=""/>
+            </a:pPr>
+            <a:r>
+              <a:rPr lang="en-GB" sz="1300" b="1" kern="0" dirty="0">
+                <a:effectLst/>
+                <a:latin typeface="AppleSystemUIFont"/>
+                <a:ea typeface="Calibri" panose="020F0502020204030204" pitchFamily="34" charset="0"/>
+                <a:cs typeface="AppleSystemUIFont"/>
+              </a:rPr>
+              <a:t>Implement the Alignment</a:t>
+            </a:r>
+            <a:r>
+              <a:rPr lang="en-GB" sz="1300" kern="0" dirty="0">
+                <a:effectLst/>
+                <a:latin typeface="AppleSystemUIFont"/>
+                <a:ea typeface="Calibri" panose="020F0502020204030204" pitchFamily="34" charset="0"/>
+                <a:cs typeface="AppleSystemUIFont"/>
+              </a:rPr>
+              <a:t>:</a:t>
+            </a:r>
+            <a:endParaRPr lang="en-NL" sz="1200" kern="100" dirty="0">
+              <a:effectLst/>
+              <a:latin typeface="Calibri" panose="020F0502020204030204" pitchFamily="34" charset="0"/>
+              <a:ea typeface="Calibri" panose="020F0502020204030204" pitchFamily="34" charset="0"/>
+              <a:cs typeface="Times New Roman" panose="02020603050405020304" pitchFamily="18" charset="0"/>
+            </a:endParaRPr>
+          </a:p>
+          <a:p>
+            <a:pPr marL="742950" lvl="1" indent="-285750">
+              <a:buFont typeface="Courier New" panose="02070309020205020404" pitchFamily="49" charset="0"/>
+              <a:buChar char="o"/>
+            </a:pPr>
+            <a:r>
+              <a:rPr lang="en-GB" sz="1300" kern="0" dirty="0">
+                <a:effectLst/>
+                <a:latin typeface="AppleSystemUIFont"/>
+                <a:ea typeface="Calibri" panose="020F0502020204030204" pitchFamily="34" charset="0"/>
+                <a:cs typeface="AppleSystemUIFont"/>
+              </a:rPr>
+              <a:t>Update your metadata capture, storage, and publishing tools to use the aligned schema.</a:t>
+            </a:r>
+            <a:endParaRPr lang="en-NL" sz="1200" kern="100" dirty="0">
+              <a:effectLst/>
+              <a:latin typeface="Calibri" panose="020F0502020204030204" pitchFamily="34" charset="0"/>
+              <a:ea typeface="Calibri" panose="020F0502020204030204" pitchFamily="34" charset="0"/>
+              <a:cs typeface="Times New Roman" panose="02020603050405020304" pitchFamily="18" charset="0"/>
+            </a:endParaRPr>
+          </a:p>
+          <a:p>
+            <a:pPr marL="742950" lvl="1" indent="-285750">
+              <a:buFont typeface="Courier New" panose="02070309020205020404" pitchFamily="49" charset="0"/>
+              <a:buChar char="o"/>
+            </a:pPr>
+            <a:r>
+              <a:rPr lang="en-GB" sz="1300" kern="0" dirty="0">
+                <a:effectLst/>
+                <a:latin typeface="AppleSystemUIFont"/>
+                <a:ea typeface="Calibri" panose="020F0502020204030204" pitchFamily="34" charset="0"/>
+                <a:cs typeface="AppleSystemUIFont"/>
+              </a:rPr>
+              <a:t>If you're developing a new system, ensure that the software respects the DCAT-AP alignment.</a:t>
+            </a:r>
+            <a:endParaRPr lang="en-NL" sz="1200" kern="100" dirty="0">
+              <a:effectLst/>
+              <a:latin typeface="Calibri" panose="020F0502020204030204" pitchFamily="34" charset="0"/>
+              <a:ea typeface="Calibri" panose="020F0502020204030204" pitchFamily="34" charset="0"/>
+              <a:cs typeface="Times New Roman" panose="02020603050405020304" pitchFamily="18" charset="0"/>
+            </a:endParaRPr>
+          </a:p>
+          <a:p>
+            <a:endParaRPr lang="en-NL" dirty="0"/>
+          </a:p>
+        </p:txBody>
+      </p:sp>
     </p:spTree>
     <p:extLst>
       <p:ext uri="{BB962C8B-B14F-4D97-AF65-F5344CB8AC3E}">
-        <p14:creationId xmlns:p14="http://schemas.microsoft.com/office/powerpoint/2010/main" val="809312081"/>
+        <p14:creationId xmlns:p14="http://schemas.microsoft.com/office/powerpoint/2010/main" val="1601994409"/>
       </p:ext>
     </p:extLst>
   </p:cSld>
@@ -19850,7 +19912,7 @@
           <p:cNvPr id="2" name="Title 1">
             <a:extLst>
               <a:ext uri="{FF2B5EF4-FFF2-40B4-BE49-F238E27FC236}">
-                <a16:creationId xmlns:a16="http://schemas.microsoft.com/office/drawing/2014/main" id="{26244896-C32D-77BA-CC93-425BE670B515}"/>
+                <a16:creationId xmlns:a16="http://schemas.microsoft.com/office/drawing/2014/main" id="{9AA218FE-B4B0-7475-5023-6A45439EF0CD}"/>
               </a:ext>
             </a:extLst>
           </p:cNvPr>
@@ -19869,16 +19931,8 @@
           <a:lstStyle/>
           <a:p>
             <a:r>
-              <a:rPr lang="en-NL" dirty="0">
-                <a:latin typeface="Lato" panose="020F0502020204030203" pitchFamily="34" charset="0"/>
-                <a:ea typeface="Lato" panose="020F0502020204030203" pitchFamily="34" charset="0"/>
-                <a:cs typeface="Lato" panose="020F0502020204030203" pitchFamily="34" charset="0"/>
-              </a:rPr>
-              <a:t>Health-RI</a:t>
-            </a:r>
-            <a:r>
               <a:rPr lang="en-NL" dirty="0"/>
-              <a:t> tasks in progress</a:t>
+              <a:t>Health-RI git repo</a:t>
             </a:r>
           </a:p>
         </p:txBody>
@@ -19888,7 +19942,7 @@
           <p:cNvPr id="3" name="Text Placeholder 2">
             <a:extLst>
               <a:ext uri="{FF2B5EF4-FFF2-40B4-BE49-F238E27FC236}">
-                <a16:creationId xmlns:a16="http://schemas.microsoft.com/office/drawing/2014/main" id="{F71B9D02-5D4D-9E54-CA76-A87ADCF92AAF}"/>
+                <a16:creationId xmlns:a16="http://schemas.microsoft.com/office/drawing/2014/main" id="{91E07B5C-B1F7-C5FC-A956-010EED75829E}"/>
               </a:ext>
             </a:extLst>
           </p:cNvPr>
@@ -19899,102 +19953,58 @@
             <p:ph type="body" idx="1"/>
           </p:nvPr>
         </p:nvSpPr>
-        <p:spPr>
-          <a:xfrm>
-            <a:off x="729450" y="2079798"/>
-            <a:ext cx="7688700" cy="2261100"/>
-          </a:xfrm>
-          <a:noFill/>
-          <a:ln>
-            <a:noFill/>
-          </a:ln>
-        </p:spPr>
+        <p:spPr/>
         <p:txBody>
-          <a:bodyPr spcFirstLastPara="1" wrap="square" lIns="91425" tIns="91425" rIns="91425" bIns="91425" anchor="t" anchorCtr="0">
-            <a:normAutofit fontScale="92500" lnSpcReduction="10000"/>
-          </a:bodyPr>
+          <a:bodyPr/>
           <a:lstStyle/>
           <a:p>
             <a:r>
-              <a:rPr lang="en-GB" dirty="0"/>
-              <a:t>How do we modularise the metadata schema </a:t>
+              <a:rPr lang="en-NL" dirty="0"/>
+              <a:t>DCAT-AP specification and models</a:t>
             </a:r>
           </a:p>
           <a:p>
             <a:pPr lvl="1"/>
             <a:r>
-              <a:rPr lang="en-GB" dirty="0"/>
-              <a:t>(core, domain specific, application specific)</a:t>
+              <a:rPr lang="en-GB" dirty="0">
+                <a:hlinkClick r:id="rId2"/>
+              </a:rPr>
+              <a:t>https://github.com/Health-RI/health-ri-metadata/tree/master/DCAT-AP</a:t>
+            </a:r>
+            <a:endParaRPr lang="en-NL" dirty="0"/>
+          </a:p>
+          <a:p>
+            <a:endParaRPr lang="en-GB" dirty="0">
+              <a:hlinkClick r:id="rId3"/>
+            </a:endParaRPr>
+          </a:p>
+          <a:p>
+            <a:r>
+              <a:rPr lang="en-GB" dirty="0">
+                <a:hlinkClick r:id="rId3"/>
+              </a:rPr>
+              <a:t>Metadata Requirement sheet </a:t>
             </a:r>
           </a:p>
           <a:p>
             <a:pPr lvl="1"/>
             <a:r>
-              <a:rPr lang="en-GB" dirty="0"/>
-              <a:t>Or other ways? </a:t>
+              <a:rPr lang="en-GB" dirty="0">
+                <a:hlinkClick r:id="rId3"/>
+              </a:rPr>
+              <a:t>https://github.com/Health-RI/health-ri-metadata/blob/master/Leaves_Petals/metadata%20collection%20sheet%20template.xlsx</a:t>
             </a:r>
-          </a:p>
-          <a:p>
             <a:endParaRPr lang="en-GB" dirty="0"/>
           </a:p>
           <a:p>
-            <a:r>
-              <a:rPr lang="en-GB" dirty="0"/>
-              <a:t>Specification document on core metadata schema for current release</a:t>
-            </a:r>
-          </a:p>
-          <a:p>
-            <a:pPr lvl="1"/>
-            <a:r>
-              <a:rPr lang="en-GB" dirty="0"/>
-              <a:t>On Confluence</a:t>
-            </a:r>
-          </a:p>
-          <a:p>
-            <a:endParaRPr lang="en-GB" dirty="0"/>
-          </a:p>
-          <a:p>
-            <a:r>
-              <a:rPr lang="en-GB" dirty="0"/>
-              <a:t>a How- to document for expose your datasets in health-</a:t>
-            </a:r>
-            <a:r>
-              <a:rPr lang="en-GB" dirty="0" err="1"/>
-              <a:t>ri</a:t>
-            </a:r>
-            <a:r>
-              <a:rPr lang="en-GB" dirty="0"/>
-              <a:t> portal with the metadata defined in the core schema. </a:t>
-            </a:r>
-          </a:p>
-          <a:p>
-            <a:pPr lvl="1"/>
-            <a:r>
-              <a:rPr lang="en-GB" dirty="0"/>
-              <a:t>on confluence</a:t>
-            </a:r>
-          </a:p>
-          <a:p>
-            <a:pPr lvl="1"/>
-            <a:r>
-              <a:rPr lang="en-GB" dirty="0"/>
-              <a:t>Ways to instantiate  the core metadata schema with your dataset(s) examples. </a:t>
-            </a:r>
-          </a:p>
-          <a:p>
-            <a:pPr lvl="1"/>
-            <a:endParaRPr lang="en-GB" dirty="0"/>
-          </a:p>
-          <a:p>
-            <a:pPr lvl="1"/>
-            <a:endParaRPr lang="en-GB" dirty="0"/>
+            <a:endParaRPr lang="en-NL" dirty="0"/>
           </a:p>
         </p:txBody>
       </p:sp>
     </p:spTree>
     <p:extLst>
       <p:ext uri="{BB962C8B-B14F-4D97-AF65-F5344CB8AC3E}">
-        <p14:creationId xmlns:p14="http://schemas.microsoft.com/office/powerpoint/2010/main" val="1442609621"/>
+        <p14:creationId xmlns:p14="http://schemas.microsoft.com/office/powerpoint/2010/main" val="2425301459"/>
       </p:ext>
     </p:extLst>
   </p:cSld>
@@ -20124,7 +20134,7 @@
             </a:pPr>
             <a:r>
               <a:rPr lang="en-GB" dirty="0"/>
-              <a:t>Identify pre-existing standards in your field  and map your requirements to it,</a:t>
+              <a:t>Identify pre-existing standards in your field  and map your requirements to it, “DICOM” Ontology</a:t>
             </a:r>
             <a:endParaRPr dirty="0"/>
           </a:p>
@@ -20232,7 +20242,7 @@
             </a:pPr>
             <a:r>
               <a:rPr lang="en-GB" dirty="0"/>
-              <a:t>Need more Metadata/Modelling/FDP help?  Talk to Luiz Bonino, </a:t>
+              <a:t>Need more Metadata/Modelling/FDP help?  Talk to Bruna Vieira, Dena Tahvildari, Luiz Bonino, </a:t>
             </a:r>
             <a:r>
               <a:rPr lang="en-GB" dirty="0" err="1"/>
@@ -20240,7 +20250,7 @@
             </a:r>
             <a:r>
               <a:rPr lang="en-GB" dirty="0"/>
-              <a:t> Burgers or Bruna Vieira, Dena Tahvildari</a:t>
+              <a:t> Burgers.</a:t>
             </a:r>
             <a:endParaRPr dirty="0"/>
           </a:p>
